--- a/Layer 2/LogicalDiagram.pptx
+++ b/Layer 2/LogicalDiagram.pptx
@@ -104,6 +104,11 @@
       </a:defRPr>
     </a:lvl9pPr>
   </p:defaultTextStyle>
+  <p:extLst>
+    <p:ext uri="{EFAFB233-063F-42B5-8137-9DF3F51BA10A}">
+      <p15:sldGuideLst xmlns:p15="http://schemas.microsoft.com/office/powerpoint/2012/main"/>
+    </p:ext>
+  </p:extLst>
 </p:presentation>
 </file>
 
@@ -3919,13 +3924,13 @@
           </a:prstGeom>
         </p:spPr>
         <p:style>
-          <a:lnRef idx="1">
+          <a:lnRef idx="3">
             <a:schemeClr val="accent1"/>
           </a:lnRef>
           <a:fillRef idx="0">
             <a:schemeClr val="accent1"/>
           </a:fillRef>
-          <a:effectRef idx="0">
+          <a:effectRef idx="2">
             <a:schemeClr val="accent1"/>
           </a:effectRef>
           <a:fontRef idx="minor">
@@ -4028,13 +4033,13 @@
           </a:prstGeom>
         </p:spPr>
         <p:style>
-          <a:lnRef idx="1">
+          <a:lnRef idx="2">
             <a:schemeClr val="accent1"/>
           </a:lnRef>
           <a:fillRef idx="0">
             <a:schemeClr val="accent1"/>
           </a:fillRef>
-          <a:effectRef idx="0">
+          <a:effectRef idx="1">
             <a:schemeClr val="accent1"/>
           </a:effectRef>
           <a:fontRef idx="minor">
@@ -4067,13 +4072,13 @@
           </a:prstGeom>
         </p:spPr>
         <p:style>
-          <a:lnRef idx="1">
+          <a:lnRef idx="3">
             <a:schemeClr val="accent1"/>
           </a:lnRef>
           <a:fillRef idx="0">
             <a:schemeClr val="accent1"/>
           </a:fillRef>
-          <a:effectRef idx="0">
+          <a:effectRef idx="2">
             <a:schemeClr val="accent1"/>
           </a:effectRef>
           <a:fontRef idx="minor">
@@ -4106,13 +4111,13 @@
           </a:prstGeom>
         </p:spPr>
         <p:style>
-          <a:lnRef idx="1">
+          <a:lnRef idx="3">
             <a:schemeClr val="accent1"/>
           </a:lnRef>
           <a:fillRef idx="0">
             <a:schemeClr val="accent1"/>
           </a:fillRef>
-          <a:effectRef idx="0">
+          <a:effectRef idx="2">
             <a:schemeClr val="accent1"/>
           </a:effectRef>
           <a:fontRef idx="minor">
@@ -4528,13 +4533,13 @@
           </a:prstGeom>
         </p:spPr>
         <p:style>
-          <a:lnRef idx="1">
+          <a:lnRef idx="3">
             <a:schemeClr val="accent1"/>
           </a:lnRef>
           <a:fillRef idx="0">
             <a:schemeClr val="accent1"/>
           </a:fillRef>
-          <a:effectRef idx="0">
+          <a:effectRef idx="2">
             <a:schemeClr val="accent1"/>
           </a:effectRef>
           <a:fontRef idx="minor">
@@ -4570,13 +4575,13 @@
           </a:prstGeom>
         </p:spPr>
         <p:style>
-          <a:lnRef idx="1">
+          <a:lnRef idx="3">
             <a:schemeClr val="accent1"/>
           </a:lnRef>
           <a:fillRef idx="0">
             <a:schemeClr val="accent1"/>
           </a:fillRef>
-          <a:effectRef idx="0">
+          <a:effectRef idx="2">
             <a:schemeClr val="accent1"/>
           </a:effectRef>
           <a:fontRef idx="minor">
@@ -5044,13 +5049,13 @@
           </a:prstGeom>
         </p:spPr>
         <p:style>
-          <a:lnRef idx="1">
+          <a:lnRef idx="3">
             <a:schemeClr val="accent1"/>
           </a:lnRef>
           <a:fillRef idx="0">
             <a:schemeClr val="accent1"/>
           </a:fillRef>
-          <a:effectRef idx="0">
+          <a:effectRef idx="2">
             <a:schemeClr val="accent1"/>
           </a:effectRef>
           <a:fontRef idx="minor">

--- a/Layer 2/LogicalDiagram.pptx
+++ b/Layer 2/LogicalDiagram.pptx
@@ -6,6 +6,7 @@
   </p:sldMasterIdLst>
   <p:sldIdLst>
     <p:sldId id="256" r:id="rId2"/>
+    <p:sldId id="257" r:id="rId3"/>
   </p:sldIdLst>
   <p:sldSz cx="12192000" cy="6858000"/>
   <p:notesSz cx="6858000" cy="9144000"/>
@@ -261,7 +262,7 @@
           <a:p>
             <a:fld id="{39D2E73F-31B7-4F55-9473-984E20C534B1}" type="datetimeFigureOut">
               <a:rPr lang="en-IE" smtClean="0"/>
-              <a:t>14/02/2025</a:t>
+              <a:t>16/02/2025</a:t>
             </a:fld>
             <a:endParaRPr lang="en-IE"/>
           </a:p>
@@ -461,7 +462,7 @@
           <a:p>
             <a:fld id="{39D2E73F-31B7-4F55-9473-984E20C534B1}" type="datetimeFigureOut">
               <a:rPr lang="en-IE" smtClean="0"/>
-              <a:t>14/02/2025</a:t>
+              <a:t>16/02/2025</a:t>
             </a:fld>
             <a:endParaRPr lang="en-IE"/>
           </a:p>
@@ -671,7 +672,7 @@
           <a:p>
             <a:fld id="{39D2E73F-31B7-4F55-9473-984E20C534B1}" type="datetimeFigureOut">
               <a:rPr lang="en-IE" smtClean="0"/>
-              <a:t>14/02/2025</a:t>
+              <a:t>16/02/2025</a:t>
             </a:fld>
             <a:endParaRPr lang="en-IE"/>
           </a:p>
@@ -871,7 +872,7 @@
           <a:p>
             <a:fld id="{39D2E73F-31B7-4F55-9473-984E20C534B1}" type="datetimeFigureOut">
               <a:rPr lang="en-IE" smtClean="0"/>
-              <a:t>14/02/2025</a:t>
+              <a:t>16/02/2025</a:t>
             </a:fld>
             <a:endParaRPr lang="en-IE"/>
           </a:p>
@@ -1147,7 +1148,7 @@
           <a:p>
             <a:fld id="{39D2E73F-31B7-4F55-9473-984E20C534B1}" type="datetimeFigureOut">
               <a:rPr lang="en-IE" smtClean="0"/>
-              <a:t>14/02/2025</a:t>
+              <a:t>16/02/2025</a:t>
             </a:fld>
             <a:endParaRPr lang="en-IE"/>
           </a:p>
@@ -1415,7 +1416,7 @@
           <a:p>
             <a:fld id="{39D2E73F-31B7-4F55-9473-984E20C534B1}" type="datetimeFigureOut">
               <a:rPr lang="en-IE" smtClean="0"/>
-              <a:t>14/02/2025</a:t>
+              <a:t>16/02/2025</a:t>
             </a:fld>
             <a:endParaRPr lang="en-IE"/>
           </a:p>
@@ -1830,7 +1831,7 @@
           <a:p>
             <a:fld id="{39D2E73F-31B7-4F55-9473-984E20C534B1}" type="datetimeFigureOut">
               <a:rPr lang="en-IE" smtClean="0"/>
-              <a:t>14/02/2025</a:t>
+              <a:t>16/02/2025</a:t>
             </a:fld>
             <a:endParaRPr lang="en-IE"/>
           </a:p>
@@ -1972,7 +1973,7 @@
           <a:p>
             <a:fld id="{39D2E73F-31B7-4F55-9473-984E20C534B1}" type="datetimeFigureOut">
               <a:rPr lang="en-IE" smtClean="0"/>
-              <a:t>14/02/2025</a:t>
+              <a:t>16/02/2025</a:t>
             </a:fld>
             <a:endParaRPr lang="en-IE"/>
           </a:p>
@@ -2085,7 +2086,7 @@
           <a:p>
             <a:fld id="{39D2E73F-31B7-4F55-9473-984E20C534B1}" type="datetimeFigureOut">
               <a:rPr lang="en-IE" smtClean="0"/>
-              <a:t>14/02/2025</a:t>
+              <a:t>16/02/2025</a:t>
             </a:fld>
             <a:endParaRPr lang="en-IE"/>
           </a:p>
@@ -2398,7 +2399,7 @@
           <a:p>
             <a:fld id="{39D2E73F-31B7-4F55-9473-984E20C534B1}" type="datetimeFigureOut">
               <a:rPr lang="en-IE" smtClean="0"/>
-              <a:t>14/02/2025</a:t>
+              <a:t>16/02/2025</a:t>
             </a:fld>
             <a:endParaRPr lang="en-IE"/>
           </a:p>
@@ -2687,7 +2688,7 @@
           <a:p>
             <a:fld id="{39D2E73F-31B7-4F55-9473-984E20C534B1}" type="datetimeFigureOut">
               <a:rPr lang="en-IE" smtClean="0"/>
-              <a:t>14/02/2025</a:t>
+              <a:t>16/02/2025</a:t>
             </a:fld>
             <a:endParaRPr lang="en-IE"/>
           </a:p>
@@ -2930,7 +2931,7 @@
           <a:p>
             <a:fld id="{39D2E73F-31B7-4F55-9473-984E20C534B1}" type="datetimeFigureOut">
               <a:rPr lang="en-IE" smtClean="0"/>
-              <a:t>14/02/2025</a:t>
+              <a:t>16/02/2025</a:t>
             </a:fld>
             <a:endParaRPr lang="en-IE"/>
           </a:p>
@@ -5111,6 +5112,2570 @@
 </p:sld>
 </file>
 
+<file path=ppt/slides/slide2.xml><?xml version="1.0" encoding="utf-8"?>
+<p:sld xmlns:a="http://schemas.openxmlformats.org/drawingml/2006/main" xmlns:r="http://schemas.openxmlformats.org/officeDocument/2006/relationships" xmlns:p="http://schemas.openxmlformats.org/presentationml/2006/main">
+  <p:cSld>
+    <p:spTree>
+      <p:nvGrpSpPr>
+        <p:cNvPr id="1" name=""/>
+        <p:cNvGrpSpPr/>
+        <p:nvPr/>
+      </p:nvGrpSpPr>
+      <p:grpSpPr>
+        <a:xfrm>
+          <a:off x="0" y="0"/>
+          <a:ext cx="0" cy="0"/>
+          <a:chOff x="0" y="0"/>
+          <a:chExt cx="0" cy="0"/>
+        </a:xfrm>
+      </p:grpSpPr>
+      <p:sp>
+        <p:nvSpPr>
+          <p:cNvPr id="2" name="Flowchart: Connector 1">
+            <a:extLst>
+              <a:ext uri="{FF2B5EF4-FFF2-40B4-BE49-F238E27FC236}">
+                <a16:creationId xmlns:a16="http://schemas.microsoft.com/office/drawing/2014/main" id="{5DBD16DA-D519-405E-9795-FF648DEC40CA}"/>
+              </a:ext>
+            </a:extLst>
+          </p:cNvPr>
+          <p:cNvSpPr/>
+          <p:nvPr/>
+        </p:nvSpPr>
+        <p:spPr>
+          <a:xfrm>
+            <a:off x="6180655" y="2902463"/>
+            <a:ext cx="620786" cy="620785"/>
+          </a:xfrm>
+          <a:prstGeom prst="flowChartConnector">
+            <a:avLst/>
+          </a:prstGeom>
+          <a:ln>
+            <a:solidFill>
+              <a:schemeClr val="tx1"/>
+            </a:solidFill>
+          </a:ln>
+        </p:spPr>
+        <p:style>
+          <a:lnRef idx="2">
+            <a:schemeClr val="accent1">
+              <a:shade val="50000"/>
+            </a:schemeClr>
+          </a:lnRef>
+          <a:fillRef idx="1">
+            <a:schemeClr val="accent1"/>
+          </a:fillRef>
+          <a:effectRef idx="0">
+            <a:schemeClr val="accent1"/>
+          </a:effectRef>
+          <a:fontRef idx="minor">
+            <a:schemeClr val="lt1"/>
+          </a:fontRef>
+        </p:style>
+        <p:txBody>
+          <a:bodyPr rtlCol="0" anchor="ctr"/>
+          <a:lstStyle/>
+          <a:p>
+            <a:pPr algn="ctr"/>
+            <a:endParaRPr lang="en-IE" dirty="0"/>
+          </a:p>
+        </p:txBody>
+      </p:sp>
+      <p:sp>
+        <p:nvSpPr>
+          <p:cNvPr id="3" name="Arrow: Up 2">
+            <a:extLst>
+              <a:ext uri="{FF2B5EF4-FFF2-40B4-BE49-F238E27FC236}">
+                <a16:creationId xmlns:a16="http://schemas.microsoft.com/office/drawing/2014/main" id="{E1E85380-25B9-43E9-894E-71EDBE8B6090}"/>
+              </a:ext>
+            </a:extLst>
+          </p:cNvPr>
+          <p:cNvSpPr/>
+          <p:nvPr/>
+        </p:nvSpPr>
+        <p:spPr>
+          <a:xfrm rot="19593104">
+            <a:off x="6367088" y="2948236"/>
+            <a:ext cx="170468" cy="537050"/>
+          </a:xfrm>
+          <a:prstGeom prst="upArrow">
+            <a:avLst/>
+          </a:prstGeom>
+          <a:ln>
+            <a:solidFill>
+              <a:schemeClr val="tx1"/>
+            </a:solidFill>
+          </a:ln>
+        </p:spPr>
+        <p:style>
+          <a:lnRef idx="2">
+            <a:schemeClr val="accent1">
+              <a:shade val="50000"/>
+            </a:schemeClr>
+          </a:lnRef>
+          <a:fillRef idx="1">
+            <a:schemeClr val="accent1"/>
+          </a:fillRef>
+          <a:effectRef idx="0">
+            <a:schemeClr val="accent1"/>
+          </a:effectRef>
+          <a:fontRef idx="minor">
+            <a:schemeClr val="lt1"/>
+          </a:fontRef>
+        </p:style>
+        <p:txBody>
+          <a:bodyPr rtlCol="0" anchor="ctr"/>
+          <a:lstStyle/>
+          <a:p>
+            <a:pPr algn="ctr"/>
+            <a:endParaRPr lang="en-IE" dirty="0">
+              <a:ln w="0"/>
+              <a:solidFill>
+                <a:schemeClr val="tx1"/>
+              </a:solidFill>
+              <a:effectLst>
+                <a:outerShdw blurRad="38100" dist="19050" dir="2700000" algn="tl" rotWithShape="0">
+                  <a:schemeClr val="dk1">
+                    <a:alpha val="40000"/>
+                  </a:schemeClr>
+                </a:outerShdw>
+              </a:effectLst>
+            </a:endParaRPr>
+          </a:p>
+        </p:txBody>
+      </p:sp>
+      <p:sp>
+        <p:nvSpPr>
+          <p:cNvPr id="4" name="Arrow: Up 3">
+            <a:extLst>
+              <a:ext uri="{FF2B5EF4-FFF2-40B4-BE49-F238E27FC236}">
+                <a16:creationId xmlns:a16="http://schemas.microsoft.com/office/drawing/2014/main" id="{AC6E5C7D-39CC-4DE8-96C3-80310BCC7B0D}"/>
+              </a:ext>
+            </a:extLst>
+          </p:cNvPr>
+          <p:cNvSpPr/>
+          <p:nvPr/>
+        </p:nvSpPr>
+        <p:spPr>
+          <a:xfrm rot="2490545">
+            <a:off x="6395203" y="2942334"/>
+            <a:ext cx="206011" cy="528638"/>
+          </a:xfrm>
+          <a:prstGeom prst="upArrow">
+            <a:avLst/>
+          </a:prstGeom>
+          <a:ln>
+            <a:solidFill>
+              <a:schemeClr val="tx1"/>
+            </a:solidFill>
+          </a:ln>
+        </p:spPr>
+        <p:style>
+          <a:lnRef idx="2">
+            <a:schemeClr val="accent1">
+              <a:shade val="50000"/>
+            </a:schemeClr>
+          </a:lnRef>
+          <a:fillRef idx="1">
+            <a:schemeClr val="accent1"/>
+          </a:fillRef>
+          <a:effectRef idx="0">
+            <a:schemeClr val="accent1"/>
+          </a:effectRef>
+          <a:fontRef idx="minor">
+            <a:schemeClr val="lt1"/>
+          </a:fontRef>
+        </p:style>
+        <p:txBody>
+          <a:bodyPr rtlCol="0" anchor="ctr"/>
+          <a:lstStyle/>
+          <a:p>
+            <a:pPr algn="ctr"/>
+            <a:endParaRPr lang="en-IE" dirty="0">
+              <a:ln w="0"/>
+              <a:solidFill>
+                <a:schemeClr val="tx1"/>
+              </a:solidFill>
+              <a:effectLst>
+                <a:outerShdw blurRad="38100" dist="19050" dir="2700000" algn="tl" rotWithShape="0">
+                  <a:schemeClr val="dk1">
+                    <a:alpha val="40000"/>
+                  </a:schemeClr>
+                </a:outerShdw>
+              </a:effectLst>
+            </a:endParaRPr>
+          </a:p>
+        </p:txBody>
+      </p:sp>
+      <p:sp>
+        <p:nvSpPr>
+          <p:cNvPr id="8" name="Rectangle: Rounded Corners 7">
+            <a:extLst>
+              <a:ext uri="{FF2B5EF4-FFF2-40B4-BE49-F238E27FC236}">
+                <a16:creationId xmlns:a16="http://schemas.microsoft.com/office/drawing/2014/main" id="{A026DC82-9D7E-4845-A6A6-1DC513753D54}"/>
+              </a:ext>
+            </a:extLst>
+          </p:cNvPr>
+          <p:cNvSpPr/>
+          <p:nvPr/>
+        </p:nvSpPr>
+        <p:spPr>
+          <a:xfrm>
+            <a:off x="6008681" y="2576969"/>
+            <a:ext cx="964734" cy="2160408"/>
+          </a:xfrm>
+          <a:prstGeom prst="roundRect">
+            <a:avLst/>
+          </a:prstGeom>
+          <a:noFill/>
+          <a:ln w="9525" cap="flat" cmpd="sng" algn="ctr">
+            <a:solidFill>
+              <a:schemeClr val="tx1"/>
+            </a:solidFill>
+            <a:prstDash val="solid"/>
+            <a:round/>
+            <a:headEnd type="none" w="med" len="med"/>
+            <a:tailEnd type="none" w="med" len="med"/>
+          </a:ln>
+        </p:spPr>
+        <p:style>
+          <a:lnRef idx="0">
+            <a:scrgbClr r="0" g="0" b="0"/>
+          </a:lnRef>
+          <a:fillRef idx="0">
+            <a:scrgbClr r="0" g="0" b="0"/>
+          </a:fillRef>
+          <a:effectRef idx="0">
+            <a:scrgbClr r="0" g="0" b="0"/>
+          </a:effectRef>
+          <a:fontRef idx="minor">
+            <a:schemeClr val="accent4"/>
+          </a:fontRef>
+        </p:style>
+        <p:txBody>
+          <a:bodyPr rtlCol="0" anchor="ctr"/>
+          <a:lstStyle/>
+          <a:p>
+            <a:pPr algn="ctr"/>
+            <a:endParaRPr lang="en-IE"/>
+          </a:p>
+        </p:txBody>
+      </p:sp>
+      <p:cxnSp>
+        <p:nvCxnSpPr>
+          <p:cNvPr id="9" name="Straight Connector 8">
+            <a:extLst>
+              <a:ext uri="{FF2B5EF4-FFF2-40B4-BE49-F238E27FC236}">
+                <a16:creationId xmlns:a16="http://schemas.microsoft.com/office/drawing/2014/main" id="{1B658FC3-AA0D-4FCF-87B3-B4F8C6BD26EC}"/>
+              </a:ext>
+            </a:extLst>
+          </p:cNvPr>
+          <p:cNvCxnSpPr>
+            <a:cxnSpLocks/>
+            <a:stCxn id="2" idx="4"/>
+            <a:endCxn id="19" idx="0"/>
+          </p:cNvCxnSpPr>
+          <p:nvPr/>
+        </p:nvCxnSpPr>
+        <p:spPr>
+          <a:xfrm>
+            <a:off x="6491048" y="3523248"/>
+            <a:ext cx="2038" cy="324068"/>
+          </a:xfrm>
+          <a:prstGeom prst="line">
+            <a:avLst/>
+          </a:prstGeom>
+        </p:spPr>
+        <p:style>
+          <a:lnRef idx="3">
+            <a:schemeClr val="accent1"/>
+          </a:lnRef>
+          <a:fillRef idx="0">
+            <a:schemeClr val="accent1"/>
+          </a:fillRef>
+          <a:effectRef idx="2">
+            <a:schemeClr val="accent1"/>
+          </a:effectRef>
+          <a:fontRef idx="minor">
+            <a:schemeClr val="tx1"/>
+          </a:fontRef>
+        </p:style>
+      </p:cxnSp>
+      <p:sp>
+        <p:nvSpPr>
+          <p:cNvPr id="10" name="TextBox 9">
+            <a:extLst>
+              <a:ext uri="{FF2B5EF4-FFF2-40B4-BE49-F238E27FC236}">
+                <a16:creationId xmlns:a16="http://schemas.microsoft.com/office/drawing/2014/main" id="{F9F89EE1-9DC8-4B6D-8664-707DC99E7711}"/>
+              </a:ext>
+            </a:extLst>
+          </p:cNvPr>
+          <p:cNvSpPr txBox="1"/>
+          <p:nvPr/>
+        </p:nvSpPr>
+        <p:spPr>
+          <a:xfrm>
+            <a:off x="6180655" y="2606573"/>
+            <a:ext cx="620787" cy="230832"/>
+          </a:xfrm>
+          <a:prstGeom prst="rect">
+            <a:avLst/>
+          </a:prstGeom>
+          <a:noFill/>
+        </p:spPr>
+        <p:txBody>
+          <a:bodyPr wrap="square" rtlCol="0">
+            <a:spAutoFit/>
+          </a:bodyPr>
+          <a:lstStyle/>
+          <a:p>
+            <a:pPr algn="ctr"/>
+            <a:r>
+              <a:rPr lang="en-IE" sz="900" dirty="0"/>
+              <a:t>Router 1</a:t>
+            </a:r>
+          </a:p>
+        </p:txBody>
+      </p:sp>
+      <p:sp>
+        <p:nvSpPr>
+          <p:cNvPr id="11" name="TextBox 10">
+            <a:extLst>
+              <a:ext uri="{FF2B5EF4-FFF2-40B4-BE49-F238E27FC236}">
+                <a16:creationId xmlns:a16="http://schemas.microsoft.com/office/drawing/2014/main" id="{D26A0F2A-87EE-49AB-9932-3CDA20A1B2EA}"/>
+              </a:ext>
+            </a:extLst>
+          </p:cNvPr>
+          <p:cNvSpPr txBox="1"/>
+          <p:nvPr/>
+        </p:nvSpPr>
+        <p:spPr>
+          <a:xfrm>
+            <a:off x="5996778" y="4526249"/>
+            <a:ext cx="988540" cy="230832"/>
+          </a:xfrm>
+          <a:prstGeom prst="rect">
+            <a:avLst/>
+          </a:prstGeom>
+          <a:noFill/>
+        </p:spPr>
+        <p:txBody>
+          <a:bodyPr wrap="square" rtlCol="0">
+            <a:spAutoFit/>
+          </a:bodyPr>
+          <a:lstStyle/>
+          <a:p>
+            <a:pPr algn="ctr"/>
+            <a:r>
+              <a:rPr lang="en-IE" sz="900" dirty="0"/>
+              <a:t>Router 2</a:t>
+            </a:r>
+          </a:p>
+        </p:txBody>
+      </p:sp>
+      <p:sp>
+        <p:nvSpPr>
+          <p:cNvPr id="12" name="TextBox 11">
+            <a:extLst>
+              <a:ext uri="{FF2B5EF4-FFF2-40B4-BE49-F238E27FC236}">
+                <a16:creationId xmlns:a16="http://schemas.microsoft.com/office/drawing/2014/main" id="{20D36B56-1C68-4F46-96BE-6360DEBEF642}"/>
+              </a:ext>
+            </a:extLst>
+          </p:cNvPr>
+          <p:cNvSpPr txBox="1"/>
+          <p:nvPr/>
+        </p:nvSpPr>
+        <p:spPr>
+          <a:xfrm>
+            <a:off x="6008681" y="2218430"/>
+            <a:ext cx="1023037" cy="307777"/>
+          </a:xfrm>
+          <a:prstGeom prst="rect">
+            <a:avLst/>
+          </a:prstGeom>
+          <a:noFill/>
+        </p:spPr>
+        <p:txBody>
+          <a:bodyPr wrap="square" rtlCol="0">
+            <a:spAutoFit/>
+          </a:bodyPr>
+          <a:lstStyle/>
+          <a:p>
+            <a:pPr algn="ctr"/>
+            <a:r>
+              <a:rPr lang="en-IE" sz="1400" dirty="0"/>
+              <a:t>HSRP .20</a:t>
+            </a:r>
+          </a:p>
+        </p:txBody>
+      </p:sp>
+      <p:sp>
+        <p:nvSpPr>
+          <p:cNvPr id="19" name="Flowchart: Connector 18">
+            <a:extLst>
+              <a:ext uri="{FF2B5EF4-FFF2-40B4-BE49-F238E27FC236}">
+                <a16:creationId xmlns:a16="http://schemas.microsoft.com/office/drawing/2014/main" id="{151D7B15-D3CB-4D88-BE65-0AD0575F8604}"/>
+              </a:ext>
+            </a:extLst>
+          </p:cNvPr>
+          <p:cNvSpPr/>
+          <p:nvPr/>
+        </p:nvSpPr>
+        <p:spPr>
+          <a:xfrm>
+            <a:off x="6182693" y="3847316"/>
+            <a:ext cx="620786" cy="620785"/>
+          </a:xfrm>
+          <a:prstGeom prst="flowChartConnector">
+            <a:avLst/>
+          </a:prstGeom>
+          <a:ln>
+            <a:solidFill>
+              <a:schemeClr val="tx1"/>
+            </a:solidFill>
+          </a:ln>
+        </p:spPr>
+        <p:style>
+          <a:lnRef idx="2">
+            <a:schemeClr val="accent1">
+              <a:shade val="50000"/>
+            </a:schemeClr>
+          </a:lnRef>
+          <a:fillRef idx="1">
+            <a:schemeClr val="accent1"/>
+          </a:fillRef>
+          <a:effectRef idx="0">
+            <a:schemeClr val="accent1"/>
+          </a:effectRef>
+          <a:fontRef idx="minor">
+            <a:schemeClr val="lt1"/>
+          </a:fontRef>
+        </p:style>
+        <p:txBody>
+          <a:bodyPr rtlCol="0" anchor="ctr"/>
+          <a:lstStyle/>
+          <a:p>
+            <a:pPr algn="ctr"/>
+            <a:endParaRPr lang="en-IE" dirty="0"/>
+          </a:p>
+        </p:txBody>
+      </p:sp>
+      <p:sp>
+        <p:nvSpPr>
+          <p:cNvPr id="20" name="Arrow: Up 19">
+            <a:extLst>
+              <a:ext uri="{FF2B5EF4-FFF2-40B4-BE49-F238E27FC236}">
+                <a16:creationId xmlns:a16="http://schemas.microsoft.com/office/drawing/2014/main" id="{E5EDAADF-D0F0-4715-A619-C35C83930AE6}"/>
+              </a:ext>
+            </a:extLst>
+          </p:cNvPr>
+          <p:cNvSpPr/>
+          <p:nvPr/>
+        </p:nvSpPr>
+        <p:spPr>
+          <a:xfrm rot="19593104">
+            <a:off x="6369126" y="3893089"/>
+            <a:ext cx="170468" cy="537050"/>
+          </a:xfrm>
+          <a:prstGeom prst="upArrow">
+            <a:avLst/>
+          </a:prstGeom>
+          <a:ln>
+            <a:solidFill>
+              <a:schemeClr val="tx1"/>
+            </a:solidFill>
+          </a:ln>
+        </p:spPr>
+        <p:style>
+          <a:lnRef idx="2">
+            <a:schemeClr val="accent1">
+              <a:shade val="50000"/>
+            </a:schemeClr>
+          </a:lnRef>
+          <a:fillRef idx="1">
+            <a:schemeClr val="accent1"/>
+          </a:fillRef>
+          <a:effectRef idx="0">
+            <a:schemeClr val="accent1"/>
+          </a:effectRef>
+          <a:fontRef idx="minor">
+            <a:schemeClr val="lt1"/>
+          </a:fontRef>
+        </p:style>
+        <p:txBody>
+          <a:bodyPr rtlCol="0" anchor="ctr"/>
+          <a:lstStyle/>
+          <a:p>
+            <a:pPr algn="ctr"/>
+            <a:endParaRPr lang="en-IE" dirty="0">
+              <a:ln w="0"/>
+              <a:solidFill>
+                <a:schemeClr val="tx1"/>
+              </a:solidFill>
+              <a:effectLst>
+                <a:outerShdw blurRad="38100" dist="19050" dir="2700000" algn="tl" rotWithShape="0">
+                  <a:schemeClr val="dk1">
+                    <a:alpha val="40000"/>
+                  </a:schemeClr>
+                </a:outerShdw>
+              </a:effectLst>
+            </a:endParaRPr>
+          </a:p>
+        </p:txBody>
+      </p:sp>
+      <p:sp>
+        <p:nvSpPr>
+          <p:cNvPr id="21" name="Arrow: Up 20">
+            <a:extLst>
+              <a:ext uri="{FF2B5EF4-FFF2-40B4-BE49-F238E27FC236}">
+                <a16:creationId xmlns:a16="http://schemas.microsoft.com/office/drawing/2014/main" id="{FB7B905E-9490-4B7D-B5C6-53A70CAC8E97}"/>
+              </a:ext>
+            </a:extLst>
+          </p:cNvPr>
+          <p:cNvSpPr/>
+          <p:nvPr/>
+        </p:nvSpPr>
+        <p:spPr>
+          <a:xfrm rot="2490545">
+            <a:off x="6397241" y="3887187"/>
+            <a:ext cx="206011" cy="528638"/>
+          </a:xfrm>
+          <a:prstGeom prst="upArrow">
+            <a:avLst/>
+          </a:prstGeom>
+          <a:ln>
+            <a:solidFill>
+              <a:schemeClr val="tx1"/>
+            </a:solidFill>
+          </a:ln>
+        </p:spPr>
+        <p:style>
+          <a:lnRef idx="2">
+            <a:schemeClr val="accent1">
+              <a:shade val="50000"/>
+            </a:schemeClr>
+          </a:lnRef>
+          <a:fillRef idx="1">
+            <a:schemeClr val="accent1"/>
+          </a:fillRef>
+          <a:effectRef idx="0">
+            <a:schemeClr val="accent1"/>
+          </a:effectRef>
+          <a:fontRef idx="minor">
+            <a:schemeClr val="lt1"/>
+          </a:fontRef>
+        </p:style>
+        <p:txBody>
+          <a:bodyPr rtlCol="0" anchor="ctr"/>
+          <a:lstStyle/>
+          <a:p>
+            <a:pPr algn="ctr"/>
+            <a:endParaRPr lang="en-IE" dirty="0">
+              <a:ln w="0"/>
+              <a:solidFill>
+                <a:schemeClr val="tx1"/>
+              </a:solidFill>
+              <a:effectLst>
+                <a:outerShdw blurRad="38100" dist="19050" dir="2700000" algn="tl" rotWithShape="0">
+                  <a:schemeClr val="dk1">
+                    <a:alpha val="40000"/>
+                  </a:schemeClr>
+                </a:outerShdw>
+              </a:effectLst>
+            </a:endParaRPr>
+          </a:p>
+        </p:txBody>
+      </p:sp>
+      <p:sp>
+        <p:nvSpPr>
+          <p:cNvPr id="24" name="Cloud 23">
+            <a:extLst>
+              <a:ext uri="{FF2B5EF4-FFF2-40B4-BE49-F238E27FC236}">
+                <a16:creationId xmlns:a16="http://schemas.microsoft.com/office/drawing/2014/main" id="{193E544B-C251-4A6E-BBDB-5E1222C49CB6}"/>
+              </a:ext>
+            </a:extLst>
+          </p:cNvPr>
+          <p:cNvSpPr/>
+          <p:nvPr/>
+        </p:nvSpPr>
+        <p:spPr>
+          <a:xfrm>
+            <a:off x="2679602" y="3398820"/>
+            <a:ext cx="1157679" cy="788566"/>
+          </a:xfrm>
+          <a:prstGeom prst="cloud">
+            <a:avLst/>
+          </a:prstGeom>
+        </p:spPr>
+        <p:style>
+          <a:lnRef idx="2">
+            <a:schemeClr val="accent1">
+              <a:shade val="50000"/>
+            </a:schemeClr>
+          </a:lnRef>
+          <a:fillRef idx="1">
+            <a:schemeClr val="accent1"/>
+          </a:fillRef>
+          <a:effectRef idx="0">
+            <a:schemeClr val="accent1"/>
+          </a:effectRef>
+          <a:fontRef idx="minor">
+            <a:schemeClr val="lt1"/>
+          </a:fontRef>
+        </p:style>
+        <p:txBody>
+          <a:bodyPr rtlCol="0" anchor="ctr"/>
+          <a:lstStyle/>
+          <a:p>
+            <a:pPr algn="ctr"/>
+            <a:r>
+              <a:rPr lang="en-IE" sz="800" dirty="0">
+                <a:solidFill>
+                  <a:schemeClr val="tx1"/>
+                </a:solidFill>
+              </a:rPr>
+              <a:t>VLAN1</a:t>
+            </a:r>
+          </a:p>
+          <a:p>
+            <a:pPr algn="ctr"/>
+            <a:r>
+              <a:rPr lang="en-IE" sz="800" dirty="0">
+                <a:solidFill>
+                  <a:schemeClr val="tx1"/>
+                </a:solidFill>
+              </a:rPr>
+              <a:t>Hosts</a:t>
+            </a:r>
+          </a:p>
+          <a:p>
+            <a:pPr algn="ctr"/>
+            <a:r>
+              <a:rPr lang="en-IE" sz="800" b="0" i="0" u="none" strike="noStrike" dirty="0">
+                <a:solidFill>
+                  <a:schemeClr val="tx1"/>
+                </a:solidFill>
+                <a:effectLst/>
+                <a:latin typeface="Calibri" panose="020F0502020204030204" pitchFamily="34" charset="0"/>
+              </a:rPr>
+              <a:t>10.45.1.12/24</a:t>
+            </a:r>
+            <a:endParaRPr lang="en-IE" sz="800" dirty="0">
+              <a:solidFill>
+                <a:schemeClr val="tx1"/>
+              </a:solidFill>
+            </a:endParaRPr>
+          </a:p>
+        </p:txBody>
+      </p:sp>
+      <p:sp>
+        <p:nvSpPr>
+          <p:cNvPr id="25" name="Cloud 24">
+            <a:extLst>
+              <a:ext uri="{FF2B5EF4-FFF2-40B4-BE49-F238E27FC236}">
+                <a16:creationId xmlns:a16="http://schemas.microsoft.com/office/drawing/2014/main" id="{B17C0A77-5C86-4795-B52D-1294B4F2DE81}"/>
+              </a:ext>
+            </a:extLst>
+          </p:cNvPr>
+          <p:cNvSpPr/>
+          <p:nvPr/>
+        </p:nvSpPr>
+        <p:spPr>
+          <a:xfrm>
+            <a:off x="6883170" y="177583"/>
+            <a:ext cx="1157679" cy="788566"/>
+          </a:xfrm>
+          <a:prstGeom prst="cloud">
+            <a:avLst/>
+          </a:prstGeom>
+          <a:solidFill>
+            <a:srgbClr val="FFFF00"/>
+          </a:solidFill>
+        </p:spPr>
+        <p:style>
+          <a:lnRef idx="2">
+            <a:schemeClr val="accent1">
+              <a:shade val="50000"/>
+            </a:schemeClr>
+          </a:lnRef>
+          <a:fillRef idx="1">
+            <a:schemeClr val="accent1"/>
+          </a:fillRef>
+          <a:effectRef idx="0">
+            <a:schemeClr val="accent1"/>
+          </a:effectRef>
+          <a:fontRef idx="minor">
+            <a:schemeClr val="lt1"/>
+          </a:fontRef>
+        </p:style>
+        <p:txBody>
+          <a:bodyPr rtlCol="0" anchor="ctr"/>
+          <a:lstStyle/>
+          <a:p>
+            <a:pPr algn="ctr"/>
+            <a:r>
+              <a:rPr lang="en-IE" sz="800" dirty="0">
+                <a:solidFill>
+                  <a:schemeClr val="tx1"/>
+                </a:solidFill>
+              </a:rPr>
+              <a:t>VLAN1</a:t>
+            </a:r>
+          </a:p>
+          <a:p>
+            <a:pPr algn="ctr"/>
+            <a:r>
+              <a:rPr lang="en-IE" sz="800" dirty="0">
+                <a:solidFill>
+                  <a:schemeClr val="tx1"/>
+                </a:solidFill>
+              </a:rPr>
+              <a:t>Hosts</a:t>
+            </a:r>
+          </a:p>
+          <a:p>
+            <a:pPr algn="ctr"/>
+            <a:r>
+              <a:rPr lang="en-IE" sz="800" b="0" i="0" u="none" strike="noStrike" dirty="0">
+                <a:solidFill>
+                  <a:schemeClr val="tx1"/>
+                </a:solidFill>
+                <a:effectLst/>
+                <a:latin typeface="Calibri" panose="020F0502020204030204" pitchFamily="34" charset="0"/>
+              </a:rPr>
+              <a:t>10.45.1.0/24</a:t>
+            </a:r>
+            <a:endParaRPr lang="en-IE" sz="800" dirty="0">
+              <a:solidFill>
+                <a:schemeClr val="tx1"/>
+              </a:solidFill>
+            </a:endParaRPr>
+          </a:p>
+        </p:txBody>
+      </p:sp>
+      <p:sp>
+        <p:nvSpPr>
+          <p:cNvPr id="26" name="Cloud 25">
+            <a:extLst>
+              <a:ext uri="{FF2B5EF4-FFF2-40B4-BE49-F238E27FC236}">
+                <a16:creationId xmlns:a16="http://schemas.microsoft.com/office/drawing/2014/main" id="{5645D25A-CAF7-486E-9CD0-3F6B03E1F3AA}"/>
+              </a:ext>
+            </a:extLst>
+          </p:cNvPr>
+          <p:cNvSpPr/>
+          <p:nvPr/>
+        </p:nvSpPr>
+        <p:spPr>
+          <a:xfrm>
+            <a:off x="8388992" y="369115"/>
+            <a:ext cx="1157679" cy="788566"/>
+          </a:xfrm>
+          <a:prstGeom prst="cloud">
+            <a:avLst/>
+          </a:prstGeom>
+          <a:solidFill>
+            <a:srgbClr val="FFFF00"/>
+          </a:solidFill>
+        </p:spPr>
+        <p:style>
+          <a:lnRef idx="2">
+            <a:schemeClr val="accent1">
+              <a:shade val="50000"/>
+            </a:schemeClr>
+          </a:lnRef>
+          <a:fillRef idx="1">
+            <a:schemeClr val="accent1"/>
+          </a:fillRef>
+          <a:effectRef idx="0">
+            <a:schemeClr val="accent1"/>
+          </a:effectRef>
+          <a:fontRef idx="minor">
+            <a:schemeClr val="lt1"/>
+          </a:fontRef>
+        </p:style>
+        <p:txBody>
+          <a:bodyPr rtlCol="0" anchor="ctr"/>
+          <a:lstStyle/>
+          <a:p>
+            <a:pPr algn="ctr"/>
+            <a:r>
+              <a:rPr lang="en-IE" sz="800" dirty="0">
+                <a:solidFill>
+                  <a:schemeClr val="tx1"/>
+                </a:solidFill>
+              </a:rPr>
+              <a:t>VLAN1</a:t>
+            </a:r>
+          </a:p>
+          <a:p>
+            <a:pPr algn="ctr"/>
+            <a:r>
+              <a:rPr lang="en-IE" sz="800" dirty="0">
+                <a:solidFill>
+                  <a:schemeClr val="tx1"/>
+                </a:solidFill>
+              </a:rPr>
+              <a:t>Hosts</a:t>
+            </a:r>
+          </a:p>
+          <a:p>
+            <a:pPr algn="ctr"/>
+            <a:r>
+              <a:rPr lang="en-IE" sz="800" b="0" i="0" u="none" strike="noStrike" dirty="0">
+                <a:solidFill>
+                  <a:schemeClr val="tx1"/>
+                </a:solidFill>
+                <a:effectLst/>
+                <a:latin typeface="Calibri" panose="020F0502020204030204" pitchFamily="34" charset="0"/>
+              </a:rPr>
+              <a:t>10.45.1.1/24</a:t>
+            </a:r>
+            <a:endParaRPr lang="en-IE" sz="800" dirty="0">
+              <a:solidFill>
+                <a:schemeClr val="tx1"/>
+              </a:solidFill>
+            </a:endParaRPr>
+          </a:p>
+        </p:txBody>
+      </p:sp>
+      <p:sp>
+        <p:nvSpPr>
+          <p:cNvPr id="27" name="Cloud 26">
+            <a:extLst>
+              <a:ext uri="{FF2B5EF4-FFF2-40B4-BE49-F238E27FC236}">
+                <a16:creationId xmlns:a16="http://schemas.microsoft.com/office/drawing/2014/main" id="{C363A69E-EAB4-4F20-8B26-02271C53538B}"/>
+              </a:ext>
+            </a:extLst>
+          </p:cNvPr>
+          <p:cNvSpPr/>
+          <p:nvPr/>
+        </p:nvSpPr>
+        <p:spPr>
+          <a:xfrm>
+            <a:off x="9085277" y="1246116"/>
+            <a:ext cx="1157679" cy="788566"/>
+          </a:xfrm>
+          <a:prstGeom prst="cloud">
+            <a:avLst/>
+          </a:prstGeom>
+          <a:solidFill>
+            <a:srgbClr val="FFFF00"/>
+          </a:solidFill>
+        </p:spPr>
+        <p:style>
+          <a:lnRef idx="2">
+            <a:schemeClr val="accent1">
+              <a:shade val="50000"/>
+            </a:schemeClr>
+          </a:lnRef>
+          <a:fillRef idx="1">
+            <a:schemeClr val="accent1"/>
+          </a:fillRef>
+          <a:effectRef idx="0">
+            <a:schemeClr val="accent1"/>
+          </a:effectRef>
+          <a:fontRef idx="minor">
+            <a:schemeClr val="lt1"/>
+          </a:fontRef>
+        </p:style>
+        <p:txBody>
+          <a:bodyPr rtlCol="0" anchor="ctr"/>
+          <a:lstStyle/>
+          <a:p>
+            <a:pPr algn="ctr"/>
+            <a:r>
+              <a:rPr lang="en-IE" sz="800" dirty="0">
+                <a:solidFill>
+                  <a:schemeClr val="tx1"/>
+                </a:solidFill>
+              </a:rPr>
+              <a:t>VLAN1</a:t>
+            </a:r>
+          </a:p>
+          <a:p>
+            <a:pPr algn="ctr"/>
+            <a:r>
+              <a:rPr lang="en-IE" sz="800" dirty="0">
+                <a:solidFill>
+                  <a:schemeClr val="tx1"/>
+                </a:solidFill>
+              </a:rPr>
+              <a:t>Hosts</a:t>
+            </a:r>
+          </a:p>
+          <a:p>
+            <a:pPr algn="ctr"/>
+            <a:r>
+              <a:rPr lang="en-IE" sz="800" b="0" i="0" u="none" strike="noStrike" dirty="0">
+                <a:solidFill>
+                  <a:schemeClr val="tx1"/>
+                </a:solidFill>
+                <a:effectLst/>
+                <a:latin typeface="Calibri" panose="020F0502020204030204" pitchFamily="34" charset="0"/>
+              </a:rPr>
+              <a:t>10.45.1.2/24</a:t>
+            </a:r>
+            <a:endParaRPr lang="en-IE" sz="800" dirty="0">
+              <a:solidFill>
+                <a:schemeClr val="tx1"/>
+              </a:solidFill>
+            </a:endParaRPr>
+          </a:p>
+        </p:txBody>
+      </p:sp>
+      <p:sp>
+        <p:nvSpPr>
+          <p:cNvPr id="28" name="Cloud 27">
+            <a:extLst>
+              <a:ext uri="{FF2B5EF4-FFF2-40B4-BE49-F238E27FC236}">
+                <a16:creationId xmlns:a16="http://schemas.microsoft.com/office/drawing/2014/main" id="{7FC4F63E-9CDB-4DD2-9304-2AFDBDEC6379}"/>
+              </a:ext>
+            </a:extLst>
+          </p:cNvPr>
+          <p:cNvSpPr/>
+          <p:nvPr/>
+        </p:nvSpPr>
+        <p:spPr>
+          <a:xfrm>
+            <a:off x="9350219" y="3354794"/>
+            <a:ext cx="1157679" cy="788566"/>
+          </a:xfrm>
+          <a:prstGeom prst="cloud">
+            <a:avLst/>
+          </a:prstGeom>
+          <a:solidFill>
+            <a:srgbClr val="FFFF00"/>
+          </a:solidFill>
+        </p:spPr>
+        <p:style>
+          <a:lnRef idx="2">
+            <a:schemeClr val="accent1">
+              <a:shade val="50000"/>
+            </a:schemeClr>
+          </a:lnRef>
+          <a:fillRef idx="1">
+            <a:schemeClr val="accent1"/>
+          </a:fillRef>
+          <a:effectRef idx="0">
+            <a:schemeClr val="accent1"/>
+          </a:effectRef>
+          <a:fontRef idx="minor">
+            <a:schemeClr val="lt1"/>
+          </a:fontRef>
+        </p:style>
+        <p:txBody>
+          <a:bodyPr rtlCol="0" anchor="ctr"/>
+          <a:lstStyle/>
+          <a:p>
+            <a:pPr algn="ctr"/>
+            <a:r>
+              <a:rPr lang="en-IE" sz="800" dirty="0">
+                <a:solidFill>
+                  <a:schemeClr val="tx1"/>
+                </a:solidFill>
+              </a:rPr>
+              <a:t>VLAN1</a:t>
+            </a:r>
+          </a:p>
+          <a:p>
+            <a:pPr algn="ctr"/>
+            <a:r>
+              <a:rPr lang="en-IE" sz="800" dirty="0">
+                <a:solidFill>
+                  <a:schemeClr val="tx1"/>
+                </a:solidFill>
+              </a:rPr>
+              <a:t>Hosts</a:t>
+            </a:r>
+          </a:p>
+          <a:p>
+            <a:pPr algn="ctr"/>
+            <a:r>
+              <a:rPr lang="en-IE" sz="800" b="0" i="0" u="none" strike="noStrike" dirty="0">
+                <a:solidFill>
+                  <a:schemeClr val="tx1"/>
+                </a:solidFill>
+                <a:effectLst/>
+                <a:latin typeface="Calibri" panose="020F0502020204030204" pitchFamily="34" charset="0"/>
+              </a:rPr>
+              <a:t>10.45.1.4/24</a:t>
+            </a:r>
+            <a:endParaRPr lang="en-IE" sz="800" dirty="0">
+              <a:solidFill>
+                <a:schemeClr val="tx1"/>
+              </a:solidFill>
+            </a:endParaRPr>
+          </a:p>
+        </p:txBody>
+      </p:sp>
+      <p:sp>
+        <p:nvSpPr>
+          <p:cNvPr id="29" name="Cloud 28">
+            <a:extLst>
+              <a:ext uri="{FF2B5EF4-FFF2-40B4-BE49-F238E27FC236}">
+                <a16:creationId xmlns:a16="http://schemas.microsoft.com/office/drawing/2014/main" id="{FB8A172A-50AD-48D0-91C5-0028C2F7E5C1}"/>
+              </a:ext>
+            </a:extLst>
+          </p:cNvPr>
+          <p:cNvSpPr/>
+          <p:nvPr/>
+        </p:nvSpPr>
+        <p:spPr>
+          <a:xfrm>
+            <a:off x="9429227" y="4493640"/>
+            <a:ext cx="1157679" cy="788566"/>
+          </a:xfrm>
+          <a:prstGeom prst="cloud">
+            <a:avLst/>
+          </a:prstGeom>
+          <a:solidFill>
+            <a:srgbClr val="FFFF00"/>
+          </a:solidFill>
+        </p:spPr>
+        <p:style>
+          <a:lnRef idx="2">
+            <a:schemeClr val="accent1">
+              <a:shade val="50000"/>
+            </a:schemeClr>
+          </a:lnRef>
+          <a:fillRef idx="1">
+            <a:schemeClr val="accent1"/>
+          </a:fillRef>
+          <a:effectRef idx="0">
+            <a:schemeClr val="accent1"/>
+          </a:effectRef>
+          <a:fontRef idx="minor">
+            <a:schemeClr val="lt1"/>
+          </a:fontRef>
+        </p:style>
+        <p:txBody>
+          <a:bodyPr rtlCol="0" anchor="ctr"/>
+          <a:lstStyle/>
+          <a:p>
+            <a:pPr algn="ctr"/>
+            <a:r>
+              <a:rPr lang="en-IE" sz="800" dirty="0">
+                <a:solidFill>
+                  <a:schemeClr val="tx1"/>
+                </a:solidFill>
+              </a:rPr>
+              <a:t>VLAN1</a:t>
+            </a:r>
+          </a:p>
+          <a:p>
+            <a:pPr algn="ctr"/>
+            <a:r>
+              <a:rPr lang="en-IE" sz="800" dirty="0">
+                <a:solidFill>
+                  <a:schemeClr val="tx1"/>
+                </a:solidFill>
+              </a:rPr>
+              <a:t>Hosts</a:t>
+            </a:r>
+          </a:p>
+          <a:p>
+            <a:pPr algn="ctr"/>
+            <a:r>
+              <a:rPr lang="en-IE" sz="800" b="0" i="0" u="none" strike="noStrike" dirty="0">
+                <a:solidFill>
+                  <a:schemeClr val="tx1"/>
+                </a:solidFill>
+                <a:effectLst/>
+                <a:latin typeface="Calibri" panose="020F0502020204030204" pitchFamily="34" charset="0"/>
+              </a:rPr>
+              <a:t>10.45.1.5/24</a:t>
+            </a:r>
+            <a:endParaRPr lang="en-IE" sz="800" dirty="0">
+              <a:solidFill>
+                <a:schemeClr val="tx1"/>
+              </a:solidFill>
+            </a:endParaRPr>
+          </a:p>
+        </p:txBody>
+      </p:sp>
+      <p:sp>
+        <p:nvSpPr>
+          <p:cNvPr id="30" name="Cloud 29">
+            <a:extLst>
+              <a:ext uri="{FF2B5EF4-FFF2-40B4-BE49-F238E27FC236}">
+                <a16:creationId xmlns:a16="http://schemas.microsoft.com/office/drawing/2014/main" id="{9BBE13F1-0D64-4009-9D40-DADA6DF95020}"/>
+              </a:ext>
+            </a:extLst>
+          </p:cNvPr>
+          <p:cNvSpPr/>
+          <p:nvPr/>
+        </p:nvSpPr>
+        <p:spPr>
+          <a:xfrm>
+            <a:off x="9085278" y="5891851"/>
+            <a:ext cx="1157679" cy="788566"/>
+          </a:xfrm>
+          <a:prstGeom prst="cloud">
+            <a:avLst/>
+          </a:prstGeom>
+          <a:solidFill>
+            <a:srgbClr val="FFFF00"/>
+          </a:solidFill>
+        </p:spPr>
+        <p:style>
+          <a:lnRef idx="2">
+            <a:schemeClr val="accent1">
+              <a:shade val="50000"/>
+            </a:schemeClr>
+          </a:lnRef>
+          <a:fillRef idx="1">
+            <a:schemeClr val="accent1"/>
+          </a:fillRef>
+          <a:effectRef idx="0">
+            <a:schemeClr val="accent1"/>
+          </a:effectRef>
+          <a:fontRef idx="minor">
+            <a:schemeClr val="lt1"/>
+          </a:fontRef>
+        </p:style>
+        <p:txBody>
+          <a:bodyPr rtlCol="0" anchor="ctr"/>
+          <a:lstStyle/>
+          <a:p>
+            <a:pPr algn="ctr"/>
+            <a:r>
+              <a:rPr lang="en-IE" sz="800" dirty="0">
+                <a:solidFill>
+                  <a:schemeClr val="tx1"/>
+                </a:solidFill>
+              </a:rPr>
+              <a:t>VLAN1</a:t>
+            </a:r>
+          </a:p>
+          <a:p>
+            <a:pPr algn="ctr"/>
+            <a:r>
+              <a:rPr lang="en-IE" sz="800" dirty="0">
+                <a:solidFill>
+                  <a:schemeClr val="tx1"/>
+                </a:solidFill>
+              </a:rPr>
+              <a:t>Hosts</a:t>
+            </a:r>
+          </a:p>
+          <a:p>
+            <a:pPr algn="ctr"/>
+            <a:r>
+              <a:rPr lang="en-IE" sz="800" b="0" i="0" u="none" strike="noStrike" dirty="0">
+                <a:solidFill>
+                  <a:schemeClr val="tx1"/>
+                </a:solidFill>
+                <a:effectLst/>
+                <a:latin typeface="Calibri" panose="020F0502020204030204" pitchFamily="34" charset="0"/>
+              </a:rPr>
+              <a:t>10.45.1.6/24</a:t>
+            </a:r>
+            <a:endParaRPr lang="en-IE" sz="800" dirty="0">
+              <a:solidFill>
+                <a:schemeClr val="tx1"/>
+              </a:solidFill>
+            </a:endParaRPr>
+          </a:p>
+        </p:txBody>
+      </p:sp>
+      <p:sp>
+        <p:nvSpPr>
+          <p:cNvPr id="31" name="Cloud 30">
+            <a:extLst>
+              <a:ext uri="{FF2B5EF4-FFF2-40B4-BE49-F238E27FC236}">
+                <a16:creationId xmlns:a16="http://schemas.microsoft.com/office/drawing/2014/main" id="{9687A9DC-590F-4704-8ADF-9B9741E432B6}"/>
+              </a:ext>
+            </a:extLst>
+          </p:cNvPr>
+          <p:cNvSpPr/>
+          <p:nvPr/>
+        </p:nvSpPr>
+        <p:spPr>
+          <a:xfrm>
+            <a:off x="7530484" y="6059555"/>
+            <a:ext cx="1157679" cy="788566"/>
+          </a:xfrm>
+          <a:prstGeom prst="cloud">
+            <a:avLst/>
+          </a:prstGeom>
+        </p:spPr>
+        <p:style>
+          <a:lnRef idx="2">
+            <a:schemeClr val="accent1">
+              <a:shade val="50000"/>
+            </a:schemeClr>
+          </a:lnRef>
+          <a:fillRef idx="1">
+            <a:schemeClr val="accent1"/>
+          </a:fillRef>
+          <a:effectRef idx="0">
+            <a:schemeClr val="accent1"/>
+          </a:effectRef>
+          <a:fontRef idx="minor">
+            <a:schemeClr val="lt1"/>
+          </a:fontRef>
+        </p:style>
+        <p:txBody>
+          <a:bodyPr rtlCol="0" anchor="ctr"/>
+          <a:lstStyle/>
+          <a:p>
+            <a:pPr algn="ctr"/>
+            <a:r>
+              <a:rPr lang="en-IE" sz="800" dirty="0">
+                <a:solidFill>
+                  <a:schemeClr val="tx1"/>
+                </a:solidFill>
+              </a:rPr>
+              <a:t>VLAN1</a:t>
+            </a:r>
+          </a:p>
+          <a:p>
+            <a:pPr algn="ctr"/>
+            <a:r>
+              <a:rPr lang="en-IE" sz="800" dirty="0">
+                <a:solidFill>
+                  <a:schemeClr val="tx1"/>
+                </a:solidFill>
+              </a:rPr>
+              <a:t>Hosts</a:t>
+            </a:r>
+          </a:p>
+          <a:p>
+            <a:pPr algn="ctr"/>
+            <a:r>
+              <a:rPr lang="en-IE" sz="800" b="0" i="0" u="none" strike="noStrike" dirty="0">
+                <a:solidFill>
+                  <a:schemeClr val="tx1"/>
+                </a:solidFill>
+                <a:effectLst/>
+                <a:latin typeface="Calibri" panose="020F0502020204030204" pitchFamily="34" charset="0"/>
+              </a:rPr>
+              <a:t>10.45.1.7/24</a:t>
+            </a:r>
+            <a:endParaRPr lang="en-IE" sz="800" dirty="0">
+              <a:solidFill>
+                <a:schemeClr val="tx1"/>
+              </a:solidFill>
+            </a:endParaRPr>
+          </a:p>
+        </p:txBody>
+      </p:sp>
+      <p:sp>
+        <p:nvSpPr>
+          <p:cNvPr id="32" name="Cloud 31">
+            <a:extLst>
+              <a:ext uri="{FF2B5EF4-FFF2-40B4-BE49-F238E27FC236}">
+                <a16:creationId xmlns:a16="http://schemas.microsoft.com/office/drawing/2014/main" id="{B991930F-8A9A-4A07-82DF-889E834BD0A2}"/>
+              </a:ext>
+            </a:extLst>
+          </p:cNvPr>
+          <p:cNvSpPr/>
+          <p:nvPr/>
+        </p:nvSpPr>
+        <p:spPr>
+          <a:xfrm>
+            <a:off x="6156804" y="6075743"/>
+            <a:ext cx="1157679" cy="788566"/>
+          </a:xfrm>
+          <a:prstGeom prst="cloud">
+            <a:avLst/>
+          </a:prstGeom>
+        </p:spPr>
+        <p:style>
+          <a:lnRef idx="2">
+            <a:schemeClr val="accent1">
+              <a:shade val="50000"/>
+            </a:schemeClr>
+          </a:lnRef>
+          <a:fillRef idx="1">
+            <a:schemeClr val="accent1"/>
+          </a:fillRef>
+          <a:effectRef idx="0">
+            <a:schemeClr val="accent1"/>
+          </a:effectRef>
+          <a:fontRef idx="minor">
+            <a:schemeClr val="lt1"/>
+          </a:fontRef>
+        </p:style>
+        <p:txBody>
+          <a:bodyPr rtlCol="0" anchor="ctr"/>
+          <a:lstStyle/>
+          <a:p>
+            <a:pPr algn="ctr"/>
+            <a:r>
+              <a:rPr lang="en-IE" sz="800" dirty="0">
+                <a:solidFill>
+                  <a:schemeClr val="tx1"/>
+                </a:solidFill>
+              </a:rPr>
+              <a:t>VLAN1</a:t>
+            </a:r>
+          </a:p>
+          <a:p>
+            <a:pPr algn="ctr"/>
+            <a:r>
+              <a:rPr lang="en-IE" sz="800" dirty="0">
+                <a:solidFill>
+                  <a:schemeClr val="tx1"/>
+                </a:solidFill>
+              </a:rPr>
+              <a:t>Hosts</a:t>
+            </a:r>
+          </a:p>
+          <a:p>
+            <a:pPr algn="ctr"/>
+            <a:r>
+              <a:rPr lang="en-IE" sz="800" b="0" i="0" u="none" strike="noStrike" dirty="0">
+                <a:solidFill>
+                  <a:schemeClr val="tx1"/>
+                </a:solidFill>
+                <a:effectLst/>
+                <a:latin typeface="Calibri" panose="020F0502020204030204" pitchFamily="34" charset="0"/>
+              </a:rPr>
+              <a:t>10.45.1.8/24</a:t>
+            </a:r>
+            <a:endParaRPr lang="en-IE" sz="800" dirty="0">
+              <a:solidFill>
+                <a:schemeClr val="tx1"/>
+              </a:solidFill>
+            </a:endParaRPr>
+          </a:p>
+        </p:txBody>
+      </p:sp>
+      <p:sp>
+        <p:nvSpPr>
+          <p:cNvPr id="33" name="Cloud 32">
+            <a:extLst>
+              <a:ext uri="{FF2B5EF4-FFF2-40B4-BE49-F238E27FC236}">
+                <a16:creationId xmlns:a16="http://schemas.microsoft.com/office/drawing/2014/main" id="{0E0A4658-FEEE-479D-900F-B51503CF0750}"/>
+              </a:ext>
+            </a:extLst>
+          </p:cNvPr>
+          <p:cNvSpPr/>
+          <p:nvPr/>
+        </p:nvSpPr>
+        <p:spPr>
+          <a:xfrm>
+            <a:off x="4783124" y="6059555"/>
+            <a:ext cx="1157679" cy="788566"/>
+          </a:xfrm>
+          <a:prstGeom prst="cloud">
+            <a:avLst/>
+          </a:prstGeom>
+        </p:spPr>
+        <p:style>
+          <a:lnRef idx="2">
+            <a:schemeClr val="accent1">
+              <a:shade val="50000"/>
+            </a:schemeClr>
+          </a:lnRef>
+          <a:fillRef idx="1">
+            <a:schemeClr val="accent1"/>
+          </a:fillRef>
+          <a:effectRef idx="0">
+            <a:schemeClr val="accent1"/>
+          </a:effectRef>
+          <a:fontRef idx="minor">
+            <a:schemeClr val="lt1"/>
+          </a:fontRef>
+        </p:style>
+        <p:txBody>
+          <a:bodyPr rtlCol="0" anchor="ctr"/>
+          <a:lstStyle/>
+          <a:p>
+            <a:pPr algn="ctr"/>
+            <a:r>
+              <a:rPr lang="en-IE" sz="800" dirty="0">
+                <a:solidFill>
+                  <a:schemeClr val="tx1"/>
+                </a:solidFill>
+              </a:rPr>
+              <a:t>VLAN1</a:t>
+            </a:r>
+          </a:p>
+          <a:p>
+            <a:pPr algn="ctr"/>
+            <a:r>
+              <a:rPr lang="en-IE" sz="800" dirty="0">
+                <a:solidFill>
+                  <a:schemeClr val="tx1"/>
+                </a:solidFill>
+              </a:rPr>
+              <a:t>Hosts</a:t>
+            </a:r>
+          </a:p>
+          <a:p>
+            <a:pPr algn="ctr"/>
+            <a:r>
+              <a:rPr lang="en-IE" sz="800" b="0" i="0" u="none" strike="noStrike" dirty="0">
+                <a:solidFill>
+                  <a:schemeClr val="tx1"/>
+                </a:solidFill>
+                <a:effectLst/>
+                <a:latin typeface="Calibri" panose="020F0502020204030204" pitchFamily="34" charset="0"/>
+              </a:rPr>
+              <a:t>10.45.1.9/24</a:t>
+            </a:r>
+            <a:endParaRPr lang="en-IE" sz="800" dirty="0">
+              <a:solidFill>
+                <a:schemeClr val="tx1"/>
+              </a:solidFill>
+            </a:endParaRPr>
+          </a:p>
+        </p:txBody>
+      </p:sp>
+      <p:sp>
+        <p:nvSpPr>
+          <p:cNvPr id="34" name="Cloud 33">
+            <a:extLst>
+              <a:ext uri="{FF2B5EF4-FFF2-40B4-BE49-F238E27FC236}">
+                <a16:creationId xmlns:a16="http://schemas.microsoft.com/office/drawing/2014/main" id="{BD31BB15-ED6E-4BBF-9E31-04EC29C291C7}"/>
+              </a:ext>
+            </a:extLst>
+          </p:cNvPr>
+          <p:cNvSpPr/>
+          <p:nvPr/>
+        </p:nvSpPr>
+        <p:spPr>
+          <a:xfrm>
+            <a:off x="3228330" y="5903311"/>
+            <a:ext cx="1157679" cy="788566"/>
+          </a:xfrm>
+          <a:prstGeom prst="cloud">
+            <a:avLst/>
+          </a:prstGeom>
+        </p:spPr>
+        <p:style>
+          <a:lnRef idx="2">
+            <a:schemeClr val="accent1">
+              <a:shade val="50000"/>
+            </a:schemeClr>
+          </a:lnRef>
+          <a:fillRef idx="1">
+            <a:schemeClr val="accent1"/>
+          </a:fillRef>
+          <a:effectRef idx="0">
+            <a:schemeClr val="accent1"/>
+          </a:effectRef>
+          <a:fontRef idx="minor">
+            <a:schemeClr val="lt1"/>
+          </a:fontRef>
+        </p:style>
+        <p:txBody>
+          <a:bodyPr rtlCol="0" anchor="ctr"/>
+          <a:lstStyle/>
+          <a:p>
+            <a:pPr algn="ctr"/>
+            <a:r>
+              <a:rPr lang="en-IE" sz="800" dirty="0">
+                <a:solidFill>
+                  <a:schemeClr val="tx1"/>
+                </a:solidFill>
+              </a:rPr>
+              <a:t>VLAN1</a:t>
+            </a:r>
+          </a:p>
+          <a:p>
+            <a:pPr algn="ctr"/>
+            <a:r>
+              <a:rPr lang="en-IE" sz="800" dirty="0">
+                <a:solidFill>
+                  <a:schemeClr val="tx1"/>
+                </a:solidFill>
+              </a:rPr>
+              <a:t>Hosts</a:t>
+            </a:r>
+          </a:p>
+          <a:p>
+            <a:pPr algn="ctr"/>
+            <a:r>
+              <a:rPr lang="en-IE" sz="800" b="0" i="0" u="none" strike="noStrike" dirty="0">
+                <a:solidFill>
+                  <a:schemeClr val="tx1"/>
+                </a:solidFill>
+                <a:effectLst/>
+                <a:latin typeface="Calibri" panose="020F0502020204030204" pitchFamily="34" charset="0"/>
+              </a:rPr>
+              <a:t>10.45.1.10/24</a:t>
+            </a:r>
+            <a:endParaRPr lang="en-IE" sz="800" dirty="0">
+              <a:solidFill>
+                <a:schemeClr val="tx1"/>
+              </a:solidFill>
+            </a:endParaRPr>
+          </a:p>
+        </p:txBody>
+      </p:sp>
+      <p:sp>
+        <p:nvSpPr>
+          <p:cNvPr id="35" name="Cloud 34">
+            <a:extLst>
+              <a:ext uri="{FF2B5EF4-FFF2-40B4-BE49-F238E27FC236}">
+                <a16:creationId xmlns:a16="http://schemas.microsoft.com/office/drawing/2014/main" id="{DA02DC0F-F051-4BE0-9FA8-580AE94A9326}"/>
+              </a:ext>
+            </a:extLst>
+          </p:cNvPr>
+          <p:cNvSpPr/>
+          <p:nvPr/>
+        </p:nvSpPr>
+        <p:spPr>
+          <a:xfrm>
+            <a:off x="2544021" y="4624509"/>
+            <a:ext cx="1157679" cy="788566"/>
+          </a:xfrm>
+          <a:prstGeom prst="cloud">
+            <a:avLst/>
+          </a:prstGeom>
+          <a:solidFill>
+            <a:srgbClr val="FF0000"/>
+          </a:solidFill>
+        </p:spPr>
+        <p:style>
+          <a:lnRef idx="2">
+            <a:schemeClr val="accent1">
+              <a:shade val="50000"/>
+            </a:schemeClr>
+          </a:lnRef>
+          <a:fillRef idx="1">
+            <a:schemeClr val="accent1"/>
+          </a:fillRef>
+          <a:effectRef idx="0">
+            <a:schemeClr val="accent1"/>
+          </a:effectRef>
+          <a:fontRef idx="minor">
+            <a:schemeClr val="lt1"/>
+          </a:fontRef>
+        </p:style>
+        <p:txBody>
+          <a:bodyPr rtlCol="0" anchor="ctr"/>
+          <a:lstStyle/>
+          <a:p>
+            <a:pPr algn="ctr"/>
+            <a:r>
+              <a:rPr lang="en-IE" sz="800" dirty="0">
+                <a:solidFill>
+                  <a:schemeClr val="tx1"/>
+                </a:solidFill>
+              </a:rPr>
+              <a:t>VLAN1</a:t>
+            </a:r>
+          </a:p>
+          <a:p>
+            <a:pPr algn="ctr"/>
+            <a:r>
+              <a:rPr lang="en-IE" sz="800" dirty="0">
+                <a:solidFill>
+                  <a:schemeClr val="tx1"/>
+                </a:solidFill>
+              </a:rPr>
+              <a:t>Hosts</a:t>
+            </a:r>
+          </a:p>
+          <a:p>
+            <a:pPr algn="ctr"/>
+            <a:r>
+              <a:rPr lang="en-IE" sz="800" b="0" i="0" u="none" strike="noStrike" dirty="0">
+                <a:solidFill>
+                  <a:schemeClr val="tx1"/>
+                </a:solidFill>
+                <a:effectLst/>
+                <a:latin typeface="Calibri" panose="020F0502020204030204" pitchFamily="34" charset="0"/>
+              </a:rPr>
+              <a:t>10.45.1.11/24</a:t>
+            </a:r>
+            <a:endParaRPr lang="en-IE" sz="800" dirty="0">
+              <a:solidFill>
+                <a:schemeClr val="tx1"/>
+              </a:solidFill>
+            </a:endParaRPr>
+          </a:p>
+        </p:txBody>
+      </p:sp>
+      <p:sp>
+        <p:nvSpPr>
+          <p:cNvPr id="36" name="Cloud 35">
+            <a:extLst>
+              <a:ext uri="{FF2B5EF4-FFF2-40B4-BE49-F238E27FC236}">
+                <a16:creationId xmlns:a16="http://schemas.microsoft.com/office/drawing/2014/main" id="{1A8EF928-2F34-41F2-9E5F-3450CC8F7F6A}"/>
+              </a:ext>
+            </a:extLst>
+          </p:cNvPr>
+          <p:cNvSpPr/>
+          <p:nvPr/>
+        </p:nvSpPr>
+        <p:spPr>
+          <a:xfrm>
+            <a:off x="2679601" y="2291968"/>
+            <a:ext cx="1157679" cy="788566"/>
+          </a:xfrm>
+          <a:prstGeom prst="cloud">
+            <a:avLst/>
+          </a:prstGeom>
+        </p:spPr>
+        <p:style>
+          <a:lnRef idx="2">
+            <a:schemeClr val="accent1">
+              <a:shade val="50000"/>
+            </a:schemeClr>
+          </a:lnRef>
+          <a:fillRef idx="1">
+            <a:schemeClr val="accent1"/>
+          </a:fillRef>
+          <a:effectRef idx="0">
+            <a:schemeClr val="accent1"/>
+          </a:effectRef>
+          <a:fontRef idx="minor">
+            <a:schemeClr val="lt1"/>
+          </a:fontRef>
+        </p:style>
+        <p:txBody>
+          <a:bodyPr rtlCol="0" anchor="ctr"/>
+          <a:lstStyle/>
+          <a:p>
+            <a:pPr algn="ctr"/>
+            <a:r>
+              <a:rPr lang="en-IE" sz="800" dirty="0">
+                <a:solidFill>
+                  <a:schemeClr val="tx1"/>
+                </a:solidFill>
+              </a:rPr>
+              <a:t>VLAN1</a:t>
+            </a:r>
+          </a:p>
+          <a:p>
+            <a:pPr algn="ctr"/>
+            <a:r>
+              <a:rPr lang="en-IE" sz="800" dirty="0">
+                <a:solidFill>
+                  <a:schemeClr val="tx1"/>
+                </a:solidFill>
+              </a:rPr>
+              <a:t>Hosts</a:t>
+            </a:r>
+          </a:p>
+          <a:p>
+            <a:pPr algn="ctr"/>
+            <a:r>
+              <a:rPr lang="en-IE" sz="800" b="0" i="0" u="none" strike="noStrike" dirty="0">
+                <a:solidFill>
+                  <a:schemeClr val="tx1"/>
+                </a:solidFill>
+                <a:effectLst/>
+                <a:latin typeface="Calibri" panose="020F0502020204030204" pitchFamily="34" charset="0"/>
+              </a:rPr>
+              <a:t>10.45.1.13/24</a:t>
+            </a:r>
+            <a:endParaRPr lang="en-IE" sz="800" dirty="0">
+              <a:solidFill>
+                <a:schemeClr val="tx1"/>
+              </a:solidFill>
+            </a:endParaRPr>
+          </a:p>
+        </p:txBody>
+      </p:sp>
+      <p:sp>
+        <p:nvSpPr>
+          <p:cNvPr id="37" name="Cloud 36">
+            <a:extLst>
+              <a:ext uri="{FF2B5EF4-FFF2-40B4-BE49-F238E27FC236}">
+                <a16:creationId xmlns:a16="http://schemas.microsoft.com/office/drawing/2014/main" id="{FBC6C7BB-F3D7-4A1D-B14D-852B70B32A0C}"/>
+              </a:ext>
+            </a:extLst>
+          </p:cNvPr>
+          <p:cNvSpPr/>
+          <p:nvPr/>
+        </p:nvSpPr>
+        <p:spPr>
+          <a:xfrm>
+            <a:off x="2649490" y="1235454"/>
+            <a:ext cx="1157679" cy="788566"/>
+          </a:xfrm>
+          <a:prstGeom prst="cloud">
+            <a:avLst/>
+          </a:prstGeom>
+        </p:spPr>
+        <p:style>
+          <a:lnRef idx="2">
+            <a:schemeClr val="accent1">
+              <a:shade val="50000"/>
+            </a:schemeClr>
+          </a:lnRef>
+          <a:fillRef idx="1">
+            <a:schemeClr val="accent1"/>
+          </a:fillRef>
+          <a:effectRef idx="0">
+            <a:schemeClr val="accent1"/>
+          </a:effectRef>
+          <a:fontRef idx="minor">
+            <a:schemeClr val="lt1"/>
+          </a:fontRef>
+        </p:style>
+        <p:txBody>
+          <a:bodyPr rtlCol="0" anchor="ctr"/>
+          <a:lstStyle/>
+          <a:p>
+            <a:pPr algn="ctr"/>
+            <a:r>
+              <a:rPr lang="en-IE" sz="800" dirty="0">
+                <a:solidFill>
+                  <a:schemeClr val="tx1"/>
+                </a:solidFill>
+              </a:rPr>
+              <a:t>VLAN1</a:t>
+            </a:r>
+          </a:p>
+          <a:p>
+            <a:pPr algn="ctr"/>
+            <a:r>
+              <a:rPr lang="en-IE" sz="800" dirty="0">
+                <a:solidFill>
+                  <a:schemeClr val="tx1"/>
+                </a:solidFill>
+              </a:rPr>
+              <a:t>Hosts</a:t>
+            </a:r>
+          </a:p>
+          <a:p>
+            <a:pPr algn="ctr"/>
+            <a:r>
+              <a:rPr lang="en-IE" sz="800" b="0" i="0" u="none" strike="noStrike" dirty="0">
+                <a:solidFill>
+                  <a:schemeClr val="tx1"/>
+                </a:solidFill>
+                <a:effectLst/>
+                <a:latin typeface="Calibri" panose="020F0502020204030204" pitchFamily="34" charset="0"/>
+              </a:rPr>
+              <a:t>10.45.1.14/24</a:t>
+            </a:r>
+            <a:endParaRPr lang="en-IE" sz="800" dirty="0">
+              <a:solidFill>
+                <a:schemeClr val="tx1"/>
+              </a:solidFill>
+            </a:endParaRPr>
+          </a:p>
+        </p:txBody>
+      </p:sp>
+      <p:sp>
+        <p:nvSpPr>
+          <p:cNvPr id="38" name="Cloud 37">
+            <a:extLst>
+              <a:ext uri="{FF2B5EF4-FFF2-40B4-BE49-F238E27FC236}">
+                <a16:creationId xmlns:a16="http://schemas.microsoft.com/office/drawing/2014/main" id="{5A5C257F-F732-4002-943C-592DFDBAD5E8}"/>
+              </a:ext>
+            </a:extLst>
+          </p:cNvPr>
+          <p:cNvSpPr/>
+          <p:nvPr/>
+        </p:nvSpPr>
+        <p:spPr>
+          <a:xfrm>
+            <a:off x="5242683" y="103875"/>
+            <a:ext cx="1157679" cy="788566"/>
+          </a:xfrm>
+          <a:prstGeom prst="cloud">
+            <a:avLst/>
+          </a:prstGeom>
+        </p:spPr>
+        <p:style>
+          <a:lnRef idx="2">
+            <a:schemeClr val="accent1">
+              <a:shade val="50000"/>
+            </a:schemeClr>
+          </a:lnRef>
+          <a:fillRef idx="1">
+            <a:schemeClr val="accent1"/>
+          </a:fillRef>
+          <a:effectRef idx="0">
+            <a:schemeClr val="accent1"/>
+          </a:effectRef>
+          <a:fontRef idx="minor">
+            <a:schemeClr val="lt1"/>
+          </a:fontRef>
+        </p:style>
+        <p:txBody>
+          <a:bodyPr rtlCol="0" anchor="ctr"/>
+          <a:lstStyle/>
+          <a:p>
+            <a:pPr algn="ctr"/>
+            <a:r>
+              <a:rPr lang="en-IE" sz="800" dirty="0">
+                <a:solidFill>
+                  <a:schemeClr val="tx1"/>
+                </a:solidFill>
+              </a:rPr>
+              <a:t>VLAN1</a:t>
+            </a:r>
+          </a:p>
+          <a:p>
+            <a:pPr algn="ctr"/>
+            <a:r>
+              <a:rPr lang="en-IE" sz="800" dirty="0">
+                <a:solidFill>
+                  <a:schemeClr val="tx1"/>
+                </a:solidFill>
+              </a:rPr>
+              <a:t>Hosts</a:t>
+            </a:r>
+          </a:p>
+          <a:p>
+            <a:pPr algn="ctr"/>
+            <a:r>
+              <a:rPr lang="en-IE" sz="800" b="0" i="0" u="none" strike="noStrike" dirty="0">
+                <a:solidFill>
+                  <a:schemeClr val="tx1"/>
+                </a:solidFill>
+                <a:effectLst/>
+                <a:latin typeface="Calibri" panose="020F0502020204030204" pitchFamily="34" charset="0"/>
+              </a:rPr>
+              <a:t>10.45.1.16/24</a:t>
+            </a:r>
+            <a:endParaRPr lang="en-IE" sz="800" dirty="0">
+              <a:solidFill>
+                <a:schemeClr val="tx1"/>
+              </a:solidFill>
+            </a:endParaRPr>
+          </a:p>
+        </p:txBody>
+      </p:sp>
+      <p:sp>
+        <p:nvSpPr>
+          <p:cNvPr id="39" name="Cloud 38">
+            <a:extLst>
+              <a:ext uri="{FF2B5EF4-FFF2-40B4-BE49-F238E27FC236}">
+                <a16:creationId xmlns:a16="http://schemas.microsoft.com/office/drawing/2014/main" id="{6CB321D4-F31C-4795-A823-DD04D33DCED6}"/>
+              </a:ext>
+            </a:extLst>
+          </p:cNvPr>
+          <p:cNvSpPr/>
+          <p:nvPr/>
+        </p:nvSpPr>
+        <p:spPr>
+          <a:xfrm>
+            <a:off x="3602196" y="337132"/>
+            <a:ext cx="1157679" cy="788566"/>
+          </a:xfrm>
+          <a:prstGeom prst="cloud">
+            <a:avLst/>
+          </a:prstGeom>
+        </p:spPr>
+        <p:style>
+          <a:lnRef idx="2">
+            <a:schemeClr val="accent1">
+              <a:shade val="50000"/>
+            </a:schemeClr>
+          </a:lnRef>
+          <a:fillRef idx="1">
+            <a:schemeClr val="accent1"/>
+          </a:fillRef>
+          <a:effectRef idx="0">
+            <a:schemeClr val="accent1"/>
+          </a:effectRef>
+          <a:fontRef idx="minor">
+            <a:schemeClr val="lt1"/>
+          </a:fontRef>
+        </p:style>
+        <p:txBody>
+          <a:bodyPr rtlCol="0" anchor="ctr"/>
+          <a:lstStyle/>
+          <a:p>
+            <a:pPr algn="ctr"/>
+            <a:r>
+              <a:rPr lang="en-IE" sz="800" dirty="0">
+                <a:solidFill>
+                  <a:schemeClr val="tx1"/>
+                </a:solidFill>
+              </a:rPr>
+              <a:t>VLAN1</a:t>
+            </a:r>
+          </a:p>
+          <a:p>
+            <a:pPr algn="ctr"/>
+            <a:r>
+              <a:rPr lang="en-IE" sz="800" dirty="0">
+                <a:solidFill>
+                  <a:schemeClr val="tx1"/>
+                </a:solidFill>
+              </a:rPr>
+              <a:t>Hosts</a:t>
+            </a:r>
+          </a:p>
+          <a:p>
+            <a:pPr algn="ctr"/>
+            <a:r>
+              <a:rPr lang="en-IE" sz="800" b="0" i="0" u="none" strike="noStrike" dirty="0">
+                <a:solidFill>
+                  <a:schemeClr val="tx1"/>
+                </a:solidFill>
+                <a:effectLst/>
+                <a:latin typeface="Calibri" panose="020F0502020204030204" pitchFamily="34" charset="0"/>
+              </a:rPr>
+              <a:t>10.45.1.15/24</a:t>
+            </a:r>
+            <a:endParaRPr lang="en-IE" sz="800" dirty="0">
+              <a:solidFill>
+                <a:schemeClr val="tx1"/>
+              </a:solidFill>
+            </a:endParaRPr>
+          </a:p>
+        </p:txBody>
+      </p:sp>
+      <p:sp>
+        <p:nvSpPr>
+          <p:cNvPr id="40" name="Cloud 39">
+            <a:extLst>
+              <a:ext uri="{FF2B5EF4-FFF2-40B4-BE49-F238E27FC236}">
+                <a16:creationId xmlns:a16="http://schemas.microsoft.com/office/drawing/2014/main" id="{FBB0B524-2685-43EF-BA8E-E6F946AAE129}"/>
+              </a:ext>
+            </a:extLst>
+          </p:cNvPr>
+          <p:cNvSpPr/>
+          <p:nvPr/>
+        </p:nvSpPr>
+        <p:spPr>
+          <a:xfrm>
+            <a:off x="9278225" y="2350866"/>
+            <a:ext cx="1157679" cy="788566"/>
+          </a:xfrm>
+          <a:prstGeom prst="cloud">
+            <a:avLst/>
+          </a:prstGeom>
+          <a:solidFill>
+            <a:srgbClr val="FFFF00"/>
+          </a:solidFill>
+        </p:spPr>
+        <p:style>
+          <a:lnRef idx="2">
+            <a:schemeClr val="accent1">
+              <a:shade val="50000"/>
+            </a:schemeClr>
+          </a:lnRef>
+          <a:fillRef idx="1">
+            <a:schemeClr val="accent1"/>
+          </a:fillRef>
+          <a:effectRef idx="0">
+            <a:schemeClr val="accent1"/>
+          </a:effectRef>
+          <a:fontRef idx="minor">
+            <a:schemeClr val="lt1"/>
+          </a:fontRef>
+        </p:style>
+        <p:txBody>
+          <a:bodyPr rtlCol="0" anchor="ctr"/>
+          <a:lstStyle/>
+          <a:p>
+            <a:pPr algn="ctr"/>
+            <a:r>
+              <a:rPr lang="en-IE" sz="800" dirty="0">
+                <a:solidFill>
+                  <a:schemeClr val="tx1"/>
+                </a:solidFill>
+              </a:rPr>
+              <a:t>VLAN1</a:t>
+            </a:r>
+          </a:p>
+          <a:p>
+            <a:pPr algn="ctr"/>
+            <a:r>
+              <a:rPr lang="en-IE" sz="800" dirty="0">
+                <a:solidFill>
+                  <a:schemeClr val="tx1"/>
+                </a:solidFill>
+              </a:rPr>
+              <a:t>Hosts</a:t>
+            </a:r>
+          </a:p>
+          <a:p>
+            <a:pPr algn="ctr"/>
+            <a:r>
+              <a:rPr lang="en-IE" sz="800" b="0" i="0" u="none" strike="noStrike" dirty="0">
+                <a:solidFill>
+                  <a:schemeClr val="tx1"/>
+                </a:solidFill>
+                <a:effectLst/>
+                <a:latin typeface="Calibri" panose="020F0502020204030204" pitchFamily="34" charset="0"/>
+              </a:rPr>
+              <a:t>10.45.1.3/24</a:t>
+            </a:r>
+            <a:endParaRPr lang="en-IE" sz="800" dirty="0">
+              <a:solidFill>
+                <a:schemeClr val="tx1"/>
+              </a:solidFill>
+            </a:endParaRPr>
+          </a:p>
+        </p:txBody>
+      </p:sp>
+      <p:sp>
+        <p:nvSpPr>
+          <p:cNvPr id="42" name="TextBox 41">
+            <a:extLst>
+              <a:ext uri="{FF2B5EF4-FFF2-40B4-BE49-F238E27FC236}">
+                <a16:creationId xmlns:a16="http://schemas.microsoft.com/office/drawing/2014/main" id="{1053B3E6-2B8A-43BE-AA60-9B903742F056}"/>
+              </a:ext>
+            </a:extLst>
+          </p:cNvPr>
+          <p:cNvSpPr txBox="1"/>
+          <p:nvPr/>
+        </p:nvSpPr>
+        <p:spPr>
+          <a:xfrm>
+            <a:off x="6883170" y="3485227"/>
+            <a:ext cx="735757" cy="400110"/>
+          </a:xfrm>
+          <a:prstGeom prst="rect">
+            <a:avLst/>
+          </a:prstGeom>
+          <a:noFill/>
+        </p:spPr>
+        <p:txBody>
+          <a:bodyPr wrap="square">
+            <a:spAutoFit/>
+          </a:bodyPr>
+          <a:lstStyle/>
+          <a:p>
+            <a:pPr algn="ctr"/>
+            <a:r>
+              <a:rPr lang="en-IE" sz="1000" dirty="0"/>
+              <a:t>Router 10</a:t>
+            </a:r>
+          </a:p>
+          <a:p>
+            <a:pPr algn="ctr"/>
+            <a:r>
+              <a:rPr lang="en-IE" sz="1000" dirty="0"/>
+              <a:t>(VRRP)</a:t>
+            </a:r>
+          </a:p>
+        </p:txBody>
+      </p:sp>
+      <p:sp>
+        <p:nvSpPr>
+          <p:cNvPr id="43" name="Rectangle: Rounded Corners 42">
+            <a:extLst>
+              <a:ext uri="{FF2B5EF4-FFF2-40B4-BE49-F238E27FC236}">
+                <a16:creationId xmlns:a16="http://schemas.microsoft.com/office/drawing/2014/main" id="{24FFC1D5-6917-4771-A08E-2192AA831B8D}"/>
+              </a:ext>
+            </a:extLst>
+          </p:cNvPr>
+          <p:cNvSpPr/>
+          <p:nvPr/>
+        </p:nvSpPr>
+        <p:spPr>
+          <a:xfrm>
+            <a:off x="248943" y="4473734"/>
+            <a:ext cx="402672" cy="952313"/>
+          </a:xfrm>
+          <a:prstGeom prst="roundRect">
+            <a:avLst/>
+          </a:prstGeom>
+        </p:spPr>
+        <p:style>
+          <a:lnRef idx="2">
+            <a:schemeClr val="accent1">
+              <a:shade val="50000"/>
+            </a:schemeClr>
+          </a:lnRef>
+          <a:fillRef idx="1">
+            <a:schemeClr val="accent1"/>
+          </a:fillRef>
+          <a:effectRef idx="0">
+            <a:schemeClr val="accent1"/>
+          </a:effectRef>
+          <a:fontRef idx="minor">
+            <a:schemeClr val="lt1"/>
+          </a:fontRef>
+        </p:style>
+        <p:txBody>
+          <a:bodyPr rtlCol="0" anchor="ctr"/>
+          <a:lstStyle/>
+          <a:p>
+            <a:pPr algn="ctr"/>
+            <a:endParaRPr lang="en-IE"/>
+          </a:p>
+        </p:txBody>
+      </p:sp>
+      <p:sp>
+        <p:nvSpPr>
+          <p:cNvPr id="44" name="TextBox 43">
+            <a:extLst>
+              <a:ext uri="{FF2B5EF4-FFF2-40B4-BE49-F238E27FC236}">
+                <a16:creationId xmlns:a16="http://schemas.microsoft.com/office/drawing/2014/main" id="{C0D56B2E-3F7C-409E-ADA3-80E43790F4F2}"/>
+              </a:ext>
+            </a:extLst>
+          </p:cNvPr>
+          <p:cNvSpPr txBox="1"/>
+          <p:nvPr/>
+        </p:nvSpPr>
+        <p:spPr>
+          <a:xfrm>
+            <a:off x="748816" y="4235167"/>
+            <a:ext cx="1219757" cy="646331"/>
+          </a:xfrm>
+          <a:prstGeom prst="rect">
+            <a:avLst/>
+          </a:prstGeom>
+          <a:noFill/>
+        </p:spPr>
+        <p:txBody>
+          <a:bodyPr wrap="none" rtlCol="0">
+            <a:spAutoFit/>
+          </a:bodyPr>
+          <a:lstStyle/>
+          <a:p>
+            <a:pPr algn="ctr"/>
+            <a:r>
+              <a:rPr lang="en-IE" sz="1200" dirty="0"/>
+              <a:t>dc1</a:t>
+            </a:r>
+          </a:p>
+          <a:p>
+            <a:pPr algn="ctr"/>
+            <a:r>
+              <a:rPr lang="en-IE" sz="1200" dirty="0"/>
+              <a:t>AAA, DNS, DHCP</a:t>
+            </a:r>
+          </a:p>
+          <a:p>
+            <a:pPr algn="ctr"/>
+            <a:r>
+              <a:rPr lang="en-IE" sz="1200" dirty="0"/>
+              <a:t>192.168.6.21</a:t>
+            </a:r>
+          </a:p>
+        </p:txBody>
+      </p:sp>
+      <p:sp>
+        <p:nvSpPr>
+          <p:cNvPr id="45" name="Rectangle: Rounded Corners 44">
+            <a:extLst>
+              <a:ext uri="{FF2B5EF4-FFF2-40B4-BE49-F238E27FC236}">
+                <a16:creationId xmlns:a16="http://schemas.microsoft.com/office/drawing/2014/main" id="{8B563ED8-52F9-4814-B730-C50A23072DDE}"/>
+              </a:ext>
+            </a:extLst>
+          </p:cNvPr>
+          <p:cNvSpPr/>
+          <p:nvPr/>
+        </p:nvSpPr>
+        <p:spPr>
+          <a:xfrm>
+            <a:off x="248943" y="5720668"/>
+            <a:ext cx="402672" cy="952313"/>
+          </a:xfrm>
+          <a:prstGeom prst="roundRect">
+            <a:avLst/>
+          </a:prstGeom>
+        </p:spPr>
+        <p:style>
+          <a:lnRef idx="2">
+            <a:schemeClr val="accent1">
+              <a:shade val="50000"/>
+            </a:schemeClr>
+          </a:lnRef>
+          <a:fillRef idx="1">
+            <a:schemeClr val="accent1"/>
+          </a:fillRef>
+          <a:effectRef idx="0">
+            <a:schemeClr val="accent1"/>
+          </a:effectRef>
+          <a:fontRef idx="minor">
+            <a:schemeClr val="lt1"/>
+          </a:fontRef>
+        </p:style>
+        <p:txBody>
+          <a:bodyPr rtlCol="0" anchor="ctr"/>
+          <a:lstStyle/>
+          <a:p>
+            <a:pPr algn="ctr"/>
+            <a:endParaRPr lang="en-IE"/>
+          </a:p>
+        </p:txBody>
+      </p:sp>
+      <p:sp>
+        <p:nvSpPr>
+          <p:cNvPr id="46" name="TextBox 45">
+            <a:extLst>
+              <a:ext uri="{FF2B5EF4-FFF2-40B4-BE49-F238E27FC236}">
+                <a16:creationId xmlns:a16="http://schemas.microsoft.com/office/drawing/2014/main" id="{0B6D760E-6F83-40B6-BB22-6820D9DAD4B3}"/>
+              </a:ext>
+            </a:extLst>
+          </p:cNvPr>
+          <p:cNvSpPr txBox="1"/>
+          <p:nvPr/>
+        </p:nvSpPr>
+        <p:spPr>
+          <a:xfrm>
+            <a:off x="740427" y="6196105"/>
+            <a:ext cx="1219757" cy="646331"/>
+          </a:xfrm>
+          <a:prstGeom prst="rect">
+            <a:avLst/>
+          </a:prstGeom>
+          <a:noFill/>
+        </p:spPr>
+        <p:txBody>
+          <a:bodyPr wrap="none" rtlCol="0">
+            <a:spAutoFit/>
+          </a:bodyPr>
+          <a:lstStyle/>
+          <a:p>
+            <a:pPr algn="ctr"/>
+            <a:r>
+              <a:rPr lang="en-IE" sz="1200" dirty="0"/>
+              <a:t>dc2</a:t>
+            </a:r>
+          </a:p>
+          <a:p>
+            <a:pPr algn="ctr"/>
+            <a:r>
+              <a:rPr lang="en-IE" sz="1200" dirty="0"/>
+              <a:t>AAA, DNS, DHCP</a:t>
+            </a:r>
+          </a:p>
+          <a:p>
+            <a:pPr algn="ctr"/>
+            <a:r>
+              <a:rPr lang="en-IE" sz="1200" dirty="0"/>
+              <a:t>192.168.6.22</a:t>
+            </a:r>
+          </a:p>
+        </p:txBody>
+      </p:sp>
+      <p:cxnSp>
+        <p:nvCxnSpPr>
+          <p:cNvPr id="48" name="Connector: Elbow 47">
+            <a:extLst>
+              <a:ext uri="{FF2B5EF4-FFF2-40B4-BE49-F238E27FC236}">
+                <a16:creationId xmlns:a16="http://schemas.microsoft.com/office/drawing/2014/main" id="{A292FEDF-DC22-4EB2-B2A2-0A58E5C49CCE}"/>
+              </a:ext>
+            </a:extLst>
+          </p:cNvPr>
+          <p:cNvCxnSpPr>
+            <a:cxnSpLocks/>
+            <a:stCxn id="35" idx="2"/>
+            <a:endCxn id="43" idx="3"/>
+          </p:cNvCxnSpPr>
+          <p:nvPr/>
+        </p:nvCxnSpPr>
+        <p:spPr>
+          <a:xfrm rot="10800000">
+            <a:off x="651616" y="4949892"/>
+            <a:ext cx="1895997" cy="68901"/>
+          </a:xfrm>
+          <a:prstGeom prst="bentConnector3">
+            <a:avLst/>
+          </a:prstGeom>
+        </p:spPr>
+        <p:style>
+          <a:lnRef idx="1">
+            <a:schemeClr val="accent1"/>
+          </a:lnRef>
+          <a:fillRef idx="0">
+            <a:schemeClr val="accent1"/>
+          </a:fillRef>
+          <a:effectRef idx="0">
+            <a:schemeClr val="accent1"/>
+          </a:effectRef>
+          <a:fontRef idx="minor">
+            <a:schemeClr val="tx1"/>
+          </a:fontRef>
+        </p:style>
+      </p:cxnSp>
+      <p:cxnSp>
+        <p:nvCxnSpPr>
+          <p:cNvPr id="50" name="Connector: Elbow 49">
+            <a:extLst>
+              <a:ext uri="{FF2B5EF4-FFF2-40B4-BE49-F238E27FC236}">
+                <a16:creationId xmlns:a16="http://schemas.microsoft.com/office/drawing/2014/main" id="{26FC667B-C78D-4B45-9371-A6B4D5C06FF1}"/>
+              </a:ext>
+            </a:extLst>
+          </p:cNvPr>
+          <p:cNvCxnSpPr>
+            <a:cxnSpLocks/>
+            <a:stCxn id="35" idx="1"/>
+            <a:endCxn id="45" idx="3"/>
+          </p:cNvCxnSpPr>
+          <p:nvPr/>
+        </p:nvCxnSpPr>
+        <p:spPr>
+          <a:xfrm rot="5400000">
+            <a:off x="1494943" y="4568907"/>
+            <a:ext cx="784590" cy="2471246"/>
+          </a:xfrm>
+          <a:prstGeom prst="bentConnector2">
+            <a:avLst/>
+          </a:prstGeom>
+        </p:spPr>
+        <p:style>
+          <a:lnRef idx="1">
+            <a:schemeClr val="accent1"/>
+          </a:lnRef>
+          <a:fillRef idx="0">
+            <a:schemeClr val="accent1"/>
+          </a:fillRef>
+          <a:effectRef idx="0">
+            <a:schemeClr val="accent1"/>
+          </a:effectRef>
+          <a:fontRef idx="minor">
+            <a:schemeClr val="tx1"/>
+          </a:fontRef>
+        </p:style>
+      </p:cxnSp>
+      <p:sp>
+        <p:nvSpPr>
+          <p:cNvPr id="55" name="Frame 54">
+            <a:extLst>
+              <a:ext uri="{FF2B5EF4-FFF2-40B4-BE49-F238E27FC236}">
+                <a16:creationId xmlns:a16="http://schemas.microsoft.com/office/drawing/2014/main" id="{4208A494-1577-4906-842D-373D8A01EF55}"/>
+              </a:ext>
+            </a:extLst>
+          </p:cNvPr>
+          <p:cNvSpPr/>
+          <p:nvPr/>
+        </p:nvSpPr>
+        <p:spPr>
+          <a:xfrm>
+            <a:off x="128031" y="177583"/>
+            <a:ext cx="612396" cy="581273"/>
+          </a:xfrm>
+          <a:prstGeom prst="frame">
+            <a:avLst/>
+          </a:prstGeom>
+        </p:spPr>
+        <p:style>
+          <a:lnRef idx="2">
+            <a:schemeClr val="accent3">
+              <a:shade val="50000"/>
+            </a:schemeClr>
+          </a:lnRef>
+          <a:fillRef idx="1">
+            <a:schemeClr val="accent3"/>
+          </a:fillRef>
+          <a:effectRef idx="0">
+            <a:schemeClr val="accent3"/>
+          </a:effectRef>
+          <a:fontRef idx="minor">
+            <a:schemeClr val="lt1"/>
+          </a:fontRef>
+        </p:style>
+        <p:txBody>
+          <a:bodyPr rtlCol="0" anchor="ctr"/>
+          <a:lstStyle/>
+          <a:p>
+            <a:pPr algn="ctr"/>
+            <a:endParaRPr lang="en-IE">
+              <a:solidFill>
+                <a:schemeClr val="tx1"/>
+              </a:solidFill>
+            </a:endParaRPr>
+          </a:p>
+        </p:txBody>
+      </p:sp>
+      <p:sp>
+        <p:nvSpPr>
+          <p:cNvPr id="56" name="Minus Sign 55">
+            <a:extLst>
+              <a:ext uri="{FF2B5EF4-FFF2-40B4-BE49-F238E27FC236}">
+                <a16:creationId xmlns:a16="http://schemas.microsoft.com/office/drawing/2014/main" id="{A08E5CC6-CCF2-4310-985E-8B42C8212E2C}"/>
+              </a:ext>
+            </a:extLst>
+          </p:cNvPr>
+          <p:cNvSpPr/>
+          <p:nvPr/>
+        </p:nvSpPr>
+        <p:spPr>
+          <a:xfrm>
+            <a:off x="-165527" y="507025"/>
+            <a:ext cx="1219757" cy="626904"/>
+          </a:xfrm>
+          <a:prstGeom prst="mathMinus">
+            <a:avLst/>
+          </a:prstGeom>
+        </p:spPr>
+        <p:style>
+          <a:lnRef idx="2">
+            <a:schemeClr val="accent3">
+              <a:shade val="50000"/>
+            </a:schemeClr>
+          </a:lnRef>
+          <a:fillRef idx="1">
+            <a:schemeClr val="accent3"/>
+          </a:fillRef>
+          <a:effectRef idx="0">
+            <a:schemeClr val="accent3"/>
+          </a:effectRef>
+          <a:fontRef idx="minor">
+            <a:schemeClr val="lt1"/>
+          </a:fontRef>
+        </p:style>
+        <p:txBody>
+          <a:bodyPr rtlCol="0" anchor="ctr"/>
+          <a:lstStyle/>
+          <a:p>
+            <a:pPr algn="ctr"/>
+            <a:r>
+              <a:rPr lang="en-IE" sz="1400" dirty="0"/>
+              <a:t>1</a:t>
+            </a:r>
+          </a:p>
+        </p:txBody>
+      </p:sp>
+      <p:sp>
+        <p:nvSpPr>
+          <p:cNvPr id="57" name="TextBox 56">
+            <a:extLst>
+              <a:ext uri="{FF2B5EF4-FFF2-40B4-BE49-F238E27FC236}">
+                <a16:creationId xmlns:a16="http://schemas.microsoft.com/office/drawing/2014/main" id="{8F27D4AA-8804-40F6-A923-7F851A2EDA7A}"/>
+              </a:ext>
+            </a:extLst>
+          </p:cNvPr>
+          <p:cNvSpPr txBox="1"/>
+          <p:nvPr/>
+        </p:nvSpPr>
+        <p:spPr>
+          <a:xfrm>
+            <a:off x="-32188" y="253965"/>
+            <a:ext cx="932006" cy="261610"/>
+          </a:xfrm>
+          <a:prstGeom prst="rect">
+            <a:avLst/>
+          </a:prstGeom>
+          <a:noFill/>
+        </p:spPr>
+        <p:txBody>
+          <a:bodyPr wrap="square" rtlCol="0">
+            <a:spAutoFit/>
+          </a:bodyPr>
+          <a:lstStyle/>
+          <a:p>
+            <a:pPr algn="ctr"/>
+            <a:r>
+              <a:rPr lang="en-IE" sz="1100" dirty="0"/>
+              <a:t>SWITCH</a:t>
+            </a:r>
+          </a:p>
+        </p:txBody>
+      </p:sp>
+      <p:sp>
+        <p:nvSpPr>
+          <p:cNvPr id="58" name="TextBox 57">
+            <a:extLst>
+              <a:ext uri="{FF2B5EF4-FFF2-40B4-BE49-F238E27FC236}">
+                <a16:creationId xmlns:a16="http://schemas.microsoft.com/office/drawing/2014/main" id="{F13AB539-B248-4658-9D64-34D605ABFA0E}"/>
+              </a:ext>
+            </a:extLst>
+          </p:cNvPr>
+          <p:cNvSpPr txBox="1"/>
+          <p:nvPr/>
+        </p:nvSpPr>
+        <p:spPr>
+          <a:xfrm>
+            <a:off x="264654" y="-107622"/>
+            <a:ext cx="359394" cy="369332"/>
+          </a:xfrm>
+          <a:prstGeom prst="rect">
+            <a:avLst/>
+          </a:prstGeom>
+          <a:noFill/>
+        </p:spPr>
+        <p:txBody>
+          <a:bodyPr wrap="none" rtlCol="0">
+            <a:spAutoFit/>
+          </a:bodyPr>
+          <a:lstStyle/>
+          <a:p>
+            <a:r>
+              <a:rPr lang="en-IE" dirty="0"/>
+              <a:t>.9</a:t>
+            </a:r>
+          </a:p>
+        </p:txBody>
+      </p:sp>
+      <p:cxnSp>
+        <p:nvCxnSpPr>
+          <p:cNvPr id="60" name="Connector: Elbow 59">
+            <a:extLst>
+              <a:ext uri="{FF2B5EF4-FFF2-40B4-BE49-F238E27FC236}">
+                <a16:creationId xmlns:a16="http://schemas.microsoft.com/office/drawing/2014/main" id="{34036CD8-4A9D-4C5D-B167-83B857C6526B}"/>
+              </a:ext>
+            </a:extLst>
+          </p:cNvPr>
+          <p:cNvCxnSpPr>
+            <a:cxnSpLocks/>
+            <a:stCxn id="56" idx="1"/>
+            <a:endCxn id="36" idx="2"/>
+          </p:cNvCxnSpPr>
+          <p:nvPr/>
+        </p:nvCxnSpPr>
+        <p:spPr>
+          <a:xfrm rot="16200000" flipH="1">
+            <a:off x="667747" y="670806"/>
+            <a:ext cx="1792050" cy="2238840"/>
+          </a:xfrm>
+          <a:prstGeom prst="bentConnector2">
+            <a:avLst/>
+          </a:prstGeom>
+        </p:spPr>
+        <p:style>
+          <a:lnRef idx="1">
+            <a:schemeClr val="accent1"/>
+          </a:lnRef>
+          <a:fillRef idx="0">
+            <a:schemeClr val="accent1"/>
+          </a:fillRef>
+          <a:effectRef idx="0">
+            <a:schemeClr val="accent1"/>
+          </a:effectRef>
+          <a:fontRef idx="minor">
+            <a:schemeClr val="tx1"/>
+          </a:fontRef>
+        </p:style>
+      </p:cxnSp>
+      <p:sp>
+        <p:nvSpPr>
+          <p:cNvPr id="62" name="TextBox 61">
+            <a:extLst>
+              <a:ext uri="{FF2B5EF4-FFF2-40B4-BE49-F238E27FC236}">
+                <a16:creationId xmlns:a16="http://schemas.microsoft.com/office/drawing/2014/main" id="{BCD0A6AA-6BA1-47BF-ABDF-FC284D3DFFF5}"/>
+              </a:ext>
+            </a:extLst>
+          </p:cNvPr>
+          <p:cNvSpPr txBox="1"/>
+          <p:nvPr/>
+        </p:nvSpPr>
+        <p:spPr>
+          <a:xfrm>
+            <a:off x="5273839" y="3523248"/>
+            <a:ext cx="807505" cy="230832"/>
+          </a:xfrm>
+          <a:prstGeom prst="rect">
+            <a:avLst/>
+          </a:prstGeom>
+          <a:noFill/>
+        </p:spPr>
+        <p:txBody>
+          <a:bodyPr wrap="square" rtlCol="0">
+            <a:spAutoFit/>
+          </a:bodyPr>
+          <a:lstStyle/>
+          <a:p>
+            <a:r>
+              <a:rPr lang="en-IE" sz="900" dirty="0"/>
+              <a:t>192.168.2.20</a:t>
+            </a:r>
+          </a:p>
+        </p:txBody>
+      </p:sp>
+    </p:spTree>
+    <p:extLst>
+      <p:ext uri="{BB962C8B-B14F-4D97-AF65-F5344CB8AC3E}">
+        <p14:creationId xmlns:p14="http://schemas.microsoft.com/office/powerpoint/2010/main" val="1568603077"/>
+      </p:ext>
+    </p:extLst>
+  </p:cSld>
+  <p:clrMapOvr>
+    <a:masterClrMapping/>
+  </p:clrMapOvr>
+</p:sld>
+</file>
+
 <file path=ppt/theme/theme1.xml><?xml version="1.0" encoding="utf-8"?>
 <a:theme xmlns:a="http://schemas.openxmlformats.org/drawingml/2006/main" name="Office Theme">
   <a:themeElements>

--- a/Layer 2/LogicalDiagram.pptx
+++ b/Layer 2/LogicalDiagram.pptx
@@ -5,8 +5,7 @@
     <p:sldMasterId id="2147483648" r:id="rId1"/>
   </p:sldMasterIdLst>
   <p:sldIdLst>
-    <p:sldId id="256" r:id="rId2"/>
-    <p:sldId id="257" r:id="rId3"/>
+    <p:sldId id="257" r:id="rId2"/>
   </p:sldIdLst>
   <p:sldSz cx="12192000" cy="6858000"/>
   <p:notesSz cx="6858000" cy="9144000"/>
@@ -262,7 +261,7 @@
           <a:p>
             <a:fld id="{39D2E73F-31B7-4F55-9473-984E20C534B1}" type="datetimeFigureOut">
               <a:rPr lang="en-IE" smtClean="0"/>
-              <a:t>16/02/2025</a:t>
+              <a:t>02/03/2025</a:t>
             </a:fld>
             <a:endParaRPr lang="en-IE"/>
           </a:p>
@@ -462,7 +461,7 @@
           <a:p>
             <a:fld id="{39D2E73F-31B7-4F55-9473-984E20C534B1}" type="datetimeFigureOut">
               <a:rPr lang="en-IE" smtClean="0"/>
-              <a:t>16/02/2025</a:t>
+              <a:t>02/03/2025</a:t>
             </a:fld>
             <a:endParaRPr lang="en-IE"/>
           </a:p>
@@ -672,7 +671,7 @@
           <a:p>
             <a:fld id="{39D2E73F-31B7-4F55-9473-984E20C534B1}" type="datetimeFigureOut">
               <a:rPr lang="en-IE" smtClean="0"/>
-              <a:t>16/02/2025</a:t>
+              <a:t>02/03/2025</a:t>
             </a:fld>
             <a:endParaRPr lang="en-IE"/>
           </a:p>
@@ -872,7 +871,7 @@
           <a:p>
             <a:fld id="{39D2E73F-31B7-4F55-9473-984E20C534B1}" type="datetimeFigureOut">
               <a:rPr lang="en-IE" smtClean="0"/>
-              <a:t>16/02/2025</a:t>
+              <a:t>02/03/2025</a:t>
             </a:fld>
             <a:endParaRPr lang="en-IE"/>
           </a:p>
@@ -1148,7 +1147,7 @@
           <a:p>
             <a:fld id="{39D2E73F-31B7-4F55-9473-984E20C534B1}" type="datetimeFigureOut">
               <a:rPr lang="en-IE" smtClean="0"/>
-              <a:t>16/02/2025</a:t>
+              <a:t>02/03/2025</a:t>
             </a:fld>
             <a:endParaRPr lang="en-IE"/>
           </a:p>
@@ -1416,7 +1415,7 @@
           <a:p>
             <a:fld id="{39D2E73F-31B7-4F55-9473-984E20C534B1}" type="datetimeFigureOut">
               <a:rPr lang="en-IE" smtClean="0"/>
-              <a:t>16/02/2025</a:t>
+              <a:t>02/03/2025</a:t>
             </a:fld>
             <a:endParaRPr lang="en-IE"/>
           </a:p>
@@ -1831,7 +1830,7 @@
           <a:p>
             <a:fld id="{39D2E73F-31B7-4F55-9473-984E20C534B1}" type="datetimeFigureOut">
               <a:rPr lang="en-IE" smtClean="0"/>
-              <a:t>16/02/2025</a:t>
+              <a:t>02/03/2025</a:t>
             </a:fld>
             <a:endParaRPr lang="en-IE"/>
           </a:p>
@@ -1973,7 +1972,7 @@
           <a:p>
             <a:fld id="{39D2E73F-31B7-4F55-9473-984E20C534B1}" type="datetimeFigureOut">
               <a:rPr lang="en-IE" smtClean="0"/>
-              <a:t>16/02/2025</a:t>
+              <a:t>02/03/2025</a:t>
             </a:fld>
             <a:endParaRPr lang="en-IE"/>
           </a:p>
@@ -2086,7 +2085,7 @@
           <a:p>
             <a:fld id="{39D2E73F-31B7-4F55-9473-984E20C534B1}" type="datetimeFigureOut">
               <a:rPr lang="en-IE" smtClean="0"/>
-              <a:t>16/02/2025</a:t>
+              <a:t>02/03/2025</a:t>
             </a:fld>
             <a:endParaRPr lang="en-IE"/>
           </a:p>
@@ -2399,7 +2398,7 @@
           <a:p>
             <a:fld id="{39D2E73F-31B7-4F55-9473-984E20C534B1}" type="datetimeFigureOut">
               <a:rPr lang="en-IE" smtClean="0"/>
-              <a:t>16/02/2025</a:t>
+              <a:t>02/03/2025</a:t>
             </a:fld>
             <a:endParaRPr lang="en-IE"/>
           </a:p>
@@ -2688,7 +2687,7 @@
           <a:p>
             <a:fld id="{39D2E73F-31B7-4F55-9473-984E20C534B1}" type="datetimeFigureOut">
               <a:rPr lang="en-IE" smtClean="0"/>
-              <a:t>16/02/2025</a:t>
+              <a:t>02/03/2025</a:t>
             </a:fld>
             <a:endParaRPr lang="en-IE"/>
           </a:p>
@@ -2931,7 +2930,7 @@
           <a:p>
             <a:fld id="{39D2E73F-31B7-4F55-9473-984E20C534B1}" type="datetimeFigureOut">
               <a:rPr lang="en-IE" smtClean="0"/>
-              <a:t>16/02/2025</a:t>
+              <a:t>02/03/2025</a:t>
             </a:fld>
             <a:endParaRPr lang="en-IE"/>
           </a:p>
@@ -3350,10 +3349,10 @@
       </p:grpSpPr>
       <p:sp>
         <p:nvSpPr>
-          <p:cNvPr id="4" name="Cloud 3">
-            <a:extLst>
-              <a:ext uri="{FF2B5EF4-FFF2-40B4-BE49-F238E27FC236}">
-                <a16:creationId xmlns:a16="http://schemas.microsoft.com/office/drawing/2014/main" id="{D70A4188-1164-4C6D-AE3E-1906073BE2F8}"/>
+          <p:cNvPr id="2" name="Flowchart: Connector 1">
+            <a:extLst>
+              <a:ext uri="{FF2B5EF4-FFF2-40B4-BE49-F238E27FC236}">
+                <a16:creationId xmlns:a16="http://schemas.microsoft.com/office/drawing/2014/main" id="{5DBD16DA-D519-405E-9795-FF648DEC40CA}"/>
               </a:ext>
             </a:extLst>
           </p:cNvPr>
@@ -3362,12 +3361,17 @@
         </p:nvSpPr>
         <p:spPr>
           <a:xfrm>
-            <a:off x="3288485" y="369115"/>
-            <a:ext cx="1870745" cy="1350628"/>
-          </a:xfrm>
-          <a:prstGeom prst="cloud">
-            <a:avLst/>
-          </a:prstGeom>
+            <a:off x="6180655" y="2902463"/>
+            <a:ext cx="620786" cy="620785"/>
+          </a:xfrm>
+          <a:prstGeom prst="flowChartConnector">
+            <a:avLst/>
+          </a:prstGeom>
+          <a:ln>
+            <a:solidFill>
+              <a:schemeClr val="tx1"/>
+            </a:solidFill>
+          </a:ln>
         </p:spPr>
         <p:style>
           <a:lnRef idx="2">
@@ -3390,16 +3394,16 @@
           <a:lstStyle/>
           <a:p>
             <a:pPr algn="ctr"/>
-            <a:endParaRPr lang="en-IE"/>
-          </a:p>
-        </p:txBody>
-      </p:sp>
-      <p:sp>
-        <p:nvSpPr>
-          <p:cNvPr id="5" name="Cloud 4">
-            <a:extLst>
-              <a:ext uri="{FF2B5EF4-FFF2-40B4-BE49-F238E27FC236}">
-                <a16:creationId xmlns:a16="http://schemas.microsoft.com/office/drawing/2014/main" id="{397B056D-01AA-4A1A-8B7E-9DC0BA0B9DD9}"/>
+            <a:endParaRPr lang="en-IE" dirty="0"/>
+          </a:p>
+        </p:txBody>
+      </p:sp>
+      <p:sp>
+        <p:nvSpPr>
+          <p:cNvPr id="3" name="Arrow: Up 2">
+            <a:extLst>
+              <a:ext uri="{FF2B5EF4-FFF2-40B4-BE49-F238E27FC236}">
+                <a16:creationId xmlns:a16="http://schemas.microsoft.com/office/drawing/2014/main" id="{E1E85380-25B9-43E9-894E-71EDBE8B6090}"/>
               </a:ext>
             </a:extLst>
           </p:cNvPr>
@@ -3407,158 +3411,9 @@
           <p:nvPr/>
         </p:nvSpPr>
         <p:spPr>
-          <a:xfrm>
-            <a:off x="3288485" y="2165757"/>
-            <a:ext cx="1870745" cy="1350628"/>
-          </a:xfrm>
-          <a:prstGeom prst="cloud">
-            <a:avLst/>
-          </a:prstGeom>
-          <a:solidFill>
-            <a:srgbClr val="FFFF00"/>
-          </a:solidFill>
-        </p:spPr>
-        <p:style>
-          <a:lnRef idx="2">
-            <a:schemeClr val="accent1">
-              <a:shade val="50000"/>
-            </a:schemeClr>
-          </a:lnRef>
-          <a:fillRef idx="1">
-            <a:schemeClr val="accent1"/>
-          </a:fillRef>
-          <a:effectRef idx="0">
-            <a:schemeClr val="accent1"/>
-          </a:effectRef>
-          <a:fontRef idx="minor">
-            <a:schemeClr val="lt1"/>
-          </a:fontRef>
-        </p:style>
-        <p:txBody>
-          <a:bodyPr rtlCol="0" anchor="ctr"/>
-          <a:lstStyle/>
-          <a:p>
-            <a:pPr algn="ctr"/>
-            <a:endParaRPr lang="en-IE"/>
-          </a:p>
-        </p:txBody>
-      </p:sp>
-      <p:sp>
-        <p:nvSpPr>
-          <p:cNvPr id="6" name="Cloud 5">
-            <a:extLst>
-              <a:ext uri="{FF2B5EF4-FFF2-40B4-BE49-F238E27FC236}">
-                <a16:creationId xmlns:a16="http://schemas.microsoft.com/office/drawing/2014/main" id="{1DB806C2-1AF1-4240-A0DE-73F3DCE21D99}"/>
-              </a:ext>
-            </a:extLst>
-          </p:cNvPr>
-          <p:cNvSpPr/>
-          <p:nvPr/>
-        </p:nvSpPr>
-        <p:spPr>
-          <a:xfrm>
-            <a:off x="3878699" y="4113902"/>
-            <a:ext cx="1870745" cy="1350628"/>
-          </a:xfrm>
-          <a:prstGeom prst="cloud">
-            <a:avLst/>
-          </a:prstGeom>
-          <a:solidFill>
-            <a:srgbClr val="FF0000"/>
-          </a:solidFill>
-        </p:spPr>
-        <p:style>
-          <a:lnRef idx="2">
-            <a:schemeClr val="accent1">
-              <a:shade val="50000"/>
-            </a:schemeClr>
-          </a:lnRef>
-          <a:fillRef idx="1">
-            <a:schemeClr val="accent1"/>
-          </a:fillRef>
-          <a:effectRef idx="0">
-            <a:schemeClr val="accent1"/>
-          </a:effectRef>
-          <a:fontRef idx="minor">
-            <a:schemeClr val="lt1"/>
-          </a:fontRef>
-        </p:style>
-        <p:txBody>
-          <a:bodyPr rtlCol="0" anchor="ctr"/>
-          <a:lstStyle/>
-          <a:p>
-            <a:pPr algn="ctr"/>
-            <a:endParaRPr lang="en-IE"/>
-          </a:p>
-        </p:txBody>
-      </p:sp>
-      <p:sp>
-        <p:nvSpPr>
-          <p:cNvPr id="7" name="Flowchart: Connector 6">
-            <a:extLst>
-              <a:ext uri="{FF2B5EF4-FFF2-40B4-BE49-F238E27FC236}">
-                <a16:creationId xmlns:a16="http://schemas.microsoft.com/office/drawing/2014/main" id="{E325ABC1-96B6-401E-B4C5-3C79D882AF09}"/>
-              </a:ext>
-            </a:extLst>
-          </p:cNvPr>
-          <p:cNvSpPr/>
-          <p:nvPr/>
-        </p:nvSpPr>
-        <p:spPr>
-          <a:xfrm>
-            <a:off x="7390701" y="973123"/>
-            <a:ext cx="1518408" cy="1350628"/>
-          </a:xfrm>
-          <a:prstGeom prst="flowChartConnector">
-            <a:avLst/>
-          </a:prstGeom>
-          <a:ln>
-            <a:solidFill>
-              <a:schemeClr val="tx1"/>
-            </a:solidFill>
-          </a:ln>
-        </p:spPr>
-        <p:style>
-          <a:lnRef idx="2">
-            <a:schemeClr val="accent1">
-              <a:shade val="50000"/>
-            </a:schemeClr>
-          </a:lnRef>
-          <a:fillRef idx="1">
-            <a:schemeClr val="accent1"/>
-          </a:fillRef>
-          <a:effectRef idx="0">
-            <a:schemeClr val="accent1"/>
-          </a:effectRef>
-          <a:fontRef idx="minor">
-            <a:schemeClr val="lt1"/>
-          </a:fontRef>
-        </p:style>
-        <p:txBody>
-          <a:bodyPr rtlCol="0" anchor="ctr"/>
-          <a:lstStyle/>
-          <a:p>
-            <a:pPr algn="ctr"/>
-            <a:endParaRPr lang="en-IE" dirty="0"/>
-          </a:p>
-        </p:txBody>
-      </p:sp>
-      <p:sp>
-        <p:nvSpPr>
-          <p:cNvPr id="8" name="Arrow: Up 7">
-            <a:extLst>
-              <a:ext uri="{FF2B5EF4-FFF2-40B4-BE49-F238E27FC236}">
-                <a16:creationId xmlns:a16="http://schemas.microsoft.com/office/drawing/2014/main" id="{C27334FB-A2E5-4384-9B93-A7D9607B8CD3}"/>
-              </a:ext>
-            </a:extLst>
-          </p:cNvPr>
-          <p:cNvSpPr/>
-          <p:nvPr/>
-        </p:nvSpPr>
-        <p:spPr>
           <a:xfrm rot="19593104">
-            <a:off x="7784315" y="1014279"/>
-            <a:ext cx="525710" cy="1308389"/>
+            <a:off x="6367088" y="2948236"/>
+            <a:ext cx="170468" cy="537050"/>
           </a:xfrm>
           <a:prstGeom prst="upArrow">
             <a:avLst/>
@@ -3608,10 +3463,10 @@
       </p:sp>
       <p:sp>
         <p:nvSpPr>
-          <p:cNvPr id="9" name="Arrow: Up 8">
-            <a:extLst>
-              <a:ext uri="{FF2B5EF4-FFF2-40B4-BE49-F238E27FC236}">
-                <a16:creationId xmlns:a16="http://schemas.microsoft.com/office/drawing/2014/main" id="{9498E6F1-16B6-41EE-8AF8-2E7B478FE2F2}"/>
+          <p:cNvPr id="4" name="Arrow: Up 3">
+            <a:extLst>
+              <a:ext uri="{FF2B5EF4-FFF2-40B4-BE49-F238E27FC236}">
+                <a16:creationId xmlns:a16="http://schemas.microsoft.com/office/drawing/2014/main" id="{AC6E5C7D-39CC-4DE8-96C3-80310BCC7B0D}"/>
               </a:ext>
             </a:extLst>
           </p:cNvPr>
@@ -3620,122 +3475,8 @@
         </p:nvSpPr>
         <p:spPr>
           <a:xfrm rot="2490545">
-            <a:off x="7945503" y="968199"/>
-            <a:ext cx="525710" cy="1383186"/>
-          </a:xfrm>
-          <a:prstGeom prst="upArrow">
-            <a:avLst/>
-          </a:prstGeom>
-          <a:ln>
-            <a:solidFill>
-              <a:schemeClr val="tx1"/>
-            </a:solidFill>
-          </a:ln>
-        </p:spPr>
-        <p:style>
-          <a:lnRef idx="2">
-            <a:schemeClr val="accent1">
-              <a:shade val="50000"/>
-            </a:schemeClr>
-          </a:lnRef>
-          <a:fillRef idx="1">
-            <a:schemeClr val="accent1"/>
-          </a:fillRef>
-          <a:effectRef idx="0">
-            <a:schemeClr val="accent1"/>
-          </a:effectRef>
-          <a:fontRef idx="minor">
-            <a:schemeClr val="lt1"/>
-          </a:fontRef>
-        </p:style>
-        <p:txBody>
-          <a:bodyPr rtlCol="0" anchor="ctr"/>
-          <a:lstStyle/>
-          <a:p>
-            <a:pPr algn="ctr"/>
-            <a:endParaRPr lang="en-IE">
-              <a:ln w="0"/>
-              <a:solidFill>
-                <a:schemeClr val="tx1"/>
-              </a:solidFill>
-              <a:effectLst>
-                <a:outerShdw blurRad="38100" dist="19050" dir="2700000" algn="tl" rotWithShape="0">
-                  <a:schemeClr val="dk1">
-                    <a:alpha val="40000"/>
-                  </a:schemeClr>
-                </a:outerShdw>
-              </a:effectLst>
-            </a:endParaRPr>
-          </a:p>
-        </p:txBody>
-      </p:sp>
-      <p:sp>
-        <p:nvSpPr>
-          <p:cNvPr id="10" name="Flowchart: Connector 9">
-            <a:extLst>
-              <a:ext uri="{FF2B5EF4-FFF2-40B4-BE49-F238E27FC236}">
-                <a16:creationId xmlns:a16="http://schemas.microsoft.com/office/drawing/2014/main" id="{14B9288C-46E3-4539-AFD0-BCE57230DF39}"/>
-              </a:ext>
-            </a:extLst>
-          </p:cNvPr>
-          <p:cNvSpPr/>
-          <p:nvPr/>
-        </p:nvSpPr>
-        <p:spPr>
-          <a:xfrm>
-            <a:off x="7390702" y="2744598"/>
-            <a:ext cx="1518408" cy="1350628"/>
-          </a:xfrm>
-          <a:prstGeom prst="flowChartConnector">
-            <a:avLst/>
-          </a:prstGeom>
-          <a:ln>
-            <a:solidFill>
-              <a:schemeClr val="tx1"/>
-            </a:solidFill>
-          </a:ln>
-        </p:spPr>
-        <p:style>
-          <a:lnRef idx="2">
-            <a:schemeClr val="accent1">
-              <a:shade val="50000"/>
-            </a:schemeClr>
-          </a:lnRef>
-          <a:fillRef idx="1">
-            <a:schemeClr val="accent1"/>
-          </a:fillRef>
-          <a:effectRef idx="0">
-            <a:schemeClr val="accent1"/>
-          </a:effectRef>
-          <a:fontRef idx="minor">
-            <a:schemeClr val="lt1"/>
-          </a:fontRef>
-        </p:style>
-        <p:txBody>
-          <a:bodyPr rtlCol="0" anchor="ctr"/>
-          <a:lstStyle/>
-          <a:p>
-            <a:pPr algn="ctr"/>
-            <a:endParaRPr lang="en-IE" dirty="0"/>
-          </a:p>
-        </p:txBody>
-      </p:sp>
-      <p:sp>
-        <p:nvSpPr>
-          <p:cNvPr id="11" name="Arrow: Up 10">
-            <a:extLst>
-              <a:ext uri="{FF2B5EF4-FFF2-40B4-BE49-F238E27FC236}">
-                <a16:creationId xmlns:a16="http://schemas.microsoft.com/office/drawing/2014/main" id="{3A560CA7-8F30-48F0-B7CD-9B8C18375145}"/>
-              </a:ext>
-            </a:extLst>
-          </p:cNvPr>
-          <p:cNvSpPr/>
-          <p:nvPr/>
-        </p:nvSpPr>
-        <p:spPr>
-          <a:xfrm rot="19593104">
-            <a:off x="7784316" y="2785754"/>
-            <a:ext cx="525710" cy="1308389"/>
+            <a:off x="6395203" y="2942334"/>
+            <a:ext cx="206011" cy="528638"/>
           </a:xfrm>
           <a:prstGeom prst="upArrow">
             <a:avLst/>
@@ -3785,10 +3526,10 @@
       </p:sp>
       <p:sp>
         <p:nvSpPr>
-          <p:cNvPr id="12" name="Arrow: Up 11">
-            <a:extLst>
-              <a:ext uri="{FF2B5EF4-FFF2-40B4-BE49-F238E27FC236}">
-                <a16:creationId xmlns:a16="http://schemas.microsoft.com/office/drawing/2014/main" id="{6C5F9023-BB87-4275-AC83-D3EF20EBCE2E}"/>
+          <p:cNvPr id="8" name="Rectangle: Rounded Corners 7">
+            <a:extLst>
+              <a:ext uri="{FF2B5EF4-FFF2-40B4-BE49-F238E27FC236}">
+                <a16:creationId xmlns:a16="http://schemas.microsoft.com/office/drawing/2014/main" id="{A026DC82-9D7E-4845-A6A6-1DC513753D54}"/>
               </a:ext>
             </a:extLst>
           </p:cNvPr>
@@ -3796,72 +3537,9 @@
           <p:nvPr/>
         </p:nvSpPr>
         <p:spPr>
-          <a:xfrm rot="2490545">
-            <a:off x="7945504" y="2739674"/>
-            <a:ext cx="525710" cy="1383186"/>
-          </a:xfrm>
-          <a:prstGeom prst="upArrow">
-            <a:avLst/>
-          </a:prstGeom>
-          <a:ln>
-            <a:solidFill>
-              <a:schemeClr val="tx1"/>
-            </a:solidFill>
-          </a:ln>
-        </p:spPr>
-        <p:style>
-          <a:lnRef idx="2">
-            <a:schemeClr val="accent1">
-              <a:shade val="50000"/>
-            </a:schemeClr>
-          </a:lnRef>
-          <a:fillRef idx="1">
-            <a:schemeClr val="accent1"/>
-          </a:fillRef>
-          <a:effectRef idx="0">
-            <a:schemeClr val="accent1"/>
-          </a:effectRef>
-          <a:fontRef idx="minor">
-            <a:schemeClr val="lt1"/>
-          </a:fontRef>
-        </p:style>
-        <p:txBody>
-          <a:bodyPr rtlCol="0" anchor="ctr"/>
-          <a:lstStyle/>
-          <a:p>
-            <a:pPr algn="ctr"/>
-            <a:endParaRPr lang="en-IE">
-              <a:ln w="0"/>
-              <a:solidFill>
-                <a:schemeClr val="tx1"/>
-              </a:solidFill>
-              <a:effectLst>
-                <a:outerShdw blurRad="38100" dist="19050" dir="2700000" algn="tl" rotWithShape="0">
-                  <a:schemeClr val="dk1">
-                    <a:alpha val="40000"/>
-                  </a:schemeClr>
-                </a:outerShdw>
-              </a:effectLst>
-            </a:endParaRPr>
-          </a:p>
-        </p:txBody>
-      </p:sp>
-      <p:sp>
-        <p:nvSpPr>
-          <p:cNvPr id="14" name="Rectangle: Rounded Corners 13">
-            <a:extLst>
-              <a:ext uri="{FF2B5EF4-FFF2-40B4-BE49-F238E27FC236}">
-                <a16:creationId xmlns:a16="http://schemas.microsoft.com/office/drawing/2014/main" id="{ACC94034-6D35-4B7D-9749-ED3C8EDF10CA}"/>
-              </a:ext>
-            </a:extLst>
-          </p:cNvPr>
-          <p:cNvSpPr/>
-          <p:nvPr/>
-        </p:nvSpPr>
-        <p:spPr>
           <a:xfrm>
-            <a:off x="7029975" y="612396"/>
-            <a:ext cx="2223082" cy="3909270"/>
+            <a:off x="6008681" y="2576969"/>
+            <a:ext cx="964734" cy="2160408"/>
           </a:xfrm>
           <a:prstGeom prst="roundRect">
             <a:avLst/>
@@ -3902,23 +3580,24 @@
       </p:sp>
       <p:cxnSp>
         <p:nvCxnSpPr>
-          <p:cNvPr id="16" name="Straight Connector 15">
-            <a:extLst>
-              <a:ext uri="{FF2B5EF4-FFF2-40B4-BE49-F238E27FC236}">
-                <a16:creationId xmlns:a16="http://schemas.microsoft.com/office/drawing/2014/main" id="{FBEFF98E-4C55-4072-A93D-43D984FE776A}"/>
+          <p:cNvPr id="9" name="Straight Connector 8">
+            <a:extLst>
+              <a:ext uri="{FF2B5EF4-FFF2-40B4-BE49-F238E27FC236}">
+                <a16:creationId xmlns:a16="http://schemas.microsoft.com/office/drawing/2014/main" id="{1B658FC3-AA0D-4FCF-87B3-B4F8C6BD26EC}"/>
               </a:ext>
             </a:extLst>
           </p:cNvPr>
           <p:cNvCxnSpPr>
-            <a:stCxn id="7" idx="4"/>
-            <a:endCxn id="10" idx="0"/>
+            <a:cxnSpLocks/>
+            <a:stCxn id="2" idx="4"/>
+            <a:endCxn id="19" idx="0"/>
           </p:cNvCxnSpPr>
           <p:nvPr/>
         </p:nvCxnSpPr>
         <p:spPr>
           <a:xfrm>
-            <a:off x="8149905" y="2323751"/>
-            <a:ext cx="1" cy="420847"/>
+            <a:off x="6491048" y="3523248"/>
+            <a:ext cx="2038" cy="324068"/>
           </a:xfrm>
           <a:prstGeom prst="line">
             <a:avLst/>
@@ -3941,10 +3620,10 @@
       </p:cxnSp>
       <p:sp>
         <p:nvSpPr>
-          <p:cNvPr id="17" name="TextBox 16">
-            <a:extLst>
-              <a:ext uri="{FF2B5EF4-FFF2-40B4-BE49-F238E27FC236}">
-                <a16:creationId xmlns:a16="http://schemas.microsoft.com/office/drawing/2014/main" id="{92501C1F-8660-4F59-B09C-2577CCD6B786}"/>
+          <p:cNvPr id="10" name="TextBox 9">
+            <a:extLst>
+              <a:ext uri="{FF2B5EF4-FFF2-40B4-BE49-F238E27FC236}">
+                <a16:creationId xmlns:a16="http://schemas.microsoft.com/office/drawing/2014/main" id="{F9F89EE1-9DC8-4B6D-8664-707DC99E7711}"/>
               </a:ext>
             </a:extLst>
           </p:cNvPr>
@@ -3953,8 +3632,1756 @@
         </p:nvSpPr>
         <p:spPr>
           <a:xfrm>
-            <a:off x="7656782" y="612396"/>
-            <a:ext cx="988540" cy="369332"/>
+            <a:off x="6180655" y="2606573"/>
+            <a:ext cx="620787" cy="230832"/>
+          </a:xfrm>
+          <a:prstGeom prst="rect">
+            <a:avLst/>
+          </a:prstGeom>
+          <a:noFill/>
+        </p:spPr>
+        <p:txBody>
+          <a:bodyPr wrap="square" rtlCol="0">
+            <a:spAutoFit/>
+          </a:bodyPr>
+          <a:lstStyle/>
+          <a:p>
+            <a:pPr algn="ctr"/>
+            <a:r>
+              <a:rPr lang="en-IE" sz="900" dirty="0"/>
+              <a:t>Router 1</a:t>
+            </a:r>
+          </a:p>
+        </p:txBody>
+      </p:sp>
+      <p:sp>
+        <p:nvSpPr>
+          <p:cNvPr id="11" name="TextBox 10">
+            <a:extLst>
+              <a:ext uri="{FF2B5EF4-FFF2-40B4-BE49-F238E27FC236}">
+                <a16:creationId xmlns:a16="http://schemas.microsoft.com/office/drawing/2014/main" id="{D26A0F2A-87EE-49AB-9932-3CDA20A1B2EA}"/>
+              </a:ext>
+            </a:extLst>
+          </p:cNvPr>
+          <p:cNvSpPr txBox="1"/>
+          <p:nvPr/>
+        </p:nvSpPr>
+        <p:spPr>
+          <a:xfrm>
+            <a:off x="5996778" y="4526249"/>
+            <a:ext cx="988540" cy="230832"/>
+          </a:xfrm>
+          <a:prstGeom prst="rect">
+            <a:avLst/>
+          </a:prstGeom>
+          <a:noFill/>
+        </p:spPr>
+        <p:txBody>
+          <a:bodyPr wrap="square" rtlCol="0">
+            <a:spAutoFit/>
+          </a:bodyPr>
+          <a:lstStyle/>
+          <a:p>
+            <a:pPr algn="ctr"/>
+            <a:r>
+              <a:rPr lang="en-IE" sz="900" dirty="0"/>
+              <a:t>Router 2</a:t>
+            </a:r>
+          </a:p>
+        </p:txBody>
+      </p:sp>
+      <p:sp>
+        <p:nvSpPr>
+          <p:cNvPr id="12" name="TextBox 11">
+            <a:extLst>
+              <a:ext uri="{FF2B5EF4-FFF2-40B4-BE49-F238E27FC236}">
+                <a16:creationId xmlns:a16="http://schemas.microsoft.com/office/drawing/2014/main" id="{20D36B56-1C68-4F46-96BE-6360DEBEF642}"/>
+              </a:ext>
+            </a:extLst>
+          </p:cNvPr>
+          <p:cNvSpPr txBox="1"/>
+          <p:nvPr/>
+        </p:nvSpPr>
+        <p:spPr>
+          <a:xfrm>
+            <a:off x="6008681" y="2218430"/>
+            <a:ext cx="1023037" cy="307777"/>
+          </a:xfrm>
+          <a:prstGeom prst="rect">
+            <a:avLst/>
+          </a:prstGeom>
+          <a:noFill/>
+        </p:spPr>
+        <p:txBody>
+          <a:bodyPr wrap="square" rtlCol="0">
+            <a:spAutoFit/>
+          </a:bodyPr>
+          <a:lstStyle/>
+          <a:p>
+            <a:pPr algn="ctr"/>
+            <a:r>
+              <a:rPr lang="en-IE" sz="1400" dirty="0"/>
+              <a:t>HSRP .20</a:t>
+            </a:r>
+          </a:p>
+        </p:txBody>
+      </p:sp>
+      <p:sp>
+        <p:nvSpPr>
+          <p:cNvPr id="19" name="Flowchart: Connector 18">
+            <a:extLst>
+              <a:ext uri="{FF2B5EF4-FFF2-40B4-BE49-F238E27FC236}">
+                <a16:creationId xmlns:a16="http://schemas.microsoft.com/office/drawing/2014/main" id="{151D7B15-D3CB-4D88-BE65-0AD0575F8604}"/>
+              </a:ext>
+            </a:extLst>
+          </p:cNvPr>
+          <p:cNvSpPr/>
+          <p:nvPr/>
+        </p:nvSpPr>
+        <p:spPr>
+          <a:xfrm>
+            <a:off x="6182693" y="3847316"/>
+            <a:ext cx="620786" cy="620785"/>
+          </a:xfrm>
+          <a:prstGeom prst="flowChartConnector">
+            <a:avLst/>
+          </a:prstGeom>
+          <a:ln>
+            <a:solidFill>
+              <a:schemeClr val="tx1"/>
+            </a:solidFill>
+          </a:ln>
+        </p:spPr>
+        <p:style>
+          <a:lnRef idx="2">
+            <a:schemeClr val="accent1">
+              <a:shade val="50000"/>
+            </a:schemeClr>
+          </a:lnRef>
+          <a:fillRef idx="1">
+            <a:schemeClr val="accent1"/>
+          </a:fillRef>
+          <a:effectRef idx="0">
+            <a:schemeClr val="accent1"/>
+          </a:effectRef>
+          <a:fontRef idx="minor">
+            <a:schemeClr val="lt1"/>
+          </a:fontRef>
+        </p:style>
+        <p:txBody>
+          <a:bodyPr rtlCol="0" anchor="ctr"/>
+          <a:lstStyle/>
+          <a:p>
+            <a:pPr algn="ctr"/>
+            <a:endParaRPr lang="en-IE" dirty="0"/>
+          </a:p>
+        </p:txBody>
+      </p:sp>
+      <p:sp>
+        <p:nvSpPr>
+          <p:cNvPr id="20" name="Arrow: Up 19">
+            <a:extLst>
+              <a:ext uri="{FF2B5EF4-FFF2-40B4-BE49-F238E27FC236}">
+                <a16:creationId xmlns:a16="http://schemas.microsoft.com/office/drawing/2014/main" id="{E5EDAADF-D0F0-4715-A619-C35C83930AE6}"/>
+              </a:ext>
+            </a:extLst>
+          </p:cNvPr>
+          <p:cNvSpPr/>
+          <p:nvPr/>
+        </p:nvSpPr>
+        <p:spPr>
+          <a:xfrm rot="19593104">
+            <a:off x="6369126" y="3893089"/>
+            <a:ext cx="170468" cy="537050"/>
+          </a:xfrm>
+          <a:prstGeom prst="upArrow">
+            <a:avLst/>
+          </a:prstGeom>
+          <a:ln>
+            <a:solidFill>
+              <a:schemeClr val="tx1"/>
+            </a:solidFill>
+          </a:ln>
+        </p:spPr>
+        <p:style>
+          <a:lnRef idx="2">
+            <a:schemeClr val="accent1">
+              <a:shade val="50000"/>
+            </a:schemeClr>
+          </a:lnRef>
+          <a:fillRef idx="1">
+            <a:schemeClr val="accent1"/>
+          </a:fillRef>
+          <a:effectRef idx="0">
+            <a:schemeClr val="accent1"/>
+          </a:effectRef>
+          <a:fontRef idx="minor">
+            <a:schemeClr val="lt1"/>
+          </a:fontRef>
+        </p:style>
+        <p:txBody>
+          <a:bodyPr rtlCol="0" anchor="ctr"/>
+          <a:lstStyle/>
+          <a:p>
+            <a:pPr algn="ctr"/>
+            <a:endParaRPr lang="en-IE" dirty="0">
+              <a:ln w="0"/>
+              <a:solidFill>
+                <a:schemeClr val="tx1"/>
+              </a:solidFill>
+              <a:effectLst>
+                <a:outerShdw blurRad="38100" dist="19050" dir="2700000" algn="tl" rotWithShape="0">
+                  <a:schemeClr val="dk1">
+                    <a:alpha val="40000"/>
+                  </a:schemeClr>
+                </a:outerShdw>
+              </a:effectLst>
+            </a:endParaRPr>
+          </a:p>
+        </p:txBody>
+      </p:sp>
+      <p:sp>
+        <p:nvSpPr>
+          <p:cNvPr id="21" name="Arrow: Up 20">
+            <a:extLst>
+              <a:ext uri="{FF2B5EF4-FFF2-40B4-BE49-F238E27FC236}">
+                <a16:creationId xmlns:a16="http://schemas.microsoft.com/office/drawing/2014/main" id="{FB7B905E-9490-4B7D-B5C6-53A70CAC8E97}"/>
+              </a:ext>
+            </a:extLst>
+          </p:cNvPr>
+          <p:cNvSpPr/>
+          <p:nvPr/>
+        </p:nvSpPr>
+        <p:spPr>
+          <a:xfrm rot="2490545">
+            <a:off x="6397241" y="3887187"/>
+            <a:ext cx="206011" cy="528638"/>
+          </a:xfrm>
+          <a:prstGeom prst="upArrow">
+            <a:avLst/>
+          </a:prstGeom>
+          <a:ln>
+            <a:solidFill>
+              <a:schemeClr val="tx1"/>
+            </a:solidFill>
+          </a:ln>
+        </p:spPr>
+        <p:style>
+          <a:lnRef idx="2">
+            <a:schemeClr val="accent1">
+              <a:shade val="50000"/>
+            </a:schemeClr>
+          </a:lnRef>
+          <a:fillRef idx="1">
+            <a:schemeClr val="accent1"/>
+          </a:fillRef>
+          <a:effectRef idx="0">
+            <a:schemeClr val="accent1"/>
+          </a:effectRef>
+          <a:fontRef idx="minor">
+            <a:schemeClr val="lt1"/>
+          </a:fontRef>
+        </p:style>
+        <p:txBody>
+          <a:bodyPr rtlCol="0" anchor="ctr"/>
+          <a:lstStyle/>
+          <a:p>
+            <a:pPr algn="ctr"/>
+            <a:endParaRPr lang="en-IE" dirty="0">
+              <a:ln w="0"/>
+              <a:solidFill>
+                <a:schemeClr val="tx1"/>
+              </a:solidFill>
+              <a:effectLst>
+                <a:outerShdw blurRad="38100" dist="19050" dir="2700000" algn="tl" rotWithShape="0">
+                  <a:schemeClr val="dk1">
+                    <a:alpha val="40000"/>
+                  </a:schemeClr>
+                </a:outerShdw>
+              </a:effectLst>
+            </a:endParaRPr>
+          </a:p>
+        </p:txBody>
+      </p:sp>
+      <p:sp>
+        <p:nvSpPr>
+          <p:cNvPr id="24" name="Cloud 23">
+            <a:extLst>
+              <a:ext uri="{FF2B5EF4-FFF2-40B4-BE49-F238E27FC236}">
+                <a16:creationId xmlns:a16="http://schemas.microsoft.com/office/drawing/2014/main" id="{193E544B-C251-4A6E-BBDB-5E1222C49CB6}"/>
+              </a:ext>
+            </a:extLst>
+          </p:cNvPr>
+          <p:cNvSpPr/>
+          <p:nvPr/>
+        </p:nvSpPr>
+        <p:spPr>
+          <a:xfrm>
+            <a:off x="2649490" y="2375231"/>
+            <a:ext cx="1157679" cy="788566"/>
+          </a:xfrm>
+          <a:prstGeom prst="cloud">
+            <a:avLst/>
+          </a:prstGeom>
+          <a:solidFill>
+            <a:schemeClr val="bg1"/>
+          </a:solidFill>
+        </p:spPr>
+        <p:style>
+          <a:lnRef idx="2">
+            <a:schemeClr val="accent1">
+              <a:shade val="50000"/>
+            </a:schemeClr>
+          </a:lnRef>
+          <a:fillRef idx="1">
+            <a:schemeClr val="accent1"/>
+          </a:fillRef>
+          <a:effectRef idx="0">
+            <a:schemeClr val="accent1"/>
+          </a:effectRef>
+          <a:fontRef idx="minor">
+            <a:schemeClr val="lt1"/>
+          </a:fontRef>
+        </p:style>
+        <p:txBody>
+          <a:bodyPr rtlCol="0" anchor="ctr"/>
+          <a:lstStyle/>
+          <a:p>
+            <a:pPr algn="ctr"/>
+            <a:r>
+              <a:rPr lang="en-IE" sz="800" dirty="0">
+                <a:solidFill>
+                  <a:schemeClr val="tx1"/>
+                </a:solidFill>
+              </a:rPr>
+              <a:t>VLAN15</a:t>
+            </a:r>
+          </a:p>
+          <a:p>
+            <a:pPr algn="ctr"/>
+            <a:r>
+              <a:rPr lang="en-IE" sz="800" dirty="0">
+                <a:solidFill>
+                  <a:schemeClr val="tx1"/>
+                </a:solidFill>
+              </a:rPr>
+              <a:t>Routers</a:t>
+            </a:r>
+          </a:p>
+          <a:p>
+            <a:pPr algn="ctr"/>
+            <a:r>
+              <a:rPr lang="en-IE" sz="800" b="0" i="0" u="none" strike="noStrike" dirty="0">
+                <a:solidFill>
+                  <a:schemeClr val="tx1"/>
+                </a:solidFill>
+                <a:effectLst/>
+                <a:latin typeface="Calibri" panose="020F0502020204030204" pitchFamily="34" charset="0"/>
+              </a:rPr>
+              <a:t>10.45.1.12/24</a:t>
+            </a:r>
+            <a:endParaRPr lang="en-IE" sz="800" dirty="0">
+              <a:solidFill>
+                <a:schemeClr val="tx1"/>
+              </a:solidFill>
+            </a:endParaRPr>
+          </a:p>
+        </p:txBody>
+      </p:sp>
+      <p:sp>
+        <p:nvSpPr>
+          <p:cNvPr id="25" name="Cloud 24">
+            <a:extLst>
+              <a:ext uri="{FF2B5EF4-FFF2-40B4-BE49-F238E27FC236}">
+                <a16:creationId xmlns:a16="http://schemas.microsoft.com/office/drawing/2014/main" id="{B17C0A77-5C86-4795-B52D-1294B4F2DE81}"/>
+              </a:ext>
+            </a:extLst>
+          </p:cNvPr>
+          <p:cNvSpPr/>
+          <p:nvPr/>
+        </p:nvSpPr>
+        <p:spPr>
+          <a:xfrm>
+            <a:off x="6883170" y="177583"/>
+            <a:ext cx="1157679" cy="788566"/>
+          </a:xfrm>
+          <a:prstGeom prst="cloud">
+            <a:avLst/>
+          </a:prstGeom>
+          <a:solidFill>
+            <a:schemeClr val="accent6"/>
+          </a:solidFill>
+        </p:spPr>
+        <p:style>
+          <a:lnRef idx="2">
+            <a:schemeClr val="accent1">
+              <a:shade val="50000"/>
+            </a:schemeClr>
+          </a:lnRef>
+          <a:fillRef idx="1">
+            <a:schemeClr val="accent1"/>
+          </a:fillRef>
+          <a:effectRef idx="0">
+            <a:schemeClr val="accent1"/>
+          </a:effectRef>
+          <a:fontRef idx="minor">
+            <a:schemeClr val="lt1"/>
+          </a:fontRef>
+        </p:style>
+        <p:txBody>
+          <a:bodyPr rtlCol="0" anchor="ctr"/>
+          <a:lstStyle/>
+          <a:p>
+            <a:pPr algn="ctr"/>
+            <a:r>
+              <a:rPr lang="en-IE" sz="800" dirty="0">
+                <a:solidFill>
+                  <a:schemeClr val="tx1"/>
+                </a:solidFill>
+              </a:rPr>
+              <a:t>VLAN3</a:t>
+            </a:r>
+          </a:p>
+          <a:p>
+            <a:pPr algn="ctr"/>
+            <a:r>
+              <a:rPr lang="en-IE" sz="800" dirty="0">
+                <a:solidFill>
+                  <a:schemeClr val="tx1"/>
+                </a:solidFill>
+              </a:rPr>
+              <a:t>Staff Radio</a:t>
+            </a:r>
+          </a:p>
+          <a:p>
+            <a:pPr algn="ctr"/>
+            <a:r>
+              <a:rPr lang="en-IE" sz="800" b="0" i="0" u="none" strike="noStrike" dirty="0">
+                <a:solidFill>
+                  <a:schemeClr val="tx1"/>
+                </a:solidFill>
+                <a:effectLst/>
+                <a:latin typeface="Calibri" panose="020F0502020204030204" pitchFamily="34" charset="0"/>
+              </a:rPr>
+              <a:t>10.45.1.0/24</a:t>
+            </a:r>
+            <a:endParaRPr lang="en-IE" sz="800" dirty="0">
+              <a:solidFill>
+                <a:schemeClr val="tx1"/>
+              </a:solidFill>
+            </a:endParaRPr>
+          </a:p>
+        </p:txBody>
+      </p:sp>
+      <p:sp>
+        <p:nvSpPr>
+          <p:cNvPr id="26" name="Cloud 25">
+            <a:extLst>
+              <a:ext uri="{FF2B5EF4-FFF2-40B4-BE49-F238E27FC236}">
+                <a16:creationId xmlns:a16="http://schemas.microsoft.com/office/drawing/2014/main" id="{5645D25A-CAF7-486E-9CD0-3F6B03E1F3AA}"/>
+              </a:ext>
+            </a:extLst>
+          </p:cNvPr>
+          <p:cNvSpPr/>
+          <p:nvPr/>
+        </p:nvSpPr>
+        <p:spPr>
+          <a:xfrm>
+            <a:off x="8388992" y="369115"/>
+            <a:ext cx="1157679" cy="788566"/>
+          </a:xfrm>
+          <a:prstGeom prst="cloud">
+            <a:avLst/>
+          </a:prstGeom>
+          <a:solidFill>
+            <a:srgbClr val="FF0000"/>
+          </a:solidFill>
+        </p:spPr>
+        <p:style>
+          <a:lnRef idx="2">
+            <a:schemeClr val="accent1">
+              <a:shade val="50000"/>
+            </a:schemeClr>
+          </a:lnRef>
+          <a:fillRef idx="1">
+            <a:schemeClr val="accent1"/>
+          </a:fillRef>
+          <a:effectRef idx="0">
+            <a:schemeClr val="accent1"/>
+          </a:effectRef>
+          <a:fontRef idx="minor">
+            <a:schemeClr val="lt1"/>
+          </a:fontRef>
+        </p:style>
+        <p:txBody>
+          <a:bodyPr rtlCol="0" anchor="ctr"/>
+          <a:lstStyle/>
+          <a:p>
+            <a:pPr algn="ctr"/>
+            <a:r>
+              <a:rPr lang="en-IE" sz="800" dirty="0">
+                <a:solidFill>
+                  <a:schemeClr val="tx1"/>
+                </a:solidFill>
+              </a:rPr>
+              <a:t>VLAN4</a:t>
+            </a:r>
+          </a:p>
+          <a:p>
+            <a:pPr algn="ctr"/>
+            <a:r>
+              <a:rPr lang="en-IE" sz="800" dirty="0">
+                <a:solidFill>
+                  <a:schemeClr val="tx1"/>
+                </a:solidFill>
+              </a:rPr>
+              <a:t>Power Infrastructure</a:t>
+            </a:r>
+          </a:p>
+          <a:p>
+            <a:pPr algn="ctr"/>
+            <a:r>
+              <a:rPr lang="en-IE" sz="800" b="0" i="0" u="none" strike="noStrike" dirty="0">
+                <a:solidFill>
+                  <a:schemeClr val="tx1"/>
+                </a:solidFill>
+                <a:effectLst/>
+                <a:latin typeface="Calibri" panose="020F0502020204030204" pitchFamily="34" charset="0"/>
+              </a:rPr>
+              <a:t>10.45.1.1/24</a:t>
+            </a:r>
+            <a:endParaRPr lang="en-IE" sz="800" dirty="0">
+              <a:solidFill>
+                <a:schemeClr val="tx1"/>
+              </a:solidFill>
+            </a:endParaRPr>
+          </a:p>
+        </p:txBody>
+      </p:sp>
+      <p:sp>
+        <p:nvSpPr>
+          <p:cNvPr id="27" name="Cloud 26">
+            <a:extLst>
+              <a:ext uri="{FF2B5EF4-FFF2-40B4-BE49-F238E27FC236}">
+                <a16:creationId xmlns:a16="http://schemas.microsoft.com/office/drawing/2014/main" id="{C363A69E-EAB4-4F20-8B26-02271C53538B}"/>
+              </a:ext>
+            </a:extLst>
+          </p:cNvPr>
+          <p:cNvSpPr/>
+          <p:nvPr/>
+        </p:nvSpPr>
+        <p:spPr>
+          <a:xfrm>
+            <a:off x="9169167" y="1407687"/>
+            <a:ext cx="1157679" cy="788566"/>
+          </a:xfrm>
+          <a:prstGeom prst="cloud">
+            <a:avLst/>
+          </a:prstGeom>
+          <a:solidFill>
+            <a:srgbClr val="FF99CC"/>
+          </a:solidFill>
+        </p:spPr>
+        <p:style>
+          <a:lnRef idx="2">
+            <a:schemeClr val="accent1">
+              <a:shade val="50000"/>
+            </a:schemeClr>
+          </a:lnRef>
+          <a:fillRef idx="1">
+            <a:schemeClr val="accent1"/>
+          </a:fillRef>
+          <a:effectRef idx="0">
+            <a:schemeClr val="accent1"/>
+          </a:effectRef>
+          <a:fontRef idx="minor">
+            <a:schemeClr val="lt1"/>
+          </a:fontRef>
+        </p:style>
+        <p:txBody>
+          <a:bodyPr rtlCol="0" anchor="ctr"/>
+          <a:lstStyle/>
+          <a:p>
+            <a:pPr algn="ctr"/>
+            <a:r>
+              <a:rPr lang="en-IE" sz="800" dirty="0">
+                <a:solidFill>
+                  <a:schemeClr val="tx1"/>
+                </a:solidFill>
+              </a:rPr>
+              <a:t>VLAN5</a:t>
+            </a:r>
+          </a:p>
+          <a:p>
+            <a:pPr algn="ctr"/>
+            <a:r>
+              <a:rPr lang="en-IE" sz="800" dirty="0">
+                <a:solidFill>
+                  <a:schemeClr val="tx1"/>
+                </a:solidFill>
+              </a:rPr>
+              <a:t>Technical Clients</a:t>
+            </a:r>
+          </a:p>
+          <a:p>
+            <a:pPr algn="ctr"/>
+            <a:r>
+              <a:rPr lang="en-IE" sz="800" b="0" i="0" u="none" strike="noStrike" dirty="0">
+                <a:solidFill>
+                  <a:schemeClr val="tx1"/>
+                </a:solidFill>
+                <a:effectLst/>
+                <a:latin typeface="Calibri" panose="020F0502020204030204" pitchFamily="34" charset="0"/>
+              </a:rPr>
+              <a:t>10.45.1.2/24</a:t>
+            </a:r>
+            <a:endParaRPr lang="en-IE" sz="800" dirty="0">
+              <a:solidFill>
+                <a:schemeClr val="tx1"/>
+              </a:solidFill>
+            </a:endParaRPr>
+          </a:p>
+        </p:txBody>
+      </p:sp>
+      <p:sp>
+        <p:nvSpPr>
+          <p:cNvPr id="28" name="Cloud 27">
+            <a:extLst>
+              <a:ext uri="{FF2B5EF4-FFF2-40B4-BE49-F238E27FC236}">
+                <a16:creationId xmlns:a16="http://schemas.microsoft.com/office/drawing/2014/main" id="{7FC4F63E-9CDB-4DD2-9304-2AFDBDEC6379}"/>
+              </a:ext>
+            </a:extLst>
+          </p:cNvPr>
+          <p:cNvSpPr/>
+          <p:nvPr/>
+        </p:nvSpPr>
+        <p:spPr>
+          <a:xfrm>
+            <a:off x="9085277" y="3595601"/>
+            <a:ext cx="1157679" cy="788566"/>
+          </a:xfrm>
+          <a:prstGeom prst="cloud">
+            <a:avLst/>
+          </a:prstGeom>
+          <a:solidFill>
+            <a:schemeClr val="bg1">
+              <a:lumMod val="75000"/>
+            </a:schemeClr>
+          </a:solidFill>
+        </p:spPr>
+        <p:style>
+          <a:lnRef idx="2">
+            <a:schemeClr val="accent1">
+              <a:shade val="50000"/>
+            </a:schemeClr>
+          </a:lnRef>
+          <a:fillRef idx="1">
+            <a:schemeClr val="accent1"/>
+          </a:fillRef>
+          <a:effectRef idx="0">
+            <a:schemeClr val="accent1"/>
+          </a:effectRef>
+          <a:fontRef idx="minor">
+            <a:schemeClr val="lt1"/>
+          </a:fontRef>
+        </p:style>
+        <p:txBody>
+          <a:bodyPr rtlCol="0" anchor="ctr"/>
+          <a:lstStyle/>
+          <a:p>
+            <a:pPr algn="ctr"/>
+            <a:r>
+              <a:rPr lang="en-IE" sz="800" dirty="0">
+                <a:solidFill>
+                  <a:schemeClr val="tx1"/>
+                </a:solidFill>
+              </a:rPr>
+              <a:t>VLAN7</a:t>
+            </a:r>
+          </a:p>
+          <a:p>
+            <a:pPr algn="ctr"/>
+            <a:r>
+              <a:rPr lang="en-IE" sz="800" dirty="0">
+                <a:solidFill>
+                  <a:schemeClr val="tx1"/>
+                </a:solidFill>
+              </a:rPr>
+              <a:t>Telephony</a:t>
+            </a:r>
+          </a:p>
+          <a:p>
+            <a:pPr algn="ctr"/>
+            <a:r>
+              <a:rPr lang="en-IE" sz="800" b="0" i="0" u="none" strike="noStrike" dirty="0">
+                <a:solidFill>
+                  <a:schemeClr val="tx1"/>
+                </a:solidFill>
+                <a:effectLst/>
+                <a:latin typeface="Calibri" panose="020F0502020204030204" pitchFamily="34" charset="0"/>
+              </a:rPr>
+              <a:t>10.45.1.4/24</a:t>
+            </a:r>
+            <a:endParaRPr lang="en-IE" sz="800" dirty="0">
+              <a:solidFill>
+                <a:schemeClr val="tx1"/>
+              </a:solidFill>
+            </a:endParaRPr>
+          </a:p>
+        </p:txBody>
+      </p:sp>
+      <p:sp>
+        <p:nvSpPr>
+          <p:cNvPr id="29" name="Cloud 28">
+            <a:extLst>
+              <a:ext uri="{FF2B5EF4-FFF2-40B4-BE49-F238E27FC236}">
+                <a16:creationId xmlns:a16="http://schemas.microsoft.com/office/drawing/2014/main" id="{FB8A172A-50AD-48D0-91C5-0028C2F7E5C1}"/>
+              </a:ext>
+            </a:extLst>
+          </p:cNvPr>
+          <p:cNvSpPr/>
+          <p:nvPr/>
+        </p:nvSpPr>
+        <p:spPr>
+          <a:xfrm>
+            <a:off x="8771379" y="4641665"/>
+            <a:ext cx="1157679" cy="788566"/>
+          </a:xfrm>
+          <a:prstGeom prst="cloud">
+            <a:avLst/>
+          </a:prstGeom>
+          <a:solidFill>
+            <a:schemeClr val="bg1"/>
+          </a:solidFill>
+        </p:spPr>
+        <p:style>
+          <a:lnRef idx="2">
+            <a:schemeClr val="accent1">
+              <a:shade val="50000"/>
+            </a:schemeClr>
+          </a:lnRef>
+          <a:fillRef idx="1">
+            <a:schemeClr val="accent1"/>
+          </a:fillRef>
+          <a:effectRef idx="0">
+            <a:schemeClr val="accent1"/>
+          </a:effectRef>
+          <a:fontRef idx="minor">
+            <a:schemeClr val="lt1"/>
+          </a:fontRef>
+        </p:style>
+        <p:txBody>
+          <a:bodyPr rtlCol="0" anchor="ctr"/>
+          <a:lstStyle/>
+          <a:p>
+            <a:pPr algn="ctr"/>
+            <a:r>
+              <a:rPr lang="en-IE" sz="800" dirty="0">
+                <a:solidFill>
+                  <a:schemeClr val="tx1"/>
+                </a:solidFill>
+              </a:rPr>
+              <a:t>VLAN8</a:t>
+            </a:r>
+          </a:p>
+          <a:p>
+            <a:pPr algn="ctr"/>
+            <a:r>
+              <a:rPr lang="en-IE" sz="800" dirty="0">
+                <a:solidFill>
+                  <a:schemeClr val="tx1"/>
+                </a:solidFill>
+              </a:rPr>
+              <a:t>HVAC Infrastructure</a:t>
+            </a:r>
+          </a:p>
+          <a:p>
+            <a:pPr algn="ctr"/>
+            <a:r>
+              <a:rPr lang="en-IE" sz="800" b="0" i="0" u="none" strike="noStrike" dirty="0">
+                <a:solidFill>
+                  <a:schemeClr val="tx1"/>
+                </a:solidFill>
+                <a:effectLst/>
+                <a:latin typeface="Calibri" panose="020F0502020204030204" pitchFamily="34" charset="0"/>
+              </a:rPr>
+              <a:t>10.45.1.5/24</a:t>
+            </a:r>
+            <a:endParaRPr lang="en-IE" sz="800" dirty="0">
+              <a:solidFill>
+                <a:schemeClr val="tx1"/>
+              </a:solidFill>
+            </a:endParaRPr>
+          </a:p>
+        </p:txBody>
+      </p:sp>
+      <p:sp>
+        <p:nvSpPr>
+          <p:cNvPr id="30" name="Cloud 29">
+            <a:extLst>
+              <a:ext uri="{FF2B5EF4-FFF2-40B4-BE49-F238E27FC236}">
+                <a16:creationId xmlns:a16="http://schemas.microsoft.com/office/drawing/2014/main" id="{9BBE13F1-0D64-4009-9D40-DADA6DF95020}"/>
+              </a:ext>
+            </a:extLst>
+          </p:cNvPr>
+          <p:cNvSpPr/>
+          <p:nvPr/>
+        </p:nvSpPr>
+        <p:spPr>
+          <a:xfrm>
+            <a:off x="7927598" y="5700319"/>
+            <a:ext cx="1157679" cy="788566"/>
+          </a:xfrm>
+          <a:prstGeom prst="cloud">
+            <a:avLst/>
+          </a:prstGeom>
+          <a:solidFill>
+            <a:schemeClr val="accent2">
+              <a:lumMod val="60000"/>
+              <a:lumOff val="40000"/>
+            </a:schemeClr>
+          </a:solidFill>
+        </p:spPr>
+        <p:style>
+          <a:lnRef idx="2">
+            <a:schemeClr val="accent1">
+              <a:shade val="50000"/>
+            </a:schemeClr>
+          </a:lnRef>
+          <a:fillRef idx="1">
+            <a:schemeClr val="accent1"/>
+          </a:fillRef>
+          <a:effectRef idx="0">
+            <a:schemeClr val="accent1"/>
+          </a:effectRef>
+          <a:fontRef idx="minor">
+            <a:schemeClr val="lt1"/>
+          </a:fontRef>
+        </p:style>
+        <p:txBody>
+          <a:bodyPr rtlCol="0" anchor="ctr"/>
+          <a:lstStyle/>
+          <a:p>
+            <a:pPr algn="ctr"/>
+            <a:r>
+              <a:rPr lang="en-IE" sz="800" dirty="0">
+                <a:solidFill>
+                  <a:schemeClr val="tx1"/>
+                </a:solidFill>
+              </a:rPr>
+              <a:t>VLAN9</a:t>
+            </a:r>
+          </a:p>
+          <a:p>
+            <a:pPr algn="ctr"/>
+            <a:r>
+              <a:rPr lang="en-IE" sz="800" dirty="0">
+                <a:solidFill>
+                  <a:schemeClr val="tx1"/>
+                </a:solidFill>
+              </a:rPr>
+              <a:t>Storage</a:t>
+            </a:r>
+          </a:p>
+          <a:p>
+            <a:pPr algn="ctr"/>
+            <a:r>
+              <a:rPr lang="en-IE" sz="800" b="0" i="0" u="none" strike="noStrike" dirty="0">
+                <a:solidFill>
+                  <a:schemeClr val="tx1"/>
+                </a:solidFill>
+                <a:effectLst/>
+                <a:latin typeface="Calibri" panose="020F0502020204030204" pitchFamily="34" charset="0"/>
+              </a:rPr>
+              <a:t>10.45.1.6/24</a:t>
+            </a:r>
+            <a:endParaRPr lang="en-IE" sz="800" dirty="0">
+              <a:solidFill>
+                <a:schemeClr val="tx1"/>
+              </a:solidFill>
+            </a:endParaRPr>
+          </a:p>
+        </p:txBody>
+      </p:sp>
+      <p:sp>
+        <p:nvSpPr>
+          <p:cNvPr id="31" name="Cloud 30">
+            <a:extLst>
+              <a:ext uri="{FF2B5EF4-FFF2-40B4-BE49-F238E27FC236}">
+                <a16:creationId xmlns:a16="http://schemas.microsoft.com/office/drawing/2014/main" id="{9687A9DC-590F-4704-8ADF-9B9741E432B6}"/>
+              </a:ext>
+            </a:extLst>
+          </p:cNvPr>
+          <p:cNvSpPr/>
+          <p:nvPr/>
+        </p:nvSpPr>
+        <p:spPr>
+          <a:xfrm>
+            <a:off x="6304330" y="5801822"/>
+            <a:ext cx="1157679" cy="788566"/>
+          </a:xfrm>
+          <a:prstGeom prst="cloud">
+            <a:avLst/>
+          </a:prstGeom>
+          <a:solidFill>
+            <a:srgbClr val="FFFF00"/>
+          </a:solidFill>
+        </p:spPr>
+        <p:style>
+          <a:lnRef idx="2">
+            <a:schemeClr val="accent1">
+              <a:shade val="50000"/>
+            </a:schemeClr>
+          </a:lnRef>
+          <a:fillRef idx="1">
+            <a:schemeClr val="accent1"/>
+          </a:fillRef>
+          <a:effectRef idx="0">
+            <a:schemeClr val="accent1"/>
+          </a:effectRef>
+          <a:fontRef idx="minor">
+            <a:schemeClr val="lt1"/>
+          </a:fontRef>
+        </p:style>
+        <p:txBody>
+          <a:bodyPr rtlCol="0" anchor="ctr"/>
+          <a:lstStyle/>
+          <a:p>
+            <a:pPr algn="ctr"/>
+            <a:r>
+              <a:rPr lang="en-IE" sz="800" dirty="0">
+                <a:solidFill>
+                  <a:schemeClr val="tx1"/>
+                </a:solidFill>
+              </a:rPr>
+              <a:t>VLAN10</a:t>
+            </a:r>
+          </a:p>
+          <a:p>
+            <a:pPr algn="ctr"/>
+            <a:r>
+              <a:rPr lang="en-IE" sz="800" dirty="0" err="1">
+                <a:solidFill>
+                  <a:schemeClr val="tx1"/>
+                </a:solidFill>
+              </a:rPr>
+              <a:t>NetMan</a:t>
+            </a:r>
+            <a:endParaRPr lang="en-IE" sz="800" dirty="0">
+              <a:solidFill>
+                <a:schemeClr val="tx1"/>
+              </a:solidFill>
+            </a:endParaRPr>
+          </a:p>
+          <a:p>
+            <a:pPr algn="ctr"/>
+            <a:r>
+              <a:rPr lang="en-IE" sz="800" b="0" i="0" u="none" strike="noStrike" dirty="0">
+                <a:solidFill>
+                  <a:schemeClr val="tx1"/>
+                </a:solidFill>
+                <a:effectLst/>
+                <a:latin typeface="Calibri" panose="020F0502020204030204" pitchFamily="34" charset="0"/>
+              </a:rPr>
+              <a:t>10.45.1.7/24</a:t>
+            </a:r>
+            <a:endParaRPr lang="en-IE" sz="800" dirty="0">
+              <a:solidFill>
+                <a:schemeClr val="tx1"/>
+              </a:solidFill>
+            </a:endParaRPr>
+          </a:p>
+        </p:txBody>
+      </p:sp>
+      <p:sp>
+        <p:nvSpPr>
+          <p:cNvPr id="32" name="Cloud 31">
+            <a:extLst>
+              <a:ext uri="{FF2B5EF4-FFF2-40B4-BE49-F238E27FC236}">
+                <a16:creationId xmlns:a16="http://schemas.microsoft.com/office/drawing/2014/main" id="{B991930F-8A9A-4A07-82DF-889E834BD0A2}"/>
+              </a:ext>
+            </a:extLst>
+          </p:cNvPr>
+          <p:cNvSpPr/>
+          <p:nvPr/>
+        </p:nvSpPr>
+        <p:spPr>
+          <a:xfrm>
+            <a:off x="4643761" y="5801822"/>
+            <a:ext cx="1157679" cy="788566"/>
+          </a:xfrm>
+          <a:prstGeom prst="cloud">
+            <a:avLst/>
+          </a:prstGeom>
+          <a:solidFill>
+            <a:schemeClr val="tx1"/>
+          </a:solidFill>
+        </p:spPr>
+        <p:style>
+          <a:lnRef idx="2">
+            <a:schemeClr val="accent1">
+              <a:shade val="50000"/>
+            </a:schemeClr>
+          </a:lnRef>
+          <a:fillRef idx="1">
+            <a:schemeClr val="accent1"/>
+          </a:fillRef>
+          <a:effectRef idx="0">
+            <a:schemeClr val="accent1"/>
+          </a:effectRef>
+          <a:fontRef idx="minor">
+            <a:schemeClr val="lt1"/>
+          </a:fontRef>
+        </p:style>
+        <p:txBody>
+          <a:bodyPr rtlCol="0" anchor="ctr"/>
+          <a:lstStyle/>
+          <a:p>
+            <a:pPr algn="ctr"/>
+            <a:r>
+              <a:rPr lang="en-IE" sz="800" dirty="0">
+                <a:solidFill>
+                  <a:schemeClr val="bg1"/>
+                </a:solidFill>
+              </a:rPr>
+              <a:t>VLAN11</a:t>
+            </a:r>
+          </a:p>
+          <a:p>
+            <a:pPr algn="ctr"/>
+            <a:r>
+              <a:rPr lang="en-IE" sz="800" dirty="0">
+                <a:solidFill>
+                  <a:schemeClr val="bg1"/>
+                </a:solidFill>
+              </a:rPr>
+              <a:t>Security Cameras</a:t>
+            </a:r>
+          </a:p>
+          <a:p>
+            <a:pPr algn="ctr"/>
+            <a:r>
+              <a:rPr lang="en-IE" sz="800" b="0" i="0" u="none" strike="noStrike" dirty="0">
+                <a:solidFill>
+                  <a:schemeClr val="bg1"/>
+                </a:solidFill>
+                <a:effectLst/>
+                <a:latin typeface="Calibri" panose="020F0502020204030204" pitchFamily="34" charset="0"/>
+              </a:rPr>
+              <a:t>10.45.1.8/24</a:t>
+            </a:r>
+            <a:endParaRPr lang="en-IE" sz="800" dirty="0">
+              <a:solidFill>
+                <a:schemeClr val="bg1"/>
+              </a:solidFill>
+            </a:endParaRPr>
+          </a:p>
+        </p:txBody>
+      </p:sp>
+      <p:sp>
+        <p:nvSpPr>
+          <p:cNvPr id="33" name="Cloud 32">
+            <a:extLst>
+              <a:ext uri="{FF2B5EF4-FFF2-40B4-BE49-F238E27FC236}">
+                <a16:creationId xmlns:a16="http://schemas.microsoft.com/office/drawing/2014/main" id="{0E0A4658-FEEE-479D-900F-B51503CF0750}"/>
+              </a:ext>
+            </a:extLst>
+          </p:cNvPr>
+          <p:cNvSpPr/>
+          <p:nvPr/>
+        </p:nvSpPr>
+        <p:spPr>
+          <a:xfrm>
+            <a:off x="3375455" y="5563779"/>
+            <a:ext cx="1157679" cy="788566"/>
+          </a:xfrm>
+          <a:prstGeom prst="cloud">
+            <a:avLst/>
+          </a:prstGeom>
+          <a:solidFill>
+            <a:srgbClr val="7030A0"/>
+          </a:solidFill>
+        </p:spPr>
+        <p:style>
+          <a:lnRef idx="2">
+            <a:schemeClr val="accent1">
+              <a:shade val="50000"/>
+            </a:schemeClr>
+          </a:lnRef>
+          <a:fillRef idx="1">
+            <a:schemeClr val="accent1"/>
+          </a:fillRef>
+          <a:effectRef idx="0">
+            <a:schemeClr val="accent1"/>
+          </a:effectRef>
+          <a:fontRef idx="minor">
+            <a:schemeClr val="lt1"/>
+          </a:fontRef>
+        </p:style>
+        <p:txBody>
+          <a:bodyPr rtlCol="0" anchor="ctr"/>
+          <a:lstStyle/>
+          <a:p>
+            <a:pPr algn="ctr"/>
+            <a:r>
+              <a:rPr lang="en-IE" sz="800" dirty="0">
+                <a:solidFill>
+                  <a:schemeClr val="tx1"/>
+                </a:solidFill>
+              </a:rPr>
+              <a:t>VLAN12</a:t>
+            </a:r>
+          </a:p>
+          <a:p>
+            <a:pPr algn="ctr"/>
+            <a:r>
+              <a:rPr lang="en-IE" sz="800" dirty="0">
+                <a:solidFill>
+                  <a:schemeClr val="tx1"/>
+                </a:solidFill>
+              </a:rPr>
+              <a:t>Server</a:t>
+            </a:r>
+          </a:p>
+          <a:p>
+            <a:pPr algn="ctr"/>
+            <a:r>
+              <a:rPr lang="en-IE" sz="800" b="0" i="0" u="none" strike="noStrike" dirty="0">
+                <a:solidFill>
+                  <a:schemeClr val="tx1"/>
+                </a:solidFill>
+                <a:effectLst/>
+                <a:latin typeface="Calibri" panose="020F0502020204030204" pitchFamily="34" charset="0"/>
+              </a:rPr>
+              <a:t>10.45.1.9/24</a:t>
+            </a:r>
+            <a:endParaRPr lang="en-IE" sz="800" dirty="0">
+              <a:solidFill>
+                <a:schemeClr val="tx1"/>
+              </a:solidFill>
+            </a:endParaRPr>
+          </a:p>
+        </p:txBody>
+      </p:sp>
+      <p:sp>
+        <p:nvSpPr>
+          <p:cNvPr id="34" name="Cloud 33">
+            <a:extLst>
+              <a:ext uri="{FF2B5EF4-FFF2-40B4-BE49-F238E27FC236}">
+                <a16:creationId xmlns:a16="http://schemas.microsoft.com/office/drawing/2014/main" id="{BD31BB15-ED6E-4BBF-9E31-04EC29C291C7}"/>
+              </a:ext>
+            </a:extLst>
+          </p:cNvPr>
+          <p:cNvSpPr/>
+          <p:nvPr/>
+        </p:nvSpPr>
+        <p:spPr>
+          <a:xfrm>
+            <a:off x="2758365" y="4631206"/>
+            <a:ext cx="1157679" cy="788566"/>
+          </a:xfrm>
+          <a:prstGeom prst="cloud">
+            <a:avLst/>
+          </a:prstGeom>
+          <a:solidFill>
+            <a:schemeClr val="bg1"/>
+          </a:solidFill>
+        </p:spPr>
+        <p:style>
+          <a:lnRef idx="2">
+            <a:schemeClr val="accent1">
+              <a:shade val="50000"/>
+            </a:schemeClr>
+          </a:lnRef>
+          <a:fillRef idx="1">
+            <a:schemeClr val="accent1"/>
+          </a:fillRef>
+          <a:effectRef idx="0">
+            <a:schemeClr val="accent1"/>
+          </a:effectRef>
+          <a:fontRef idx="minor">
+            <a:schemeClr val="lt1"/>
+          </a:fontRef>
+        </p:style>
+        <p:txBody>
+          <a:bodyPr rtlCol="0" anchor="ctr"/>
+          <a:lstStyle/>
+          <a:p>
+            <a:pPr algn="ctr"/>
+            <a:r>
+              <a:rPr lang="en-IE" sz="800" dirty="0">
+                <a:solidFill>
+                  <a:schemeClr val="tx1"/>
+                </a:solidFill>
+              </a:rPr>
+              <a:t>VLAN13</a:t>
+            </a:r>
+          </a:p>
+          <a:p>
+            <a:pPr algn="ctr"/>
+            <a:r>
+              <a:rPr lang="en-IE" sz="800" dirty="0" err="1">
+                <a:solidFill>
+                  <a:schemeClr val="tx1"/>
+                </a:solidFill>
+              </a:rPr>
+              <a:t>ClusterChat</a:t>
+            </a:r>
+            <a:endParaRPr lang="en-IE" sz="800" dirty="0">
+              <a:solidFill>
+                <a:schemeClr val="tx1"/>
+              </a:solidFill>
+            </a:endParaRPr>
+          </a:p>
+          <a:p>
+            <a:pPr algn="ctr"/>
+            <a:r>
+              <a:rPr lang="en-IE" sz="800" b="0" i="0" u="none" strike="noStrike" dirty="0">
+                <a:solidFill>
+                  <a:schemeClr val="tx1"/>
+                </a:solidFill>
+                <a:effectLst/>
+                <a:latin typeface="Calibri" panose="020F0502020204030204" pitchFamily="34" charset="0"/>
+              </a:rPr>
+              <a:t>10.45.1.10/24</a:t>
+            </a:r>
+            <a:endParaRPr lang="en-IE" sz="800" dirty="0">
+              <a:solidFill>
+                <a:schemeClr val="tx1"/>
+              </a:solidFill>
+            </a:endParaRPr>
+          </a:p>
+        </p:txBody>
+      </p:sp>
+      <p:sp>
+        <p:nvSpPr>
+          <p:cNvPr id="35" name="Cloud 34">
+            <a:extLst>
+              <a:ext uri="{FF2B5EF4-FFF2-40B4-BE49-F238E27FC236}">
+                <a16:creationId xmlns:a16="http://schemas.microsoft.com/office/drawing/2014/main" id="{DA02DC0F-F051-4BE0-9FA8-580AE94A9326}"/>
+              </a:ext>
+            </a:extLst>
+          </p:cNvPr>
+          <p:cNvSpPr/>
+          <p:nvPr/>
+        </p:nvSpPr>
+        <p:spPr>
+          <a:xfrm>
+            <a:off x="2598771" y="3474650"/>
+            <a:ext cx="1157679" cy="788566"/>
+          </a:xfrm>
+          <a:prstGeom prst="cloud">
+            <a:avLst/>
+          </a:prstGeom>
+          <a:solidFill>
+            <a:schemeClr val="bg1"/>
+          </a:solidFill>
+        </p:spPr>
+        <p:style>
+          <a:lnRef idx="2">
+            <a:schemeClr val="accent1">
+              <a:shade val="50000"/>
+            </a:schemeClr>
+          </a:lnRef>
+          <a:fillRef idx="1">
+            <a:schemeClr val="accent1"/>
+          </a:fillRef>
+          <a:effectRef idx="0">
+            <a:schemeClr val="accent1"/>
+          </a:effectRef>
+          <a:fontRef idx="minor">
+            <a:schemeClr val="lt1"/>
+          </a:fontRef>
+        </p:style>
+        <p:txBody>
+          <a:bodyPr rtlCol="0" anchor="ctr"/>
+          <a:lstStyle/>
+          <a:p>
+            <a:pPr algn="ctr"/>
+            <a:r>
+              <a:rPr lang="en-IE" sz="800" dirty="0">
+                <a:solidFill>
+                  <a:schemeClr val="tx1"/>
+                </a:solidFill>
+              </a:rPr>
+              <a:t>VLAN14</a:t>
+            </a:r>
+          </a:p>
+          <a:p>
+            <a:pPr algn="ctr"/>
+            <a:r>
+              <a:rPr lang="en-IE" sz="800" dirty="0">
+                <a:solidFill>
+                  <a:schemeClr val="tx1"/>
+                </a:solidFill>
+              </a:rPr>
+              <a:t>Loopbacks</a:t>
+            </a:r>
+          </a:p>
+          <a:p>
+            <a:pPr algn="ctr"/>
+            <a:r>
+              <a:rPr lang="en-IE" sz="800" b="0" i="0" u="none" strike="noStrike" dirty="0">
+                <a:solidFill>
+                  <a:schemeClr val="tx1"/>
+                </a:solidFill>
+                <a:effectLst/>
+                <a:latin typeface="Calibri" panose="020F0502020204030204" pitchFamily="34" charset="0"/>
+              </a:rPr>
+              <a:t>10.45.1.11/24</a:t>
+            </a:r>
+            <a:endParaRPr lang="en-IE" sz="800" dirty="0">
+              <a:solidFill>
+                <a:schemeClr val="tx1"/>
+              </a:solidFill>
+            </a:endParaRPr>
+          </a:p>
+        </p:txBody>
+      </p:sp>
+      <p:sp>
+        <p:nvSpPr>
+          <p:cNvPr id="36" name="Cloud 35">
+            <a:extLst>
+              <a:ext uri="{FF2B5EF4-FFF2-40B4-BE49-F238E27FC236}">
+                <a16:creationId xmlns:a16="http://schemas.microsoft.com/office/drawing/2014/main" id="{1A8EF928-2F34-41F2-9E5F-3450CC8F7F6A}"/>
+              </a:ext>
+            </a:extLst>
+          </p:cNvPr>
+          <p:cNvSpPr/>
+          <p:nvPr/>
+        </p:nvSpPr>
+        <p:spPr>
+          <a:xfrm>
+            <a:off x="2597674" y="1288612"/>
+            <a:ext cx="1157679" cy="788566"/>
+          </a:xfrm>
+          <a:prstGeom prst="cloud">
+            <a:avLst/>
+          </a:prstGeom>
+          <a:solidFill>
+            <a:schemeClr val="bg1"/>
+          </a:solidFill>
+        </p:spPr>
+        <p:style>
+          <a:lnRef idx="2">
+            <a:schemeClr val="accent1">
+              <a:shade val="50000"/>
+            </a:schemeClr>
+          </a:lnRef>
+          <a:fillRef idx="1">
+            <a:schemeClr val="accent1"/>
+          </a:fillRef>
+          <a:effectRef idx="0">
+            <a:schemeClr val="accent1"/>
+          </a:effectRef>
+          <a:fontRef idx="minor">
+            <a:schemeClr val="lt1"/>
+          </a:fontRef>
+        </p:style>
+        <p:txBody>
+          <a:bodyPr rtlCol="0" anchor="ctr"/>
+          <a:lstStyle/>
+          <a:p>
+            <a:pPr algn="ctr"/>
+            <a:r>
+              <a:rPr lang="en-IE" sz="800" dirty="0">
+                <a:solidFill>
+                  <a:schemeClr val="tx1"/>
+                </a:solidFill>
+              </a:rPr>
+              <a:t>VLAN16</a:t>
+            </a:r>
+          </a:p>
+          <a:p>
+            <a:pPr algn="ctr"/>
+            <a:r>
+              <a:rPr lang="en-IE" sz="800" dirty="0">
+                <a:solidFill>
+                  <a:schemeClr val="tx1"/>
+                </a:solidFill>
+              </a:rPr>
+              <a:t>Links</a:t>
+            </a:r>
+          </a:p>
+          <a:p>
+            <a:pPr algn="ctr"/>
+            <a:r>
+              <a:rPr lang="en-IE" sz="800" b="0" i="0" u="none" strike="noStrike" dirty="0">
+                <a:solidFill>
+                  <a:schemeClr val="tx1"/>
+                </a:solidFill>
+                <a:effectLst/>
+                <a:latin typeface="Calibri" panose="020F0502020204030204" pitchFamily="34" charset="0"/>
+              </a:rPr>
+              <a:t>10.45.1.13/24</a:t>
+            </a:r>
+            <a:endParaRPr lang="en-IE" sz="800" dirty="0">
+              <a:solidFill>
+                <a:schemeClr val="tx1"/>
+              </a:solidFill>
+            </a:endParaRPr>
+          </a:p>
+        </p:txBody>
+      </p:sp>
+      <p:sp>
+        <p:nvSpPr>
+          <p:cNvPr id="38" name="Cloud 37">
+            <a:extLst>
+              <a:ext uri="{FF2B5EF4-FFF2-40B4-BE49-F238E27FC236}">
+                <a16:creationId xmlns:a16="http://schemas.microsoft.com/office/drawing/2014/main" id="{5A5C257F-F732-4002-943C-592DFDBAD5E8}"/>
+              </a:ext>
+            </a:extLst>
+          </p:cNvPr>
+          <p:cNvSpPr/>
+          <p:nvPr/>
+        </p:nvSpPr>
+        <p:spPr>
+          <a:xfrm>
+            <a:off x="5242683" y="103875"/>
+            <a:ext cx="1157679" cy="788566"/>
+          </a:xfrm>
+          <a:prstGeom prst="cloud">
+            <a:avLst/>
+          </a:prstGeom>
+        </p:spPr>
+        <p:style>
+          <a:lnRef idx="2">
+            <a:schemeClr val="accent1">
+              <a:shade val="50000"/>
+            </a:schemeClr>
+          </a:lnRef>
+          <a:fillRef idx="1">
+            <a:schemeClr val="accent1"/>
+          </a:fillRef>
+          <a:effectRef idx="0">
+            <a:schemeClr val="accent1"/>
+          </a:effectRef>
+          <a:fontRef idx="minor">
+            <a:schemeClr val="lt1"/>
+          </a:fontRef>
+        </p:style>
+        <p:txBody>
+          <a:bodyPr rtlCol="0" anchor="ctr"/>
+          <a:lstStyle/>
+          <a:p>
+            <a:pPr algn="ctr"/>
+            <a:r>
+              <a:rPr lang="en-IE" sz="800" dirty="0">
+                <a:solidFill>
+                  <a:schemeClr val="tx1"/>
+                </a:solidFill>
+              </a:rPr>
+              <a:t>VLAN2</a:t>
+            </a:r>
+          </a:p>
+          <a:p>
+            <a:pPr algn="ctr"/>
+            <a:r>
+              <a:rPr lang="en-IE" sz="800" dirty="0">
+                <a:solidFill>
+                  <a:schemeClr val="tx1"/>
+                </a:solidFill>
+              </a:rPr>
+              <a:t>Hosts</a:t>
+            </a:r>
+          </a:p>
+          <a:p>
+            <a:pPr algn="ctr"/>
+            <a:r>
+              <a:rPr lang="en-IE" sz="800" b="0" i="0" u="none" strike="noStrike" dirty="0">
+                <a:solidFill>
+                  <a:schemeClr val="tx1"/>
+                </a:solidFill>
+                <a:effectLst/>
+                <a:latin typeface="Calibri" panose="020F0502020204030204" pitchFamily="34" charset="0"/>
+              </a:rPr>
+              <a:t>10.45.1.16/24</a:t>
+            </a:r>
+            <a:endParaRPr lang="en-IE" sz="800" dirty="0">
+              <a:solidFill>
+                <a:schemeClr val="tx1"/>
+              </a:solidFill>
+            </a:endParaRPr>
+          </a:p>
+        </p:txBody>
+      </p:sp>
+      <p:sp>
+        <p:nvSpPr>
+          <p:cNvPr id="39" name="Cloud 38">
+            <a:extLst>
+              <a:ext uri="{FF2B5EF4-FFF2-40B4-BE49-F238E27FC236}">
+                <a16:creationId xmlns:a16="http://schemas.microsoft.com/office/drawing/2014/main" id="{6CB321D4-F31C-4795-A823-DD04D33DCED6}"/>
+              </a:ext>
+            </a:extLst>
+          </p:cNvPr>
+          <p:cNvSpPr/>
+          <p:nvPr/>
+        </p:nvSpPr>
+        <p:spPr>
+          <a:xfrm>
+            <a:off x="3602196" y="337132"/>
+            <a:ext cx="1157679" cy="788566"/>
+          </a:xfrm>
+          <a:prstGeom prst="cloud">
+            <a:avLst/>
+          </a:prstGeom>
+          <a:solidFill>
+            <a:schemeClr val="bg1"/>
+          </a:solidFill>
+        </p:spPr>
+        <p:style>
+          <a:lnRef idx="2">
+            <a:schemeClr val="accent1">
+              <a:shade val="50000"/>
+            </a:schemeClr>
+          </a:lnRef>
+          <a:fillRef idx="1">
+            <a:schemeClr val="accent1"/>
+          </a:fillRef>
+          <a:effectRef idx="0">
+            <a:schemeClr val="accent1"/>
+          </a:effectRef>
+          <a:fontRef idx="minor">
+            <a:schemeClr val="lt1"/>
+          </a:fontRef>
+        </p:style>
+        <p:txBody>
+          <a:bodyPr rtlCol="0" anchor="ctr"/>
+          <a:lstStyle/>
+          <a:p>
+            <a:pPr algn="ctr"/>
+            <a:r>
+              <a:rPr lang="en-IE" sz="800" dirty="0">
+                <a:solidFill>
+                  <a:schemeClr val="tx1"/>
+                </a:solidFill>
+              </a:rPr>
+              <a:t>VLAN1</a:t>
+            </a:r>
+          </a:p>
+          <a:p>
+            <a:pPr algn="ctr"/>
+            <a:r>
+              <a:rPr lang="en-IE" sz="800" dirty="0">
+                <a:solidFill>
+                  <a:schemeClr val="tx1"/>
+                </a:solidFill>
+              </a:rPr>
+              <a:t>ISP</a:t>
+            </a:r>
+          </a:p>
+          <a:p>
+            <a:pPr algn="ctr"/>
+            <a:r>
+              <a:rPr lang="en-IE" sz="800" b="0" i="0" u="none" strike="noStrike" dirty="0">
+                <a:solidFill>
+                  <a:schemeClr val="tx1"/>
+                </a:solidFill>
+                <a:effectLst/>
+                <a:latin typeface="Calibri" panose="020F0502020204030204" pitchFamily="34" charset="0"/>
+              </a:rPr>
+              <a:t>10.45.1.15/24</a:t>
+            </a:r>
+            <a:endParaRPr lang="en-IE" sz="800" dirty="0">
+              <a:solidFill>
+                <a:schemeClr val="tx1"/>
+              </a:solidFill>
+            </a:endParaRPr>
+          </a:p>
+        </p:txBody>
+      </p:sp>
+      <p:sp>
+        <p:nvSpPr>
+          <p:cNvPr id="40" name="Cloud 39">
+            <a:extLst>
+              <a:ext uri="{FF2B5EF4-FFF2-40B4-BE49-F238E27FC236}">
+                <a16:creationId xmlns:a16="http://schemas.microsoft.com/office/drawing/2014/main" id="{FBB0B524-2685-43EF-BA8E-E6F946AAE129}"/>
+              </a:ext>
+            </a:extLst>
+          </p:cNvPr>
+          <p:cNvSpPr/>
+          <p:nvPr/>
+        </p:nvSpPr>
+        <p:spPr>
+          <a:xfrm>
+            <a:off x="9233230" y="2501644"/>
+            <a:ext cx="1157679" cy="788566"/>
+          </a:xfrm>
+          <a:prstGeom prst="cloud">
+            <a:avLst/>
+          </a:prstGeom>
+          <a:solidFill>
+            <a:schemeClr val="accent2">
+              <a:lumMod val="75000"/>
+            </a:schemeClr>
+          </a:solidFill>
+        </p:spPr>
+        <p:style>
+          <a:lnRef idx="2">
+            <a:schemeClr val="accent1">
+              <a:shade val="50000"/>
+            </a:schemeClr>
+          </a:lnRef>
+          <a:fillRef idx="1">
+            <a:schemeClr val="accent1"/>
+          </a:fillRef>
+          <a:effectRef idx="0">
+            <a:schemeClr val="accent1"/>
+          </a:effectRef>
+          <a:fontRef idx="minor">
+            <a:schemeClr val="lt1"/>
+          </a:fontRef>
+        </p:style>
+        <p:txBody>
+          <a:bodyPr rtlCol="0" anchor="ctr"/>
+          <a:lstStyle/>
+          <a:p>
+            <a:pPr algn="ctr"/>
+            <a:r>
+              <a:rPr lang="en-IE" sz="800" dirty="0">
+                <a:solidFill>
+                  <a:schemeClr val="tx1"/>
+                </a:solidFill>
+              </a:rPr>
+              <a:t>VLAN6</a:t>
+            </a:r>
+          </a:p>
+          <a:p>
+            <a:pPr algn="ctr"/>
+            <a:r>
+              <a:rPr lang="en-IE" sz="800" dirty="0">
+                <a:solidFill>
+                  <a:schemeClr val="tx1"/>
+                </a:solidFill>
+              </a:rPr>
+              <a:t>Infrastructure Servers</a:t>
+            </a:r>
+          </a:p>
+          <a:p>
+            <a:pPr algn="ctr"/>
+            <a:r>
+              <a:rPr lang="en-IE" sz="800" b="0" i="0" u="none" strike="noStrike" dirty="0">
+                <a:solidFill>
+                  <a:schemeClr val="tx1"/>
+                </a:solidFill>
+                <a:effectLst/>
+                <a:latin typeface="Calibri" panose="020F0502020204030204" pitchFamily="34" charset="0"/>
+              </a:rPr>
+              <a:t>10.45.1.3/24</a:t>
+            </a:r>
+            <a:endParaRPr lang="en-IE" sz="800" dirty="0">
+              <a:solidFill>
+                <a:schemeClr val="tx1"/>
+              </a:solidFill>
+            </a:endParaRPr>
+          </a:p>
+        </p:txBody>
+      </p:sp>
+      <p:sp>
+        <p:nvSpPr>
+          <p:cNvPr id="42" name="TextBox 41">
+            <a:extLst>
+              <a:ext uri="{FF2B5EF4-FFF2-40B4-BE49-F238E27FC236}">
+                <a16:creationId xmlns:a16="http://schemas.microsoft.com/office/drawing/2014/main" id="{1053B3E6-2B8A-43BE-AA60-9B903742F056}"/>
+              </a:ext>
+            </a:extLst>
+          </p:cNvPr>
+          <p:cNvSpPr txBox="1"/>
+          <p:nvPr/>
+        </p:nvSpPr>
+        <p:spPr>
+          <a:xfrm>
+            <a:off x="6883170" y="3485227"/>
+            <a:ext cx="735757" cy="400110"/>
+          </a:xfrm>
+          <a:prstGeom prst="rect">
+            <a:avLst/>
+          </a:prstGeom>
+          <a:noFill/>
+        </p:spPr>
+        <p:txBody>
+          <a:bodyPr wrap="square">
+            <a:spAutoFit/>
+          </a:bodyPr>
+          <a:lstStyle/>
+          <a:p>
+            <a:pPr algn="ctr"/>
+            <a:r>
+              <a:rPr lang="en-IE" sz="1000" dirty="0"/>
+              <a:t>Router 10</a:t>
+            </a:r>
+          </a:p>
+          <a:p>
+            <a:pPr algn="ctr"/>
+            <a:r>
+              <a:rPr lang="en-IE" sz="1000" dirty="0"/>
+              <a:t>(VRRP)</a:t>
+            </a:r>
+          </a:p>
+        </p:txBody>
+      </p:sp>
+      <p:sp>
+        <p:nvSpPr>
+          <p:cNvPr id="43" name="Rectangle: Rounded Corners 42">
+            <a:extLst>
+              <a:ext uri="{FF2B5EF4-FFF2-40B4-BE49-F238E27FC236}">
+                <a16:creationId xmlns:a16="http://schemas.microsoft.com/office/drawing/2014/main" id="{24FFC1D5-6917-4771-A08E-2192AA831B8D}"/>
+              </a:ext>
+            </a:extLst>
+          </p:cNvPr>
+          <p:cNvSpPr/>
+          <p:nvPr/>
+        </p:nvSpPr>
+        <p:spPr>
+          <a:xfrm>
+            <a:off x="248943" y="4473734"/>
+            <a:ext cx="402672" cy="952313"/>
+          </a:xfrm>
+          <a:prstGeom prst="roundRect">
+            <a:avLst/>
+          </a:prstGeom>
+        </p:spPr>
+        <p:style>
+          <a:lnRef idx="2">
+            <a:schemeClr val="accent1">
+              <a:shade val="50000"/>
+            </a:schemeClr>
+          </a:lnRef>
+          <a:fillRef idx="1">
+            <a:schemeClr val="accent1"/>
+          </a:fillRef>
+          <a:effectRef idx="0">
+            <a:schemeClr val="accent1"/>
+          </a:effectRef>
+          <a:fontRef idx="minor">
+            <a:schemeClr val="lt1"/>
+          </a:fontRef>
+        </p:style>
+        <p:txBody>
+          <a:bodyPr rtlCol="0" anchor="ctr"/>
+          <a:lstStyle/>
+          <a:p>
+            <a:pPr algn="ctr"/>
+            <a:endParaRPr lang="en-IE"/>
+          </a:p>
+        </p:txBody>
+      </p:sp>
+      <p:sp>
+        <p:nvSpPr>
+          <p:cNvPr id="44" name="TextBox 43">
+            <a:extLst>
+              <a:ext uri="{FF2B5EF4-FFF2-40B4-BE49-F238E27FC236}">
+                <a16:creationId xmlns:a16="http://schemas.microsoft.com/office/drawing/2014/main" id="{C0D56B2E-3F7C-409E-ADA3-80E43790F4F2}"/>
+              </a:ext>
+            </a:extLst>
+          </p:cNvPr>
+          <p:cNvSpPr txBox="1"/>
+          <p:nvPr/>
+        </p:nvSpPr>
+        <p:spPr>
+          <a:xfrm>
+            <a:off x="748816" y="4235167"/>
+            <a:ext cx="1219757" cy="646331"/>
           </a:xfrm>
           <a:prstGeom prst="rect">
             <a:avLst/>
@@ -3967,19 +5394,80 @@
           </a:bodyPr>
           <a:lstStyle/>
           <a:p>
-            <a:r>
-              <a:rPr lang="en-IE" dirty="0"/>
-              <a:t>Router 1</a:t>
-            </a:r>
-          </a:p>
-        </p:txBody>
-      </p:sp>
-      <p:sp>
-        <p:nvSpPr>
-          <p:cNvPr id="18" name="TextBox 17">
-            <a:extLst>
-              <a:ext uri="{FF2B5EF4-FFF2-40B4-BE49-F238E27FC236}">
-                <a16:creationId xmlns:a16="http://schemas.microsoft.com/office/drawing/2014/main" id="{56BBAD4C-EB9F-40AD-A3B4-97B290EB74BF}"/>
+            <a:pPr algn="ctr"/>
+            <a:r>
+              <a:rPr lang="en-IE" sz="1200" dirty="0"/>
+              <a:t>dc1</a:t>
+            </a:r>
+          </a:p>
+          <a:p>
+            <a:pPr algn="ctr"/>
+            <a:r>
+              <a:rPr lang="en-IE" sz="1200" dirty="0"/>
+              <a:t>AAA, DNS, DHCP</a:t>
+            </a:r>
+          </a:p>
+          <a:p>
+            <a:pPr algn="ctr"/>
+            <a:r>
+              <a:rPr lang="en-IE" sz="1200" dirty="0"/>
+              <a:t>192.168.6.21</a:t>
+            </a:r>
+          </a:p>
+        </p:txBody>
+      </p:sp>
+      <p:sp>
+        <p:nvSpPr>
+          <p:cNvPr id="45" name="Rectangle: Rounded Corners 44">
+            <a:extLst>
+              <a:ext uri="{FF2B5EF4-FFF2-40B4-BE49-F238E27FC236}">
+                <a16:creationId xmlns:a16="http://schemas.microsoft.com/office/drawing/2014/main" id="{8B563ED8-52F9-4814-B730-C50A23072DDE}"/>
+              </a:ext>
+            </a:extLst>
+          </p:cNvPr>
+          <p:cNvSpPr/>
+          <p:nvPr/>
+        </p:nvSpPr>
+        <p:spPr>
+          <a:xfrm>
+            <a:off x="248943" y="5720668"/>
+            <a:ext cx="402672" cy="952313"/>
+          </a:xfrm>
+          <a:prstGeom prst="roundRect">
+            <a:avLst/>
+          </a:prstGeom>
+        </p:spPr>
+        <p:style>
+          <a:lnRef idx="2">
+            <a:schemeClr val="accent1">
+              <a:shade val="50000"/>
+            </a:schemeClr>
+          </a:lnRef>
+          <a:fillRef idx="1">
+            <a:schemeClr val="accent1"/>
+          </a:fillRef>
+          <a:effectRef idx="0">
+            <a:schemeClr val="accent1"/>
+          </a:effectRef>
+          <a:fontRef idx="minor">
+            <a:schemeClr val="lt1"/>
+          </a:fontRef>
+        </p:style>
+        <p:txBody>
+          <a:bodyPr rtlCol="0" anchor="ctr"/>
+          <a:lstStyle/>
+          <a:p>
+            <a:pPr algn="ctr"/>
+            <a:endParaRPr lang="en-IE"/>
+          </a:p>
+        </p:txBody>
+      </p:sp>
+      <p:sp>
+        <p:nvSpPr>
+          <p:cNvPr id="46" name="TextBox 45">
+            <a:extLst>
+              <a:ext uri="{FF2B5EF4-FFF2-40B4-BE49-F238E27FC236}">
+                <a16:creationId xmlns:a16="http://schemas.microsoft.com/office/drawing/2014/main" id="{0B6D760E-6F83-40B6-BB22-6820D9DAD4B3}"/>
               </a:ext>
             </a:extLst>
           </p:cNvPr>
@@ -3988,8 +5476,8 @@
         </p:nvSpPr>
         <p:spPr>
           <a:xfrm>
-            <a:off x="7648339" y="4095226"/>
-            <a:ext cx="988540" cy="369332"/>
+            <a:off x="740427" y="6196105"/>
+            <a:ext cx="1219757" cy="646331"/>
           </a:xfrm>
           <a:prstGeom prst="rect">
             <a:avLst/>
@@ -4002,45 +5490,64 @@
           </a:bodyPr>
           <a:lstStyle/>
           <a:p>
-            <a:r>
-              <a:rPr lang="en-IE" dirty="0"/>
-              <a:t>Router 2</a:t>
+            <a:pPr algn="ctr"/>
+            <a:r>
+              <a:rPr lang="en-IE" sz="1200" dirty="0"/>
+              <a:t>dc2</a:t>
+            </a:r>
+          </a:p>
+          <a:p>
+            <a:pPr algn="ctr"/>
+            <a:r>
+              <a:rPr lang="en-IE" sz="1200" dirty="0"/>
+              <a:t>AAA, DNS, DHCP</a:t>
+            </a:r>
+          </a:p>
+          <a:p>
+            <a:pPr algn="ctr"/>
+            <a:r>
+              <a:rPr lang="en-IE" sz="1200" dirty="0"/>
+              <a:t>192.168.6.22</a:t>
             </a:r>
           </a:p>
         </p:txBody>
       </p:sp>
       <p:cxnSp>
         <p:nvCxnSpPr>
-          <p:cNvPr id="20" name="Connector: Elbow 19">
-            <a:extLst>
-              <a:ext uri="{FF2B5EF4-FFF2-40B4-BE49-F238E27FC236}">
-                <a16:creationId xmlns:a16="http://schemas.microsoft.com/office/drawing/2014/main" id="{BC6EED26-33E7-4A1D-A326-0037F864FA21}"/>
+          <p:cNvPr id="48" name="Connector: Elbow 47">
+            <a:extLst>
+              <a:ext uri="{FF2B5EF4-FFF2-40B4-BE49-F238E27FC236}">
+                <a16:creationId xmlns:a16="http://schemas.microsoft.com/office/drawing/2014/main" id="{A292FEDF-DC22-4EB2-B2A2-0A58E5C49CCE}"/>
               </a:ext>
             </a:extLst>
           </p:cNvPr>
           <p:cNvCxnSpPr>
             <a:cxnSpLocks/>
-            <a:stCxn id="4" idx="0"/>
+            <a:stCxn id="33" idx="1"/>
+            <a:endCxn id="43" idx="3"/>
           </p:cNvCxnSpPr>
           <p:nvPr/>
         </p:nvCxnSpPr>
         <p:spPr>
-          <a:xfrm>
-            <a:off x="5157671" y="1044429"/>
-            <a:ext cx="1872000" cy="524312"/>
-          </a:xfrm>
-          <a:prstGeom prst="bentConnector3">
-            <a:avLst/>
+          <a:xfrm rot="5400000" flipH="1">
+            <a:off x="1602148" y="3999358"/>
+            <a:ext cx="1401614" cy="3302680"/>
+          </a:xfrm>
+          <a:prstGeom prst="bentConnector4">
+            <a:avLst>
+              <a:gd name="adj1" fmla="val -16310"/>
+              <a:gd name="adj2" fmla="val 58763"/>
+            </a:avLst>
           </a:prstGeom>
         </p:spPr>
         <p:style>
-          <a:lnRef idx="2">
+          <a:lnRef idx="1">
             <a:schemeClr val="accent1"/>
           </a:lnRef>
           <a:fillRef idx="0">
             <a:schemeClr val="accent1"/>
           </a:fillRef>
-          <a:effectRef idx="1">
+          <a:effectRef idx="0">
             <a:schemeClr val="accent1"/>
           </a:effectRef>
           <a:fontRef idx="minor">
@@ -4050,36 +5557,39 @@
       </p:cxnSp>
       <p:cxnSp>
         <p:nvCxnSpPr>
-          <p:cNvPr id="23" name="Connector: Elbow 22">
-            <a:extLst>
-              <a:ext uri="{FF2B5EF4-FFF2-40B4-BE49-F238E27FC236}">
-                <a16:creationId xmlns:a16="http://schemas.microsoft.com/office/drawing/2014/main" id="{A61F4DE5-E699-49D7-8901-60BE7E80215F}"/>
+          <p:cNvPr id="50" name="Connector: Elbow 49">
+            <a:extLst>
+              <a:ext uri="{FF2B5EF4-FFF2-40B4-BE49-F238E27FC236}">
+                <a16:creationId xmlns:a16="http://schemas.microsoft.com/office/drawing/2014/main" id="{26FC667B-C78D-4B45-9371-A6B4D5C06FF1}"/>
               </a:ext>
             </a:extLst>
           </p:cNvPr>
           <p:cNvCxnSpPr>
-            <a:stCxn id="5" idx="0"/>
-            <a:endCxn id="14" idx="1"/>
+            <a:cxnSpLocks/>
+            <a:stCxn id="33" idx="2"/>
+            <a:endCxn id="45" idx="3"/>
           </p:cNvCxnSpPr>
           <p:nvPr/>
         </p:nvCxnSpPr>
         <p:spPr>
-          <a:xfrm flipV="1">
-            <a:off x="5157671" y="2567031"/>
-            <a:ext cx="1872304" cy="274040"/>
+          <a:xfrm rot="10800000" flipV="1">
+            <a:off x="651616" y="5958061"/>
+            <a:ext cx="2727431" cy="238763"/>
           </a:xfrm>
           <a:prstGeom prst="bentConnector3">
-            <a:avLst/>
+            <a:avLst>
+              <a:gd name="adj1" fmla="val 50000"/>
+            </a:avLst>
           </a:prstGeom>
         </p:spPr>
         <p:style>
-          <a:lnRef idx="3">
+          <a:lnRef idx="1">
             <a:schemeClr val="accent1"/>
           </a:lnRef>
           <a:fillRef idx="0">
             <a:schemeClr val="accent1"/>
           </a:fillRef>
-          <a:effectRef idx="2">
+          <a:effectRef idx="0">
             <a:schemeClr val="accent1"/>
           </a:effectRef>
           <a:fontRef idx="minor">
@@ -4087,823 +5597,21 @@
           </a:fontRef>
         </p:style>
       </p:cxnSp>
-      <p:cxnSp>
-        <p:nvCxnSpPr>
-          <p:cNvPr id="25" name="Connector: Elbow 24">
-            <a:extLst>
-              <a:ext uri="{FF2B5EF4-FFF2-40B4-BE49-F238E27FC236}">
-                <a16:creationId xmlns:a16="http://schemas.microsoft.com/office/drawing/2014/main" id="{9FD10BE4-18B8-4598-B2AB-515D10F1CBD8}"/>
-              </a:ext>
-            </a:extLst>
-          </p:cNvPr>
-          <p:cNvCxnSpPr>
-            <a:cxnSpLocks/>
-            <a:stCxn id="6" idx="0"/>
-          </p:cNvCxnSpPr>
-          <p:nvPr/>
-        </p:nvCxnSpPr>
-        <p:spPr>
-          <a:xfrm flipV="1">
-            <a:off x="5747885" y="3623794"/>
-            <a:ext cx="1276743" cy="1165422"/>
-          </a:xfrm>
-          <a:prstGeom prst="bentConnector3">
-            <a:avLst/>
-          </a:prstGeom>
-        </p:spPr>
-        <p:style>
-          <a:lnRef idx="3">
-            <a:schemeClr val="accent1"/>
-          </a:lnRef>
-          <a:fillRef idx="0">
-            <a:schemeClr val="accent1"/>
-          </a:fillRef>
-          <a:effectRef idx="2">
-            <a:schemeClr val="accent1"/>
-          </a:effectRef>
-          <a:fontRef idx="minor">
-            <a:schemeClr val="tx1"/>
-          </a:fontRef>
-        </p:style>
-      </p:cxnSp>
-      <p:sp>
-        <p:nvSpPr>
-          <p:cNvPr id="28" name="TextBox 27">
-            <a:extLst>
-              <a:ext uri="{FF2B5EF4-FFF2-40B4-BE49-F238E27FC236}">
-                <a16:creationId xmlns:a16="http://schemas.microsoft.com/office/drawing/2014/main" id="{E9836B74-A764-4E43-B070-598FE006F39D}"/>
-              </a:ext>
-            </a:extLst>
-          </p:cNvPr>
-          <p:cNvSpPr txBox="1"/>
+      <p:sp>
+        <p:nvSpPr>
+          <p:cNvPr id="55" name="Frame 54">
+            <a:extLst>
+              <a:ext uri="{FF2B5EF4-FFF2-40B4-BE49-F238E27FC236}">
+                <a16:creationId xmlns:a16="http://schemas.microsoft.com/office/drawing/2014/main" id="{4208A494-1577-4906-842D-373D8A01EF55}"/>
+              </a:ext>
+            </a:extLst>
+          </p:cNvPr>
+          <p:cNvSpPr/>
           <p:nvPr/>
         </p:nvSpPr>
         <p:spPr>
           <a:xfrm>
-            <a:off x="7714088" y="178006"/>
-            <a:ext cx="1023037" cy="369332"/>
-          </a:xfrm>
-          <a:prstGeom prst="rect">
-            <a:avLst/>
-          </a:prstGeom>
-          <a:noFill/>
-        </p:spPr>
-        <p:txBody>
-          <a:bodyPr wrap="none" rtlCol="0">
-            <a:spAutoFit/>
-          </a:bodyPr>
-          <a:lstStyle/>
-          <a:p>
-            <a:r>
-              <a:rPr lang="en-IE" dirty="0"/>
-              <a:t>HSRP .20</a:t>
-            </a:r>
-          </a:p>
-        </p:txBody>
-      </p:sp>
-      <p:sp>
-        <p:nvSpPr>
-          <p:cNvPr id="29" name="TextBox 28">
-            <a:extLst>
-              <a:ext uri="{FF2B5EF4-FFF2-40B4-BE49-F238E27FC236}">
-                <a16:creationId xmlns:a16="http://schemas.microsoft.com/office/drawing/2014/main" id="{8B8E4FF4-51C7-44FC-B132-6A4E3D9B5323}"/>
-              </a:ext>
-            </a:extLst>
-          </p:cNvPr>
-          <p:cNvSpPr txBox="1"/>
-          <p:nvPr/>
-        </p:nvSpPr>
-        <p:spPr>
-          <a:xfrm>
-            <a:off x="6085650" y="1294200"/>
-            <a:ext cx="1007007" cy="276999"/>
-          </a:xfrm>
-          <a:prstGeom prst="rect">
-            <a:avLst/>
-          </a:prstGeom>
-          <a:noFill/>
-        </p:spPr>
-        <p:txBody>
-          <a:bodyPr wrap="none" rtlCol="0">
-            <a:spAutoFit/>
-          </a:bodyPr>
-          <a:lstStyle/>
-          <a:p>
-            <a:r>
-              <a:rPr lang="en-IE" sz="1200" dirty="0"/>
-              <a:t>192.168.2.20</a:t>
-            </a:r>
-          </a:p>
-        </p:txBody>
-      </p:sp>
-      <p:sp>
-        <p:nvSpPr>
-          <p:cNvPr id="30" name="TextBox 29">
-            <a:extLst>
-              <a:ext uri="{FF2B5EF4-FFF2-40B4-BE49-F238E27FC236}">
-                <a16:creationId xmlns:a16="http://schemas.microsoft.com/office/drawing/2014/main" id="{4545451B-129A-427C-8075-CC073FF5E5DE}"/>
-              </a:ext>
-            </a:extLst>
-          </p:cNvPr>
-          <p:cNvSpPr txBox="1"/>
-          <p:nvPr/>
-        </p:nvSpPr>
-        <p:spPr>
-          <a:xfrm>
-            <a:off x="6054309" y="2564072"/>
-            <a:ext cx="1007007" cy="276999"/>
-          </a:xfrm>
-          <a:prstGeom prst="rect">
-            <a:avLst/>
-          </a:prstGeom>
-          <a:noFill/>
-        </p:spPr>
-        <p:txBody>
-          <a:bodyPr wrap="none" rtlCol="0">
-            <a:spAutoFit/>
-          </a:bodyPr>
-          <a:lstStyle/>
-          <a:p>
-            <a:r>
-              <a:rPr lang="en-IE" sz="1200" dirty="0"/>
-              <a:t>192.168.5.20</a:t>
-            </a:r>
-          </a:p>
-        </p:txBody>
-      </p:sp>
-      <p:sp>
-        <p:nvSpPr>
-          <p:cNvPr id="31" name="TextBox 30">
-            <a:extLst>
-              <a:ext uri="{FF2B5EF4-FFF2-40B4-BE49-F238E27FC236}">
-                <a16:creationId xmlns:a16="http://schemas.microsoft.com/office/drawing/2014/main" id="{3A3F91D4-C528-427D-A12E-268A97A669B5}"/>
-              </a:ext>
-            </a:extLst>
-          </p:cNvPr>
-          <p:cNvSpPr txBox="1"/>
-          <p:nvPr/>
-        </p:nvSpPr>
-        <p:spPr>
-          <a:xfrm>
-            <a:off x="6084096" y="4789216"/>
-            <a:ext cx="1007007" cy="276999"/>
-          </a:xfrm>
-          <a:prstGeom prst="rect">
-            <a:avLst/>
-          </a:prstGeom>
-          <a:noFill/>
-        </p:spPr>
-        <p:txBody>
-          <a:bodyPr wrap="none" rtlCol="0">
-            <a:spAutoFit/>
-          </a:bodyPr>
-          <a:lstStyle/>
-          <a:p>
-            <a:r>
-              <a:rPr lang="en-IE" sz="1200" dirty="0"/>
-              <a:t>192.168.6.20</a:t>
-            </a:r>
-          </a:p>
-        </p:txBody>
-      </p:sp>
-      <p:sp>
-        <p:nvSpPr>
-          <p:cNvPr id="32" name="TextBox 31">
-            <a:extLst>
-              <a:ext uri="{FF2B5EF4-FFF2-40B4-BE49-F238E27FC236}">
-                <a16:creationId xmlns:a16="http://schemas.microsoft.com/office/drawing/2014/main" id="{518624EC-3737-40FD-A5DF-18087F5609D6}"/>
-              </a:ext>
-            </a:extLst>
-          </p:cNvPr>
-          <p:cNvSpPr txBox="1"/>
-          <p:nvPr/>
-        </p:nvSpPr>
-        <p:spPr>
-          <a:xfrm>
-            <a:off x="3573826" y="612396"/>
-            <a:ext cx="1144865" cy="646331"/>
-          </a:xfrm>
-          <a:prstGeom prst="rect">
-            <a:avLst/>
-          </a:prstGeom>
-          <a:noFill/>
-        </p:spPr>
-        <p:txBody>
-          <a:bodyPr wrap="none" rtlCol="0">
-            <a:spAutoFit/>
-          </a:bodyPr>
-          <a:lstStyle/>
-          <a:p>
-            <a:pPr algn="ctr"/>
-            <a:r>
-              <a:rPr lang="en-IE" sz="1200" dirty="0"/>
-              <a:t>VLAN2</a:t>
-            </a:r>
-          </a:p>
-          <a:p>
-            <a:pPr algn="ctr"/>
-            <a:r>
-              <a:rPr lang="en-IE" sz="1200" dirty="0"/>
-              <a:t>Hosts</a:t>
-            </a:r>
-          </a:p>
-          <a:p>
-            <a:pPr algn="ctr"/>
-            <a:r>
-              <a:rPr lang="en-IE" sz="1200" dirty="0"/>
-              <a:t>192.168.2.0/24</a:t>
-            </a:r>
-          </a:p>
-        </p:txBody>
-      </p:sp>
-      <p:sp>
-        <p:nvSpPr>
-          <p:cNvPr id="33" name="TextBox 32">
-            <a:extLst>
-              <a:ext uri="{FF2B5EF4-FFF2-40B4-BE49-F238E27FC236}">
-                <a16:creationId xmlns:a16="http://schemas.microsoft.com/office/drawing/2014/main" id="{CBB5153A-9AE4-4DCA-BE33-73EB5E54479D}"/>
-              </a:ext>
-            </a:extLst>
-          </p:cNvPr>
-          <p:cNvSpPr txBox="1"/>
-          <p:nvPr/>
-        </p:nvSpPr>
-        <p:spPr>
-          <a:xfrm>
-            <a:off x="3651424" y="2415996"/>
-            <a:ext cx="1144865" cy="646331"/>
-          </a:xfrm>
-          <a:prstGeom prst="rect">
-            <a:avLst/>
-          </a:prstGeom>
-          <a:noFill/>
-        </p:spPr>
-        <p:txBody>
-          <a:bodyPr wrap="none" rtlCol="0">
-            <a:spAutoFit/>
-          </a:bodyPr>
-          <a:lstStyle/>
-          <a:p>
-            <a:pPr algn="ctr"/>
-            <a:r>
-              <a:rPr lang="en-IE" sz="1200" dirty="0"/>
-              <a:t>VLAN5</a:t>
-            </a:r>
-          </a:p>
-          <a:p>
-            <a:pPr algn="ctr"/>
-            <a:r>
-              <a:rPr lang="en-IE" sz="1200" dirty="0"/>
-              <a:t>Clients</a:t>
-            </a:r>
-          </a:p>
-          <a:p>
-            <a:pPr algn="ctr"/>
-            <a:r>
-              <a:rPr lang="en-IE" sz="1200" dirty="0"/>
-              <a:t>192.168.5.0/24</a:t>
-            </a:r>
-          </a:p>
-        </p:txBody>
-      </p:sp>
-      <p:sp>
-        <p:nvSpPr>
-          <p:cNvPr id="34" name="TextBox 33">
-            <a:extLst>
-              <a:ext uri="{FF2B5EF4-FFF2-40B4-BE49-F238E27FC236}">
-                <a16:creationId xmlns:a16="http://schemas.microsoft.com/office/drawing/2014/main" id="{2F5F8CFE-2BAD-4886-9DBC-8CD5DB13A065}"/>
-              </a:ext>
-            </a:extLst>
-          </p:cNvPr>
-          <p:cNvSpPr txBox="1"/>
-          <p:nvPr/>
-        </p:nvSpPr>
-        <p:spPr>
-          <a:xfrm>
-            <a:off x="4199473" y="4335158"/>
-            <a:ext cx="1144865" cy="646331"/>
-          </a:xfrm>
-          <a:prstGeom prst="rect">
-            <a:avLst/>
-          </a:prstGeom>
-          <a:noFill/>
-        </p:spPr>
-        <p:txBody>
-          <a:bodyPr wrap="none" rtlCol="0">
-            <a:spAutoFit/>
-          </a:bodyPr>
-          <a:lstStyle/>
-          <a:p>
-            <a:pPr algn="ctr"/>
-            <a:r>
-              <a:rPr lang="en-IE" sz="1200" dirty="0"/>
-              <a:t>VLAN6</a:t>
-            </a:r>
-          </a:p>
-          <a:p>
-            <a:pPr algn="ctr"/>
-            <a:r>
-              <a:rPr lang="en-IE" sz="1200" dirty="0"/>
-              <a:t>Servers</a:t>
-            </a:r>
-          </a:p>
-          <a:p>
-            <a:pPr algn="ctr"/>
-            <a:r>
-              <a:rPr lang="en-IE" sz="1200" dirty="0"/>
-              <a:t>192.168.6.0/24</a:t>
-            </a:r>
-          </a:p>
-        </p:txBody>
-      </p:sp>
-      <p:sp>
-        <p:nvSpPr>
-          <p:cNvPr id="35" name="Rectangle: Rounded Corners 34">
-            <a:extLst>
-              <a:ext uri="{FF2B5EF4-FFF2-40B4-BE49-F238E27FC236}">
-                <a16:creationId xmlns:a16="http://schemas.microsoft.com/office/drawing/2014/main" id="{691ACA2C-6C35-4161-A6D4-F1619574C603}"/>
-              </a:ext>
-            </a:extLst>
-          </p:cNvPr>
-          <p:cNvSpPr/>
-          <p:nvPr/>
-        </p:nvSpPr>
-        <p:spPr>
-          <a:xfrm>
-            <a:off x="604007" y="4113902"/>
-            <a:ext cx="402672" cy="952313"/>
-          </a:xfrm>
-          <a:prstGeom prst="roundRect">
-            <a:avLst/>
-          </a:prstGeom>
-        </p:spPr>
-        <p:style>
-          <a:lnRef idx="2">
-            <a:schemeClr val="accent1">
-              <a:shade val="50000"/>
-            </a:schemeClr>
-          </a:lnRef>
-          <a:fillRef idx="1">
-            <a:schemeClr val="accent1"/>
-          </a:fillRef>
-          <a:effectRef idx="0">
-            <a:schemeClr val="accent1"/>
-          </a:effectRef>
-          <a:fontRef idx="minor">
-            <a:schemeClr val="lt1"/>
-          </a:fontRef>
-        </p:style>
-        <p:txBody>
-          <a:bodyPr rtlCol="0" anchor="ctr"/>
-          <a:lstStyle/>
-          <a:p>
-            <a:pPr algn="ctr"/>
-            <a:endParaRPr lang="en-IE"/>
-          </a:p>
-        </p:txBody>
-      </p:sp>
-      <p:sp>
-        <p:nvSpPr>
-          <p:cNvPr id="36" name="Rectangle: Rounded Corners 35">
-            <a:extLst>
-              <a:ext uri="{FF2B5EF4-FFF2-40B4-BE49-F238E27FC236}">
-                <a16:creationId xmlns:a16="http://schemas.microsoft.com/office/drawing/2014/main" id="{3671ECD3-24A7-40D9-8DC7-2FA551742AB1}"/>
-              </a:ext>
-            </a:extLst>
-          </p:cNvPr>
-          <p:cNvSpPr/>
-          <p:nvPr/>
-        </p:nvSpPr>
-        <p:spPr>
-          <a:xfrm>
-            <a:off x="612396" y="5464530"/>
-            <a:ext cx="402672" cy="952313"/>
-          </a:xfrm>
-          <a:prstGeom prst="roundRect">
-            <a:avLst/>
-          </a:prstGeom>
-        </p:spPr>
-        <p:style>
-          <a:lnRef idx="2">
-            <a:schemeClr val="accent1">
-              <a:shade val="50000"/>
-            </a:schemeClr>
-          </a:lnRef>
-          <a:fillRef idx="1">
-            <a:schemeClr val="accent1"/>
-          </a:fillRef>
-          <a:effectRef idx="0">
-            <a:schemeClr val="accent1"/>
-          </a:effectRef>
-          <a:fontRef idx="minor">
-            <a:schemeClr val="lt1"/>
-          </a:fontRef>
-        </p:style>
-        <p:txBody>
-          <a:bodyPr rtlCol="0" anchor="ctr"/>
-          <a:lstStyle/>
-          <a:p>
-            <a:pPr algn="ctr"/>
-            <a:endParaRPr lang="en-IE"/>
-          </a:p>
-        </p:txBody>
-      </p:sp>
-      <p:cxnSp>
-        <p:nvCxnSpPr>
-          <p:cNvPr id="38" name="Connector: Elbow 37">
-            <a:extLst>
-              <a:ext uri="{FF2B5EF4-FFF2-40B4-BE49-F238E27FC236}">
-                <a16:creationId xmlns:a16="http://schemas.microsoft.com/office/drawing/2014/main" id="{33D162FD-26D4-49CF-98B9-11825D44910A}"/>
-              </a:ext>
-            </a:extLst>
-          </p:cNvPr>
-          <p:cNvCxnSpPr>
-            <a:cxnSpLocks/>
-            <a:stCxn id="6" idx="2"/>
-            <a:endCxn id="35" idx="3"/>
-          </p:cNvCxnSpPr>
-          <p:nvPr/>
-        </p:nvCxnSpPr>
-        <p:spPr>
-          <a:xfrm rot="10800000">
-            <a:off x="1006680" y="4590060"/>
-            <a:ext cx="2877823" cy="199157"/>
-          </a:xfrm>
-          <a:prstGeom prst="bentConnector3">
-            <a:avLst/>
-          </a:prstGeom>
-        </p:spPr>
-        <p:style>
-          <a:lnRef idx="3">
-            <a:schemeClr val="accent1"/>
-          </a:lnRef>
-          <a:fillRef idx="0">
-            <a:schemeClr val="accent1"/>
-          </a:fillRef>
-          <a:effectRef idx="2">
-            <a:schemeClr val="accent1"/>
-          </a:effectRef>
-          <a:fontRef idx="minor">
-            <a:schemeClr val="tx1"/>
-          </a:fontRef>
-        </p:style>
-      </p:cxnSp>
-      <p:cxnSp>
-        <p:nvCxnSpPr>
-          <p:cNvPr id="41" name="Connector: Elbow 40">
-            <a:extLst>
-              <a:ext uri="{FF2B5EF4-FFF2-40B4-BE49-F238E27FC236}">
-                <a16:creationId xmlns:a16="http://schemas.microsoft.com/office/drawing/2014/main" id="{14463840-411C-4DFD-BA10-BF23213266C7}"/>
-              </a:ext>
-            </a:extLst>
-          </p:cNvPr>
-          <p:cNvCxnSpPr>
-            <a:cxnSpLocks/>
-            <a:stCxn id="6" idx="1"/>
-            <a:endCxn id="36" idx="2"/>
-          </p:cNvCxnSpPr>
-          <p:nvPr/>
-        </p:nvCxnSpPr>
-        <p:spPr>
-          <a:xfrm rot="5400000">
-            <a:off x="2337027" y="3939797"/>
-            <a:ext cx="953751" cy="4000340"/>
-          </a:xfrm>
-          <a:prstGeom prst="bentConnector3">
-            <a:avLst>
-              <a:gd name="adj1" fmla="val 123969"/>
-            </a:avLst>
-          </a:prstGeom>
-        </p:spPr>
-        <p:style>
-          <a:lnRef idx="3">
-            <a:schemeClr val="accent1"/>
-          </a:lnRef>
-          <a:fillRef idx="0">
-            <a:schemeClr val="accent1"/>
-          </a:fillRef>
-          <a:effectRef idx="2">
-            <a:schemeClr val="accent1"/>
-          </a:effectRef>
-          <a:fontRef idx="minor">
-            <a:schemeClr val="tx1"/>
-          </a:fontRef>
-        </p:style>
-      </p:cxnSp>
-      <p:sp>
-        <p:nvSpPr>
-          <p:cNvPr id="43" name="TextBox 42">
-            <a:extLst>
-              <a:ext uri="{FF2B5EF4-FFF2-40B4-BE49-F238E27FC236}">
-                <a16:creationId xmlns:a16="http://schemas.microsoft.com/office/drawing/2014/main" id="{17923EF9-DC21-4C24-8C6C-A63614E5E569}"/>
-              </a:ext>
-            </a:extLst>
-          </p:cNvPr>
-          <p:cNvSpPr txBox="1"/>
-          <p:nvPr/>
-        </p:nvSpPr>
-        <p:spPr>
-          <a:xfrm>
-            <a:off x="1103880" y="3875335"/>
-            <a:ext cx="1219757" cy="646331"/>
-          </a:xfrm>
-          <a:prstGeom prst="rect">
-            <a:avLst/>
-          </a:prstGeom>
-          <a:noFill/>
-        </p:spPr>
-        <p:txBody>
-          <a:bodyPr wrap="none" rtlCol="0">
-            <a:spAutoFit/>
-          </a:bodyPr>
-          <a:lstStyle/>
-          <a:p>
-            <a:pPr algn="ctr"/>
-            <a:r>
-              <a:rPr lang="en-IE" sz="1200" dirty="0"/>
-              <a:t>dc1</a:t>
-            </a:r>
-          </a:p>
-          <a:p>
-            <a:pPr algn="ctr"/>
-            <a:r>
-              <a:rPr lang="en-IE" sz="1200" dirty="0"/>
-              <a:t>AAA, DNS, DHCP</a:t>
-            </a:r>
-          </a:p>
-          <a:p>
-            <a:pPr algn="ctr"/>
-            <a:r>
-              <a:rPr lang="en-IE" sz="1200" dirty="0"/>
-              <a:t>192.168.6.21</a:t>
-            </a:r>
-          </a:p>
-        </p:txBody>
-      </p:sp>
-      <p:sp>
-        <p:nvSpPr>
-          <p:cNvPr id="44" name="TextBox 43">
-            <a:extLst>
-              <a:ext uri="{FF2B5EF4-FFF2-40B4-BE49-F238E27FC236}">
-                <a16:creationId xmlns:a16="http://schemas.microsoft.com/office/drawing/2014/main" id="{7D54171D-88E5-4683-9389-A45AD75C0EF8}"/>
-              </a:ext>
-            </a:extLst>
-          </p:cNvPr>
-          <p:cNvSpPr txBox="1"/>
-          <p:nvPr/>
-        </p:nvSpPr>
-        <p:spPr>
-          <a:xfrm>
-            <a:off x="1103880" y="5939967"/>
-            <a:ext cx="1219757" cy="646331"/>
-          </a:xfrm>
-          <a:prstGeom prst="rect">
-            <a:avLst/>
-          </a:prstGeom>
-          <a:noFill/>
-        </p:spPr>
-        <p:txBody>
-          <a:bodyPr wrap="none" rtlCol="0">
-            <a:spAutoFit/>
-          </a:bodyPr>
-          <a:lstStyle/>
-          <a:p>
-            <a:pPr algn="ctr"/>
-            <a:r>
-              <a:rPr lang="en-IE" sz="1200" dirty="0"/>
-              <a:t>dc2</a:t>
-            </a:r>
-          </a:p>
-          <a:p>
-            <a:pPr algn="ctr"/>
-            <a:r>
-              <a:rPr lang="en-IE" sz="1200" dirty="0"/>
-              <a:t>AAA, DNS, DHCP</a:t>
-            </a:r>
-          </a:p>
-          <a:p>
-            <a:pPr algn="ctr"/>
-            <a:r>
-              <a:rPr lang="en-IE" sz="1200" dirty="0"/>
-              <a:t>192.168.6.22</a:t>
-            </a:r>
-          </a:p>
-        </p:txBody>
-      </p:sp>
-      <p:sp>
-        <p:nvSpPr>
-          <p:cNvPr id="45" name="TextBox 44">
-            <a:extLst>
-              <a:ext uri="{FF2B5EF4-FFF2-40B4-BE49-F238E27FC236}">
-                <a16:creationId xmlns:a16="http://schemas.microsoft.com/office/drawing/2014/main" id="{48646F68-1FF2-4839-9A8F-F0363ED96126}"/>
-              </a:ext>
-            </a:extLst>
-          </p:cNvPr>
-          <p:cNvSpPr txBox="1"/>
-          <p:nvPr/>
-        </p:nvSpPr>
-        <p:spPr>
-          <a:xfrm>
-            <a:off x="10083567" y="5275"/>
-            <a:ext cx="1870745" cy="923330"/>
-          </a:xfrm>
-          <a:prstGeom prst="rect">
-            <a:avLst/>
-          </a:prstGeom>
-          <a:noFill/>
-        </p:spPr>
-        <p:txBody>
-          <a:bodyPr wrap="square" rtlCol="0">
-            <a:spAutoFit/>
-          </a:bodyPr>
-          <a:lstStyle/>
-          <a:p>
-            <a:r>
-              <a:rPr lang="en-IE" dirty="0"/>
-              <a:t>Logical Diagram</a:t>
-            </a:r>
-          </a:p>
-          <a:p>
-            <a:r>
-              <a:rPr lang="en-IE" dirty="0" err="1"/>
-              <a:t>Athy</a:t>
-            </a:r>
-            <a:r>
-              <a:rPr lang="en-IE" dirty="0"/>
-              <a:t> Site</a:t>
-            </a:r>
-          </a:p>
-          <a:p>
-            <a:r>
-              <a:rPr lang="en-IE" dirty="0"/>
-              <a:t>Electric Petrol</a:t>
-            </a:r>
-          </a:p>
-        </p:txBody>
-      </p:sp>
-      <p:sp>
-        <p:nvSpPr>
-          <p:cNvPr id="46" name="TextBox 45">
-            <a:extLst>
-              <a:ext uri="{FF2B5EF4-FFF2-40B4-BE49-F238E27FC236}">
-                <a16:creationId xmlns:a16="http://schemas.microsoft.com/office/drawing/2014/main" id="{B4614CDF-DC69-4C0C-9461-61F051729F97}"/>
-              </a:ext>
-            </a:extLst>
-          </p:cNvPr>
-          <p:cNvSpPr txBox="1"/>
-          <p:nvPr/>
-        </p:nvSpPr>
-        <p:spPr>
-          <a:xfrm>
-            <a:off x="9258404" y="1917741"/>
-            <a:ext cx="1105559" cy="646331"/>
-          </a:xfrm>
-          <a:prstGeom prst="rect">
-            <a:avLst/>
-          </a:prstGeom>
-          <a:noFill/>
-        </p:spPr>
-        <p:txBody>
-          <a:bodyPr wrap="none" rtlCol="0">
-            <a:spAutoFit/>
-          </a:bodyPr>
-          <a:lstStyle/>
-          <a:p>
-            <a:pPr algn="ctr"/>
-            <a:r>
-              <a:rPr lang="en-IE" dirty="0"/>
-              <a:t>Router 10</a:t>
-            </a:r>
-          </a:p>
-          <a:p>
-            <a:pPr algn="ctr"/>
-            <a:r>
-              <a:rPr lang="en-IE" dirty="0"/>
-              <a:t>(VRRP)</a:t>
-            </a:r>
-          </a:p>
-        </p:txBody>
-      </p:sp>
-      <p:sp>
-        <p:nvSpPr>
-          <p:cNvPr id="47" name="TextBox 46">
-            <a:extLst>
-              <a:ext uri="{FF2B5EF4-FFF2-40B4-BE49-F238E27FC236}">
-                <a16:creationId xmlns:a16="http://schemas.microsoft.com/office/drawing/2014/main" id="{0197B9A2-2FE1-4900-AD6E-6B64A8DE213D}"/>
-              </a:ext>
-            </a:extLst>
-          </p:cNvPr>
-          <p:cNvSpPr txBox="1"/>
-          <p:nvPr/>
-        </p:nvSpPr>
-        <p:spPr>
-          <a:xfrm>
-            <a:off x="6494791" y="2223906"/>
-            <a:ext cx="476412" cy="369332"/>
-          </a:xfrm>
-          <a:prstGeom prst="rect">
-            <a:avLst/>
-          </a:prstGeom>
-          <a:noFill/>
-        </p:spPr>
-        <p:txBody>
-          <a:bodyPr wrap="none" rtlCol="0">
-            <a:spAutoFit/>
-          </a:bodyPr>
-          <a:lstStyle/>
-          <a:p>
-            <a:r>
-              <a:rPr lang="en-IE" dirty="0"/>
-              <a:t>.10</a:t>
-            </a:r>
-          </a:p>
-        </p:txBody>
-      </p:sp>
-      <p:sp>
-        <p:nvSpPr>
-          <p:cNvPr id="48" name="TextBox 47">
-            <a:extLst>
-              <a:ext uri="{FF2B5EF4-FFF2-40B4-BE49-F238E27FC236}">
-                <a16:creationId xmlns:a16="http://schemas.microsoft.com/office/drawing/2014/main" id="{837223CA-5DFE-46E7-A2FE-9B6876185EC9}"/>
-              </a:ext>
-            </a:extLst>
-          </p:cNvPr>
-          <p:cNvSpPr txBox="1"/>
-          <p:nvPr/>
-        </p:nvSpPr>
-        <p:spPr>
-          <a:xfrm>
-            <a:off x="6491094" y="1483807"/>
-            <a:ext cx="476412" cy="369332"/>
-          </a:xfrm>
-          <a:prstGeom prst="rect">
-            <a:avLst/>
-          </a:prstGeom>
-          <a:noFill/>
-        </p:spPr>
-        <p:txBody>
-          <a:bodyPr wrap="none" rtlCol="0">
-            <a:spAutoFit/>
-          </a:bodyPr>
-          <a:lstStyle/>
-          <a:p>
-            <a:r>
-              <a:rPr lang="en-IE" dirty="0"/>
-              <a:t>.10</a:t>
-            </a:r>
-          </a:p>
-        </p:txBody>
-      </p:sp>
-      <p:sp>
-        <p:nvSpPr>
-          <p:cNvPr id="49" name="TextBox 48">
-            <a:extLst>
-              <a:ext uri="{FF2B5EF4-FFF2-40B4-BE49-F238E27FC236}">
-                <a16:creationId xmlns:a16="http://schemas.microsoft.com/office/drawing/2014/main" id="{C31A9C13-0956-41BB-90FE-B508D250A631}"/>
-              </a:ext>
-            </a:extLst>
-          </p:cNvPr>
-          <p:cNvSpPr txBox="1"/>
-          <p:nvPr/>
-        </p:nvSpPr>
-        <p:spPr>
-          <a:xfrm>
-            <a:off x="6494791" y="3101471"/>
-            <a:ext cx="476412" cy="369332"/>
-          </a:xfrm>
-          <a:prstGeom prst="rect">
-            <a:avLst/>
-          </a:prstGeom>
-          <a:noFill/>
-        </p:spPr>
-        <p:txBody>
-          <a:bodyPr wrap="none" rtlCol="0">
-            <a:spAutoFit/>
-          </a:bodyPr>
-          <a:lstStyle/>
-          <a:p>
-            <a:r>
-              <a:rPr lang="en-IE" dirty="0"/>
-              <a:t>.10</a:t>
-            </a:r>
-          </a:p>
-        </p:txBody>
-      </p:sp>
-      <p:sp>
-        <p:nvSpPr>
-          <p:cNvPr id="51" name="Frame 50">
-            <a:extLst>
-              <a:ext uri="{FF2B5EF4-FFF2-40B4-BE49-F238E27FC236}">
-                <a16:creationId xmlns:a16="http://schemas.microsoft.com/office/drawing/2014/main" id="{4801C8E7-3C4C-49BA-A1EF-A55BD0D04042}"/>
-              </a:ext>
-            </a:extLst>
-          </p:cNvPr>
-          <p:cNvSpPr/>
-          <p:nvPr/>
-        </p:nvSpPr>
-        <p:spPr>
-          <a:xfrm>
-            <a:off x="1015068" y="612396"/>
+            <a:off x="11265801" y="1120832"/>
             <a:ext cx="612396" cy="581273"/>
           </a:xfrm>
           <a:prstGeom prst="frame">
@@ -4941,10 +5649,10 @@
       </p:sp>
       <p:sp>
         <p:nvSpPr>
-          <p:cNvPr id="52" name="Minus Sign 51">
-            <a:extLst>
-              <a:ext uri="{FF2B5EF4-FFF2-40B4-BE49-F238E27FC236}">
-                <a16:creationId xmlns:a16="http://schemas.microsoft.com/office/drawing/2014/main" id="{C8991BB4-1F62-444F-A059-892E64FF1A9B}"/>
+          <p:cNvPr id="56" name="Minus Sign 55">
+            <a:extLst>
+              <a:ext uri="{FF2B5EF4-FFF2-40B4-BE49-F238E27FC236}">
+                <a16:creationId xmlns:a16="http://schemas.microsoft.com/office/drawing/2014/main" id="{A08E5CC6-CCF2-4310-985E-8B42C8212E2C}"/>
               </a:ext>
             </a:extLst>
           </p:cNvPr>
@@ -4953,7 +5661,7 @@
         </p:nvSpPr>
         <p:spPr>
           <a:xfrm>
-            <a:off x="721510" y="941838"/>
+            <a:off x="10972243" y="1450274"/>
             <a:ext cx="1219757" cy="626904"/>
           </a:xfrm>
           <a:prstGeom prst="mathMinus">
@@ -4990,10 +5698,10 @@
       </p:sp>
       <p:sp>
         <p:nvSpPr>
-          <p:cNvPr id="54" name="TextBox 53">
-            <a:extLst>
-              <a:ext uri="{FF2B5EF4-FFF2-40B4-BE49-F238E27FC236}">
-                <a16:creationId xmlns:a16="http://schemas.microsoft.com/office/drawing/2014/main" id="{522A5060-4D5D-4775-B6D6-0232233DEE48}"/>
+          <p:cNvPr id="57" name="TextBox 56">
+            <a:extLst>
+              <a:ext uri="{FF2B5EF4-FFF2-40B4-BE49-F238E27FC236}">
+                <a16:creationId xmlns:a16="http://schemas.microsoft.com/office/drawing/2014/main" id="{8F27D4AA-8804-40F6-A923-7F851A2EDA7A}"/>
               </a:ext>
             </a:extLst>
           </p:cNvPr>
@@ -5002,7 +5710,7 @@
         </p:nvSpPr>
         <p:spPr>
           <a:xfrm>
-            <a:off x="854849" y="688778"/>
+            <a:off x="11105582" y="1197214"/>
             <a:ext cx="932006" cy="261610"/>
           </a:xfrm>
           <a:prstGeom prst="rect">
@@ -5024,52 +5732,12 @@
           </a:p>
         </p:txBody>
       </p:sp>
-      <p:cxnSp>
-        <p:nvCxnSpPr>
-          <p:cNvPr id="56" name="Connector: Elbow 55">
-            <a:extLst>
-              <a:ext uri="{FF2B5EF4-FFF2-40B4-BE49-F238E27FC236}">
-                <a16:creationId xmlns:a16="http://schemas.microsoft.com/office/drawing/2014/main" id="{02AD60DB-524A-433E-B515-B1D258E1F055}"/>
-              </a:ext>
-            </a:extLst>
-          </p:cNvPr>
-          <p:cNvCxnSpPr>
-            <a:cxnSpLocks/>
-            <a:stCxn id="52" idx="1"/>
-            <a:endCxn id="5" idx="2"/>
-          </p:cNvCxnSpPr>
-          <p:nvPr/>
-        </p:nvCxnSpPr>
-        <p:spPr>
-          <a:xfrm rot="16200000" flipH="1">
-            <a:off x="1556810" y="1103592"/>
-            <a:ext cx="1512057" cy="1962899"/>
-          </a:xfrm>
-          <a:prstGeom prst="bentConnector2">
-            <a:avLst/>
-          </a:prstGeom>
-        </p:spPr>
-        <p:style>
-          <a:lnRef idx="3">
-            <a:schemeClr val="accent1"/>
-          </a:lnRef>
-          <a:fillRef idx="0">
-            <a:schemeClr val="accent1"/>
-          </a:fillRef>
-          <a:effectRef idx="2">
-            <a:schemeClr val="accent1"/>
-          </a:effectRef>
-          <a:fontRef idx="minor">
-            <a:schemeClr val="tx1"/>
-          </a:fontRef>
-        </p:style>
-      </p:cxnSp>
       <p:sp>
         <p:nvSpPr>
           <p:cNvPr id="58" name="TextBox 57">
             <a:extLst>
               <a:ext uri="{FF2B5EF4-FFF2-40B4-BE49-F238E27FC236}">
-                <a16:creationId xmlns:a16="http://schemas.microsoft.com/office/drawing/2014/main" id="{A4ACB3A4-1DD7-4B7E-848D-36D8E5A19C2C}"/>
+                <a16:creationId xmlns:a16="http://schemas.microsoft.com/office/drawing/2014/main" id="{F13AB539-B248-4658-9D64-34D605ABFA0E}"/>
               </a:ext>
             </a:extLst>
           </p:cNvPr>
@@ -5078,7 +5746,7 @@
         </p:nvSpPr>
         <p:spPr>
           <a:xfrm>
-            <a:off x="1151691" y="327191"/>
+            <a:off x="11391888" y="803782"/>
             <a:ext cx="359394" cy="369332"/>
           </a:xfrm>
           <a:prstGeom prst="rect">
@@ -5099,2268 +5767,32 @@
           </a:p>
         </p:txBody>
       </p:sp>
-    </p:spTree>
-    <p:extLst>
-      <p:ext uri="{BB962C8B-B14F-4D97-AF65-F5344CB8AC3E}">
-        <p14:creationId xmlns:p14="http://schemas.microsoft.com/office/powerpoint/2010/main" val="4137395202"/>
-      </p:ext>
-    </p:extLst>
-  </p:cSld>
-  <p:clrMapOvr>
-    <a:masterClrMapping/>
-  </p:clrMapOvr>
-</p:sld>
-</file>
-
-<file path=ppt/slides/slide2.xml><?xml version="1.0" encoding="utf-8"?>
-<p:sld xmlns:a="http://schemas.openxmlformats.org/drawingml/2006/main" xmlns:r="http://schemas.openxmlformats.org/officeDocument/2006/relationships" xmlns:p="http://schemas.openxmlformats.org/presentationml/2006/main">
-  <p:cSld>
-    <p:spTree>
-      <p:nvGrpSpPr>
-        <p:cNvPr id="1" name=""/>
-        <p:cNvGrpSpPr/>
-        <p:nvPr/>
-      </p:nvGrpSpPr>
-      <p:grpSpPr>
-        <a:xfrm>
-          <a:off x="0" y="0"/>
-          <a:ext cx="0" cy="0"/>
-          <a:chOff x="0" y="0"/>
-          <a:chExt cx="0" cy="0"/>
-        </a:xfrm>
-      </p:grpSpPr>
-      <p:sp>
-        <p:nvSpPr>
-          <p:cNvPr id="2" name="Flowchart: Connector 1">
-            <a:extLst>
-              <a:ext uri="{FF2B5EF4-FFF2-40B4-BE49-F238E27FC236}">
-                <a16:creationId xmlns:a16="http://schemas.microsoft.com/office/drawing/2014/main" id="{5DBD16DA-D519-405E-9795-FF648DEC40CA}"/>
-              </a:ext>
-            </a:extLst>
-          </p:cNvPr>
-          <p:cNvSpPr/>
-          <p:nvPr/>
-        </p:nvSpPr>
-        <p:spPr>
-          <a:xfrm>
-            <a:off x="6180655" y="2902463"/>
-            <a:ext cx="620786" cy="620785"/>
-          </a:xfrm>
-          <a:prstGeom prst="flowChartConnector">
-            <a:avLst/>
-          </a:prstGeom>
-          <a:ln>
-            <a:solidFill>
-              <a:schemeClr val="tx1"/>
-            </a:solidFill>
-          </a:ln>
-        </p:spPr>
-        <p:style>
-          <a:lnRef idx="2">
-            <a:schemeClr val="accent1">
-              <a:shade val="50000"/>
-            </a:schemeClr>
-          </a:lnRef>
-          <a:fillRef idx="1">
-            <a:schemeClr val="accent1"/>
-          </a:fillRef>
-          <a:effectRef idx="0">
-            <a:schemeClr val="accent1"/>
-          </a:effectRef>
-          <a:fontRef idx="minor">
-            <a:schemeClr val="lt1"/>
-          </a:fontRef>
-        </p:style>
-        <p:txBody>
-          <a:bodyPr rtlCol="0" anchor="ctr"/>
-          <a:lstStyle/>
-          <a:p>
-            <a:pPr algn="ctr"/>
-            <a:endParaRPr lang="en-IE" dirty="0"/>
-          </a:p>
-        </p:txBody>
-      </p:sp>
-      <p:sp>
-        <p:nvSpPr>
-          <p:cNvPr id="3" name="Arrow: Up 2">
-            <a:extLst>
-              <a:ext uri="{FF2B5EF4-FFF2-40B4-BE49-F238E27FC236}">
-                <a16:creationId xmlns:a16="http://schemas.microsoft.com/office/drawing/2014/main" id="{E1E85380-25B9-43E9-894E-71EDBE8B6090}"/>
-              </a:ext>
-            </a:extLst>
-          </p:cNvPr>
-          <p:cNvSpPr/>
-          <p:nvPr/>
-        </p:nvSpPr>
-        <p:spPr>
-          <a:xfrm rot="19593104">
-            <a:off x="6367088" y="2948236"/>
-            <a:ext cx="170468" cy="537050"/>
-          </a:xfrm>
-          <a:prstGeom prst="upArrow">
-            <a:avLst/>
-          </a:prstGeom>
-          <a:ln>
-            <a:solidFill>
-              <a:schemeClr val="tx1"/>
-            </a:solidFill>
-          </a:ln>
-        </p:spPr>
-        <p:style>
-          <a:lnRef idx="2">
-            <a:schemeClr val="accent1">
-              <a:shade val="50000"/>
-            </a:schemeClr>
-          </a:lnRef>
-          <a:fillRef idx="1">
-            <a:schemeClr val="accent1"/>
-          </a:fillRef>
-          <a:effectRef idx="0">
-            <a:schemeClr val="accent1"/>
-          </a:effectRef>
-          <a:fontRef idx="minor">
-            <a:schemeClr val="lt1"/>
-          </a:fontRef>
-        </p:style>
-        <p:txBody>
-          <a:bodyPr rtlCol="0" anchor="ctr"/>
-          <a:lstStyle/>
-          <a:p>
-            <a:pPr algn="ctr"/>
-            <a:endParaRPr lang="en-IE" dirty="0">
-              <a:ln w="0"/>
-              <a:solidFill>
-                <a:schemeClr val="tx1"/>
-              </a:solidFill>
-              <a:effectLst>
-                <a:outerShdw blurRad="38100" dist="19050" dir="2700000" algn="tl" rotWithShape="0">
-                  <a:schemeClr val="dk1">
-                    <a:alpha val="40000"/>
-                  </a:schemeClr>
-                </a:outerShdw>
-              </a:effectLst>
-            </a:endParaRPr>
-          </a:p>
-        </p:txBody>
-      </p:sp>
-      <p:sp>
-        <p:nvSpPr>
-          <p:cNvPr id="4" name="Arrow: Up 3">
-            <a:extLst>
-              <a:ext uri="{FF2B5EF4-FFF2-40B4-BE49-F238E27FC236}">
-                <a16:creationId xmlns:a16="http://schemas.microsoft.com/office/drawing/2014/main" id="{AC6E5C7D-39CC-4DE8-96C3-80310BCC7B0D}"/>
-              </a:ext>
-            </a:extLst>
-          </p:cNvPr>
-          <p:cNvSpPr/>
-          <p:nvPr/>
-        </p:nvSpPr>
-        <p:spPr>
-          <a:xfrm rot="2490545">
-            <a:off x="6395203" y="2942334"/>
-            <a:ext cx="206011" cy="528638"/>
-          </a:xfrm>
-          <a:prstGeom prst="upArrow">
-            <a:avLst/>
-          </a:prstGeom>
-          <a:ln>
-            <a:solidFill>
-              <a:schemeClr val="tx1"/>
-            </a:solidFill>
-          </a:ln>
-        </p:spPr>
-        <p:style>
-          <a:lnRef idx="2">
-            <a:schemeClr val="accent1">
-              <a:shade val="50000"/>
-            </a:schemeClr>
-          </a:lnRef>
-          <a:fillRef idx="1">
-            <a:schemeClr val="accent1"/>
-          </a:fillRef>
-          <a:effectRef idx="0">
-            <a:schemeClr val="accent1"/>
-          </a:effectRef>
-          <a:fontRef idx="minor">
-            <a:schemeClr val="lt1"/>
-          </a:fontRef>
-        </p:style>
-        <p:txBody>
-          <a:bodyPr rtlCol="0" anchor="ctr"/>
-          <a:lstStyle/>
-          <a:p>
-            <a:pPr algn="ctr"/>
-            <a:endParaRPr lang="en-IE" dirty="0">
-              <a:ln w="0"/>
-              <a:solidFill>
-                <a:schemeClr val="tx1"/>
-              </a:solidFill>
-              <a:effectLst>
-                <a:outerShdw blurRad="38100" dist="19050" dir="2700000" algn="tl" rotWithShape="0">
-                  <a:schemeClr val="dk1">
-                    <a:alpha val="40000"/>
-                  </a:schemeClr>
-                </a:outerShdw>
-              </a:effectLst>
-            </a:endParaRPr>
-          </a:p>
-        </p:txBody>
-      </p:sp>
-      <p:sp>
-        <p:nvSpPr>
-          <p:cNvPr id="8" name="Rectangle: Rounded Corners 7">
-            <a:extLst>
-              <a:ext uri="{FF2B5EF4-FFF2-40B4-BE49-F238E27FC236}">
-                <a16:creationId xmlns:a16="http://schemas.microsoft.com/office/drawing/2014/main" id="{A026DC82-9D7E-4845-A6A6-1DC513753D54}"/>
-              </a:ext>
-            </a:extLst>
-          </p:cNvPr>
-          <p:cNvSpPr/>
-          <p:nvPr/>
-        </p:nvSpPr>
-        <p:spPr>
-          <a:xfrm>
-            <a:off x="6008681" y="2576969"/>
-            <a:ext cx="964734" cy="2160408"/>
-          </a:xfrm>
-          <a:prstGeom prst="roundRect">
-            <a:avLst/>
-          </a:prstGeom>
-          <a:noFill/>
-          <a:ln w="9525" cap="flat" cmpd="sng" algn="ctr">
-            <a:solidFill>
-              <a:schemeClr val="tx1"/>
-            </a:solidFill>
-            <a:prstDash val="solid"/>
-            <a:round/>
-            <a:headEnd type="none" w="med" len="med"/>
-            <a:tailEnd type="none" w="med" len="med"/>
-          </a:ln>
-        </p:spPr>
-        <p:style>
-          <a:lnRef idx="0">
-            <a:scrgbClr r="0" g="0" b="0"/>
-          </a:lnRef>
-          <a:fillRef idx="0">
-            <a:scrgbClr r="0" g="0" b="0"/>
-          </a:fillRef>
-          <a:effectRef idx="0">
-            <a:scrgbClr r="0" g="0" b="0"/>
-          </a:effectRef>
-          <a:fontRef idx="minor">
-            <a:schemeClr val="accent4"/>
-          </a:fontRef>
-        </p:style>
-        <p:txBody>
-          <a:bodyPr rtlCol="0" anchor="ctr"/>
-          <a:lstStyle/>
-          <a:p>
-            <a:pPr algn="ctr"/>
-            <a:endParaRPr lang="en-IE"/>
-          </a:p>
-        </p:txBody>
-      </p:sp>
       <p:cxnSp>
         <p:nvCxnSpPr>
-          <p:cNvPr id="9" name="Straight Connector 8">
-            <a:extLst>
-              <a:ext uri="{FF2B5EF4-FFF2-40B4-BE49-F238E27FC236}">
-                <a16:creationId xmlns:a16="http://schemas.microsoft.com/office/drawing/2014/main" id="{1B658FC3-AA0D-4FCF-87B3-B4F8C6BD26EC}"/>
+          <p:cNvPr id="60" name="Connector: Elbow 59">
+            <a:extLst>
+              <a:ext uri="{FF2B5EF4-FFF2-40B4-BE49-F238E27FC236}">
+                <a16:creationId xmlns:a16="http://schemas.microsoft.com/office/drawing/2014/main" id="{34036CD8-4A9D-4C5D-B167-83B857C6526B}"/>
               </a:ext>
             </a:extLst>
           </p:cNvPr>
           <p:cNvCxnSpPr>
             <a:cxnSpLocks/>
-            <a:stCxn id="2" idx="4"/>
-            <a:endCxn id="19" idx="0"/>
+            <a:stCxn id="56" idx="1"/>
+            <a:endCxn id="27" idx="0"/>
           </p:cNvCxnSpPr>
           <p:nvPr/>
         </p:nvCxnSpPr>
         <p:spPr>
-          <a:xfrm>
-            <a:off x="6491048" y="3523248"/>
-            <a:ext cx="2038" cy="324068"/>
-          </a:xfrm>
-          <a:prstGeom prst="line">
-            <a:avLst/>
-          </a:prstGeom>
-        </p:spPr>
-        <p:style>
-          <a:lnRef idx="3">
-            <a:schemeClr val="accent1"/>
-          </a:lnRef>
-          <a:fillRef idx="0">
-            <a:schemeClr val="accent1"/>
-          </a:fillRef>
-          <a:effectRef idx="2">
-            <a:schemeClr val="accent1"/>
-          </a:effectRef>
-          <a:fontRef idx="minor">
-            <a:schemeClr val="tx1"/>
-          </a:fontRef>
-        </p:style>
-      </p:cxnSp>
-      <p:sp>
-        <p:nvSpPr>
-          <p:cNvPr id="10" name="TextBox 9">
-            <a:extLst>
-              <a:ext uri="{FF2B5EF4-FFF2-40B4-BE49-F238E27FC236}">
-                <a16:creationId xmlns:a16="http://schemas.microsoft.com/office/drawing/2014/main" id="{F9F89EE1-9DC8-4B6D-8664-707DC99E7711}"/>
-              </a:ext>
-            </a:extLst>
-          </p:cNvPr>
-          <p:cNvSpPr txBox="1"/>
-          <p:nvPr/>
-        </p:nvSpPr>
-        <p:spPr>
-          <a:xfrm>
-            <a:off x="6180655" y="2606573"/>
-            <a:ext cx="620787" cy="230832"/>
-          </a:xfrm>
-          <a:prstGeom prst="rect">
-            <a:avLst/>
-          </a:prstGeom>
-          <a:noFill/>
-        </p:spPr>
-        <p:txBody>
-          <a:bodyPr wrap="square" rtlCol="0">
-            <a:spAutoFit/>
-          </a:bodyPr>
-          <a:lstStyle/>
-          <a:p>
-            <a:pPr algn="ctr"/>
-            <a:r>
-              <a:rPr lang="en-IE" sz="900" dirty="0"/>
-              <a:t>Router 1</a:t>
-            </a:r>
-          </a:p>
-        </p:txBody>
-      </p:sp>
-      <p:sp>
-        <p:nvSpPr>
-          <p:cNvPr id="11" name="TextBox 10">
-            <a:extLst>
-              <a:ext uri="{FF2B5EF4-FFF2-40B4-BE49-F238E27FC236}">
-                <a16:creationId xmlns:a16="http://schemas.microsoft.com/office/drawing/2014/main" id="{D26A0F2A-87EE-49AB-9932-3CDA20A1B2EA}"/>
-              </a:ext>
-            </a:extLst>
-          </p:cNvPr>
-          <p:cNvSpPr txBox="1"/>
-          <p:nvPr/>
-        </p:nvSpPr>
-        <p:spPr>
-          <a:xfrm>
-            <a:off x="5996778" y="4526249"/>
-            <a:ext cx="988540" cy="230832"/>
-          </a:xfrm>
-          <a:prstGeom prst="rect">
-            <a:avLst/>
-          </a:prstGeom>
-          <a:noFill/>
-        </p:spPr>
-        <p:txBody>
-          <a:bodyPr wrap="square" rtlCol="0">
-            <a:spAutoFit/>
-          </a:bodyPr>
-          <a:lstStyle/>
-          <a:p>
-            <a:pPr algn="ctr"/>
-            <a:r>
-              <a:rPr lang="en-IE" sz="900" dirty="0"/>
-              <a:t>Router 2</a:t>
-            </a:r>
-          </a:p>
-        </p:txBody>
-      </p:sp>
-      <p:sp>
-        <p:nvSpPr>
-          <p:cNvPr id="12" name="TextBox 11">
-            <a:extLst>
-              <a:ext uri="{FF2B5EF4-FFF2-40B4-BE49-F238E27FC236}">
-                <a16:creationId xmlns:a16="http://schemas.microsoft.com/office/drawing/2014/main" id="{20D36B56-1C68-4F46-96BE-6360DEBEF642}"/>
-              </a:ext>
-            </a:extLst>
-          </p:cNvPr>
-          <p:cNvSpPr txBox="1"/>
-          <p:nvPr/>
-        </p:nvSpPr>
-        <p:spPr>
-          <a:xfrm>
-            <a:off x="6008681" y="2218430"/>
-            <a:ext cx="1023037" cy="307777"/>
-          </a:xfrm>
-          <a:prstGeom prst="rect">
-            <a:avLst/>
-          </a:prstGeom>
-          <a:noFill/>
-        </p:spPr>
-        <p:txBody>
-          <a:bodyPr wrap="square" rtlCol="0">
-            <a:spAutoFit/>
-          </a:bodyPr>
-          <a:lstStyle/>
-          <a:p>
-            <a:pPr algn="ctr"/>
-            <a:r>
-              <a:rPr lang="en-IE" sz="1400" dirty="0"/>
-              <a:t>HSRP .20</a:t>
-            </a:r>
-          </a:p>
-        </p:txBody>
-      </p:sp>
-      <p:sp>
-        <p:nvSpPr>
-          <p:cNvPr id="19" name="Flowchart: Connector 18">
-            <a:extLst>
-              <a:ext uri="{FF2B5EF4-FFF2-40B4-BE49-F238E27FC236}">
-                <a16:creationId xmlns:a16="http://schemas.microsoft.com/office/drawing/2014/main" id="{151D7B15-D3CB-4D88-BE65-0AD0575F8604}"/>
-              </a:ext>
-            </a:extLst>
-          </p:cNvPr>
-          <p:cNvSpPr/>
-          <p:nvPr/>
-        </p:nvSpPr>
-        <p:spPr>
-          <a:xfrm>
-            <a:off x="6182693" y="3847316"/>
-            <a:ext cx="620786" cy="620785"/>
-          </a:xfrm>
-          <a:prstGeom prst="flowChartConnector">
-            <a:avLst/>
-          </a:prstGeom>
-          <a:ln>
-            <a:solidFill>
-              <a:schemeClr val="tx1"/>
-            </a:solidFill>
-          </a:ln>
-        </p:spPr>
-        <p:style>
-          <a:lnRef idx="2">
-            <a:schemeClr val="accent1">
-              <a:shade val="50000"/>
-            </a:schemeClr>
-          </a:lnRef>
-          <a:fillRef idx="1">
-            <a:schemeClr val="accent1"/>
-          </a:fillRef>
-          <a:effectRef idx="0">
-            <a:schemeClr val="accent1"/>
-          </a:effectRef>
-          <a:fontRef idx="minor">
-            <a:schemeClr val="lt1"/>
-          </a:fontRef>
-        </p:style>
-        <p:txBody>
-          <a:bodyPr rtlCol="0" anchor="ctr"/>
-          <a:lstStyle/>
-          <a:p>
-            <a:pPr algn="ctr"/>
-            <a:endParaRPr lang="en-IE" dirty="0"/>
-          </a:p>
-        </p:txBody>
-      </p:sp>
-      <p:sp>
-        <p:nvSpPr>
-          <p:cNvPr id="20" name="Arrow: Up 19">
-            <a:extLst>
-              <a:ext uri="{FF2B5EF4-FFF2-40B4-BE49-F238E27FC236}">
-                <a16:creationId xmlns:a16="http://schemas.microsoft.com/office/drawing/2014/main" id="{E5EDAADF-D0F0-4715-A619-C35C83930AE6}"/>
-              </a:ext>
-            </a:extLst>
-          </p:cNvPr>
-          <p:cNvSpPr/>
-          <p:nvPr/>
-        </p:nvSpPr>
-        <p:spPr>
-          <a:xfrm rot="19593104">
-            <a:off x="6369126" y="3893089"/>
-            <a:ext cx="170468" cy="537050"/>
-          </a:xfrm>
-          <a:prstGeom prst="upArrow">
-            <a:avLst/>
-          </a:prstGeom>
-          <a:ln>
-            <a:solidFill>
-              <a:schemeClr val="tx1"/>
-            </a:solidFill>
-          </a:ln>
-        </p:spPr>
-        <p:style>
-          <a:lnRef idx="2">
-            <a:schemeClr val="accent1">
-              <a:shade val="50000"/>
-            </a:schemeClr>
-          </a:lnRef>
-          <a:fillRef idx="1">
-            <a:schemeClr val="accent1"/>
-          </a:fillRef>
-          <a:effectRef idx="0">
-            <a:schemeClr val="accent1"/>
-          </a:effectRef>
-          <a:fontRef idx="minor">
-            <a:schemeClr val="lt1"/>
-          </a:fontRef>
-        </p:style>
-        <p:txBody>
-          <a:bodyPr rtlCol="0" anchor="ctr"/>
-          <a:lstStyle/>
-          <a:p>
-            <a:pPr algn="ctr"/>
-            <a:endParaRPr lang="en-IE" dirty="0">
-              <a:ln w="0"/>
-              <a:solidFill>
-                <a:schemeClr val="tx1"/>
-              </a:solidFill>
-              <a:effectLst>
-                <a:outerShdw blurRad="38100" dist="19050" dir="2700000" algn="tl" rotWithShape="0">
-                  <a:schemeClr val="dk1">
-                    <a:alpha val="40000"/>
-                  </a:schemeClr>
-                </a:outerShdw>
-              </a:effectLst>
-            </a:endParaRPr>
-          </a:p>
-        </p:txBody>
-      </p:sp>
-      <p:sp>
-        <p:nvSpPr>
-          <p:cNvPr id="21" name="Arrow: Up 20">
-            <a:extLst>
-              <a:ext uri="{FF2B5EF4-FFF2-40B4-BE49-F238E27FC236}">
-                <a16:creationId xmlns:a16="http://schemas.microsoft.com/office/drawing/2014/main" id="{FB7B905E-9490-4B7D-B5C6-53A70CAC8E97}"/>
-              </a:ext>
-            </a:extLst>
-          </p:cNvPr>
-          <p:cNvSpPr/>
-          <p:nvPr/>
-        </p:nvSpPr>
-        <p:spPr>
-          <a:xfrm rot="2490545">
-            <a:off x="6397241" y="3887187"/>
-            <a:ext cx="206011" cy="528638"/>
-          </a:xfrm>
-          <a:prstGeom prst="upArrow">
-            <a:avLst/>
-          </a:prstGeom>
-          <a:ln>
-            <a:solidFill>
-              <a:schemeClr val="tx1"/>
-            </a:solidFill>
-          </a:ln>
-        </p:spPr>
-        <p:style>
-          <a:lnRef idx="2">
-            <a:schemeClr val="accent1">
-              <a:shade val="50000"/>
-            </a:schemeClr>
-          </a:lnRef>
-          <a:fillRef idx="1">
-            <a:schemeClr val="accent1"/>
-          </a:fillRef>
-          <a:effectRef idx="0">
-            <a:schemeClr val="accent1"/>
-          </a:effectRef>
-          <a:fontRef idx="minor">
-            <a:schemeClr val="lt1"/>
-          </a:fontRef>
-        </p:style>
-        <p:txBody>
-          <a:bodyPr rtlCol="0" anchor="ctr"/>
-          <a:lstStyle/>
-          <a:p>
-            <a:pPr algn="ctr"/>
-            <a:endParaRPr lang="en-IE" dirty="0">
-              <a:ln w="0"/>
-              <a:solidFill>
-                <a:schemeClr val="tx1"/>
-              </a:solidFill>
-              <a:effectLst>
-                <a:outerShdw blurRad="38100" dist="19050" dir="2700000" algn="tl" rotWithShape="0">
-                  <a:schemeClr val="dk1">
-                    <a:alpha val="40000"/>
-                  </a:schemeClr>
-                </a:outerShdw>
-              </a:effectLst>
-            </a:endParaRPr>
-          </a:p>
-        </p:txBody>
-      </p:sp>
-      <p:sp>
-        <p:nvSpPr>
-          <p:cNvPr id="24" name="Cloud 23">
-            <a:extLst>
-              <a:ext uri="{FF2B5EF4-FFF2-40B4-BE49-F238E27FC236}">
-                <a16:creationId xmlns:a16="http://schemas.microsoft.com/office/drawing/2014/main" id="{193E544B-C251-4A6E-BBDB-5E1222C49CB6}"/>
-              </a:ext>
-            </a:extLst>
-          </p:cNvPr>
-          <p:cNvSpPr/>
-          <p:nvPr/>
-        </p:nvSpPr>
-        <p:spPr>
-          <a:xfrm>
-            <a:off x="2679602" y="3398820"/>
-            <a:ext cx="1157679" cy="788566"/>
-          </a:xfrm>
-          <a:prstGeom prst="cloud">
-            <a:avLst/>
-          </a:prstGeom>
-        </p:spPr>
-        <p:style>
-          <a:lnRef idx="2">
-            <a:schemeClr val="accent1">
-              <a:shade val="50000"/>
-            </a:schemeClr>
-          </a:lnRef>
-          <a:fillRef idx="1">
-            <a:schemeClr val="accent1"/>
-          </a:fillRef>
-          <a:effectRef idx="0">
-            <a:schemeClr val="accent1"/>
-          </a:effectRef>
-          <a:fontRef idx="minor">
-            <a:schemeClr val="lt1"/>
-          </a:fontRef>
-        </p:style>
-        <p:txBody>
-          <a:bodyPr rtlCol="0" anchor="ctr"/>
-          <a:lstStyle/>
-          <a:p>
-            <a:pPr algn="ctr"/>
-            <a:r>
-              <a:rPr lang="en-IE" sz="800" dirty="0">
-                <a:solidFill>
-                  <a:schemeClr val="tx1"/>
-                </a:solidFill>
-              </a:rPr>
-              <a:t>VLAN1</a:t>
-            </a:r>
-          </a:p>
-          <a:p>
-            <a:pPr algn="ctr"/>
-            <a:r>
-              <a:rPr lang="en-IE" sz="800" dirty="0">
-                <a:solidFill>
-                  <a:schemeClr val="tx1"/>
-                </a:solidFill>
-              </a:rPr>
-              <a:t>Hosts</a:t>
-            </a:r>
-          </a:p>
-          <a:p>
-            <a:pPr algn="ctr"/>
-            <a:r>
-              <a:rPr lang="en-IE" sz="800" b="0" i="0" u="none" strike="noStrike" dirty="0">
-                <a:solidFill>
-                  <a:schemeClr val="tx1"/>
-                </a:solidFill>
-                <a:effectLst/>
-                <a:latin typeface="Calibri" panose="020F0502020204030204" pitchFamily="34" charset="0"/>
-              </a:rPr>
-              <a:t>10.45.1.12/24</a:t>
-            </a:r>
-            <a:endParaRPr lang="en-IE" sz="800" dirty="0">
-              <a:solidFill>
-                <a:schemeClr val="tx1"/>
-              </a:solidFill>
-            </a:endParaRPr>
-          </a:p>
-        </p:txBody>
-      </p:sp>
-      <p:sp>
-        <p:nvSpPr>
-          <p:cNvPr id="25" name="Cloud 24">
-            <a:extLst>
-              <a:ext uri="{FF2B5EF4-FFF2-40B4-BE49-F238E27FC236}">
-                <a16:creationId xmlns:a16="http://schemas.microsoft.com/office/drawing/2014/main" id="{B17C0A77-5C86-4795-B52D-1294B4F2DE81}"/>
-              </a:ext>
-            </a:extLst>
-          </p:cNvPr>
-          <p:cNvSpPr/>
-          <p:nvPr/>
-        </p:nvSpPr>
-        <p:spPr>
-          <a:xfrm>
-            <a:off x="6883170" y="177583"/>
-            <a:ext cx="1157679" cy="788566"/>
-          </a:xfrm>
-          <a:prstGeom prst="cloud">
-            <a:avLst/>
-          </a:prstGeom>
-          <a:solidFill>
-            <a:srgbClr val="FFFF00"/>
-          </a:solidFill>
-        </p:spPr>
-        <p:style>
-          <a:lnRef idx="2">
-            <a:schemeClr val="accent1">
-              <a:shade val="50000"/>
-            </a:schemeClr>
-          </a:lnRef>
-          <a:fillRef idx="1">
-            <a:schemeClr val="accent1"/>
-          </a:fillRef>
-          <a:effectRef idx="0">
-            <a:schemeClr val="accent1"/>
-          </a:effectRef>
-          <a:fontRef idx="minor">
-            <a:schemeClr val="lt1"/>
-          </a:fontRef>
-        </p:style>
-        <p:txBody>
-          <a:bodyPr rtlCol="0" anchor="ctr"/>
-          <a:lstStyle/>
-          <a:p>
-            <a:pPr algn="ctr"/>
-            <a:r>
-              <a:rPr lang="en-IE" sz="800" dirty="0">
-                <a:solidFill>
-                  <a:schemeClr val="tx1"/>
-                </a:solidFill>
-              </a:rPr>
-              <a:t>VLAN1</a:t>
-            </a:r>
-          </a:p>
-          <a:p>
-            <a:pPr algn="ctr"/>
-            <a:r>
-              <a:rPr lang="en-IE" sz="800" dirty="0">
-                <a:solidFill>
-                  <a:schemeClr val="tx1"/>
-                </a:solidFill>
-              </a:rPr>
-              <a:t>Hosts</a:t>
-            </a:r>
-          </a:p>
-          <a:p>
-            <a:pPr algn="ctr"/>
-            <a:r>
-              <a:rPr lang="en-IE" sz="800" b="0" i="0" u="none" strike="noStrike" dirty="0">
-                <a:solidFill>
-                  <a:schemeClr val="tx1"/>
-                </a:solidFill>
-                <a:effectLst/>
-                <a:latin typeface="Calibri" panose="020F0502020204030204" pitchFamily="34" charset="0"/>
-              </a:rPr>
-              <a:t>10.45.1.0/24</a:t>
-            </a:r>
-            <a:endParaRPr lang="en-IE" sz="800" dirty="0">
-              <a:solidFill>
-                <a:schemeClr val="tx1"/>
-              </a:solidFill>
-            </a:endParaRPr>
-          </a:p>
-        </p:txBody>
-      </p:sp>
-      <p:sp>
-        <p:nvSpPr>
-          <p:cNvPr id="26" name="Cloud 25">
-            <a:extLst>
-              <a:ext uri="{FF2B5EF4-FFF2-40B4-BE49-F238E27FC236}">
-                <a16:creationId xmlns:a16="http://schemas.microsoft.com/office/drawing/2014/main" id="{5645D25A-CAF7-486E-9CD0-3F6B03E1F3AA}"/>
-              </a:ext>
-            </a:extLst>
-          </p:cNvPr>
-          <p:cNvSpPr/>
-          <p:nvPr/>
-        </p:nvSpPr>
-        <p:spPr>
-          <a:xfrm>
-            <a:off x="8388992" y="369115"/>
-            <a:ext cx="1157679" cy="788566"/>
-          </a:xfrm>
-          <a:prstGeom prst="cloud">
-            <a:avLst/>
-          </a:prstGeom>
-          <a:solidFill>
-            <a:srgbClr val="FFFF00"/>
-          </a:solidFill>
-        </p:spPr>
-        <p:style>
-          <a:lnRef idx="2">
-            <a:schemeClr val="accent1">
-              <a:shade val="50000"/>
-            </a:schemeClr>
-          </a:lnRef>
-          <a:fillRef idx="1">
-            <a:schemeClr val="accent1"/>
-          </a:fillRef>
-          <a:effectRef idx="0">
-            <a:schemeClr val="accent1"/>
-          </a:effectRef>
-          <a:fontRef idx="minor">
-            <a:schemeClr val="lt1"/>
-          </a:fontRef>
-        </p:style>
-        <p:txBody>
-          <a:bodyPr rtlCol="0" anchor="ctr"/>
-          <a:lstStyle/>
-          <a:p>
-            <a:pPr algn="ctr"/>
-            <a:r>
-              <a:rPr lang="en-IE" sz="800" dirty="0">
-                <a:solidFill>
-                  <a:schemeClr val="tx1"/>
-                </a:solidFill>
-              </a:rPr>
-              <a:t>VLAN1</a:t>
-            </a:r>
-          </a:p>
-          <a:p>
-            <a:pPr algn="ctr"/>
-            <a:r>
-              <a:rPr lang="en-IE" sz="800" dirty="0">
-                <a:solidFill>
-                  <a:schemeClr val="tx1"/>
-                </a:solidFill>
-              </a:rPr>
-              <a:t>Hosts</a:t>
-            </a:r>
-          </a:p>
-          <a:p>
-            <a:pPr algn="ctr"/>
-            <a:r>
-              <a:rPr lang="en-IE" sz="800" b="0" i="0" u="none" strike="noStrike" dirty="0">
-                <a:solidFill>
-                  <a:schemeClr val="tx1"/>
-                </a:solidFill>
-                <a:effectLst/>
-                <a:latin typeface="Calibri" panose="020F0502020204030204" pitchFamily="34" charset="0"/>
-              </a:rPr>
-              <a:t>10.45.1.1/24</a:t>
-            </a:r>
-            <a:endParaRPr lang="en-IE" sz="800" dirty="0">
-              <a:solidFill>
-                <a:schemeClr val="tx1"/>
-              </a:solidFill>
-            </a:endParaRPr>
-          </a:p>
-        </p:txBody>
-      </p:sp>
-      <p:sp>
-        <p:nvSpPr>
-          <p:cNvPr id="27" name="Cloud 26">
-            <a:extLst>
-              <a:ext uri="{FF2B5EF4-FFF2-40B4-BE49-F238E27FC236}">
-                <a16:creationId xmlns:a16="http://schemas.microsoft.com/office/drawing/2014/main" id="{C363A69E-EAB4-4F20-8B26-02271C53538B}"/>
-              </a:ext>
-            </a:extLst>
-          </p:cNvPr>
-          <p:cNvSpPr/>
-          <p:nvPr/>
-        </p:nvSpPr>
-        <p:spPr>
-          <a:xfrm>
-            <a:off x="9085277" y="1246116"/>
-            <a:ext cx="1157679" cy="788566"/>
-          </a:xfrm>
-          <a:prstGeom prst="cloud">
-            <a:avLst/>
-          </a:prstGeom>
-          <a:solidFill>
-            <a:srgbClr val="FFFF00"/>
-          </a:solidFill>
-        </p:spPr>
-        <p:style>
-          <a:lnRef idx="2">
-            <a:schemeClr val="accent1">
-              <a:shade val="50000"/>
-            </a:schemeClr>
-          </a:lnRef>
-          <a:fillRef idx="1">
-            <a:schemeClr val="accent1"/>
-          </a:fillRef>
-          <a:effectRef idx="0">
-            <a:schemeClr val="accent1"/>
-          </a:effectRef>
-          <a:fontRef idx="minor">
-            <a:schemeClr val="lt1"/>
-          </a:fontRef>
-        </p:style>
-        <p:txBody>
-          <a:bodyPr rtlCol="0" anchor="ctr"/>
-          <a:lstStyle/>
-          <a:p>
-            <a:pPr algn="ctr"/>
-            <a:r>
-              <a:rPr lang="en-IE" sz="800" dirty="0">
-                <a:solidFill>
-                  <a:schemeClr val="tx1"/>
-                </a:solidFill>
-              </a:rPr>
-              <a:t>VLAN1</a:t>
-            </a:r>
-          </a:p>
-          <a:p>
-            <a:pPr algn="ctr"/>
-            <a:r>
-              <a:rPr lang="en-IE" sz="800" dirty="0">
-                <a:solidFill>
-                  <a:schemeClr val="tx1"/>
-                </a:solidFill>
-              </a:rPr>
-              <a:t>Hosts</a:t>
-            </a:r>
-          </a:p>
-          <a:p>
-            <a:pPr algn="ctr"/>
-            <a:r>
-              <a:rPr lang="en-IE" sz="800" b="0" i="0" u="none" strike="noStrike" dirty="0">
-                <a:solidFill>
-                  <a:schemeClr val="tx1"/>
-                </a:solidFill>
-                <a:effectLst/>
-                <a:latin typeface="Calibri" panose="020F0502020204030204" pitchFamily="34" charset="0"/>
-              </a:rPr>
-              <a:t>10.45.1.2/24</a:t>
-            </a:r>
-            <a:endParaRPr lang="en-IE" sz="800" dirty="0">
-              <a:solidFill>
-                <a:schemeClr val="tx1"/>
-              </a:solidFill>
-            </a:endParaRPr>
-          </a:p>
-        </p:txBody>
-      </p:sp>
-      <p:sp>
-        <p:nvSpPr>
-          <p:cNvPr id="28" name="Cloud 27">
-            <a:extLst>
-              <a:ext uri="{FF2B5EF4-FFF2-40B4-BE49-F238E27FC236}">
-                <a16:creationId xmlns:a16="http://schemas.microsoft.com/office/drawing/2014/main" id="{7FC4F63E-9CDB-4DD2-9304-2AFDBDEC6379}"/>
-              </a:ext>
-            </a:extLst>
-          </p:cNvPr>
-          <p:cNvSpPr/>
-          <p:nvPr/>
-        </p:nvSpPr>
-        <p:spPr>
-          <a:xfrm>
-            <a:off x="9350219" y="3354794"/>
-            <a:ext cx="1157679" cy="788566"/>
-          </a:xfrm>
-          <a:prstGeom prst="cloud">
-            <a:avLst/>
-          </a:prstGeom>
-          <a:solidFill>
-            <a:srgbClr val="FFFF00"/>
-          </a:solidFill>
-        </p:spPr>
-        <p:style>
-          <a:lnRef idx="2">
-            <a:schemeClr val="accent1">
-              <a:shade val="50000"/>
-            </a:schemeClr>
-          </a:lnRef>
-          <a:fillRef idx="1">
-            <a:schemeClr val="accent1"/>
-          </a:fillRef>
-          <a:effectRef idx="0">
-            <a:schemeClr val="accent1"/>
-          </a:effectRef>
-          <a:fontRef idx="minor">
-            <a:schemeClr val="lt1"/>
-          </a:fontRef>
-        </p:style>
-        <p:txBody>
-          <a:bodyPr rtlCol="0" anchor="ctr"/>
-          <a:lstStyle/>
-          <a:p>
-            <a:pPr algn="ctr"/>
-            <a:r>
-              <a:rPr lang="en-IE" sz="800" dirty="0">
-                <a:solidFill>
-                  <a:schemeClr val="tx1"/>
-                </a:solidFill>
-              </a:rPr>
-              <a:t>VLAN1</a:t>
-            </a:r>
-          </a:p>
-          <a:p>
-            <a:pPr algn="ctr"/>
-            <a:r>
-              <a:rPr lang="en-IE" sz="800" dirty="0">
-                <a:solidFill>
-                  <a:schemeClr val="tx1"/>
-                </a:solidFill>
-              </a:rPr>
-              <a:t>Hosts</a:t>
-            </a:r>
-          </a:p>
-          <a:p>
-            <a:pPr algn="ctr"/>
-            <a:r>
-              <a:rPr lang="en-IE" sz="800" b="0" i="0" u="none" strike="noStrike" dirty="0">
-                <a:solidFill>
-                  <a:schemeClr val="tx1"/>
-                </a:solidFill>
-                <a:effectLst/>
-                <a:latin typeface="Calibri" panose="020F0502020204030204" pitchFamily="34" charset="0"/>
-              </a:rPr>
-              <a:t>10.45.1.4/24</a:t>
-            </a:r>
-            <a:endParaRPr lang="en-IE" sz="800" dirty="0">
-              <a:solidFill>
-                <a:schemeClr val="tx1"/>
-              </a:solidFill>
-            </a:endParaRPr>
-          </a:p>
-        </p:txBody>
-      </p:sp>
-      <p:sp>
-        <p:nvSpPr>
-          <p:cNvPr id="29" name="Cloud 28">
-            <a:extLst>
-              <a:ext uri="{FF2B5EF4-FFF2-40B4-BE49-F238E27FC236}">
-                <a16:creationId xmlns:a16="http://schemas.microsoft.com/office/drawing/2014/main" id="{FB8A172A-50AD-48D0-91C5-0028C2F7E5C1}"/>
-              </a:ext>
-            </a:extLst>
-          </p:cNvPr>
-          <p:cNvSpPr/>
-          <p:nvPr/>
-        </p:nvSpPr>
-        <p:spPr>
-          <a:xfrm>
-            <a:off x="9429227" y="4493640"/>
-            <a:ext cx="1157679" cy="788566"/>
-          </a:xfrm>
-          <a:prstGeom prst="cloud">
-            <a:avLst/>
-          </a:prstGeom>
-          <a:solidFill>
-            <a:srgbClr val="FFFF00"/>
-          </a:solidFill>
-        </p:spPr>
-        <p:style>
-          <a:lnRef idx="2">
-            <a:schemeClr val="accent1">
-              <a:shade val="50000"/>
-            </a:schemeClr>
-          </a:lnRef>
-          <a:fillRef idx="1">
-            <a:schemeClr val="accent1"/>
-          </a:fillRef>
-          <a:effectRef idx="0">
-            <a:schemeClr val="accent1"/>
-          </a:effectRef>
-          <a:fontRef idx="minor">
-            <a:schemeClr val="lt1"/>
-          </a:fontRef>
-        </p:style>
-        <p:txBody>
-          <a:bodyPr rtlCol="0" anchor="ctr"/>
-          <a:lstStyle/>
-          <a:p>
-            <a:pPr algn="ctr"/>
-            <a:r>
-              <a:rPr lang="en-IE" sz="800" dirty="0">
-                <a:solidFill>
-                  <a:schemeClr val="tx1"/>
-                </a:solidFill>
-              </a:rPr>
-              <a:t>VLAN1</a:t>
-            </a:r>
-          </a:p>
-          <a:p>
-            <a:pPr algn="ctr"/>
-            <a:r>
-              <a:rPr lang="en-IE" sz="800" dirty="0">
-                <a:solidFill>
-                  <a:schemeClr val="tx1"/>
-                </a:solidFill>
-              </a:rPr>
-              <a:t>Hosts</a:t>
-            </a:r>
-          </a:p>
-          <a:p>
-            <a:pPr algn="ctr"/>
-            <a:r>
-              <a:rPr lang="en-IE" sz="800" b="0" i="0" u="none" strike="noStrike" dirty="0">
-                <a:solidFill>
-                  <a:schemeClr val="tx1"/>
-                </a:solidFill>
-                <a:effectLst/>
-                <a:latin typeface="Calibri" panose="020F0502020204030204" pitchFamily="34" charset="0"/>
-              </a:rPr>
-              <a:t>10.45.1.5/24</a:t>
-            </a:r>
-            <a:endParaRPr lang="en-IE" sz="800" dirty="0">
-              <a:solidFill>
-                <a:schemeClr val="tx1"/>
-              </a:solidFill>
-            </a:endParaRPr>
-          </a:p>
-        </p:txBody>
-      </p:sp>
-      <p:sp>
-        <p:nvSpPr>
-          <p:cNvPr id="30" name="Cloud 29">
-            <a:extLst>
-              <a:ext uri="{FF2B5EF4-FFF2-40B4-BE49-F238E27FC236}">
-                <a16:creationId xmlns:a16="http://schemas.microsoft.com/office/drawing/2014/main" id="{9BBE13F1-0D64-4009-9D40-DADA6DF95020}"/>
-              </a:ext>
-            </a:extLst>
-          </p:cNvPr>
-          <p:cNvSpPr/>
-          <p:nvPr/>
-        </p:nvSpPr>
-        <p:spPr>
-          <a:xfrm>
-            <a:off x="9085278" y="5891851"/>
-            <a:ext cx="1157679" cy="788566"/>
-          </a:xfrm>
-          <a:prstGeom prst="cloud">
-            <a:avLst/>
-          </a:prstGeom>
-          <a:solidFill>
-            <a:srgbClr val="FFFF00"/>
-          </a:solidFill>
-        </p:spPr>
-        <p:style>
-          <a:lnRef idx="2">
-            <a:schemeClr val="accent1">
-              <a:shade val="50000"/>
-            </a:schemeClr>
-          </a:lnRef>
-          <a:fillRef idx="1">
-            <a:schemeClr val="accent1"/>
-          </a:fillRef>
-          <a:effectRef idx="0">
-            <a:schemeClr val="accent1"/>
-          </a:effectRef>
-          <a:fontRef idx="minor">
-            <a:schemeClr val="lt1"/>
-          </a:fontRef>
-        </p:style>
-        <p:txBody>
-          <a:bodyPr rtlCol="0" anchor="ctr"/>
-          <a:lstStyle/>
-          <a:p>
-            <a:pPr algn="ctr"/>
-            <a:r>
-              <a:rPr lang="en-IE" sz="800" dirty="0">
-                <a:solidFill>
-                  <a:schemeClr val="tx1"/>
-                </a:solidFill>
-              </a:rPr>
-              <a:t>VLAN1</a:t>
-            </a:r>
-          </a:p>
-          <a:p>
-            <a:pPr algn="ctr"/>
-            <a:r>
-              <a:rPr lang="en-IE" sz="800" dirty="0">
-                <a:solidFill>
-                  <a:schemeClr val="tx1"/>
-                </a:solidFill>
-              </a:rPr>
-              <a:t>Hosts</a:t>
-            </a:r>
-          </a:p>
-          <a:p>
-            <a:pPr algn="ctr"/>
-            <a:r>
-              <a:rPr lang="en-IE" sz="800" b="0" i="0" u="none" strike="noStrike" dirty="0">
-                <a:solidFill>
-                  <a:schemeClr val="tx1"/>
-                </a:solidFill>
-                <a:effectLst/>
-                <a:latin typeface="Calibri" panose="020F0502020204030204" pitchFamily="34" charset="0"/>
-              </a:rPr>
-              <a:t>10.45.1.6/24</a:t>
-            </a:r>
-            <a:endParaRPr lang="en-IE" sz="800" dirty="0">
-              <a:solidFill>
-                <a:schemeClr val="tx1"/>
-              </a:solidFill>
-            </a:endParaRPr>
-          </a:p>
-        </p:txBody>
-      </p:sp>
-      <p:sp>
-        <p:nvSpPr>
-          <p:cNvPr id="31" name="Cloud 30">
-            <a:extLst>
-              <a:ext uri="{FF2B5EF4-FFF2-40B4-BE49-F238E27FC236}">
-                <a16:creationId xmlns:a16="http://schemas.microsoft.com/office/drawing/2014/main" id="{9687A9DC-590F-4704-8ADF-9B9741E432B6}"/>
-              </a:ext>
-            </a:extLst>
-          </p:cNvPr>
-          <p:cNvSpPr/>
-          <p:nvPr/>
-        </p:nvSpPr>
-        <p:spPr>
-          <a:xfrm>
-            <a:off x="7530484" y="6059555"/>
-            <a:ext cx="1157679" cy="788566"/>
-          </a:xfrm>
-          <a:prstGeom prst="cloud">
-            <a:avLst/>
-          </a:prstGeom>
-        </p:spPr>
-        <p:style>
-          <a:lnRef idx="2">
-            <a:schemeClr val="accent1">
-              <a:shade val="50000"/>
-            </a:schemeClr>
-          </a:lnRef>
-          <a:fillRef idx="1">
-            <a:schemeClr val="accent1"/>
-          </a:fillRef>
-          <a:effectRef idx="0">
-            <a:schemeClr val="accent1"/>
-          </a:effectRef>
-          <a:fontRef idx="minor">
-            <a:schemeClr val="lt1"/>
-          </a:fontRef>
-        </p:style>
-        <p:txBody>
-          <a:bodyPr rtlCol="0" anchor="ctr"/>
-          <a:lstStyle/>
-          <a:p>
-            <a:pPr algn="ctr"/>
-            <a:r>
-              <a:rPr lang="en-IE" sz="800" dirty="0">
-                <a:solidFill>
-                  <a:schemeClr val="tx1"/>
-                </a:solidFill>
-              </a:rPr>
-              <a:t>VLAN1</a:t>
-            </a:r>
-          </a:p>
-          <a:p>
-            <a:pPr algn="ctr"/>
-            <a:r>
-              <a:rPr lang="en-IE" sz="800" dirty="0">
-                <a:solidFill>
-                  <a:schemeClr val="tx1"/>
-                </a:solidFill>
-              </a:rPr>
-              <a:t>Hosts</a:t>
-            </a:r>
-          </a:p>
-          <a:p>
-            <a:pPr algn="ctr"/>
-            <a:r>
-              <a:rPr lang="en-IE" sz="800" b="0" i="0" u="none" strike="noStrike" dirty="0">
-                <a:solidFill>
-                  <a:schemeClr val="tx1"/>
-                </a:solidFill>
-                <a:effectLst/>
-                <a:latin typeface="Calibri" panose="020F0502020204030204" pitchFamily="34" charset="0"/>
-              </a:rPr>
-              <a:t>10.45.1.7/24</a:t>
-            </a:r>
-            <a:endParaRPr lang="en-IE" sz="800" dirty="0">
-              <a:solidFill>
-                <a:schemeClr val="tx1"/>
-              </a:solidFill>
-            </a:endParaRPr>
-          </a:p>
-        </p:txBody>
-      </p:sp>
-      <p:sp>
-        <p:nvSpPr>
-          <p:cNvPr id="32" name="Cloud 31">
-            <a:extLst>
-              <a:ext uri="{FF2B5EF4-FFF2-40B4-BE49-F238E27FC236}">
-                <a16:creationId xmlns:a16="http://schemas.microsoft.com/office/drawing/2014/main" id="{B991930F-8A9A-4A07-82DF-889E834BD0A2}"/>
-              </a:ext>
-            </a:extLst>
-          </p:cNvPr>
-          <p:cNvSpPr/>
-          <p:nvPr/>
-        </p:nvSpPr>
-        <p:spPr>
-          <a:xfrm>
-            <a:off x="6156804" y="6075743"/>
-            <a:ext cx="1157679" cy="788566"/>
-          </a:xfrm>
-          <a:prstGeom prst="cloud">
-            <a:avLst/>
-          </a:prstGeom>
-        </p:spPr>
-        <p:style>
-          <a:lnRef idx="2">
-            <a:schemeClr val="accent1">
-              <a:shade val="50000"/>
-            </a:schemeClr>
-          </a:lnRef>
-          <a:fillRef idx="1">
-            <a:schemeClr val="accent1"/>
-          </a:fillRef>
-          <a:effectRef idx="0">
-            <a:schemeClr val="accent1"/>
-          </a:effectRef>
-          <a:fontRef idx="minor">
-            <a:schemeClr val="lt1"/>
-          </a:fontRef>
-        </p:style>
-        <p:txBody>
-          <a:bodyPr rtlCol="0" anchor="ctr"/>
-          <a:lstStyle/>
-          <a:p>
-            <a:pPr algn="ctr"/>
-            <a:r>
-              <a:rPr lang="en-IE" sz="800" dirty="0">
-                <a:solidFill>
-                  <a:schemeClr val="tx1"/>
-                </a:solidFill>
-              </a:rPr>
-              <a:t>VLAN1</a:t>
-            </a:r>
-          </a:p>
-          <a:p>
-            <a:pPr algn="ctr"/>
-            <a:r>
-              <a:rPr lang="en-IE" sz="800" dirty="0">
-                <a:solidFill>
-                  <a:schemeClr val="tx1"/>
-                </a:solidFill>
-              </a:rPr>
-              <a:t>Hosts</a:t>
-            </a:r>
-          </a:p>
-          <a:p>
-            <a:pPr algn="ctr"/>
-            <a:r>
-              <a:rPr lang="en-IE" sz="800" b="0" i="0" u="none" strike="noStrike" dirty="0">
-                <a:solidFill>
-                  <a:schemeClr val="tx1"/>
-                </a:solidFill>
-                <a:effectLst/>
-                <a:latin typeface="Calibri" panose="020F0502020204030204" pitchFamily="34" charset="0"/>
-              </a:rPr>
-              <a:t>10.45.1.8/24</a:t>
-            </a:r>
-            <a:endParaRPr lang="en-IE" sz="800" dirty="0">
-              <a:solidFill>
-                <a:schemeClr val="tx1"/>
-              </a:solidFill>
-            </a:endParaRPr>
-          </a:p>
-        </p:txBody>
-      </p:sp>
-      <p:sp>
-        <p:nvSpPr>
-          <p:cNvPr id="33" name="Cloud 32">
-            <a:extLst>
-              <a:ext uri="{FF2B5EF4-FFF2-40B4-BE49-F238E27FC236}">
-                <a16:creationId xmlns:a16="http://schemas.microsoft.com/office/drawing/2014/main" id="{0E0A4658-FEEE-479D-900F-B51503CF0750}"/>
-              </a:ext>
-            </a:extLst>
-          </p:cNvPr>
-          <p:cNvSpPr/>
-          <p:nvPr/>
-        </p:nvSpPr>
-        <p:spPr>
-          <a:xfrm>
-            <a:off x="4783124" y="6059555"/>
-            <a:ext cx="1157679" cy="788566"/>
-          </a:xfrm>
-          <a:prstGeom prst="cloud">
-            <a:avLst/>
-          </a:prstGeom>
-        </p:spPr>
-        <p:style>
-          <a:lnRef idx="2">
-            <a:schemeClr val="accent1">
-              <a:shade val="50000"/>
-            </a:schemeClr>
-          </a:lnRef>
-          <a:fillRef idx="1">
-            <a:schemeClr val="accent1"/>
-          </a:fillRef>
-          <a:effectRef idx="0">
-            <a:schemeClr val="accent1"/>
-          </a:effectRef>
-          <a:fontRef idx="minor">
-            <a:schemeClr val="lt1"/>
-          </a:fontRef>
-        </p:style>
-        <p:txBody>
-          <a:bodyPr rtlCol="0" anchor="ctr"/>
-          <a:lstStyle/>
-          <a:p>
-            <a:pPr algn="ctr"/>
-            <a:r>
-              <a:rPr lang="en-IE" sz="800" dirty="0">
-                <a:solidFill>
-                  <a:schemeClr val="tx1"/>
-                </a:solidFill>
-              </a:rPr>
-              <a:t>VLAN1</a:t>
-            </a:r>
-          </a:p>
-          <a:p>
-            <a:pPr algn="ctr"/>
-            <a:r>
-              <a:rPr lang="en-IE" sz="800" dirty="0">
-                <a:solidFill>
-                  <a:schemeClr val="tx1"/>
-                </a:solidFill>
-              </a:rPr>
-              <a:t>Hosts</a:t>
-            </a:r>
-          </a:p>
-          <a:p>
-            <a:pPr algn="ctr"/>
-            <a:r>
-              <a:rPr lang="en-IE" sz="800" b="0" i="0" u="none" strike="noStrike" dirty="0">
-                <a:solidFill>
-                  <a:schemeClr val="tx1"/>
-                </a:solidFill>
-                <a:effectLst/>
-                <a:latin typeface="Calibri" panose="020F0502020204030204" pitchFamily="34" charset="0"/>
-              </a:rPr>
-              <a:t>10.45.1.9/24</a:t>
-            </a:r>
-            <a:endParaRPr lang="en-IE" sz="800" dirty="0">
-              <a:solidFill>
-                <a:schemeClr val="tx1"/>
-              </a:solidFill>
-            </a:endParaRPr>
-          </a:p>
-        </p:txBody>
-      </p:sp>
-      <p:sp>
-        <p:nvSpPr>
-          <p:cNvPr id="34" name="Cloud 33">
-            <a:extLst>
-              <a:ext uri="{FF2B5EF4-FFF2-40B4-BE49-F238E27FC236}">
-                <a16:creationId xmlns:a16="http://schemas.microsoft.com/office/drawing/2014/main" id="{BD31BB15-ED6E-4BBF-9E31-04EC29C291C7}"/>
-              </a:ext>
-            </a:extLst>
-          </p:cNvPr>
-          <p:cNvSpPr/>
-          <p:nvPr/>
-        </p:nvSpPr>
-        <p:spPr>
-          <a:xfrm>
-            <a:off x="3228330" y="5903311"/>
-            <a:ext cx="1157679" cy="788566"/>
-          </a:xfrm>
-          <a:prstGeom prst="cloud">
-            <a:avLst/>
-          </a:prstGeom>
-        </p:spPr>
-        <p:style>
-          <a:lnRef idx="2">
-            <a:schemeClr val="accent1">
-              <a:shade val="50000"/>
-            </a:schemeClr>
-          </a:lnRef>
-          <a:fillRef idx="1">
-            <a:schemeClr val="accent1"/>
-          </a:fillRef>
-          <a:effectRef idx="0">
-            <a:schemeClr val="accent1"/>
-          </a:effectRef>
-          <a:fontRef idx="minor">
-            <a:schemeClr val="lt1"/>
-          </a:fontRef>
-        </p:style>
-        <p:txBody>
-          <a:bodyPr rtlCol="0" anchor="ctr"/>
-          <a:lstStyle/>
-          <a:p>
-            <a:pPr algn="ctr"/>
-            <a:r>
-              <a:rPr lang="en-IE" sz="800" dirty="0">
-                <a:solidFill>
-                  <a:schemeClr val="tx1"/>
-                </a:solidFill>
-              </a:rPr>
-              <a:t>VLAN1</a:t>
-            </a:r>
-          </a:p>
-          <a:p>
-            <a:pPr algn="ctr"/>
-            <a:r>
-              <a:rPr lang="en-IE" sz="800" dirty="0">
-                <a:solidFill>
-                  <a:schemeClr val="tx1"/>
-                </a:solidFill>
-              </a:rPr>
-              <a:t>Hosts</a:t>
-            </a:r>
-          </a:p>
-          <a:p>
-            <a:pPr algn="ctr"/>
-            <a:r>
-              <a:rPr lang="en-IE" sz="800" b="0" i="0" u="none" strike="noStrike" dirty="0">
-                <a:solidFill>
-                  <a:schemeClr val="tx1"/>
-                </a:solidFill>
-                <a:effectLst/>
-                <a:latin typeface="Calibri" panose="020F0502020204030204" pitchFamily="34" charset="0"/>
-              </a:rPr>
-              <a:t>10.45.1.10/24</a:t>
-            </a:r>
-            <a:endParaRPr lang="en-IE" sz="800" dirty="0">
-              <a:solidFill>
-                <a:schemeClr val="tx1"/>
-              </a:solidFill>
-            </a:endParaRPr>
-          </a:p>
-        </p:txBody>
-      </p:sp>
-      <p:sp>
-        <p:nvSpPr>
-          <p:cNvPr id="35" name="Cloud 34">
-            <a:extLst>
-              <a:ext uri="{FF2B5EF4-FFF2-40B4-BE49-F238E27FC236}">
-                <a16:creationId xmlns:a16="http://schemas.microsoft.com/office/drawing/2014/main" id="{DA02DC0F-F051-4BE0-9FA8-580AE94A9326}"/>
-              </a:ext>
-            </a:extLst>
-          </p:cNvPr>
-          <p:cNvSpPr/>
-          <p:nvPr/>
-        </p:nvSpPr>
-        <p:spPr>
-          <a:xfrm>
-            <a:off x="2544021" y="4624509"/>
-            <a:ext cx="1157679" cy="788566"/>
-          </a:xfrm>
-          <a:prstGeom prst="cloud">
-            <a:avLst/>
-          </a:prstGeom>
-          <a:solidFill>
-            <a:srgbClr val="FF0000"/>
-          </a:solidFill>
-        </p:spPr>
-        <p:style>
-          <a:lnRef idx="2">
-            <a:schemeClr val="accent1">
-              <a:shade val="50000"/>
-            </a:schemeClr>
-          </a:lnRef>
-          <a:fillRef idx="1">
-            <a:schemeClr val="accent1"/>
-          </a:fillRef>
-          <a:effectRef idx="0">
-            <a:schemeClr val="accent1"/>
-          </a:effectRef>
-          <a:fontRef idx="minor">
-            <a:schemeClr val="lt1"/>
-          </a:fontRef>
-        </p:style>
-        <p:txBody>
-          <a:bodyPr rtlCol="0" anchor="ctr"/>
-          <a:lstStyle/>
-          <a:p>
-            <a:pPr algn="ctr"/>
-            <a:r>
-              <a:rPr lang="en-IE" sz="800" dirty="0">
-                <a:solidFill>
-                  <a:schemeClr val="tx1"/>
-                </a:solidFill>
-              </a:rPr>
-              <a:t>VLAN1</a:t>
-            </a:r>
-          </a:p>
-          <a:p>
-            <a:pPr algn="ctr"/>
-            <a:r>
-              <a:rPr lang="en-IE" sz="800" dirty="0">
-                <a:solidFill>
-                  <a:schemeClr val="tx1"/>
-                </a:solidFill>
-              </a:rPr>
-              <a:t>Hosts</a:t>
-            </a:r>
-          </a:p>
-          <a:p>
-            <a:pPr algn="ctr"/>
-            <a:r>
-              <a:rPr lang="en-IE" sz="800" b="0" i="0" u="none" strike="noStrike" dirty="0">
-                <a:solidFill>
-                  <a:schemeClr val="tx1"/>
-                </a:solidFill>
-                <a:effectLst/>
-                <a:latin typeface="Calibri" panose="020F0502020204030204" pitchFamily="34" charset="0"/>
-              </a:rPr>
-              <a:t>10.45.1.11/24</a:t>
-            </a:r>
-            <a:endParaRPr lang="en-IE" sz="800" dirty="0">
-              <a:solidFill>
-                <a:schemeClr val="tx1"/>
-              </a:solidFill>
-            </a:endParaRPr>
-          </a:p>
-        </p:txBody>
-      </p:sp>
-      <p:sp>
-        <p:nvSpPr>
-          <p:cNvPr id="36" name="Cloud 35">
-            <a:extLst>
-              <a:ext uri="{FF2B5EF4-FFF2-40B4-BE49-F238E27FC236}">
-                <a16:creationId xmlns:a16="http://schemas.microsoft.com/office/drawing/2014/main" id="{1A8EF928-2F34-41F2-9E5F-3450CC8F7F6A}"/>
-              </a:ext>
-            </a:extLst>
-          </p:cNvPr>
-          <p:cNvSpPr/>
-          <p:nvPr/>
-        </p:nvSpPr>
-        <p:spPr>
-          <a:xfrm>
-            <a:off x="2679601" y="2291968"/>
-            <a:ext cx="1157679" cy="788566"/>
-          </a:xfrm>
-          <a:prstGeom prst="cloud">
-            <a:avLst/>
-          </a:prstGeom>
-        </p:spPr>
-        <p:style>
-          <a:lnRef idx="2">
-            <a:schemeClr val="accent1">
-              <a:shade val="50000"/>
-            </a:schemeClr>
-          </a:lnRef>
-          <a:fillRef idx="1">
-            <a:schemeClr val="accent1"/>
-          </a:fillRef>
-          <a:effectRef idx="0">
-            <a:schemeClr val="accent1"/>
-          </a:effectRef>
-          <a:fontRef idx="minor">
-            <a:schemeClr val="lt1"/>
-          </a:fontRef>
-        </p:style>
-        <p:txBody>
-          <a:bodyPr rtlCol="0" anchor="ctr"/>
-          <a:lstStyle/>
-          <a:p>
-            <a:pPr algn="ctr"/>
-            <a:r>
-              <a:rPr lang="en-IE" sz="800" dirty="0">
-                <a:solidFill>
-                  <a:schemeClr val="tx1"/>
-                </a:solidFill>
-              </a:rPr>
-              <a:t>VLAN1</a:t>
-            </a:r>
-          </a:p>
-          <a:p>
-            <a:pPr algn="ctr"/>
-            <a:r>
-              <a:rPr lang="en-IE" sz="800" dirty="0">
-                <a:solidFill>
-                  <a:schemeClr val="tx1"/>
-                </a:solidFill>
-              </a:rPr>
-              <a:t>Hosts</a:t>
-            </a:r>
-          </a:p>
-          <a:p>
-            <a:pPr algn="ctr"/>
-            <a:r>
-              <a:rPr lang="en-IE" sz="800" b="0" i="0" u="none" strike="noStrike" dirty="0">
-                <a:solidFill>
-                  <a:schemeClr val="tx1"/>
-                </a:solidFill>
-                <a:effectLst/>
-                <a:latin typeface="Calibri" panose="020F0502020204030204" pitchFamily="34" charset="0"/>
-              </a:rPr>
-              <a:t>10.45.1.13/24</a:t>
-            </a:r>
-            <a:endParaRPr lang="en-IE" sz="800" dirty="0">
-              <a:solidFill>
-                <a:schemeClr val="tx1"/>
-              </a:solidFill>
-            </a:endParaRPr>
-          </a:p>
-        </p:txBody>
-      </p:sp>
-      <p:sp>
-        <p:nvSpPr>
-          <p:cNvPr id="37" name="Cloud 36">
-            <a:extLst>
-              <a:ext uri="{FF2B5EF4-FFF2-40B4-BE49-F238E27FC236}">
-                <a16:creationId xmlns:a16="http://schemas.microsoft.com/office/drawing/2014/main" id="{FBC6C7BB-F3D7-4A1D-B14D-852B70B32A0C}"/>
-              </a:ext>
-            </a:extLst>
-          </p:cNvPr>
-          <p:cNvSpPr/>
-          <p:nvPr/>
-        </p:nvSpPr>
-        <p:spPr>
-          <a:xfrm>
-            <a:off x="2649490" y="1235454"/>
-            <a:ext cx="1157679" cy="788566"/>
-          </a:xfrm>
-          <a:prstGeom prst="cloud">
-            <a:avLst/>
-          </a:prstGeom>
-        </p:spPr>
-        <p:style>
-          <a:lnRef idx="2">
-            <a:schemeClr val="accent1">
-              <a:shade val="50000"/>
-            </a:schemeClr>
-          </a:lnRef>
-          <a:fillRef idx="1">
-            <a:schemeClr val="accent1"/>
-          </a:fillRef>
-          <a:effectRef idx="0">
-            <a:schemeClr val="accent1"/>
-          </a:effectRef>
-          <a:fontRef idx="minor">
-            <a:schemeClr val="lt1"/>
-          </a:fontRef>
-        </p:style>
-        <p:txBody>
-          <a:bodyPr rtlCol="0" anchor="ctr"/>
-          <a:lstStyle/>
-          <a:p>
-            <a:pPr algn="ctr"/>
-            <a:r>
-              <a:rPr lang="en-IE" sz="800" dirty="0">
-                <a:solidFill>
-                  <a:schemeClr val="tx1"/>
-                </a:solidFill>
-              </a:rPr>
-              <a:t>VLAN1</a:t>
-            </a:r>
-          </a:p>
-          <a:p>
-            <a:pPr algn="ctr"/>
-            <a:r>
-              <a:rPr lang="en-IE" sz="800" dirty="0">
-                <a:solidFill>
-                  <a:schemeClr val="tx1"/>
-                </a:solidFill>
-              </a:rPr>
-              <a:t>Hosts</a:t>
-            </a:r>
-          </a:p>
-          <a:p>
-            <a:pPr algn="ctr"/>
-            <a:r>
-              <a:rPr lang="en-IE" sz="800" b="0" i="0" u="none" strike="noStrike" dirty="0">
-                <a:solidFill>
-                  <a:schemeClr val="tx1"/>
-                </a:solidFill>
-                <a:effectLst/>
-                <a:latin typeface="Calibri" panose="020F0502020204030204" pitchFamily="34" charset="0"/>
-              </a:rPr>
-              <a:t>10.45.1.14/24</a:t>
-            </a:r>
-            <a:endParaRPr lang="en-IE" sz="800" dirty="0">
-              <a:solidFill>
-                <a:schemeClr val="tx1"/>
-              </a:solidFill>
-            </a:endParaRPr>
-          </a:p>
-        </p:txBody>
-      </p:sp>
-      <p:sp>
-        <p:nvSpPr>
-          <p:cNvPr id="38" name="Cloud 37">
-            <a:extLst>
-              <a:ext uri="{FF2B5EF4-FFF2-40B4-BE49-F238E27FC236}">
-                <a16:creationId xmlns:a16="http://schemas.microsoft.com/office/drawing/2014/main" id="{5A5C257F-F732-4002-943C-592DFDBAD5E8}"/>
-              </a:ext>
-            </a:extLst>
-          </p:cNvPr>
-          <p:cNvSpPr/>
-          <p:nvPr/>
-        </p:nvSpPr>
-        <p:spPr>
-          <a:xfrm>
-            <a:off x="5242683" y="103875"/>
-            <a:ext cx="1157679" cy="788566"/>
-          </a:xfrm>
-          <a:prstGeom prst="cloud">
-            <a:avLst/>
-          </a:prstGeom>
-        </p:spPr>
-        <p:style>
-          <a:lnRef idx="2">
-            <a:schemeClr val="accent1">
-              <a:shade val="50000"/>
-            </a:schemeClr>
-          </a:lnRef>
-          <a:fillRef idx="1">
-            <a:schemeClr val="accent1"/>
-          </a:fillRef>
-          <a:effectRef idx="0">
-            <a:schemeClr val="accent1"/>
-          </a:effectRef>
-          <a:fontRef idx="minor">
-            <a:schemeClr val="lt1"/>
-          </a:fontRef>
-        </p:style>
-        <p:txBody>
-          <a:bodyPr rtlCol="0" anchor="ctr"/>
-          <a:lstStyle/>
-          <a:p>
-            <a:pPr algn="ctr"/>
-            <a:r>
-              <a:rPr lang="en-IE" sz="800" dirty="0">
-                <a:solidFill>
-                  <a:schemeClr val="tx1"/>
-                </a:solidFill>
-              </a:rPr>
-              <a:t>VLAN1</a:t>
-            </a:r>
-          </a:p>
-          <a:p>
-            <a:pPr algn="ctr"/>
-            <a:r>
-              <a:rPr lang="en-IE" sz="800" dirty="0">
-                <a:solidFill>
-                  <a:schemeClr val="tx1"/>
-                </a:solidFill>
-              </a:rPr>
-              <a:t>Hosts</a:t>
-            </a:r>
-          </a:p>
-          <a:p>
-            <a:pPr algn="ctr"/>
-            <a:r>
-              <a:rPr lang="en-IE" sz="800" b="0" i="0" u="none" strike="noStrike" dirty="0">
-                <a:solidFill>
-                  <a:schemeClr val="tx1"/>
-                </a:solidFill>
-                <a:effectLst/>
-                <a:latin typeface="Calibri" panose="020F0502020204030204" pitchFamily="34" charset="0"/>
-              </a:rPr>
-              <a:t>10.45.1.16/24</a:t>
-            </a:r>
-            <a:endParaRPr lang="en-IE" sz="800" dirty="0">
-              <a:solidFill>
-                <a:schemeClr val="tx1"/>
-              </a:solidFill>
-            </a:endParaRPr>
-          </a:p>
-        </p:txBody>
-      </p:sp>
-      <p:sp>
-        <p:nvSpPr>
-          <p:cNvPr id="39" name="Cloud 38">
-            <a:extLst>
-              <a:ext uri="{FF2B5EF4-FFF2-40B4-BE49-F238E27FC236}">
-                <a16:creationId xmlns:a16="http://schemas.microsoft.com/office/drawing/2014/main" id="{6CB321D4-F31C-4795-A823-DD04D33DCED6}"/>
-              </a:ext>
-            </a:extLst>
-          </p:cNvPr>
-          <p:cNvSpPr/>
-          <p:nvPr/>
-        </p:nvSpPr>
-        <p:spPr>
-          <a:xfrm>
-            <a:off x="3602196" y="337132"/>
-            <a:ext cx="1157679" cy="788566"/>
-          </a:xfrm>
-          <a:prstGeom prst="cloud">
-            <a:avLst/>
-          </a:prstGeom>
-        </p:spPr>
-        <p:style>
-          <a:lnRef idx="2">
-            <a:schemeClr val="accent1">
-              <a:shade val="50000"/>
-            </a:schemeClr>
-          </a:lnRef>
-          <a:fillRef idx="1">
-            <a:schemeClr val="accent1"/>
-          </a:fillRef>
-          <a:effectRef idx="0">
-            <a:schemeClr val="accent1"/>
-          </a:effectRef>
-          <a:fontRef idx="minor">
-            <a:schemeClr val="lt1"/>
-          </a:fontRef>
-        </p:style>
-        <p:txBody>
-          <a:bodyPr rtlCol="0" anchor="ctr"/>
-          <a:lstStyle/>
-          <a:p>
-            <a:pPr algn="ctr"/>
-            <a:r>
-              <a:rPr lang="en-IE" sz="800" dirty="0">
-                <a:solidFill>
-                  <a:schemeClr val="tx1"/>
-                </a:solidFill>
-              </a:rPr>
-              <a:t>VLAN1</a:t>
-            </a:r>
-          </a:p>
-          <a:p>
-            <a:pPr algn="ctr"/>
-            <a:r>
-              <a:rPr lang="en-IE" sz="800" dirty="0">
-                <a:solidFill>
-                  <a:schemeClr val="tx1"/>
-                </a:solidFill>
-              </a:rPr>
-              <a:t>Hosts</a:t>
-            </a:r>
-          </a:p>
-          <a:p>
-            <a:pPr algn="ctr"/>
-            <a:r>
-              <a:rPr lang="en-IE" sz="800" b="0" i="0" u="none" strike="noStrike" dirty="0">
-                <a:solidFill>
-                  <a:schemeClr val="tx1"/>
-                </a:solidFill>
-                <a:effectLst/>
-                <a:latin typeface="Calibri" panose="020F0502020204030204" pitchFamily="34" charset="0"/>
-              </a:rPr>
-              <a:t>10.45.1.15/24</a:t>
-            </a:r>
-            <a:endParaRPr lang="en-IE" sz="800" dirty="0">
-              <a:solidFill>
-                <a:schemeClr val="tx1"/>
-              </a:solidFill>
-            </a:endParaRPr>
-          </a:p>
-        </p:txBody>
-      </p:sp>
-      <p:sp>
-        <p:nvSpPr>
-          <p:cNvPr id="40" name="Cloud 39">
-            <a:extLst>
-              <a:ext uri="{FF2B5EF4-FFF2-40B4-BE49-F238E27FC236}">
-                <a16:creationId xmlns:a16="http://schemas.microsoft.com/office/drawing/2014/main" id="{FBB0B524-2685-43EF-BA8E-E6F946AAE129}"/>
-              </a:ext>
-            </a:extLst>
-          </p:cNvPr>
-          <p:cNvSpPr/>
-          <p:nvPr/>
-        </p:nvSpPr>
-        <p:spPr>
-          <a:xfrm>
-            <a:off x="9278225" y="2350866"/>
-            <a:ext cx="1157679" cy="788566"/>
-          </a:xfrm>
-          <a:prstGeom prst="cloud">
-            <a:avLst/>
-          </a:prstGeom>
-          <a:solidFill>
-            <a:srgbClr val="FFFF00"/>
-          </a:solidFill>
-        </p:spPr>
-        <p:style>
-          <a:lnRef idx="2">
-            <a:schemeClr val="accent1">
-              <a:shade val="50000"/>
-            </a:schemeClr>
-          </a:lnRef>
-          <a:fillRef idx="1">
-            <a:schemeClr val="accent1"/>
-          </a:fillRef>
-          <a:effectRef idx="0">
-            <a:schemeClr val="accent1"/>
-          </a:effectRef>
-          <a:fontRef idx="minor">
-            <a:schemeClr val="lt1"/>
-          </a:fontRef>
-        </p:style>
-        <p:txBody>
-          <a:bodyPr rtlCol="0" anchor="ctr"/>
-          <a:lstStyle/>
-          <a:p>
-            <a:pPr algn="ctr"/>
-            <a:r>
-              <a:rPr lang="en-IE" sz="800" dirty="0">
-                <a:solidFill>
-                  <a:schemeClr val="tx1"/>
-                </a:solidFill>
-              </a:rPr>
-              <a:t>VLAN1</a:t>
-            </a:r>
-          </a:p>
-          <a:p>
-            <a:pPr algn="ctr"/>
-            <a:r>
-              <a:rPr lang="en-IE" sz="800" dirty="0">
-                <a:solidFill>
-                  <a:schemeClr val="tx1"/>
-                </a:solidFill>
-              </a:rPr>
-              <a:t>Hosts</a:t>
-            </a:r>
-          </a:p>
-          <a:p>
-            <a:pPr algn="ctr"/>
-            <a:r>
-              <a:rPr lang="en-IE" sz="800" b="0" i="0" u="none" strike="noStrike" dirty="0">
-                <a:solidFill>
-                  <a:schemeClr val="tx1"/>
-                </a:solidFill>
-                <a:effectLst/>
-                <a:latin typeface="Calibri" panose="020F0502020204030204" pitchFamily="34" charset="0"/>
-              </a:rPr>
-              <a:t>10.45.1.3/24</a:t>
-            </a:r>
-            <a:endParaRPr lang="en-IE" sz="800" dirty="0">
-              <a:solidFill>
-                <a:schemeClr val="tx1"/>
-              </a:solidFill>
-            </a:endParaRPr>
-          </a:p>
-        </p:txBody>
-      </p:sp>
-      <p:sp>
-        <p:nvSpPr>
-          <p:cNvPr id="42" name="TextBox 41">
-            <a:extLst>
-              <a:ext uri="{FF2B5EF4-FFF2-40B4-BE49-F238E27FC236}">
-                <a16:creationId xmlns:a16="http://schemas.microsoft.com/office/drawing/2014/main" id="{1053B3E6-2B8A-43BE-AA60-9B903742F056}"/>
-              </a:ext>
-            </a:extLst>
-          </p:cNvPr>
-          <p:cNvSpPr txBox="1"/>
-          <p:nvPr/>
-        </p:nvSpPr>
-        <p:spPr>
-          <a:xfrm>
-            <a:off x="6883170" y="3485227"/>
-            <a:ext cx="735757" cy="400110"/>
-          </a:xfrm>
-          <a:prstGeom prst="rect">
-            <a:avLst/>
-          </a:prstGeom>
-          <a:noFill/>
-        </p:spPr>
-        <p:txBody>
-          <a:bodyPr wrap="square">
-            <a:spAutoFit/>
-          </a:bodyPr>
-          <a:lstStyle/>
-          <a:p>
-            <a:pPr algn="ctr"/>
-            <a:r>
-              <a:rPr lang="en-IE" sz="1000" dirty="0"/>
-              <a:t>Router 10</a:t>
-            </a:r>
-          </a:p>
-          <a:p>
-            <a:pPr algn="ctr"/>
-            <a:r>
-              <a:rPr lang="en-IE" sz="1000" dirty="0"/>
-              <a:t>(VRRP)</a:t>
-            </a:r>
-          </a:p>
-        </p:txBody>
-      </p:sp>
-      <p:sp>
-        <p:nvSpPr>
-          <p:cNvPr id="43" name="Rectangle: Rounded Corners 42">
-            <a:extLst>
-              <a:ext uri="{FF2B5EF4-FFF2-40B4-BE49-F238E27FC236}">
-                <a16:creationId xmlns:a16="http://schemas.microsoft.com/office/drawing/2014/main" id="{24FFC1D5-6917-4771-A08E-2192AA831B8D}"/>
-              </a:ext>
-            </a:extLst>
-          </p:cNvPr>
-          <p:cNvSpPr/>
-          <p:nvPr/>
-        </p:nvSpPr>
-        <p:spPr>
-          <a:xfrm>
-            <a:off x="248943" y="4473734"/>
-            <a:ext cx="402672" cy="952313"/>
-          </a:xfrm>
-          <a:prstGeom prst="roundRect">
-            <a:avLst/>
-          </a:prstGeom>
-        </p:spPr>
-        <p:style>
-          <a:lnRef idx="2">
-            <a:schemeClr val="accent1">
-              <a:shade val="50000"/>
-            </a:schemeClr>
-          </a:lnRef>
-          <a:fillRef idx="1">
-            <a:schemeClr val="accent1"/>
-          </a:fillRef>
-          <a:effectRef idx="0">
-            <a:schemeClr val="accent1"/>
-          </a:effectRef>
-          <a:fontRef idx="minor">
-            <a:schemeClr val="lt1"/>
-          </a:fontRef>
-        </p:style>
-        <p:txBody>
-          <a:bodyPr rtlCol="0" anchor="ctr"/>
-          <a:lstStyle/>
-          <a:p>
-            <a:pPr algn="ctr"/>
-            <a:endParaRPr lang="en-IE"/>
-          </a:p>
-        </p:txBody>
-      </p:sp>
-      <p:sp>
-        <p:nvSpPr>
-          <p:cNvPr id="44" name="TextBox 43">
-            <a:extLst>
-              <a:ext uri="{FF2B5EF4-FFF2-40B4-BE49-F238E27FC236}">
-                <a16:creationId xmlns:a16="http://schemas.microsoft.com/office/drawing/2014/main" id="{C0D56B2E-3F7C-409E-ADA3-80E43790F4F2}"/>
-              </a:ext>
-            </a:extLst>
-          </p:cNvPr>
-          <p:cNvSpPr txBox="1"/>
-          <p:nvPr/>
-        </p:nvSpPr>
-        <p:spPr>
-          <a:xfrm>
-            <a:off x="748816" y="4235167"/>
-            <a:ext cx="1219757" cy="646331"/>
-          </a:xfrm>
-          <a:prstGeom prst="rect">
-            <a:avLst/>
-          </a:prstGeom>
-          <a:noFill/>
-        </p:spPr>
-        <p:txBody>
-          <a:bodyPr wrap="none" rtlCol="0">
-            <a:spAutoFit/>
-          </a:bodyPr>
-          <a:lstStyle/>
-          <a:p>
-            <a:pPr algn="ctr"/>
-            <a:r>
-              <a:rPr lang="en-IE" sz="1200" dirty="0"/>
-              <a:t>dc1</a:t>
-            </a:r>
-          </a:p>
-          <a:p>
-            <a:pPr algn="ctr"/>
-            <a:r>
-              <a:rPr lang="en-IE" sz="1200" dirty="0"/>
-              <a:t>AAA, DNS, DHCP</a:t>
-            </a:r>
-          </a:p>
-          <a:p>
-            <a:pPr algn="ctr"/>
-            <a:r>
-              <a:rPr lang="en-IE" sz="1200" dirty="0"/>
-              <a:t>192.168.6.21</a:t>
-            </a:r>
-          </a:p>
-        </p:txBody>
-      </p:sp>
-      <p:sp>
-        <p:nvSpPr>
-          <p:cNvPr id="45" name="Rectangle: Rounded Corners 44">
-            <a:extLst>
-              <a:ext uri="{FF2B5EF4-FFF2-40B4-BE49-F238E27FC236}">
-                <a16:creationId xmlns:a16="http://schemas.microsoft.com/office/drawing/2014/main" id="{8B563ED8-52F9-4814-B730-C50A23072DDE}"/>
-              </a:ext>
-            </a:extLst>
-          </p:cNvPr>
-          <p:cNvSpPr/>
-          <p:nvPr/>
-        </p:nvSpPr>
-        <p:spPr>
-          <a:xfrm>
-            <a:off x="248943" y="5720668"/>
-            <a:ext cx="402672" cy="952313"/>
-          </a:xfrm>
-          <a:prstGeom prst="roundRect">
-            <a:avLst/>
-          </a:prstGeom>
-        </p:spPr>
-        <p:style>
-          <a:lnRef idx="2">
-            <a:schemeClr val="accent1">
-              <a:shade val="50000"/>
-            </a:schemeClr>
-          </a:lnRef>
-          <a:fillRef idx="1">
-            <a:schemeClr val="accent1"/>
-          </a:fillRef>
-          <a:effectRef idx="0">
-            <a:schemeClr val="accent1"/>
-          </a:effectRef>
-          <a:fontRef idx="minor">
-            <a:schemeClr val="lt1"/>
-          </a:fontRef>
-        </p:style>
-        <p:txBody>
-          <a:bodyPr rtlCol="0" anchor="ctr"/>
-          <a:lstStyle/>
-          <a:p>
-            <a:pPr algn="ctr"/>
-            <a:endParaRPr lang="en-IE"/>
-          </a:p>
-        </p:txBody>
-      </p:sp>
-      <p:sp>
-        <p:nvSpPr>
-          <p:cNvPr id="46" name="TextBox 45">
-            <a:extLst>
-              <a:ext uri="{FF2B5EF4-FFF2-40B4-BE49-F238E27FC236}">
-                <a16:creationId xmlns:a16="http://schemas.microsoft.com/office/drawing/2014/main" id="{0B6D760E-6F83-40B6-BB22-6820D9DAD4B3}"/>
-              </a:ext>
-            </a:extLst>
-          </p:cNvPr>
-          <p:cNvSpPr txBox="1"/>
-          <p:nvPr/>
-        </p:nvSpPr>
-        <p:spPr>
-          <a:xfrm>
-            <a:off x="740427" y="6196105"/>
-            <a:ext cx="1219757" cy="646331"/>
-          </a:xfrm>
-          <a:prstGeom prst="rect">
-            <a:avLst/>
-          </a:prstGeom>
-          <a:noFill/>
-        </p:spPr>
-        <p:txBody>
-          <a:bodyPr wrap="none" rtlCol="0">
-            <a:spAutoFit/>
-          </a:bodyPr>
-          <a:lstStyle/>
-          <a:p>
-            <a:pPr algn="ctr"/>
-            <a:r>
-              <a:rPr lang="en-IE" sz="1200" dirty="0"/>
-              <a:t>dc2</a:t>
-            </a:r>
-          </a:p>
-          <a:p>
-            <a:pPr algn="ctr"/>
-            <a:r>
-              <a:rPr lang="en-IE" sz="1200" dirty="0"/>
-              <a:t>AAA, DNS, DHCP</a:t>
-            </a:r>
-          </a:p>
-          <a:p>
-            <a:pPr algn="ctr"/>
-            <a:r>
-              <a:rPr lang="en-IE" sz="1200" dirty="0"/>
-              <a:t>192.168.6.22</a:t>
-            </a:r>
-          </a:p>
-        </p:txBody>
-      </p:sp>
-      <p:cxnSp>
-        <p:nvCxnSpPr>
-          <p:cNvPr id="48" name="Connector: Elbow 47">
-            <a:extLst>
-              <a:ext uri="{FF2B5EF4-FFF2-40B4-BE49-F238E27FC236}">
-                <a16:creationId xmlns:a16="http://schemas.microsoft.com/office/drawing/2014/main" id="{A292FEDF-DC22-4EB2-B2A2-0A58E5C49CCE}"/>
-              </a:ext>
-            </a:extLst>
-          </p:cNvPr>
-          <p:cNvCxnSpPr>
-            <a:cxnSpLocks/>
-            <a:stCxn id="35" idx="2"/>
-            <a:endCxn id="43" idx="3"/>
-          </p:cNvCxnSpPr>
-          <p:nvPr/>
-        </p:nvCxnSpPr>
-        <p:spPr>
-          <a:xfrm rot="10800000">
-            <a:off x="651616" y="4949892"/>
-            <a:ext cx="1895997" cy="68901"/>
-          </a:xfrm>
-          <a:prstGeom prst="bentConnector3">
-            <a:avLst/>
+          <a:xfrm rot="5400000" flipH="1">
+            <a:off x="10936262" y="1191590"/>
+            <a:ext cx="35480" cy="1256241"/>
+          </a:xfrm>
+          <a:prstGeom prst="bentConnector4">
+            <a:avLst>
+              <a:gd name="adj1" fmla="val -644307"/>
+              <a:gd name="adj2" fmla="val 74236"/>
+            </a:avLst>
           </a:prstGeom>
         </p:spPr>
         <p:style>
@@ -7380,26 +5812,26 @@
       </p:cxnSp>
       <p:cxnSp>
         <p:nvCxnSpPr>
-          <p:cNvPr id="50" name="Connector: Elbow 49">
-            <a:extLst>
-              <a:ext uri="{FF2B5EF4-FFF2-40B4-BE49-F238E27FC236}">
-                <a16:creationId xmlns:a16="http://schemas.microsoft.com/office/drawing/2014/main" id="{26FC667B-C78D-4B45-9371-A6B4D5C06FF1}"/>
+          <p:cNvPr id="17" name="Straight Connector 16">
+            <a:extLst>
+              <a:ext uri="{FF2B5EF4-FFF2-40B4-BE49-F238E27FC236}">
+                <a16:creationId xmlns:a16="http://schemas.microsoft.com/office/drawing/2014/main" id="{63F723FC-6EAD-47AD-BBC1-8708C0A91A2F}"/>
               </a:ext>
             </a:extLst>
           </p:cNvPr>
           <p:cNvCxnSpPr>
             <a:cxnSpLocks/>
-            <a:stCxn id="35" idx="1"/>
-            <a:endCxn id="45" idx="3"/>
+            <a:stCxn id="38" idx="1"/>
+            <a:endCxn id="8" idx="0"/>
           </p:cNvCxnSpPr>
           <p:nvPr/>
         </p:nvCxnSpPr>
         <p:spPr>
-          <a:xfrm rot="5400000">
-            <a:off x="1494943" y="4568907"/>
-            <a:ext cx="784590" cy="2471246"/>
-          </a:xfrm>
-          <a:prstGeom prst="bentConnector2">
+          <a:xfrm>
+            <a:off x="5821523" y="891601"/>
+            <a:ext cx="669525" cy="1685368"/>
+          </a:xfrm>
+          <a:prstGeom prst="line">
             <a:avLst/>
           </a:prstGeom>
         </p:spPr>
@@ -7418,198 +5850,27 @@
           </a:fontRef>
         </p:style>
       </p:cxnSp>
-      <p:sp>
-        <p:nvSpPr>
-          <p:cNvPr id="55" name="Frame 54">
-            <a:extLst>
-              <a:ext uri="{FF2B5EF4-FFF2-40B4-BE49-F238E27FC236}">
-                <a16:creationId xmlns:a16="http://schemas.microsoft.com/office/drawing/2014/main" id="{4208A494-1577-4906-842D-373D8A01EF55}"/>
-              </a:ext>
-            </a:extLst>
-          </p:cNvPr>
-          <p:cNvSpPr/>
-          <p:nvPr/>
-        </p:nvSpPr>
-        <p:spPr>
-          <a:xfrm>
-            <a:off x="128031" y="177583"/>
-            <a:ext cx="612396" cy="581273"/>
-          </a:xfrm>
-          <a:prstGeom prst="frame">
-            <a:avLst/>
-          </a:prstGeom>
-        </p:spPr>
-        <p:style>
-          <a:lnRef idx="2">
-            <a:schemeClr val="accent3">
-              <a:shade val="50000"/>
-            </a:schemeClr>
-          </a:lnRef>
-          <a:fillRef idx="1">
-            <a:schemeClr val="accent3"/>
-          </a:fillRef>
-          <a:effectRef idx="0">
-            <a:schemeClr val="accent3"/>
-          </a:effectRef>
-          <a:fontRef idx="minor">
-            <a:schemeClr val="lt1"/>
-          </a:fontRef>
-        </p:style>
-        <p:txBody>
-          <a:bodyPr rtlCol="0" anchor="ctr"/>
-          <a:lstStyle/>
-          <a:p>
-            <a:pPr algn="ctr"/>
-            <a:endParaRPr lang="en-IE">
-              <a:solidFill>
-                <a:schemeClr val="tx1"/>
-              </a:solidFill>
-            </a:endParaRPr>
-          </a:p>
-        </p:txBody>
-      </p:sp>
-      <p:sp>
-        <p:nvSpPr>
-          <p:cNvPr id="56" name="Minus Sign 55">
-            <a:extLst>
-              <a:ext uri="{FF2B5EF4-FFF2-40B4-BE49-F238E27FC236}">
-                <a16:creationId xmlns:a16="http://schemas.microsoft.com/office/drawing/2014/main" id="{A08E5CC6-CCF2-4310-985E-8B42C8212E2C}"/>
-              </a:ext>
-            </a:extLst>
-          </p:cNvPr>
-          <p:cNvSpPr/>
-          <p:nvPr/>
-        </p:nvSpPr>
-        <p:spPr>
-          <a:xfrm>
-            <a:off x="-165527" y="507025"/>
-            <a:ext cx="1219757" cy="626904"/>
-          </a:xfrm>
-          <a:prstGeom prst="mathMinus">
-            <a:avLst/>
-          </a:prstGeom>
-        </p:spPr>
-        <p:style>
-          <a:lnRef idx="2">
-            <a:schemeClr val="accent3">
-              <a:shade val="50000"/>
-            </a:schemeClr>
-          </a:lnRef>
-          <a:fillRef idx="1">
-            <a:schemeClr val="accent3"/>
-          </a:fillRef>
-          <a:effectRef idx="0">
-            <a:schemeClr val="accent3"/>
-          </a:effectRef>
-          <a:fontRef idx="minor">
-            <a:schemeClr val="lt1"/>
-          </a:fontRef>
-        </p:style>
-        <p:txBody>
-          <a:bodyPr rtlCol="0" anchor="ctr"/>
-          <a:lstStyle/>
-          <a:p>
-            <a:pPr algn="ctr"/>
-            <a:r>
-              <a:rPr lang="en-IE" sz="1400" dirty="0"/>
-              <a:t>1</a:t>
-            </a:r>
-          </a:p>
-        </p:txBody>
-      </p:sp>
-      <p:sp>
-        <p:nvSpPr>
-          <p:cNvPr id="57" name="TextBox 56">
-            <a:extLst>
-              <a:ext uri="{FF2B5EF4-FFF2-40B4-BE49-F238E27FC236}">
-                <a16:creationId xmlns:a16="http://schemas.microsoft.com/office/drawing/2014/main" id="{8F27D4AA-8804-40F6-A923-7F851A2EDA7A}"/>
-              </a:ext>
-            </a:extLst>
-          </p:cNvPr>
-          <p:cNvSpPr txBox="1"/>
-          <p:nvPr/>
-        </p:nvSpPr>
-        <p:spPr>
-          <a:xfrm>
-            <a:off x="-32188" y="253965"/>
-            <a:ext cx="932006" cy="261610"/>
-          </a:xfrm>
-          <a:prstGeom prst="rect">
-            <a:avLst/>
-          </a:prstGeom>
-          <a:noFill/>
-        </p:spPr>
-        <p:txBody>
-          <a:bodyPr wrap="square" rtlCol="0">
-            <a:spAutoFit/>
-          </a:bodyPr>
-          <a:lstStyle/>
-          <a:p>
-            <a:pPr algn="ctr"/>
-            <a:r>
-              <a:rPr lang="en-IE" sz="1100" dirty="0"/>
-              <a:t>SWITCH</a:t>
-            </a:r>
-          </a:p>
-        </p:txBody>
-      </p:sp>
-      <p:sp>
-        <p:nvSpPr>
-          <p:cNvPr id="58" name="TextBox 57">
-            <a:extLst>
-              <a:ext uri="{FF2B5EF4-FFF2-40B4-BE49-F238E27FC236}">
-                <a16:creationId xmlns:a16="http://schemas.microsoft.com/office/drawing/2014/main" id="{F13AB539-B248-4658-9D64-34D605ABFA0E}"/>
-              </a:ext>
-            </a:extLst>
-          </p:cNvPr>
-          <p:cNvSpPr txBox="1"/>
-          <p:nvPr/>
-        </p:nvSpPr>
-        <p:spPr>
-          <a:xfrm>
-            <a:off x="264654" y="-107622"/>
-            <a:ext cx="359394" cy="369332"/>
-          </a:xfrm>
-          <a:prstGeom prst="rect">
-            <a:avLst/>
-          </a:prstGeom>
-          <a:noFill/>
-        </p:spPr>
-        <p:txBody>
-          <a:bodyPr wrap="none" rtlCol="0">
-            <a:spAutoFit/>
-          </a:bodyPr>
-          <a:lstStyle/>
-          <a:p>
-            <a:r>
-              <a:rPr lang="en-IE" dirty="0"/>
-              <a:t>.9</a:t>
-            </a:r>
-          </a:p>
-        </p:txBody>
-      </p:sp>
       <p:cxnSp>
         <p:nvCxnSpPr>
-          <p:cNvPr id="60" name="Connector: Elbow 59">
-            <a:extLst>
-              <a:ext uri="{FF2B5EF4-FFF2-40B4-BE49-F238E27FC236}">
-                <a16:creationId xmlns:a16="http://schemas.microsoft.com/office/drawing/2014/main" id="{34036CD8-4A9D-4C5D-B167-83B857C6526B}"/>
+          <p:cNvPr id="54" name="Straight Connector 53">
+            <a:extLst>
+              <a:ext uri="{FF2B5EF4-FFF2-40B4-BE49-F238E27FC236}">
+                <a16:creationId xmlns:a16="http://schemas.microsoft.com/office/drawing/2014/main" id="{F454E803-17B5-4A47-9116-188A27B30912}"/>
               </a:ext>
             </a:extLst>
           </p:cNvPr>
           <p:cNvCxnSpPr>
             <a:cxnSpLocks/>
-            <a:stCxn id="56" idx="1"/>
-            <a:endCxn id="36" idx="2"/>
+            <a:stCxn id="25" idx="1"/>
           </p:cNvCxnSpPr>
           <p:nvPr/>
         </p:nvCxnSpPr>
         <p:spPr>
-          <a:xfrm rot="16200000" flipH="1">
-            <a:off x="667747" y="670806"/>
-            <a:ext cx="1792050" cy="2238840"/>
-          </a:xfrm>
-          <a:prstGeom prst="bentConnector2">
+          <a:xfrm flipH="1">
+            <a:off x="6883169" y="965309"/>
+            <a:ext cx="578841" cy="1641264"/>
+          </a:xfrm>
+          <a:prstGeom prst="line">
             <a:avLst/>
           </a:prstGeom>
         </p:spPr>
@@ -7628,12 +5889,480 @@
           </a:fontRef>
         </p:style>
       </p:cxnSp>
-      <p:sp>
-        <p:nvSpPr>
-          <p:cNvPr id="62" name="TextBox 61">
-            <a:extLst>
-              <a:ext uri="{FF2B5EF4-FFF2-40B4-BE49-F238E27FC236}">
-                <a16:creationId xmlns:a16="http://schemas.microsoft.com/office/drawing/2014/main" id="{BCD0A6AA-6BA1-47BF-ABDF-FC284D3DFFF5}"/>
+      <p:cxnSp>
+        <p:nvCxnSpPr>
+          <p:cNvPr id="63" name="Straight Connector 62">
+            <a:extLst>
+              <a:ext uri="{FF2B5EF4-FFF2-40B4-BE49-F238E27FC236}">
+                <a16:creationId xmlns:a16="http://schemas.microsoft.com/office/drawing/2014/main" id="{BC7E701A-99B8-4D39-B31C-22B363CFE337}"/>
+              </a:ext>
+            </a:extLst>
+          </p:cNvPr>
+          <p:cNvCxnSpPr>
+            <a:cxnSpLocks/>
+            <a:stCxn id="26" idx="1"/>
+          </p:cNvCxnSpPr>
+          <p:nvPr/>
+        </p:nvCxnSpPr>
+        <p:spPr>
+          <a:xfrm flipH="1">
+            <a:off x="6973415" y="1156841"/>
+            <a:ext cx="1994417" cy="1728984"/>
+          </a:xfrm>
+          <a:prstGeom prst="line">
+            <a:avLst/>
+          </a:prstGeom>
+        </p:spPr>
+        <p:style>
+          <a:lnRef idx="1">
+            <a:schemeClr val="accent1"/>
+          </a:lnRef>
+          <a:fillRef idx="0">
+            <a:schemeClr val="accent1"/>
+          </a:fillRef>
+          <a:effectRef idx="0">
+            <a:schemeClr val="accent1"/>
+          </a:effectRef>
+          <a:fontRef idx="minor">
+            <a:schemeClr val="tx1"/>
+          </a:fontRef>
+        </p:style>
+      </p:cxnSp>
+      <p:cxnSp>
+        <p:nvCxnSpPr>
+          <p:cNvPr id="66" name="Straight Connector 65">
+            <a:extLst>
+              <a:ext uri="{FF2B5EF4-FFF2-40B4-BE49-F238E27FC236}">
+                <a16:creationId xmlns:a16="http://schemas.microsoft.com/office/drawing/2014/main" id="{C4129947-E574-4FC5-8660-50762E2CA6D7}"/>
+              </a:ext>
+            </a:extLst>
+          </p:cNvPr>
+          <p:cNvCxnSpPr>
+            <a:cxnSpLocks/>
+          </p:cNvCxnSpPr>
+          <p:nvPr/>
+        </p:nvCxnSpPr>
+        <p:spPr>
+          <a:xfrm flipH="1">
+            <a:off x="6985319" y="2013358"/>
+            <a:ext cx="2183848" cy="1249041"/>
+          </a:xfrm>
+          <a:prstGeom prst="line">
+            <a:avLst/>
+          </a:prstGeom>
+        </p:spPr>
+        <p:style>
+          <a:lnRef idx="1">
+            <a:schemeClr val="accent1"/>
+          </a:lnRef>
+          <a:fillRef idx="0">
+            <a:schemeClr val="accent1"/>
+          </a:fillRef>
+          <a:effectRef idx="0">
+            <a:schemeClr val="accent1"/>
+          </a:effectRef>
+          <a:fontRef idx="minor">
+            <a:schemeClr val="tx1"/>
+          </a:fontRef>
+        </p:style>
+      </p:cxnSp>
+      <p:cxnSp>
+        <p:nvCxnSpPr>
+          <p:cNvPr id="69" name="Straight Connector 68">
+            <a:extLst>
+              <a:ext uri="{FF2B5EF4-FFF2-40B4-BE49-F238E27FC236}">
+                <a16:creationId xmlns:a16="http://schemas.microsoft.com/office/drawing/2014/main" id="{208857B3-A783-4346-91F2-320C6B5AC8E9}"/>
+              </a:ext>
+            </a:extLst>
+          </p:cNvPr>
+          <p:cNvCxnSpPr>
+            <a:cxnSpLocks/>
+            <a:stCxn id="28" idx="2"/>
+          </p:cNvCxnSpPr>
+          <p:nvPr/>
+        </p:nvCxnSpPr>
+        <p:spPr>
+          <a:xfrm flipH="1" flipV="1">
+            <a:off x="6973414" y="3923557"/>
+            <a:ext cx="2115454" cy="66327"/>
+          </a:xfrm>
+          <a:prstGeom prst="line">
+            <a:avLst/>
+          </a:prstGeom>
+        </p:spPr>
+        <p:style>
+          <a:lnRef idx="1">
+            <a:schemeClr val="accent1"/>
+          </a:lnRef>
+          <a:fillRef idx="0">
+            <a:schemeClr val="accent1"/>
+          </a:fillRef>
+          <a:effectRef idx="0">
+            <a:schemeClr val="accent1"/>
+          </a:effectRef>
+          <a:fontRef idx="minor">
+            <a:schemeClr val="tx1"/>
+          </a:fontRef>
+        </p:style>
+      </p:cxnSp>
+      <p:cxnSp>
+        <p:nvCxnSpPr>
+          <p:cNvPr id="72" name="Straight Connector 71">
+            <a:extLst>
+              <a:ext uri="{FF2B5EF4-FFF2-40B4-BE49-F238E27FC236}">
+                <a16:creationId xmlns:a16="http://schemas.microsoft.com/office/drawing/2014/main" id="{E792E316-77AF-4587-B4E3-2E3E5C06F3A9}"/>
+              </a:ext>
+            </a:extLst>
+          </p:cNvPr>
+          <p:cNvCxnSpPr>
+            <a:cxnSpLocks/>
+            <a:stCxn id="29" idx="2"/>
+          </p:cNvCxnSpPr>
+          <p:nvPr/>
+        </p:nvCxnSpPr>
+        <p:spPr>
+          <a:xfrm flipH="1" flipV="1">
+            <a:off x="6979802" y="4417708"/>
+            <a:ext cx="1795168" cy="618240"/>
+          </a:xfrm>
+          <a:prstGeom prst="line">
+            <a:avLst/>
+          </a:prstGeom>
+        </p:spPr>
+        <p:style>
+          <a:lnRef idx="1">
+            <a:schemeClr val="accent1"/>
+          </a:lnRef>
+          <a:fillRef idx="0">
+            <a:schemeClr val="accent1"/>
+          </a:fillRef>
+          <a:effectRef idx="0">
+            <a:schemeClr val="accent1"/>
+          </a:effectRef>
+          <a:fontRef idx="minor">
+            <a:schemeClr val="tx1"/>
+          </a:fontRef>
+        </p:style>
+      </p:cxnSp>
+      <p:cxnSp>
+        <p:nvCxnSpPr>
+          <p:cNvPr id="75" name="Straight Connector 74">
+            <a:extLst>
+              <a:ext uri="{FF2B5EF4-FFF2-40B4-BE49-F238E27FC236}">
+                <a16:creationId xmlns:a16="http://schemas.microsoft.com/office/drawing/2014/main" id="{AC4FA0DD-B49B-4118-ACE1-CCDBCF0703CD}"/>
+              </a:ext>
+            </a:extLst>
+          </p:cNvPr>
+          <p:cNvCxnSpPr>
+            <a:cxnSpLocks/>
+            <a:stCxn id="30" idx="3"/>
+            <a:endCxn id="11" idx="3"/>
+          </p:cNvCxnSpPr>
+          <p:nvPr/>
+        </p:nvCxnSpPr>
+        <p:spPr>
+          <a:xfrm flipH="1" flipV="1">
+            <a:off x="6985318" y="4641665"/>
+            <a:ext cx="1521120" cy="1103741"/>
+          </a:xfrm>
+          <a:prstGeom prst="line">
+            <a:avLst/>
+          </a:prstGeom>
+        </p:spPr>
+        <p:style>
+          <a:lnRef idx="1">
+            <a:schemeClr val="accent1"/>
+          </a:lnRef>
+          <a:fillRef idx="0">
+            <a:schemeClr val="accent1"/>
+          </a:fillRef>
+          <a:effectRef idx="0">
+            <a:schemeClr val="accent1"/>
+          </a:effectRef>
+          <a:fontRef idx="minor">
+            <a:schemeClr val="tx1"/>
+          </a:fontRef>
+        </p:style>
+      </p:cxnSp>
+      <p:cxnSp>
+        <p:nvCxnSpPr>
+          <p:cNvPr id="79" name="Straight Connector 78">
+            <a:extLst>
+              <a:ext uri="{FF2B5EF4-FFF2-40B4-BE49-F238E27FC236}">
+                <a16:creationId xmlns:a16="http://schemas.microsoft.com/office/drawing/2014/main" id="{4E42D810-9C2A-47BB-B922-77493A89D5B3}"/>
+              </a:ext>
+            </a:extLst>
+          </p:cNvPr>
+          <p:cNvCxnSpPr>
+            <a:cxnSpLocks/>
+            <a:stCxn id="31" idx="3"/>
+          </p:cNvCxnSpPr>
+          <p:nvPr/>
+        </p:nvCxnSpPr>
+        <p:spPr>
+          <a:xfrm flipH="1" flipV="1">
+            <a:off x="6743720" y="4757081"/>
+            <a:ext cx="139450" cy="1089828"/>
+          </a:xfrm>
+          <a:prstGeom prst="line">
+            <a:avLst/>
+          </a:prstGeom>
+        </p:spPr>
+        <p:style>
+          <a:lnRef idx="1">
+            <a:schemeClr val="accent1"/>
+          </a:lnRef>
+          <a:fillRef idx="0">
+            <a:schemeClr val="accent1"/>
+          </a:fillRef>
+          <a:effectRef idx="0">
+            <a:schemeClr val="accent1"/>
+          </a:effectRef>
+          <a:fontRef idx="minor">
+            <a:schemeClr val="tx1"/>
+          </a:fontRef>
+        </p:style>
+      </p:cxnSp>
+      <p:cxnSp>
+        <p:nvCxnSpPr>
+          <p:cNvPr id="82" name="Straight Connector 81">
+            <a:extLst>
+              <a:ext uri="{FF2B5EF4-FFF2-40B4-BE49-F238E27FC236}">
+                <a16:creationId xmlns:a16="http://schemas.microsoft.com/office/drawing/2014/main" id="{942FE86C-2D4E-4EA2-8720-6CF5BA390AF7}"/>
+              </a:ext>
+            </a:extLst>
+          </p:cNvPr>
+          <p:cNvCxnSpPr>
+            <a:cxnSpLocks/>
+            <a:stCxn id="32" idx="3"/>
+            <a:endCxn id="11" idx="1"/>
+          </p:cNvCxnSpPr>
+          <p:nvPr/>
+        </p:nvCxnSpPr>
+        <p:spPr>
+          <a:xfrm flipV="1">
+            <a:off x="5222601" y="4641665"/>
+            <a:ext cx="774177" cy="1205244"/>
+          </a:xfrm>
+          <a:prstGeom prst="line">
+            <a:avLst/>
+          </a:prstGeom>
+        </p:spPr>
+        <p:style>
+          <a:lnRef idx="1">
+            <a:schemeClr val="accent1"/>
+          </a:lnRef>
+          <a:fillRef idx="0">
+            <a:schemeClr val="accent1"/>
+          </a:fillRef>
+          <a:effectRef idx="0">
+            <a:schemeClr val="accent1"/>
+          </a:effectRef>
+          <a:fontRef idx="minor">
+            <a:schemeClr val="tx1"/>
+          </a:fontRef>
+        </p:style>
+      </p:cxnSp>
+      <p:cxnSp>
+        <p:nvCxnSpPr>
+          <p:cNvPr id="85" name="Straight Connector 84">
+            <a:extLst>
+              <a:ext uri="{FF2B5EF4-FFF2-40B4-BE49-F238E27FC236}">
+                <a16:creationId xmlns:a16="http://schemas.microsoft.com/office/drawing/2014/main" id="{0004B091-E6DC-4C8B-B470-DF57FA1D77B2}"/>
+              </a:ext>
+            </a:extLst>
+          </p:cNvPr>
+          <p:cNvCxnSpPr>
+            <a:cxnSpLocks/>
+            <a:stCxn id="34" idx="0"/>
+          </p:cNvCxnSpPr>
+          <p:nvPr/>
+        </p:nvCxnSpPr>
+        <p:spPr>
+          <a:xfrm flipV="1">
+            <a:off x="3915079" y="4013602"/>
+            <a:ext cx="2096267" cy="1011887"/>
+          </a:xfrm>
+          <a:prstGeom prst="line">
+            <a:avLst/>
+          </a:prstGeom>
+        </p:spPr>
+        <p:style>
+          <a:lnRef idx="1">
+            <a:schemeClr val="accent1"/>
+          </a:lnRef>
+          <a:fillRef idx="0">
+            <a:schemeClr val="accent1"/>
+          </a:fillRef>
+          <a:effectRef idx="0">
+            <a:schemeClr val="accent1"/>
+          </a:effectRef>
+          <a:fontRef idx="minor">
+            <a:schemeClr val="tx1"/>
+          </a:fontRef>
+        </p:style>
+      </p:cxnSp>
+      <p:cxnSp>
+        <p:nvCxnSpPr>
+          <p:cNvPr id="88" name="Straight Connector 87">
+            <a:extLst>
+              <a:ext uri="{FF2B5EF4-FFF2-40B4-BE49-F238E27FC236}">
+                <a16:creationId xmlns:a16="http://schemas.microsoft.com/office/drawing/2014/main" id="{7E68A1BB-AEB1-4466-9734-5701A575F5A1}"/>
+              </a:ext>
+            </a:extLst>
+          </p:cNvPr>
+          <p:cNvCxnSpPr>
+            <a:cxnSpLocks/>
+            <a:stCxn id="35" idx="0"/>
+          </p:cNvCxnSpPr>
+          <p:nvPr/>
+        </p:nvCxnSpPr>
+        <p:spPr>
+          <a:xfrm flipV="1">
+            <a:off x="3755485" y="3385267"/>
+            <a:ext cx="2248877" cy="483666"/>
+          </a:xfrm>
+          <a:prstGeom prst="line">
+            <a:avLst/>
+          </a:prstGeom>
+        </p:spPr>
+        <p:style>
+          <a:lnRef idx="1">
+            <a:schemeClr val="accent1"/>
+          </a:lnRef>
+          <a:fillRef idx="0">
+            <a:schemeClr val="accent1"/>
+          </a:fillRef>
+          <a:effectRef idx="0">
+            <a:schemeClr val="accent1"/>
+          </a:effectRef>
+          <a:fontRef idx="minor">
+            <a:schemeClr val="tx1"/>
+          </a:fontRef>
+        </p:style>
+      </p:cxnSp>
+      <p:cxnSp>
+        <p:nvCxnSpPr>
+          <p:cNvPr id="91" name="Straight Connector 90">
+            <a:extLst>
+              <a:ext uri="{FF2B5EF4-FFF2-40B4-BE49-F238E27FC236}">
+                <a16:creationId xmlns:a16="http://schemas.microsoft.com/office/drawing/2014/main" id="{DCAE59CE-2CD0-49C6-85ED-ABDF758C99B5}"/>
+              </a:ext>
+            </a:extLst>
+          </p:cNvPr>
+          <p:cNvCxnSpPr>
+            <a:cxnSpLocks/>
+            <a:stCxn id="24" idx="0"/>
+          </p:cNvCxnSpPr>
+          <p:nvPr/>
+        </p:nvCxnSpPr>
+        <p:spPr>
+          <a:xfrm>
+            <a:off x="3806204" y="2769514"/>
+            <a:ext cx="2205142" cy="334323"/>
+          </a:xfrm>
+          <a:prstGeom prst="line">
+            <a:avLst/>
+          </a:prstGeom>
+        </p:spPr>
+        <p:style>
+          <a:lnRef idx="1">
+            <a:schemeClr val="accent1"/>
+          </a:lnRef>
+          <a:fillRef idx="0">
+            <a:schemeClr val="accent1"/>
+          </a:fillRef>
+          <a:effectRef idx="0">
+            <a:schemeClr val="accent1"/>
+          </a:effectRef>
+          <a:fontRef idx="minor">
+            <a:schemeClr val="tx1"/>
+          </a:fontRef>
+        </p:style>
+      </p:cxnSp>
+      <p:cxnSp>
+        <p:nvCxnSpPr>
+          <p:cNvPr id="94" name="Straight Connector 93">
+            <a:extLst>
+              <a:ext uri="{FF2B5EF4-FFF2-40B4-BE49-F238E27FC236}">
+                <a16:creationId xmlns:a16="http://schemas.microsoft.com/office/drawing/2014/main" id="{677C69E6-160C-41C6-B7BF-FFCFEDD1FC46}"/>
+              </a:ext>
+            </a:extLst>
+          </p:cNvPr>
+          <p:cNvCxnSpPr>
+            <a:cxnSpLocks/>
+            <a:stCxn id="36" idx="0"/>
+          </p:cNvCxnSpPr>
+          <p:nvPr/>
+        </p:nvCxnSpPr>
+        <p:spPr>
+          <a:xfrm>
+            <a:off x="3754388" y="1682895"/>
+            <a:ext cx="2256958" cy="1141738"/>
+          </a:xfrm>
+          <a:prstGeom prst="line">
+            <a:avLst/>
+          </a:prstGeom>
+        </p:spPr>
+        <p:style>
+          <a:lnRef idx="1">
+            <a:schemeClr val="accent1"/>
+          </a:lnRef>
+          <a:fillRef idx="0">
+            <a:schemeClr val="accent1"/>
+          </a:fillRef>
+          <a:effectRef idx="0">
+            <a:schemeClr val="accent1"/>
+          </a:effectRef>
+          <a:fontRef idx="minor">
+            <a:schemeClr val="tx1"/>
+          </a:fontRef>
+        </p:style>
+      </p:cxnSp>
+      <p:cxnSp>
+        <p:nvCxnSpPr>
+          <p:cNvPr id="97" name="Straight Connector 96">
+            <a:extLst>
+              <a:ext uri="{FF2B5EF4-FFF2-40B4-BE49-F238E27FC236}">
+                <a16:creationId xmlns:a16="http://schemas.microsoft.com/office/drawing/2014/main" id="{0F6D14F6-3E6D-463D-BDB5-D8C7985067F5}"/>
+              </a:ext>
+            </a:extLst>
+          </p:cNvPr>
+          <p:cNvCxnSpPr>
+            <a:cxnSpLocks/>
+          </p:cNvCxnSpPr>
+          <p:nvPr/>
+        </p:nvCxnSpPr>
+        <p:spPr>
+          <a:xfrm>
+            <a:off x="4447907" y="1030422"/>
+            <a:ext cx="1603057" cy="1584008"/>
+          </a:xfrm>
+          <a:prstGeom prst="line">
+            <a:avLst/>
+          </a:prstGeom>
+        </p:spPr>
+        <p:style>
+          <a:lnRef idx="1">
+            <a:schemeClr val="accent1"/>
+          </a:lnRef>
+          <a:fillRef idx="0">
+            <a:schemeClr val="accent1"/>
+          </a:fillRef>
+          <a:effectRef idx="0">
+            <a:schemeClr val="accent1"/>
+          </a:effectRef>
+          <a:fontRef idx="minor">
+            <a:schemeClr val="tx1"/>
+          </a:fontRef>
+        </p:style>
+      </p:cxnSp>
+      <p:sp>
+        <p:nvSpPr>
+          <p:cNvPr id="100" name="TextBox 99">
+            <a:extLst>
+              <a:ext uri="{FF2B5EF4-FFF2-40B4-BE49-F238E27FC236}">
+                <a16:creationId xmlns:a16="http://schemas.microsoft.com/office/drawing/2014/main" id="{A3300C7A-8270-474C-911C-76934BBA457D}"/>
               </a:ext>
             </a:extLst>
           </p:cNvPr>
@@ -7641,9 +6370,9 @@
           <p:nvPr/>
         </p:nvSpPr>
         <p:spPr>
-          <a:xfrm>
-            <a:off x="5273839" y="3523248"/>
-            <a:ext cx="807505" cy="230832"/>
+          <a:xfrm rot="4148978">
+            <a:off x="5698885" y="1595723"/>
+            <a:ext cx="1023037" cy="215444"/>
           </a:xfrm>
           <a:prstGeom prst="rect">
             <a:avLst/>
@@ -7657,8 +6386,1091 @@
           <a:lstStyle/>
           <a:p>
             <a:r>
-              <a:rPr lang="en-IE" sz="900" dirty="0"/>
+              <a:rPr lang="en-IE" sz="800" dirty="0"/>
               <a:t>192.168.2.20</a:t>
+            </a:r>
+          </a:p>
+        </p:txBody>
+      </p:sp>
+      <p:sp>
+        <p:nvSpPr>
+          <p:cNvPr id="101" name="TextBox 100">
+            <a:extLst>
+              <a:ext uri="{FF2B5EF4-FFF2-40B4-BE49-F238E27FC236}">
+                <a16:creationId xmlns:a16="http://schemas.microsoft.com/office/drawing/2014/main" id="{E1F24ABD-50B5-4013-8D6F-5BA0C410CB9E}"/>
+              </a:ext>
+            </a:extLst>
+          </p:cNvPr>
+          <p:cNvSpPr txBox="1"/>
+          <p:nvPr/>
+        </p:nvSpPr>
+        <p:spPr>
+          <a:xfrm rot="6502722">
+            <a:off x="6716410" y="1764135"/>
+            <a:ext cx="1023037" cy="215444"/>
+          </a:xfrm>
+          <a:prstGeom prst="rect">
+            <a:avLst/>
+          </a:prstGeom>
+          <a:noFill/>
+        </p:spPr>
+        <p:txBody>
+          <a:bodyPr wrap="square" rtlCol="0">
+            <a:spAutoFit/>
+          </a:bodyPr>
+          <a:lstStyle/>
+          <a:p>
+            <a:r>
+              <a:rPr lang="en-IE" sz="800" dirty="0"/>
+              <a:t>192.168.2.20</a:t>
+            </a:r>
+          </a:p>
+        </p:txBody>
+      </p:sp>
+      <p:sp>
+        <p:nvSpPr>
+          <p:cNvPr id="102" name="TextBox 101">
+            <a:extLst>
+              <a:ext uri="{FF2B5EF4-FFF2-40B4-BE49-F238E27FC236}">
+                <a16:creationId xmlns:a16="http://schemas.microsoft.com/office/drawing/2014/main" id="{51F90B7E-DAC2-482D-9026-39636BE8153E}"/>
+              </a:ext>
+            </a:extLst>
+          </p:cNvPr>
+          <p:cNvSpPr txBox="1"/>
+          <p:nvPr/>
+        </p:nvSpPr>
+        <p:spPr>
+          <a:xfrm rot="8425792">
+            <a:off x="7284817" y="2136498"/>
+            <a:ext cx="1023037" cy="215444"/>
+          </a:xfrm>
+          <a:prstGeom prst="rect">
+            <a:avLst/>
+          </a:prstGeom>
+          <a:noFill/>
+        </p:spPr>
+        <p:txBody>
+          <a:bodyPr wrap="square" rtlCol="0">
+            <a:spAutoFit/>
+          </a:bodyPr>
+          <a:lstStyle/>
+          <a:p>
+            <a:r>
+              <a:rPr lang="en-IE" sz="800" dirty="0"/>
+              <a:t>192.168.2.20</a:t>
+            </a:r>
+          </a:p>
+        </p:txBody>
+      </p:sp>
+      <p:sp>
+        <p:nvSpPr>
+          <p:cNvPr id="103" name="TextBox 102">
+            <a:extLst>
+              <a:ext uri="{FF2B5EF4-FFF2-40B4-BE49-F238E27FC236}">
+                <a16:creationId xmlns:a16="http://schemas.microsoft.com/office/drawing/2014/main" id="{F76AD0D1-6A3B-452E-8F13-42D2AC9B70E0}"/>
+              </a:ext>
+            </a:extLst>
+          </p:cNvPr>
+          <p:cNvSpPr txBox="1"/>
+          <p:nvPr/>
+        </p:nvSpPr>
+        <p:spPr>
+          <a:xfrm rot="19989809">
+            <a:off x="7846690" y="2508929"/>
+            <a:ext cx="1023037" cy="215444"/>
+          </a:xfrm>
+          <a:prstGeom prst="rect">
+            <a:avLst/>
+          </a:prstGeom>
+          <a:noFill/>
+        </p:spPr>
+        <p:txBody>
+          <a:bodyPr wrap="square" rtlCol="0">
+            <a:spAutoFit/>
+          </a:bodyPr>
+          <a:lstStyle/>
+          <a:p>
+            <a:r>
+              <a:rPr lang="en-IE" sz="800" dirty="0"/>
+              <a:t>192.168.2.20</a:t>
+            </a:r>
+          </a:p>
+        </p:txBody>
+      </p:sp>
+      <p:sp>
+        <p:nvSpPr>
+          <p:cNvPr id="104" name="TextBox 103">
+            <a:extLst>
+              <a:ext uri="{FF2B5EF4-FFF2-40B4-BE49-F238E27FC236}">
+                <a16:creationId xmlns:a16="http://schemas.microsoft.com/office/drawing/2014/main" id="{E21063D3-7280-4AF0-9343-C4473425A477}"/>
+              </a:ext>
+            </a:extLst>
+          </p:cNvPr>
+          <p:cNvSpPr txBox="1"/>
+          <p:nvPr/>
+        </p:nvSpPr>
+        <p:spPr>
+          <a:xfrm rot="207910">
+            <a:off x="7828002" y="3942403"/>
+            <a:ext cx="1023037" cy="215444"/>
+          </a:xfrm>
+          <a:prstGeom prst="rect">
+            <a:avLst/>
+          </a:prstGeom>
+          <a:noFill/>
+        </p:spPr>
+        <p:txBody>
+          <a:bodyPr wrap="square" rtlCol="0">
+            <a:spAutoFit/>
+          </a:bodyPr>
+          <a:lstStyle/>
+          <a:p>
+            <a:r>
+              <a:rPr lang="en-IE" sz="800" dirty="0"/>
+              <a:t>192.168.2.20</a:t>
+            </a:r>
+          </a:p>
+        </p:txBody>
+      </p:sp>
+      <p:sp>
+        <p:nvSpPr>
+          <p:cNvPr id="105" name="TextBox 104">
+            <a:extLst>
+              <a:ext uri="{FF2B5EF4-FFF2-40B4-BE49-F238E27FC236}">
+                <a16:creationId xmlns:a16="http://schemas.microsoft.com/office/drawing/2014/main" id="{8DE91A4B-27BE-4258-A02C-D9BA06AF3DDC}"/>
+              </a:ext>
+            </a:extLst>
+          </p:cNvPr>
+          <p:cNvSpPr txBox="1"/>
+          <p:nvPr/>
+        </p:nvSpPr>
+        <p:spPr>
+          <a:xfrm rot="1198623">
+            <a:off x="7644302" y="4809813"/>
+            <a:ext cx="1023037" cy="215444"/>
+          </a:xfrm>
+          <a:prstGeom prst="rect">
+            <a:avLst/>
+          </a:prstGeom>
+          <a:noFill/>
+        </p:spPr>
+        <p:txBody>
+          <a:bodyPr wrap="square" rtlCol="0">
+            <a:spAutoFit/>
+          </a:bodyPr>
+          <a:lstStyle/>
+          <a:p>
+            <a:r>
+              <a:rPr lang="en-IE" sz="800" dirty="0"/>
+              <a:t>192.168.2.20</a:t>
+            </a:r>
+          </a:p>
+        </p:txBody>
+      </p:sp>
+      <p:sp>
+        <p:nvSpPr>
+          <p:cNvPr id="106" name="TextBox 105">
+            <a:extLst>
+              <a:ext uri="{FF2B5EF4-FFF2-40B4-BE49-F238E27FC236}">
+                <a16:creationId xmlns:a16="http://schemas.microsoft.com/office/drawing/2014/main" id="{E693FA23-C50A-4852-9124-764512EB37FE}"/>
+              </a:ext>
+            </a:extLst>
+          </p:cNvPr>
+          <p:cNvSpPr txBox="1"/>
+          <p:nvPr/>
+        </p:nvSpPr>
+        <p:spPr>
+          <a:xfrm rot="2571660">
+            <a:off x="7379780" y="5323275"/>
+            <a:ext cx="1023037" cy="215444"/>
+          </a:xfrm>
+          <a:prstGeom prst="rect">
+            <a:avLst/>
+          </a:prstGeom>
+          <a:noFill/>
+        </p:spPr>
+        <p:txBody>
+          <a:bodyPr wrap="square" rtlCol="0">
+            <a:spAutoFit/>
+          </a:bodyPr>
+          <a:lstStyle/>
+          <a:p>
+            <a:r>
+              <a:rPr lang="en-IE" sz="800" dirty="0"/>
+              <a:t>192.168.2.20</a:t>
+            </a:r>
+          </a:p>
+        </p:txBody>
+      </p:sp>
+      <p:sp>
+        <p:nvSpPr>
+          <p:cNvPr id="107" name="TextBox 106">
+            <a:extLst>
+              <a:ext uri="{FF2B5EF4-FFF2-40B4-BE49-F238E27FC236}">
+                <a16:creationId xmlns:a16="http://schemas.microsoft.com/office/drawing/2014/main" id="{38CAF9BB-F78B-4B5E-9639-AB92A5641B28}"/>
+              </a:ext>
+            </a:extLst>
+          </p:cNvPr>
+          <p:cNvSpPr txBox="1"/>
+          <p:nvPr/>
+        </p:nvSpPr>
+        <p:spPr>
+          <a:xfrm rot="4802249">
+            <a:off x="6258310" y="5428984"/>
+            <a:ext cx="1023037" cy="215444"/>
+          </a:xfrm>
+          <a:prstGeom prst="rect">
+            <a:avLst/>
+          </a:prstGeom>
+          <a:noFill/>
+        </p:spPr>
+        <p:txBody>
+          <a:bodyPr wrap="square" rtlCol="0">
+            <a:spAutoFit/>
+          </a:bodyPr>
+          <a:lstStyle/>
+          <a:p>
+            <a:r>
+              <a:rPr lang="en-IE" sz="800" dirty="0"/>
+              <a:t>192.168.2.20</a:t>
+            </a:r>
+          </a:p>
+        </p:txBody>
+      </p:sp>
+      <p:sp>
+        <p:nvSpPr>
+          <p:cNvPr id="108" name="TextBox 107">
+            <a:extLst>
+              <a:ext uri="{FF2B5EF4-FFF2-40B4-BE49-F238E27FC236}">
+                <a16:creationId xmlns:a16="http://schemas.microsoft.com/office/drawing/2014/main" id="{50B6598B-DB3D-43B6-803E-331854990331}"/>
+              </a:ext>
+            </a:extLst>
+          </p:cNvPr>
+          <p:cNvSpPr txBox="1"/>
+          <p:nvPr/>
+        </p:nvSpPr>
+        <p:spPr>
+          <a:xfrm rot="2543386">
+            <a:off x="4912662" y="2001559"/>
+            <a:ext cx="1023037" cy="215444"/>
+          </a:xfrm>
+          <a:prstGeom prst="rect">
+            <a:avLst/>
+          </a:prstGeom>
+          <a:noFill/>
+        </p:spPr>
+        <p:txBody>
+          <a:bodyPr wrap="square" rtlCol="0">
+            <a:spAutoFit/>
+          </a:bodyPr>
+          <a:lstStyle/>
+          <a:p>
+            <a:r>
+              <a:rPr lang="en-IE" sz="800" dirty="0"/>
+              <a:t>192.168.2.20</a:t>
+            </a:r>
+          </a:p>
+        </p:txBody>
+      </p:sp>
+      <p:sp>
+        <p:nvSpPr>
+          <p:cNvPr id="109" name="TextBox 108">
+            <a:extLst>
+              <a:ext uri="{FF2B5EF4-FFF2-40B4-BE49-F238E27FC236}">
+                <a16:creationId xmlns:a16="http://schemas.microsoft.com/office/drawing/2014/main" id="{61A3ABC1-73EF-47B2-942C-411D5CA41297}"/>
+              </a:ext>
+            </a:extLst>
+          </p:cNvPr>
+          <p:cNvSpPr txBox="1"/>
+          <p:nvPr/>
+        </p:nvSpPr>
+        <p:spPr>
+          <a:xfrm rot="1476324">
+            <a:off x="4711081" y="2402270"/>
+            <a:ext cx="1023037" cy="215444"/>
+          </a:xfrm>
+          <a:prstGeom prst="rect">
+            <a:avLst/>
+          </a:prstGeom>
+          <a:noFill/>
+        </p:spPr>
+        <p:txBody>
+          <a:bodyPr wrap="square" rtlCol="0">
+            <a:spAutoFit/>
+          </a:bodyPr>
+          <a:lstStyle/>
+          <a:p>
+            <a:r>
+              <a:rPr lang="en-IE" sz="800" dirty="0"/>
+              <a:t>192.168.2.20</a:t>
+            </a:r>
+          </a:p>
+        </p:txBody>
+      </p:sp>
+      <p:sp>
+        <p:nvSpPr>
+          <p:cNvPr id="110" name="TextBox 109">
+            <a:extLst>
+              <a:ext uri="{FF2B5EF4-FFF2-40B4-BE49-F238E27FC236}">
+                <a16:creationId xmlns:a16="http://schemas.microsoft.com/office/drawing/2014/main" id="{D6546B49-3FB6-43AB-81D5-F1E4E7BC91F6}"/>
+              </a:ext>
+            </a:extLst>
+          </p:cNvPr>
+          <p:cNvSpPr txBox="1"/>
+          <p:nvPr/>
+        </p:nvSpPr>
+        <p:spPr>
+          <a:xfrm rot="173928">
+            <a:off x="4549422" y="2926617"/>
+            <a:ext cx="1023037" cy="215444"/>
+          </a:xfrm>
+          <a:prstGeom prst="rect">
+            <a:avLst/>
+          </a:prstGeom>
+          <a:noFill/>
+        </p:spPr>
+        <p:txBody>
+          <a:bodyPr wrap="square" rtlCol="0">
+            <a:spAutoFit/>
+          </a:bodyPr>
+          <a:lstStyle/>
+          <a:p>
+            <a:r>
+              <a:rPr lang="en-IE" sz="800" dirty="0"/>
+              <a:t>192.168.2.20</a:t>
+            </a:r>
+          </a:p>
+        </p:txBody>
+      </p:sp>
+      <p:sp>
+        <p:nvSpPr>
+          <p:cNvPr id="111" name="TextBox 110">
+            <a:extLst>
+              <a:ext uri="{FF2B5EF4-FFF2-40B4-BE49-F238E27FC236}">
+                <a16:creationId xmlns:a16="http://schemas.microsoft.com/office/drawing/2014/main" id="{C8BD99E0-5EFE-4700-8326-328D53EE190D}"/>
+              </a:ext>
+            </a:extLst>
+          </p:cNvPr>
+          <p:cNvSpPr txBox="1"/>
+          <p:nvPr/>
+        </p:nvSpPr>
+        <p:spPr>
+          <a:xfrm rot="20658620">
+            <a:off x="4437549" y="3629643"/>
+            <a:ext cx="1023037" cy="215444"/>
+          </a:xfrm>
+          <a:prstGeom prst="rect">
+            <a:avLst/>
+          </a:prstGeom>
+          <a:noFill/>
+        </p:spPr>
+        <p:txBody>
+          <a:bodyPr wrap="square" rtlCol="0">
+            <a:spAutoFit/>
+          </a:bodyPr>
+          <a:lstStyle/>
+          <a:p>
+            <a:r>
+              <a:rPr lang="en-IE" sz="800" dirty="0"/>
+              <a:t>192.168.2.20</a:t>
+            </a:r>
+          </a:p>
+        </p:txBody>
+      </p:sp>
+      <p:sp>
+        <p:nvSpPr>
+          <p:cNvPr id="112" name="TextBox 111">
+            <a:extLst>
+              <a:ext uri="{FF2B5EF4-FFF2-40B4-BE49-F238E27FC236}">
+                <a16:creationId xmlns:a16="http://schemas.microsoft.com/office/drawing/2014/main" id="{4605E67C-B55E-4B7F-8FDF-1FB8CAF6C47D}"/>
+              </a:ext>
+            </a:extLst>
+          </p:cNvPr>
+          <p:cNvSpPr txBox="1"/>
+          <p:nvPr/>
+        </p:nvSpPr>
+        <p:spPr>
+          <a:xfrm rot="19953589">
+            <a:off x="4575579" y="4438006"/>
+            <a:ext cx="1023037" cy="215444"/>
+          </a:xfrm>
+          <a:prstGeom prst="rect">
+            <a:avLst/>
+          </a:prstGeom>
+          <a:noFill/>
+        </p:spPr>
+        <p:txBody>
+          <a:bodyPr wrap="square" rtlCol="0">
+            <a:spAutoFit/>
+          </a:bodyPr>
+          <a:lstStyle/>
+          <a:p>
+            <a:r>
+              <a:rPr lang="en-IE" sz="800" dirty="0"/>
+              <a:t>192.168.2.20</a:t>
+            </a:r>
+          </a:p>
+        </p:txBody>
+      </p:sp>
+      <p:sp>
+        <p:nvSpPr>
+          <p:cNvPr id="113" name="TextBox 112">
+            <a:extLst>
+              <a:ext uri="{FF2B5EF4-FFF2-40B4-BE49-F238E27FC236}">
+                <a16:creationId xmlns:a16="http://schemas.microsoft.com/office/drawing/2014/main" id="{9D0646EF-AEF4-4B08-92C5-D9074AE4A9EC}"/>
+              </a:ext>
+            </a:extLst>
+          </p:cNvPr>
+          <p:cNvSpPr txBox="1"/>
+          <p:nvPr/>
+        </p:nvSpPr>
+        <p:spPr>
+          <a:xfrm rot="18066132">
+            <a:off x="4948520" y="5163660"/>
+            <a:ext cx="1023037" cy="215444"/>
+          </a:xfrm>
+          <a:prstGeom prst="rect">
+            <a:avLst/>
+          </a:prstGeom>
+          <a:noFill/>
+        </p:spPr>
+        <p:txBody>
+          <a:bodyPr wrap="square" rtlCol="0">
+            <a:spAutoFit/>
+          </a:bodyPr>
+          <a:lstStyle/>
+          <a:p>
+            <a:r>
+              <a:rPr lang="en-IE" sz="800" dirty="0"/>
+              <a:t>192.168.2.20</a:t>
+            </a:r>
+          </a:p>
+        </p:txBody>
+      </p:sp>
+      <p:pic>
+        <p:nvPicPr>
+          <p:cNvPr id="116" name="Picture 115">
+            <a:extLst>
+              <a:ext uri="{FF2B5EF4-FFF2-40B4-BE49-F238E27FC236}">
+                <a16:creationId xmlns:a16="http://schemas.microsoft.com/office/drawing/2014/main" id="{5CBEEB6D-21DA-4B22-AEF7-BABE913242C6}"/>
+              </a:ext>
+            </a:extLst>
+          </p:cNvPr>
+          <p:cNvPicPr>
+            <a:picLocks noChangeAspect="1"/>
+          </p:cNvPicPr>
+          <p:nvPr/>
+        </p:nvPicPr>
+        <p:blipFill>
+          <a:blip r:embed="rId2"/>
+          <a:stretch>
+            <a:fillRect/>
+          </a:stretch>
+        </p:blipFill>
+        <p:spPr>
+          <a:xfrm>
+            <a:off x="0" y="16663"/>
+            <a:ext cx="1920406" cy="1048603"/>
+          </a:xfrm>
+          <a:prstGeom prst="rect">
+            <a:avLst/>
+          </a:prstGeom>
+        </p:spPr>
+      </p:pic>
+      <p:sp>
+        <p:nvSpPr>
+          <p:cNvPr id="117" name="TextBox 116">
+            <a:extLst>
+              <a:ext uri="{FF2B5EF4-FFF2-40B4-BE49-F238E27FC236}">
+                <a16:creationId xmlns:a16="http://schemas.microsoft.com/office/drawing/2014/main" id="{54AC1F6C-C330-4BEA-B5AC-30E276271F2C}"/>
+              </a:ext>
+            </a:extLst>
+          </p:cNvPr>
+          <p:cNvSpPr txBox="1"/>
+          <p:nvPr/>
+        </p:nvSpPr>
+        <p:spPr>
+          <a:xfrm>
+            <a:off x="6903014" y="2264596"/>
+            <a:ext cx="326231" cy="215444"/>
+          </a:xfrm>
+          <a:prstGeom prst="rect">
+            <a:avLst/>
+          </a:prstGeom>
+          <a:noFill/>
+        </p:spPr>
+        <p:txBody>
+          <a:bodyPr wrap="square" rtlCol="0">
+            <a:spAutoFit/>
+          </a:bodyPr>
+          <a:lstStyle/>
+          <a:p>
+            <a:r>
+              <a:rPr lang="en-IE" sz="800" dirty="0"/>
+              <a:t>.10</a:t>
+            </a:r>
+          </a:p>
+        </p:txBody>
+      </p:sp>
+      <p:sp>
+        <p:nvSpPr>
+          <p:cNvPr id="118" name="TextBox 117">
+            <a:extLst>
+              <a:ext uri="{FF2B5EF4-FFF2-40B4-BE49-F238E27FC236}">
+                <a16:creationId xmlns:a16="http://schemas.microsoft.com/office/drawing/2014/main" id="{A9D5C0F0-BA9F-40E4-8735-E04F3D02DC41}"/>
+              </a:ext>
+            </a:extLst>
+          </p:cNvPr>
+          <p:cNvSpPr txBox="1"/>
+          <p:nvPr/>
+        </p:nvSpPr>
+        <p:spPr>
+          <a:xfrm>
+            <a:off x="7004944" y="2727047"/>
+            <a:ext cx="326231" cy="215444"/>
+          </a:xfrm>
+          <a:prstGeom prst="rect">
+            <a:avLst/>
+          </a:prstGeom>
+          <a:noFill/>
+        </p:spPr>
+        <p:txBody>
+          <a:bodyPr wrap="square" rtlCol="0">
+            <a:spAutoFit/>
+          </a:bodyPr>
+          <a:lstStyle/>
+          <a:p>
+            <a:r>
+              <a:rPr lang="en-IE" sz="800" dirty="0"/>
+              <a:t>.10</a:t>
+            </a:r>
+          </a:p>
+        </p:txBody>
+      </p:sp>
+      <p:sp>
+        <p:nvSpPr>
+          <p:cNvPr id="119" name="TextBox 118">
+            <a:extLst>
+              <a:ext uri="{FF2B5EF4-FFF2-40B4-BE49-F238E27FC236}">
+                <a16:creationId xmlns:a16="http://schemas.microsoft.com/office/drawing/2014/main" id="{CD8AE30D-FD0C-463B-9E31-25E0C9B6E889}"/>
+              </a:ext>
+            </a:extLst>
+          </p:cNvPr>
+          <p:cNvSpPr txBox="1"/>
+          <p:nvPr/>
+        </p:nvSpPr>
+        <p:spPr>
+          <a:xfrm>
+            <a:off x="7065158" y="3144786"/>
+            <a:ext cx="326231" cy="215444"/>
+          </a:xfrm>
+          <a:prstGeom prst="rect">
+            <a:avLst/>
+          </a:prstGeom>
+          <a:noFill/>
+        </p:spPr>
+        <p:txBody>
+          <a:bodyPr wrap="square" rtlCol="0">
+            <a:spAutoFit/>
+          </a:bodyPr>
+          <a:lstStyle/>
+          <a:p>
+            <a:r>
+              <a:rPr lang="en-IE" sz="800" dirty="0"/>
+              <a:t>.10</a:t>
+            </a:r>
+          </a:p>
+        </p:txBody>
+      </p:sp>
+      <p:sp>
+        <p:nvSpPr>
+          <p:cNvPr id="120" name="TextBox 119">
+            <a:extLst>
+              <a:ext uri="{FF2B5EF4-FFF2-40B4-BE49-F238E27FC236}">
+                <a16:creationId xmlns:a16="http://schemas.microsoft.com/office/drawing/2014/main" id="{CE0B46F1-BAC1-44D6-A022-FEEDE6FCC36D}"/>
+              </a:ext>
+            </a:extLst>
+          </p:cNvPr>
+          <p:cNvSpPr txBox="1"/>
+          <p:nvPr/>
+        </p:nvSpPr>
+        <p:spPr>
+          <a:xfrm>
+            <a:off x="7078612" y="3935368"/>
+            <a:ext cx="326231" cy="215444"/>
+          </a:xfrm>
+          <a:prstGeom prst="rect">
+            <a:avLst/>
+          </a:prstGeom>
+          <a:noFill/>
+        </p:spPr>
+        <p:txBody>
+          <a:bodyPr wrap="square" rtlCol="0">
+            <a:spAutoFit/>
+          </a:bodyPr>
+          <a:lstStyle/>
+          <a:p>
+            <a:r>
+              <a:rPr lang="en-IE" sz="800" dirty="0"/>
+              <a:t>.10</a:t>
+            </a:r>
+          </a:p>
+        </p:txBody>
+      </p:sp>
+      <p:sp>
+        <p:nvSpPr>
+          <p:cNvPr id="121" name="TextBox 120">
+            <a:extLst>
+              <a:ext uri="{FF2B5EF4-FFF2-40B4-BE49-F238E27FC236}">
+                <a16:creationId xmlns:a16="http://schemas.microsoft.com/office/drawing/2014/main" id="{6A1AE44E-C755-43B8-89B5-FF37C7F2A37E}"/>
+              </a:ext>
+            </a:extLst>
+          </p:cNvPr>
+          <p:cNvSpPr txBox="1"/>
+          <p:nvPr/>
+        </p:nvSpPr>
+        <p:spPr>
+          <a:xfrm>
+            <a:off x="7090515" y="4482253"/>
+            <a:ext cx="326231" cy="215444"/>
+          </a:xfrm>
+          <a:prstGeom prst="rect">
+            <a:avLst/>
+          </a:prstGeom>
+          <a:noFill/>
+        </p:spPr>
+        <p:txBody>
+          <a:bodyPr wrap="square" rtlCol="0">
+            <a:spAutoFit/>
+          </a:bodyPr>
+          <a:lstStyle/>
+          <a:p>
+            <a:r>
+              <a:rPr lang="en-IE" sz="800" dirty="0"/>
+              <a:t>.10</a:t>
+            </a:r>
+          </a:p>
+        </p:txBody>
+      </p:sp>
+      <p:sp>
+        <p:nvSpPr>
+          <p:cNvPr id="122" name="TextBox 121">
+            <a:extLst>
+              <a:ext uri="{FF2B5EF4-FFF2-40B4-BE49-F238E27FC236}">
+                <a16:creationId xmlns:a16="http://schemas.microsoft.com/office/drawing/2014/main" id="{BFF8A1CD-843E-4C6C-BA77-7365B59994E3}"/>
+              </a:ext>
+            </a:extLst>
+          </p:cNvPr>
+          <p:cNvSpPr txBox="1"/>
+          <p:nvPr/>
+        </p:nvSpPr>
+        <p:spPr>
+          <a:xfrm>
+            <a:off x="7014698" y="4808964"/>
+            <a:ext cx="326231" cy="215444"/>
+          </a:xfrm>
+          <a:prstGeom prst="rect">
+            <a:avLst/>
+          </a:prstGeom>
+          <a:noFill/>
+        </p:spPr>
+        <p:txBody>
+          <a:bodyPr wrap="square" rtlCol="0">
+            <a:spAutoFit/>
+          </a:bodyPr>
+          <a:lstStyle/>
+          <a:p>
+            <a:r>
+              <a:rPr lang="en-IE" sz="800" dirty="0"/>
+              <a:t>.10</a:t>
+            </a:r>
+          </a:p>
+        </p:txBody>
+      </p:sp>
+      <p:sp>
+        <p:nvSpPr>
+          <p:cNvPr id="123" name="TextBox 122">
+            <a:extLst>
+              <a:ext uri="{FF2B5EF4-FFF2-40B4-BE49-F238E27FC236}">
+                <a16:creationId xmlns:a16="http://schemas.microsoft.com/office/drawing/2014/main" id="{3C609B44-343C-4D54-99FC-EC35D31E64BE}"/>
+              </a:ext>
+            </a:extLst>
+          </p:cNvPr>
+          <p:cNvSpPr txBox="1"/>
+          <p:nvPr/>
+        </p:nvSpPr>
+        <p:spPr>
+          <a:xfrm>
+            <a:off x="6475210" y="4729850"/>
+            <a:ext cx="326231" cy="215444"/>
+          </a:xfrm>
+          <a:prstGeom prst="rect">
+            <a:avLst/>
+          </a:prstGeom>
+          <a:noFill/>
+        </p:spPr>
+        <p:txBody>
+          <a:bodyPr wrap="square" rtlCol="0">
+            <a:spAutoFit/>
+          </a:bodyPr>
+          <a:lstStyle/>
+          <a:p>
+            <a:r>
+              <a:rPr lang="en-IE" sz="800" dirty="0"/>
+              <a:t>.10</a:t>
+            </a:r>
+          </a:p>
+        </p:txBody>
+      </p:sp>
+      <p:sp>
+        <p:nvSpPr>
+          <p:cNvPr id="124" name="TextBox 123">
+            <a:extLst>
+              <a:ext uri="{FF2B5EF4-FFF2-40B4-BE49-F238E27FC236}">
+                <a16:creationId xmlns:a16="http://schemas.microsoft.com/office/drawing/2014/main" id="{80698EB3-83A3-4826-8D9F-661FB845DD14}"/>
+              </a:ext>
+            </a:extLst>
+          </p:cNvPr>
+          <p:cNvSpPr txBox="1"/>
+          <p:nvPr/>
+        </p:nvSpPr>
+        <p:spPr>
+          <a:xfrm>
+            <a:off x="5629851" y="4704306"/>
+            <a:ext cx="326231" cy="215444"/>
+          </a:xfrm>
+          <a:prstGeom prst="rect">
+            <a:avLst/>
+          </a:prstGeom>
+          <a:noFill/>
+        </p:spPr>
+        <p:txBody>
+          <a:bodyPr wrap="square" rtlCol="0">
+            <a:spAutoFit/>
+          </a:bodyPr>
+          <a:lstStyle/>
+          <a:p>
+            <a:r>
+              <a:rPr lang="en-IE" sz="800" dirty="0"/>
+              <a:t>.10</a:t>
+            </a:r>
+          </a:p>
+        </p:txBody>
+      </p:sp>
+      <p:sp>
+        <p:nvSpPr>
+          <p:cNvPr id="125" name="TextBox 124">
+            <a:extLst>
+              <a:ext uri="{FF2B5EF4-FFF2-40B4-BE49-F238E27FC236}">
+                <a16:creationId xmlns:a16="http://schemas.microsoft.com/office/drawing/2014/main" id="{5EB0DFD6-7E24-449E-AD26-F5558CB8F2CB}"/>
+              </a:ext>
+            </a:extLst>
+          </p:cNvPr>
+          <p:cNvSpPr txBox="1"/>
+          <p:nvPr/>
+        </p:nvSpPr>
+        <p:spPr>
+          <a:xfrm>
+            <a:off x="5546155" y="4107424"/>
+            <a:ext cx="326231" cy="215444"/>
+          </a:xfrm>
+          <a:prstGeom prst="rect">
+            <a:avLst/>
+          </a:prstGeom>
+          <a:noFill/>
+        </p:spPr>
+        <p:txBody>
+          <a:bodyPr wrap="square" rtlCol="0">
+            <a:spAutoFit/>
+          </a:bodyPr>
+          <a:lstStyle/>
+          <a:p>
+            <a:r>
+              <a:rPr lang="en-IE" sz="800" dirty="0"/>
+              <a:t>.10</a:t>
+            </a:r>
+          </a:p>
+        </p:txBody>
+      </p:sp>
+      <p:sp>
+        <p:nvSpPr>
+          <p:cNvPr id="126" name="TextBox 125">
+            <a:extLst>
+              <a:ext uri="{FF2B5EF4-FFF2-40B4-BE49-F238E27FC236}">
+                <a16:creationId xmlns:a16="http://schemas.microsoft.com/office/drawing/2014/main" id="{529AA39C-4D1E-4BEC-8C1B-00D7C2BD7855}"/>
+              </a:ext>
+            </a:extLst>
+          </p:cNvPr>
+          <p:cNvSpPr txBox="1"/>
+          <p:nvPr/>
+        </p:nvSpPr>
+        <p:spPr>
+          <a:xfrm>
+            <a:off x="5310348" y="3458520"/>
+            <a:ext cx="326231" cy="215444"/>
+          </a:xfrm>
+          <a:prstGeom prst="rect">
+            <a:avLst/>
+          </a:prstGeom>
+          <a:noFill/>
+        </p:spPr>
+        <p:txBody>
+          <a:bodyPr wrap="square" rtlCol="0">
+            <a:spAutoFit/>
+          </a:bodyPr>
+          <a:lstStyle/>
+          <a:p>
+            <a:r>
+              <a:rPr lang="en-IE" sz="800" dirty="0"/>
+              <a:t>.10</a:t>
+            </a:r>
+          </a:p>
+        </p:txBody>
+      </p:sp>
+      <p:sp>
+        <p:nvSpPr>
+          <p:cNvPr id="127" name="TextBox 126">
+            <a:extLst>
+              <a:ext uri="{FF2B5EF4-FFF2-40B4-BE49-F238E27FC236}">
+                <a16:creationId xmlns:a16="http://schemas.microsoft.com/office/drawing/2014/main" id="{5E249FF6-D30E-46B0-93CB-F4A04DA89BF6}"/>
+              </a:ext>
+            </a:extLst>
+          </p:cNvPr>
+          <p:cNvSpPr txBox="1"/>
+          <p:nvPr/>
+        </p:nvSpPr>
+        <p:spPr>
+          <a:xfrm>
+            <a:off x="5267209" y="2978417"/>
+            <a:ext cx="326231" cy="215444"/>
+          </a:xfrm>
+          <a:prstGeom prst="rect">
+            <a:avLst/>
+          </a:prstGeom>
+          <a:noFill/>
+        </p:spPr>
+        <p:txBody>
+          <a:bodyPr wrap="square" rtlCol="0">
+            <a:spAutoFit/>
+          </a:bodyPr>
+          <a:lstStyle/>
+          <a:p>
+            <a:r>
+              <a:rPr lang="en-IE" sz="800" dirty="0"/>
+              <a:t>.10</a:t>
+            </a:r>
+          </a:p>
+        </p:txBody>
+      </p:sp>
+      <p:sp>
+        <p:nvSpPr>
+          <p:cNvPr id="128" name="TextBox 127">
+            <a:extLst>
+              <a:ext uri="{FF2B5EF4-FFF2-40B4-BE49-F238E27FC236}">
+                <a16:creationId xmlns:a16="http://schemas.microsoft.com/office/drawing/2014/main" id="{5CF89AB5-E5BB-4534-8C40-2DAFEF29F52D}"/>
+              </a:ext>
+            </a:extLst>
+          </p:cNvPr>
+          <p:cNvSpPr txBox="1"/>
+          <p:nvPr/>
+        </p:nvSpPr>
+        <p:spPr>
+          <a:xfrm>
+            <a:off x="5251022" y="2500883"/>
+            <a:ext cx="326231" cy="215444"/>
+          </a:xfrm>
+          <a:prstGeom prst="rect">
+            <a:avLst/>
+          </a:prstGeom>
+          <a:noFill/>
+        </p:spPr>
+        <p:txBody>
+          <a:bodyPr wrap="square" rtlCol="0">
+            <a:spAutoFit/>
+          </a:bodyPr>
+          <a:lstStyle/>
+          <a:p>
+            <a:r>
+              <a:rPr lang="en-IE" sz="800" dirty="0"/>
+              <a:t>.10</a:t>
+            </a:r>
+          </a:p>
+        </p:txBody>
+      </p:sp>
+      <p:sp>
+        <p:nvSpPr>
+          <p:cNvPr id="129" name="TextBox 128">
+            <a:extLst>
+              <a:ext uri="{FF2B5EF4-FFF2-40B4-BE49-F238E27FC236}">
+                <a16:creationId xmlns:a16="http://schemas.microsoft.com/office/drawing/2014/main" id="{4A2C9DB1-4CDD-4B03-A421-46884D901F89}"/>
+              </a:ext>
+            </a:extLst>
+          </p:cNvPr>
+          <p:cNvSpPr txBox="1"/>
+          <p:nvPr/>
+        </p:nvSpPr>
+        <p:spPr>
+          <a:xfrm>
+            <a:off x="5478409" y="2224061"/>
+            <a:ext cx="326231" cy="215444"/>
+          </a:xfrm>
+          <a:prstGeom prst="rect">
+            <a:avLst/>
+          </a:prstGeom>
+          <a:noFill/>
+        </p:spPr>
+        <p:txBody>
+          <a:bodyPr wrap="square" rtlCol="0">
+            <a:spAutoFit/>
+          </a:bodyPr>
+          <a:lstStyle/>
+          <a:p>
+            <a:r>
+              <a:rPr lang="en-IE" sz="800" dirty="0"/>
+              <a:t>.10</a:t>
+            </a:r>
+          </a:p>
+        </p:txBody>
+      </p:sp>
+      <p:sp>
+        <p:nvSpPr>
+          <p:cNvPr id="130" name="TextBox 129">
+            <a:extLst>
+              <a:ext uri="{FF2B5EF4-FFF2-40B4-BE49-F238E27FC236}">
+                <a16:creationId xmlns:a16="http://schemas.microsoft.com/office/drawing/2014/main" id="{70562F7D-52A8-403A-935B-BED3D1D46429}"/>
+              </a:ext>
+            </a:extLst>
+          </p:cNvPr>
+          <p:cNvSpPr txBox="1"/>
+          <p:nvPr/>
+        </p:nvSpPr>
+        <p:spPr>
+          <a:xfrm>
+            <a:off x="6193240" y="1929171"/>
+            <a:ext cx="326231" cy="215444"/>
+          </a:xfrm>
+          <a:prstGeom prst="rect">
+            <a:avLst/>
+          </a:prstGeom>
+          <a:noFill/>
+        </p:spPr>
+        <p:txBody>
+          <a:bodyPr wrap="square" rtlCol="0">
+            <a:spAutoFit/>
+          </a:bodyPr>
+          <a:lstStyle/>
+          <a:p>
+            <a:r>
+              <a:rPr lang="en-IE" sz="800" dirty="0"/>
+              <a:t>.10</a:t>
+            </a:r>
+          </a:p>
+        </p:txBody>
+      </p:sp>
+      <p:cxnSp>
+        <p:nvCxnSpPr>
+          <p:cNvPr id="86" name="Straight Connector 85">
+            <a:extLst>
+              <a:ext uri="{FF2B5EF4-FFF2-40B4-BE49-F238E27FC236}">
+                <a16:creationId xmlns:a16="http://schemas.microsoft.com/office/drawing/2014/main" id="{879B4CCB-5A5B-446C-B54B-F735FFF79A3A}"/>
+              </a:ext>
+            </a:extLst>
+          </p:cNvPr>
+          <p:cNvCxnSpPr>
+            <a:cxnSpLocks/>
+          </p:cNvCxnSpPr>
+          <p:nvPr/>
+        </p:nvCxnSpPr>
+        <p:spPr>
+          <a:xfrm flipH="1">
+            <a:off x="6979802" y="3069500"/>
+            <a:ext cx="2324049" cy="455281"/>
+          </a:xfrm>
+          <a:prstGeom prst="line">
+            <a:avLst/>
+          </a:prstGeom>
+        </p:spPr>
+        <p:style>
+          <a:lnRef idx="1">
+            <a:schemeClr val="accent1"/>
+          </a:lnRef>
+          <a:fillRef idx="0">
+            <a:schemeClr val="accent1"/>
+          </a:fillRef>
+          <a:effectRef idx="0">
+            <a:schemeClr val="accent1"/>
+          </a:effectRef>
+          <a:fontRef idx="minor">
+            <a:schemeClr val="tx1"/>
+          </a:fontRef>
+        </p:style>
+      </p:cxnSp>
+      <p:sp>
+        <p:nvSpPr>
+          <p:cNvPr id="87" name="TextBox 86">
+            <a:extLst>
+              <a:ext uri="{FF2B5EF4-FFF2-40B4-BE49-F238E27FC236}">
+                <a16:creationId xmlns:a16="http://schemas.microsoft.com/office/drawing/2014/main" id="{30022DD5-205B-49B0-B773-FD4225840DEF}"/>
+              </a:ext>
+            </a:extLst>
+          </p:cNvPr>
+          <p:cNvSpPr txBox="1"/>
+          <p:nvPr/>
+        </p:nvSpPr>
+        <p:spPr>
+          <a:xfrm rot="21036670">
+            <a:off x="8061484" y="3205661"/>
+            <a:ext cx="1023037" cy="215444"/>
+          </a:xfrm>
+          <a:prstGeom prst="rect">
+            <a:avLst/>
+          </a:prstGeom>
+          <a:noFill/>
+        </p:spPr>
+        <p:txBody>
+          <a:bodyPr wrap="square" rtlCol="0">
+            <a:spAutoFit/>
+          </a:bodyPr>
+          <a:lstStyle/>
+          <a:p>
+            <a:r>
+              <a:rPr lang="en-IE" sz="800" dirty="0"/>
+              <a:t>192.168.2.20</a:t>
+            </a:r>
+          </a:p>
+        </p:txBody>
+      </p:sp>
+      <p:sp>
+        <p:nvSpPr>
+          <p:cNvPr id="89" name="TextBox 88">
+            <a:extLst>
+              <a:ext uri="{FF2B5EF4-FFF2-40B4-BE49-F238E27FC236}">
+                <a16:creationId xmlns:a16="http://schemas.microsoft.com/office/drawing/2014/main" id="{D18C8859-E254-48EB-8465-9B25281558B7}"/>
+              </a:ext>
+            </a:extLst>
+          </p:cNvPr>
+          <p:cNvSpPr txBox="1"/>
+          <p:nvPr/>
+        </p:nvSpPr>
+        <p:spPr>
+          <a:xfrm>
+            <a:off x="7487539" y="3347557"/>
+            <a:ext cx="326231" cy="215444"/>
+          </a:xfrm>
+          <a:prstGeom prst="rect">
+            <a:avLst/>
+          </a:prstGeom>
+          <a:noFill/>
+        </p:spPr>
+        <p:txBody>
+          <a:bodyPr wrap="square" rtlCol="0">
+            <a:spAutoFit/>
+          </a:bodyPr>
+          <a:lstStyle/>
+          <a:p>
+            <a:r>
+              <a:rPr lang="en-IE" sz="800" dirty="0"/>
+              <a:t>.10</a:t>
             </a:r>
           </a:p>
         </p:txBody>
